--- a/주제 발표.pptx
+++ b/주제 발표.pptx
@@ -5,9 +5,11 @@
     <p:sldMasterId id="2147483648" r:id="rId1"/>
   </p:sldMasterIdLst>
   <p:sldIdLst>
-    <p:sldId id="256" r:id="rId2"/>
-    <p:sldId id="257" r:id="rId3"/>
-    <p:sldId id="258" r:id="rId4"/>
+    <p:sldId id="259" r:id="rId2"/>
+    <p:sldId id="260" r:id="rId3"/>
+    <p:sldId id="256" r:id="rId4"/>
+    <p:sldId id="257" r:id="rId5"/>
+    <p:sldId id="258" r:id="rId6"/>
   </p:sldIdLst>
   <p:sldSz cx="12192000" cy="6858000"/>
   <p:notesSz cx="6858000" cy="9144000"/>
@@ -106,6 +108,11 @@
       </a:defRPr>
     </a:lvl9pPr>
   </p:defaultTextStyle>
+  <p:extLst>
+    <p:ext uri="{EFAFB233-063F-42B5-8137-9DF3F51BA10A}">
+      <p15:sldGuideLst xmlns:p15="http://schemas.microsoft.com/office/powerpoint/2012/main"/>
+    </p:ext>
+  </p:extLst>
 </p:presentation>
 </file>
 
@@ -2966,807 +2973,148 @@
           <a:chExt cx="0" cy="0"/>
         </a:xfrm>
       </p:grpSpPr>
-      <p:sp>
-        <p:nvSpPr>
-          <p:cNvPr id="2" name="제목 1"/>
-          <p:cNvSpPr>
-            <a:spLocks noGrp="1"/>
-          </p:cNvSpPr>
-          <p:nvPr>
-            <p:ph type="ctrTitle"/>
-          </p:nvPr>
-        </p:nvSpPr>
-        <p:spPr>
+      <p:pic>
+        <p:nvPicPr>
+          <p:cNvPr id="1026" name="Picture 2" descr="AI 이미지 검색결과"/>
+          <p:cNvPicPr>
+            <a:picLocks noChangeAspect="1" noChangeArrowheads="1"/>
+          </p:cNvPicPr>
+          <p:nvPr/>
+        </p:nvPicPr>
+        <p:blipFill>
+          <a:blip r:embed="rId2">
+            <a:extLst>
+              <a:ext uri="{28A0092B-C50C-407E-A947-70E740481C1C}">
+                <a14:useLocalDpi xmlns:a14="http://schemas.microsoft.com/office/drawing/2010/main" val="0"/>
+              </a:ext>
+            </a:extLst>
+          </a:blip>
+          <a:srcRect/>
+          <a:stretch>
+            <a:fillRect/>
+          </a:stretch>
+        </p:blipFill>
+        <p:spPr bwMode="auto">
           <a:xfrm>
-            <a:off x="1524000" y="125259"/>
-            <a:ext cx="9144000" cy="841919"/>
-          </a:xfrm>
-        </p:spPr>
-        <p:txBody>
-          <a:bodyPr>
-            <a:normAutofit/>
-          </a:bodyPr>
-          <a:lstStyle/>
-          <a:p>
-            <a:r>
-              <a:rPr lang="ko-KR" altLang="ko-KR" sz="4000" b="1" dirty="0"/>
-              <a:t>제 </a:t>
-            </a:r>
-            <a:r>
-              <a:rPr lang="en-US" altLang="ko-KR" sz="4000" b="1" dirty="0"/>
-              <a:t>21</a:t>
-            </a:r>
-            <a:r>
-              <a:rPr lang="ko-KR" altLang="ko-KR" sz="4000" b="1" dirty="0"/>
-              <a:t>대 국회의원 총선 선거 예측</a:t>
-            </a:r>
-            <a:endParaRPr lang="ko-KR" altLang="en-US" sz="4000" b="1" dirty="0"/>
-          </a:p>
-        </p:txBody>
-      </p:sp>
-      <p:sp>
-        <p:nvSpPr>
-          <p:cNvPr id="4" name="직사각형 3"/>
-          <p:cNvSpPr/>
-          <p:nvPr/>
-        </p:nvSpPr>
-        <p:spPr>
-          <a:xfrm>
-            <a:off x="793315" y="1222195"/>
-            <a:ext cx="10855890" cy="1695849"/>
+            <a:off x="0" y="0"/>
+            <a:ext cx="12192000" cy="6858000"/>
           </a:xfrm>
           <a:prstGeom prst="rect">
             <a:avLst/>
           </a:prstGeom>
+          <a:noFill/>
+          <a:extLst>
+            <a:ext uri="{909E8E84-426E-40DD-AFC4-6F175D3DCCD1}">
+              <a14:hiddenFill xmlns:a14="http://schemas.microsoft.com/office/drawing/2010/main">
+                <a:solidFill>
+                  <a:srgbClr val="FFFFFF"/>
+                </a:solidFill>
+              </a14:hiddenFill>
+            </a:ext>
+          </a:extLst>
         </p:spPr>
-        <p:txBody>
-          <a:bodyPr wrap="square">
-            <a:spAutoFit/>
-          </a:bodyPr>
-          <a:lstStyle/>
-          <a:p>
-            <a:pPr algn="just">
-              <a:lnSpc>
-                <a:spcPct val="107000"/>
-              </a:lnSpc>
-              <a:spcAft>
-                <a:spcPts val="800"/>
-              </a:spcAft>
-            </a:pPr>
-            <a:r>
-              <a:rPr lang="ko-KR" altLang="ko-KR" sz="2000" b="1" kern="100" dirty="0">
-                <a:latin typeface="맑은 고딕" panose="020B0503020000020004" pitchFamily="50" charset="-127"/>
-                <a:cs typeface="Times New Roman" panose="02020603050405020304" pitchFamily="18" charset="0"/>
-              </a:rPr>
-              <a:t>서비스</a:t>
-            </a:r>
-            <a:r>
-              <a:rPr lang="en-US" altLang="ko-KR" sz="2000" b="1" kern="100" dirty="0">
-                <a:latin typeface="맑은 고딕" panose="020B0503020000020004" pitchFamily="50" charset="-127"/>
-                <a:cs typeface="Times New Roman" panose="02020603050405020304" pitchFamily="18" charset="0"/>
-              </a:rPr>
-              <a:t>1. </a:t>
-            </a:r>
-            <a:r>
-              <a:rPr lang="ko-KR" altLang="ko-KR" sz="2000" b="1" kern="100" dirty="0">
-                <a:latin typeface="맑은 고딕" panose="020B0503020000020004" pitchFamily="50" charset="-127"/>
-                <a:cs typeface="Times New Roman" panose="02020603050405020304" pitchFamily="18" charset="0"/>
-              </a:rPr>
-              <a:t>현역 국회의원 </a:t>
-            </a:r>
-            <a:r>
-              <a:rPr lang="ko-KR" altLang="ko-KR" sz="2000" b="1" kern="100" dirty="0" err="1">
-                <a:latin typeface="맑은 고딕" panose="020B0503020000020004" pitchFamily="50" charset="-127"/>
-                <a:cs typeface="Times New Roman" panose="02020603050405020304" pitchFamily="18" charset="0"/>
-              </a:rPr>
-              <a:t>재당선</a:t>
-            </a:r>
-            <a:r>
-              <a:rPr lang="ko-KR" altLang="ko-KR" sz="2000" b="1" kern="100" dirty="0">
-                <a:latin typeface="맑은 고딕" panose="020B0503020000020004" pitchFamily="50" charset="-127"/>
-                <a:cs typeface="Times New Roman" panose="02020603050405020304" pitchFamily="18" charset="0"/>
-              </a:rPr>
-              <a:t> 여부 예측</a:t>
-            </a:r>
-            <a:r>
-              <a:rPr lang="en-US" altLang="ko-KR" sz="2000" b="1" kern="100" dirty="0">
-                <a:latin typeface="맑은 고딕" panose="020B0503020000020004" pitchFamily="50" charset="-127"/>
-                <a:cs typeface="Times New Roman" panose="02020603050405020304" pitchFamily="18" charset="0"/>
-              </a:rPr>
-              <a:t>(</a:t>
-            </a:r>
-            <a:r>
-              <a:rPr lang="ko-KR" altLang="ko-KR" sz="2000" b="1" kern="100" dirty="0">
-                <a:latin typeface="맑은 고딕" panose="020B0503020000020004" pitchFamily="50" charset="-127"/>
-                <a:cs typeface="Times New Roman" panose="02020603050405020304" pitchFamily="18" charset="0"/>
-              </a:rPr>
-              <a:t>현역 국회의원 </a:t>
-            </a:r>
-            <a:r>
-              <a:rPr lang="en-US" altLang="ko-KR" sz="2000" b="1" kern="100" dirty="0">
-                <a:latin typeface="맑은 고딕" panose="020B0503020000020004" pitchFamily="50" charset="-127"/>
-                <a:cs typeface="Times New Roman" panose="02020603050405020304" pitchFamily="18" charset="0"/>
-              </a:rPr>
-              <a:t>297</a:t>
-            </a:r>
-            <a:r>
-              <a:rPr lang="ko-KR" altLang="ko-KR" sz="2000" b="1" kern="100" dirty="0">
-                <a:latin typeface="맑은 고딕" panose="020B0503020000020004" pitchFamily="50" charset="-127"/>
-                <a:cs typeface="Times New Roman" panose="02020603050405020304" pitchFamily="18" charset="0"/>
-              </a:rPr>
-              <a:t>명 중 제</a:t>
-            </a:r>
-            <a:r>
-              <a:rPr lang="en-US" altLang="ko-KR" sz="2000" b="1" kern="100" dirty="0">
-                <a:latin typeface="맑은 고딕" panose="020B0503020000020004" pitchFamily="50" charset="-127"/>
-                <a:cs typeface="Times New Roman" panose="02020603050405020304" pitchFamily="18" charset="0"/>
-              </a:rPr>
-              <a:t> 21</a:t>
-            </a:r>
-            <a:r>
-              <a:rPr lang="ko-KR" altLang="ko-KR" sz="2000" b="1" kern="100" dirty="0">
-                <a:latin typeface="맑은 고딕" panose="020B0503020000020004" pitchFamily="50" charset="-127"/>
-                <a:cs typeface="Times New Roman" panose="02020603050405020304" pitchFamily="18" charset="0"/>
-              </a:rPr>
-              <a:t>대 총선 출마 인원</a:t>
-            </a:r>
-            <a:r>
-              <a:rPr lang="en-US" altLang="ko-KR" sz="2000" b="1" kern="100" dirty="0">
-                <a:latin typeface="맑은 고딕" panose="020B0503020000020004" pitchFamily="50" charset="-127"/>
-                <a:cs typeface="Times New Roman" panose="02020603050405020304" pitchFamily="18" charset="0"/>
-              </a:rPr>
-              <a:t>)</a:t>
-            </a:r>
-            <a:endParaRPr lang="ko-KR" altLang="ko-KR" sz="2000" b="1" kern="100" dirty="0">
-              <a:latin typeface="맑은 고딕" panose="020B0503020000020004" pitchFamily="50" charset="-127"/>
-              <a:cs typeface="Times New Roman" panose="02020603050405020304" pitchFamily="18" charset="0"/>
-            </a:endParaRPr>
-          </a:p>
-          <a:p>
-            <a:pPr algn="just">
-              <a:lnSpc>
-                <a:spcPct val="107000"/>
-              </a:lnSpc>
-              <a:spcAft>
-                <a:spcPts val="800"/>
-              </a:spcAft>
-            </a:pPr>
-            <a:r>
-              <a:rPr lang="ko-KR" altLang="ko-KR" sz="2000" b="1" kern="100" dirty="0">
-                <a:latin typeface="맑은 고딕" panose="020B0503020000020004" pitchFamily="50" charset="-127"/>
-                <a:cs typeface="Times New Roman" panose="02020603050405020304" pitchFamily="18" charset="0"/>
-              </a:rPr>
-              <a:t>방법</a:t>
-            </a:r>
-            <a:r>
-              <a:rPr lang="en-US" altLang="ko-KR" sz="2000" b="1" kern="100" dirty="0">
-                <a:latin typeface="맑은 고딕" panose="020B0503020000020004" pitchFamily="50" charset="-127"/>
-                <a:cs typeface="Times New Roman" panose="02020603050405020304" pitchFamily="18" charset="0"/>
-              </a:rPr>
-              <a:t>1. </a:t>
-            </a:r>
-            <a:r>
-              <a:rPr lang="ko-KR" altLang="ko-KR" sz="2000" b="1" kern="100" dirty="0">
-                <a:latin typeface="맑은 고딕" panose="020B0503020000020004" pitchFamily="50" charset="-127"/>
-                <a:cs typeface="Times New Roman" panose="02020603050405020304" pitchFamily="18" charset="0"/>
-              </a:rPr>
-              <a:t>제 </a:t>
-            </a:r>
-            <a:r>
-              <a:rPr lang="en-US" altLang="ko-KR" sz="2000" b="1" kern="100" dirty="0">
-                <a:latin typeface="맑은 고딕" panose="020B0503020000020004" pitchFamily="50" charset="-127"/>
-                <a:cs typeface="Times New Roman" panose="02020603050405020304" pitchFamily="18" charset="0"/>
-              </a:rPr>
-              <a:t>20</a:t>
-            </a:r>
-            <a:r>
-              <a:rPr lang="ko-KR" altLang="ko-KR" sz="2000" b="1" kern="100" dirty="0">
-                <a:latin typeface="맑은 고딕" panose="020B0503020000020004" pitchFamily="50" charset="-127"/>
-                <a:cs typeface="Times New Roman" panose="02020603050405020304" pitchFamily="18" charset="0"/>
-              </a:rPr>
-              <a:t>대 국회의원 총선 공약키워드 및 제</a:t>
-            </a:r>
-            <a:r>
-              <a:rPr lang="en-US" altLang="ko-KR" sz="2000" b="1" kern="100" dirty="0">
-                <a:latin typeface="맑은 고딕" panose="020B0503020000020004" pitchFamily="50" charset="-127"/>
-                <a:cs typeface="Times New Roman" panose="02020603050405020304" pitchFamily="18" charset="0"/>
-              </a:rPr>
-              <a:t>21</a:t>
-            </a:r>
-            <a:r>
-              <a:rPr lang="ko-KR" altLang="ko-KR" sz="2000" b="1" kern="100" dirty="0">
-                <a:latin typeface="맑은 고딕" panose="020B0503020000020004" pitchFamily="50" charset="-127"/>
-                <a:cs typeface="Times New Roman" panose="02020603050405020304" pitchFamily="18" charset="0"/>
-              </a:rPr>
-              <a:t>대 총선 공약키워드 비교</a:t>
-            </a:r>
-          </a:p>
-          <a:p>
-            <a:pPr algn="just">
-              <a:lnSpc>
-                <a:spcPct val="107000"/>
-              </a:lnSpc>
-              <a:spcAft>
-                <a:spcPts val="800"/>
-              </a:spcAft>
-            </a:pPr>
-            <a:r>
-              <a:rPr lang="ko-KR" altLang="ko-KR" sz="2000" b="1" kern="100" dirty="0">
-                <a:latin typeface="맑은 고딕" panose="020B0503020000020004" pitchFamily="50" charset="-127"/>
-                <a:cs typeface="Times New Roman" panose="02020603050405020304" pitchFamily="18" charset="0"/>
-              </a:rPr>
-              <a:t>방법</a:t>
-            </a:r>
-            <a:r>
-              <a:rPr lang="en-US" altLang="ko-KR" sz="2000" b="1" kern="100" dirty="0">
-                <a:latin typeface="맑은 고딕" panose="020B0503020000020004" pitchFamily="50" charset="-127"/>
-                <a:cs typeface="Times New Roman" panose="02020603050405020304" pitchFamily="18" charset="0"/>
-              </a:rPr>
-              <a:t>2. </a:t>
-            </a:r>
-            <a:r>
-              <a:rPr lang="ko-KR" altLang="ko-KR" sz="2000" b="1" kern="100" dirty="0">
-                <a:latin typeface="맑은 고딕" panose="020B0503020000020004" pitchFamily="50" charset="-127"/>
-                <a:cs typeface="Times New Roman" panose="02020603050405020304" pitchFamily="18" charset="0"/>
-              </a:rPr>
-              <a:t>뉴스 제목</a:t>
-            </a:r>
-            <a:r>
-              <a:rPr lang="en-US" altLang="ko-KR" sz="2000" b="1" kern="100" dirty="0">
-                <a:latin typeface="맑은 고딕" panose="020B0503020000020004" pitchFamily="50" charset="-127"/>
-                <a:cs typeface="Times New Roman" panose="02020603050405020304" pitchFamily="18" charset="0"/>
-              </a:rPr>
-              <a:t>(</a:t>
-            </a:r>
-            <a:r>
-              <a:rPr lang="ko-KR" altLang="ko-KR" sz="2000" b="1" kern="100" dirty="0">
-                <a:latin typeface="맑은 고딕" panose="020B0503020000020004" pitchFamily="50" charset="-127"/>
-                <a:cs typeface="Times New Roman" panose="02020603050405020304" pitchFamily="18" charset="0"/>
-              </a:rPr>
-              <a:t>혹은 본문</a:t>
-            </a:r>
-            <a:r>
-              <a:rPr lang="en-US" altLang="ko-KR" sz="2000" b="1" kern="100" dirty="0">
-                <a:latin typeface="맑은 고딕" panose="020B0503020000020004" pitchFamily="50" charset="-127"/>
-                <a:cs typeface="Times New Roman" panose="02020603050405020304" pitchFamily="18" charset="0"/>
-              </a:rPr>
-              <a:t>) </a:t>
-            </a:r>
-            <a:r>
-              <a:rPr lang="ko-KR" altLang="ko-KR" sz="2000" b="1" kern="100" dirty="0" err="1">
-                <a:latin typeface="맑은 고딕" panose="020B0503020000020004" pitchFamily="50" charset="-127"/>
-                <a:cs typeface="Times New Roman" panose="02020603050405020304" pitchFamily="18" charset="0"/>
-              </a:rPr>
-              <a:t>긍부정</a:t>
-            </a:r>
-            <a:endParaRPr lang="ko-KR" altLang="ko-KR" sz="2000" b="1" kern="100" dirty="0">
-              <a:latin typeface="맑은 고딕" panose="020B0503020000020004" pitchFamily="50" charset="-127"/>
-              <a:cs typeface="Times New Roman" panose="02020603050405020304" pitchFamily="18" charset="0"/>
-            </a:endParaRPr>
-          </a:p>
-          <a:p>
-            <a:r>
-              <a:rPr lang="ko-KR" altLang="ko-KR" sz="2000" b="1" dirty="0">
-                <a:cs typeface="Times New Roman" panose="02020603050405020304" pitchFamily="18" charset="0"/>
-              </a:rPr>
-              <a:t>방법</a:t>
-            </a:r>
-            <a:r>
-              <a:rPr lang="en-US" altLang="ko-KR" sz="2000" b="1" dirty="0">
-                <a:cs typeface="Times New Roman" panose="02020603050405020304" pitchFamily="18" charset="0"/>
-              </a:rPr>
-              <a:t>3. </a:t>
-            </a:r>
-            <a:r>
-              <a:rPr lang="ko-KR" altLang="ko-KR" sz="2000" b="1" dirty="0">
-                <a:cs typeface="Times New Roman" panose="02020603050405020304" pitchFamily="18" charset="0"/>
-              </a:rPr>
-              <a:t>발의 의안 수 및 통과 의안 수</a:t>
-            </a:r>
-            <a:endParaRPr lang="ko-KR" altLang="en-US" sz="2000" b="1" dirty="0"/>
-          </a:p>
-        </p:txBody>
-      </p:sp>
-      <p:sp>
-        <p:nvSpPr>
-          <p:cNvPr id="6" name="직사각형 5"/>
-          <p:cNvSpPr/>
+      </p:pic>
+      <p:sp>
+        <p:nvSpPr>
+          <p:cNvPr id="15" name="TextBox 14"/>
+          <p:cNvSpPr txBox="1"/>
           <p:nvPr/>
         </p:nvSpPr>
         <p:spPr>
           <a:xfrm>
-            <a:off x="793315" y="3126438"/>
-            <a:ext cx="10768208" cy="1695849"/>
+            <a:off x="338203" y="4108537"/>
+            <a:ext cx="5260931" cy="2585323"/>
           </a:xfrm>
           <a:prstGeom prst="rect">
             <a:avLst/>
           </a:prstGeom>
+          <a:noFill/>
         </p:spPr>
         <p:txBody>
-          <a:bodyPr wrap="square">
+          <a:bodyPr wrap="square" rtlCol="0">
             <a:spAutoFit/>
           </a:bodyPr>
           <a:lstStyle/>
           <a:p>
-            <a:pPr algn="just">
-              <a:lnSpc>
-                <a:spcPct val="107000"/>
-              </a:lnSpc>
-              <a:spcAft>
-                <a:spcPts val="800"/>
-              </a:spcAft>
-            </a:pPr>
-            <a:r>
-              <a:rPr lang="ko-KR" altLang="ko-KR" sz="2000" b="1" kern="100" dirty="0">
-                <a:latin typeface="맑은 고딕" panose="020B0503020000020004" pitchFamily="50" charset="-127"/>
-                <a:cs typeface="Times New Roman" panose="02020603050405020304" pitchFamily="18" charset="0"/>
-              </a:rPr>
-              <a:t>서비스</a:t>
-            </a:r>
-            <a:r>
-              <a:rPr lang="en-US" altLang="ko-KR" sz="2000" b="1" kern="100" dirty="0">
-                <a:latin typeface="맑은 고딕" panose="020B0503020000020004" pitchFamily="50" charset="-127"/>
-                <a:cs typeface="Times New Roman" panose="02020603050405020304" pitchFamily="18" charset="0"/>
-              </a:rPr>
-              <a:t>2. </a:t>
-            </a:r>
-            <a:r>
-              <a:rPr lang="ko-KR" altLang="ko-KR" sz="2000" b="1" kern="100" dirty="0">
-                <a:latin typeface="맑은 고딕" panose="020B0503020000020004" pitchFamily="50" charset="-127"/>
-                <a:cs typeface="Times New Roman" panose="02020603050405020304" pitchFamily="18" charset="0"/>
-              </a:rPr>
-              <a:t>지역구 국회의원 선거 당선 여부 예측</a:t>
-            </a:r>
-            <a:r>
-              <a:rPr lang="en-US" altLang="ko-KR" sz="2000" b="1" kern="100" dirty="0">
-                <a:latin typeface="맑은 고딕" panose="020B0503020000020004" pitchFamily="50" charset="-127"/>
-                <a:cs typeface="Times New Roman" panose="02020603050405020304" pitchFamily="18" charset="0"/>
-              </a:rPr>
-              <a:t>(</a:t>
-            </a:r>
-            <a:r>
-              <a:rPr lang="ko-KR" altLang="ko-KR" sz="2000" b="1" kern="100" dirty="0">
-                <a:latin typeface="맑은 고딕" panose="020B0503020000020004" pitchFamily="50" charset="-127"/>
-                <a:cs typeface="Times New Roman" panose="02020603050405020304" pitchFamily="18" charset="0"/>
-              </a:rPr>
-              <a:t>서울특별시 및 경기도 한정 </a:t>
-            </a:r>
-            <a:r>
-              <a:rPr lang="en-US" altLang="ko-KR" sz="2000" b="1" kern="100" dirty="0">
-                <a:latin typeface="맑은 고딕" panose="020B0503020000020004" pitchFamily="50" charset="-127"/>
-                <a:cs typeface="Times New Roman" panose="02020603050405020304" pitchFamily="18" charset="0"/>
-              </a:rPr>
-              <a:t>– </a:t>
-            </a:r>
-            <a:r>
-              <a:rPr lang="ko-KR" altLang="ko-KR" sz="2000" b="1" kern="100" dirty="0">
-                <a:latin typeface="맑은 고딕" panose="020B0503020000020004" pitchFamily="50" charset="-127"/>
-                <a:cs typeface="Times New Roman" panose="02020603050405020304" pitchFamily="18" charset="0"/>
-              </a:rPr>
-              <a:t>비례대표 제외</a:t>
-            </a:r>
-            <a:r>
-              <a:rPr lang="en-US" altLang="ko-KR" sz="2000" b="1" kern="100" dirty="0">
-                <a:latin typeface="맑은 고딕" panose="020B0503020000020004" pitchFamily="50" charset="-127"/>
-                <a:cs typeface="Times New Roman" panose="02020603050405020304" pitchFamily="18" charset="0"/>
-              </a:rPr>
-              <a:t>)</a:t>
-            </a:r>
-            <a:endParaRPr lang="ko-KR" altLang="ko-KR" sz="2000" b="1" kern="100" dirty="0">
-              <a:latin typeface="맑은 고딕" panose="020B0503020000020004" pitchFamily="50" charset="-127"/>
-              <a:cs typeface="Times New Roman" panose="02020603050405020304" pitchFamily="18" charset="0"/>
+            <a:r>
+              <a:rPr lang="en-US" altLang="ko-KR" sz="5400" b="1" dirty="0" smtClean="0">
+                <a:solidFill>
+                  <a:schemeClr val="bg1"/>
+                </a:solidFill>
+                <a:latin typeface="Bauhaus 93" panose="04030905020B02020C02" pitchFamily="82" charset="0"/>
+              </a:rPr>
+              <a:t>Machine Learning </a:t>
+            </a:r>
+          </a:p>
+          <a:p>
+            <a:r>
+              <a:rPr lang="en-US" altLang="ko-KR" sz="5400" b="1" dirty="0" smtClean="0">
+                <a:solidFill>
+                  <a:schemeClr val="bg1"/>
+                </a:solidFill>
+                <a:latin typeface="Bauhaus 93" panose="04030905020B02020C02" pitchFamily="82" charset="0"/>
+              </a:rPr>
+              <a:t>Project </a:t>
+            </a:r>
+            <a:endParaRPr lang="ko-KR" altLang="en-US" sz="5400" b="1" dirty="0">
+              <a:solidFill>
+                <a:schemeClr val="bg1"/>
+              </a:solidFill>
+              <a:latin typeface="Bauhaus 93" panose="04030905020B02020C02" pitchFamily="82" charset="0"/>
             </a:endParaRPr>
           </a:p>
-          <a:p>
-            <a:pPr algn="just">
-              <a:lnSpc>
-                <a:spcPct val="107000"/>
-              </a:lnSpc>
-              <a:spcAft>
-                <a:spcPts val="800"/>
-              </a:spcAft>
-            </a:pPr>
-            <a:r>
-              <a:rPr lang="ko-KR" altLang="ko-KR" sz="2000" b="1" kern="100" dirty="0">
-                <a:latin typeface="맑은 고딕" panose="020B0503020000020004" pitchFamily="50" charset="-127"/>
-                <a:cs typeface="Times New Roman" panose="02020603050405020304" pitchFamily="18" charset="0"/>
-              </a:rPr>
-              <a:t>예시</a:t>
-            </a:r>
-            <a:r>
-              <a:rPr lang="en-US" altLang="ko-KR" sz="2000" b="1" kern="100" dirty="0">
-                <a:latin typeface="맑은 고딕" panose="020B0503020000020004" pitchFamily="50" charset="-127"/>
-                <a:cs typeface="Times New Roman" panose="02020603050405020304" pitchFamily="18" charset="0"/>
-              </a:rPr>
-              <a:t>_ &lt;</a:t>
-            </a:r>
-            <a:r>
-              <a:rPr lang="ko-KR" altLang="ko-KR" sz="2000" b="1" kern="100" dirty="0">
-                <a:latin typeface="맑은 고딕" panose="020B0503020000020004" pitchFamily="50" charset="-127"/>
-                <a:cs typeface="Times New Roman" panose="02020603050405020304" pitchFamily="18" charset="0"/>
-              </a:rPr>
-              <a:t>확실 </a:t>
-            </a:r>
-            <a:r>
-              <a:rPr lang="en-US" altLang="ko-KR" sz="2000" b="1" kern="100" dirty="0">
-                <a:latin typeface="맑은 고딕" panose="020B0503020000020004" pitchFamily="50" charset="-127"/>
-                <a:cs typeface="Times New Roman" panose="02020603050405020304" pitchFamily="18" charset="0"/>
-              </a:rPr>
-              <a:t>/ </a:t>
-            </a:r>
-            <a:r>
-              <a:rPr lang="ko-KR" altLang="ko-KR" sz="2000" b="1" kern="100" dirty="0">
-                <a:latin typeface="맑은 고딕" panose="020B0503020000020004" pitchFamily="50" charset="-127"/>
-                <a:cs typeface="Times New Roman" panose="02020603050405020304" pitchFamily="18" charset="0"/>
-              </a:rPr>
-              <a:t>유력 </a:t>
-            </a:r>
-            <a:r>
-              <a:rPr lang="en-US" altLang="ko-KR" sz="2000" b="1" kern="100" dirty="0">
-                <a:latin typeface="맑은 고딕" panose="020B0503020000020004" pitchFamily="50" charset="-127"/>
-                <a:cs typeface="Times New Roman" panose="02020603050405020304" pitchFamily="18" charset="0"/>
-              </a:rPr>
-              <a:t>/ </a:t>
-            </a:r>
-            <a:r>
-              <a:rPr lang="ko-KR" altLang="ko-KR" sz="2000" b="1" kern="100" dirty="0">
-                <a:latin typeface="맑은 고딕" panose="020B0503020000020004" pitchFamily="50" charset="-127"/>
-                <a:cs typeface="Times New Roman" panose="02020603050405020304" pitchFamily="18" charset="0"/>
-              </a:rPr>
-              <a:t>불리</a:t>
-            </a:r>
-            <a:r>
-              <a:rPr lang="en-US" altLang="ko-KR" sz="2000" b="1" kern="100" dirty="0">
-                <a:latin typeface="맑은 고딕" panose="020B0503020000020004" pitchFamily="50" charset="-127"/>
-                <a:cs typeface="Times New Roman" panose="02020603050405020304" pitchFamily="18" charset="0"/>
-              </a:rPr>
-              <a:t> / </a:t>
-            </a:r>
-            <a:r>
-              <a:rPr lang="ko-KR" altLang="ko-KR" sz="2000" b="1" kern="100" dirty="0">
-                <a:latin typeface="맑은 고딕" panose="020B0503020000020004" pitchFamily="50" charset="-127"/>
-                <a:cs typeface="Times New Roman" panose="02020603050405020304" pitchFamily="18" charset="0"/>
-              </a:rPr>
-              <a:t>보합</a:t>
-            </a:r>
-            <a:r>
-              <a:rPr lang="en-US" altLang="ko-KR" sz="2000" b="1" kern="100" dirty="0">
-                <a:latin typeface="맑은 고딕" panose="020B0503020000020004" pitchFamily="50" charset="-127"/>
-                <a:cs typeface="Times New Roman" panose="02020603050405020304" pitchFamily="18" charset="0"/>
-              </a:rPr>
-              <a:t>&gt;</a:t>
-            </a:r>
-            <a:endParaRPr lang="ko-KR" altLang="ko-KR" sz="2000" b="1" kern="100" dirty="0">
-              <a:latin typeface="맑은 고딕" panose="020B0503020000020004" pitchFamily="50" charset="-127"/>
-              <a:cs typeface="Times New Roman" panose="02020603050405020304" pitchFamily="18" charset="0"/>
-            </a:endParaRPr>
-          </a:p>
-          <a:p>
-            <a:pPr algn="just">
-              <a:lnSpc>
-                <a:spcPct val="107000"/>
-              </a:lnSpc>
-              <a:spcAft>
-                <a:spcPts val="800"/>
-              </a:spcAft>
-            </a:pPr>
-            <a:r>
-              <a:rPr lang="ko-KR" altLang="ko-KR" sz="2000" b="1" kern="100" dirty="0">
-                <a:latin typeface="맑은 고딕" panose="020B0503020000020004" pitchFamily="50" charset="-127"/>
-                <a:cs typeface="Times New Roman" panose="02020603050405020304" pitchFamily="18" charset="0"/>
-              </a:rPr>
-              <a:t>방법</a:t>
-            </a:r>
-            <a:r>
-              <a:rPr lang="en-US" altLang="ko-KR" sz="2000" b="1" kern="100" dirty="0">
-                <a:latin typeface="맑은 고딕" panose="020B0503020000020004" pitchFamily="50" charset="-127"/>
-                <a:cs typeface="Times New Roman" panose="02020603050405020304" pitchFamily="18" charset="0"/>
-              </a:rPr>
-              <a:t>1. </a:t>
-            </a:r>
-            <a:r>
-              <a:rPr lang="ko-KR" altLang="ko-KR" sz="2000" b="1" kern="100" dirty="0">
-                <a:latin typeface="맑은 고딕" panose="020B0503020000020004" pitchFamily="50" charset="-127"/>
-                <a:cs typeface="Times New Roman" panose="02020603050405020304" pitchFamily="18" charset="0"/>
-              </a:rPr>
-              <a:t>선거 당선에 미치는 영향력 있는 변수 파악</a:t>
-            </a:r>
-          </a:p>
-          <a:p>
-            <a:r>
-              <a:rPr lang="ko-KR" altLang="ko-KR" sz="2000" b="1" dirty="0">
-                <a:cs typeface="Times New Roman" panose="02020603050405020304" pitchFamily="18" charset="0"/>
-              </a:rPr>
-              <a:t>정당 </a:t>
-            </a:r>
-            <a:r>
-              <a:rPr lang="en-US" altLang="ko-KR" sz="2000" b="1" dirty="0">
-                <a:cs typeface="Times New Roman" panose="02020603050405020304" pitchFamily="18" charset="0"/>
-              </a:rPr>
-              <a:t>/ </a:t>
-            </a:r>
-            <a:r>
-              <a:rPr lang="ko-KR" altLang="ko-KR" sz="2000" b="1" dirty="0">
-                <a:cs typeface="Times New Roman" panose="02020603050405020304" pitchFamily="18" charset="0"/>
-              </a:rPr>
-              <a:t>당선횟수 </a:t>
-            </a:r>
-            <a:r>
-              <a:rPr lang="en-US" altLang="ko-KR" sz="2000" b="1" dirty="0">
-                <a:cs typeface="Times New Roman" panose="02020603050405020304" pitchFamily="18" charset="0"/>
-              </a:rPr>
-              <a:t>/ </a:t>
-            </a:r>
-            <a:r>
-              <a:rPr lang="ko-KR" altLang="ko-KR" sz="2000" b="1" dirty="0">
-                <a:cs typeface="Times New Roman" panose="02020603050405020304" pitchFamily="18" charset="0"/>
-              </a:rPr>
-              <a:t>뉴스 이슈화 </a:t>
-            </a:r>
-            <a:r>
-              <a:rPr lang="en-US" altLang="ko-KR" sz="2000" b="1" dirty="0">
-                <a:cs typeface="Times New Roman" panose="02020603050405020304" pitchFamily="18" charset="0"/>
-              </a:rPr>
-              <a:t>/ </a:t>
-            </a:r>
-            <a:r>
-              <a:rPr lang="ko-KR" altLang="ko-KR" sz="2000" b="1" dirty="0">
-                <a:cs typeface="Times New Roman" panose="02020603050405020304" pitchFamily="18" charset="0"/>
-              </a:rPr>
-              <a:t>범죄여부 </a:t>
-            </a:r>
-            <a:r>
-              <a:rPr lang="en-US" altLang="ko-KR" sz="2000" b="1" dirty="0">
-                <a:cs typeface="Times New Roman" panose="02020603050405020304" pitchFamily="18" charset="0"/>
-              </a:rPr>
-              <a:t>/ </a:t>
-            </a:r>
-            <a:r>
-              <a:rPr lang="ko-KR" altLang="ko-KR" sz="2000" b="1" dirty="0">
-                <a:cs typeface="Times New Roman" panose="02020603050405020304" pitchFamily="18" charset="0"/>
-              </a:rPr>
-              <a:t>자산 </a:t>
-            </a:r>
-            <a:r>
-              <a:rPr lang="en-US" altLang="ko-KR" sz="2000" b="1" dirty="0">
-                <a:cs typeface="Times New Roman" panose="02020603050405020304" pitchFamily="18" charset="0"/>
-              </a:rPr>
-              <a:t>/ </a:t>
-            </a:r>
-            <a:r>
-              <a:rPr lang="ko-KR" altLang="ko-KR" sz="2000" b="1" dirty="0">
-                <a:cs typeface="Times New Roman" panose="02020603050405020304" pitchFamily="18" charset="0"/>
-              </a:rPr>
-              <a:t>경력 </a:t>
-            </a:r>
-            <a:r>
-              <a:rPr lang="en-US" altLang="ko-KR" sz="2000" b="1" dirty="0">
-                <a:cs typeface="Times New Roman" panose="02020603050405020304" pitchFamily="18" charset="0"/>
-              </a:rPr>
-              <a:t>/ </a:t>
-            </a:r>
-            <a:r>
-              <a:rPr lang="ko-KR" altLang="ko-KR" sz="2000" b="1" dirty="0">
-                <a:cs typeface="Times New Roman" panose="02020603050405020304" pitchFamily="18" charset="0"/>
-              </a:rPr>
-              <a:t>자녀 </a:t>
-            </a:r>
-            <a:r>
-              <a:rPr lang="en-US" altLang="ko-KR" sz="2000" b="1" dirty="0">
-                <a:cs typeface="Times New Roman" panose="02020603050405020304" pitchFamily="18" charset="0"/>
-              </a:rPr>
-              <a:t>/ </a:t>
-            </a:r>
-            <a:r>
-              <a:rPr lang="ko-KR" altLang="ko-KR" sz="2000" b="1" dirty="0">
-                <a:cs typeface="Times New Roman" panose="02020603050405020304" pitchFamily="18" charset="0"/>
-              </a:rPr>
-              <a:t>학벌 </a:t>
-            </a:r>
-            <a:r>
-              <a:rPr lang="en-US" altLang="ko-KR" sz="2000" b="1" dirty="0">
-                <a:cs typeface="Times New Roman" panose="02020603050405020304" pitchFamily="18" charset="0"/>
-              </a:rPr>
-              <a:t>/ </a:t>
-            </a:r>
-            <a:r>
-              <a:rPr lang="ko-KR" altLang="ko-KR" sz="2000" b="1" dirty="0">
-                <a:cs typeface="Times New Roman" panose="02020603050405020304" pitchFamily="18" charset="0"/>
-              </a:rPr>
-              <a:t>지역구</a:t>
-            </a:r>
-            <a:endParaRPr lang="ko-KR" altLang="en-US" sz="2000" b="1" dirty="0"/>
-          </a:p>
-        </p:txBody>
-      </p:sp>
-      <p:sp>
-        <p:nvSpPr>
-          <p:cNvPr id="7" name="부제목 2"/>
-          <p:cNvSpPr>
-            <a:spLocks noGrp="1"/>
-          </p:cNvSpPr>
-          <p:nvPr>
-            <p:ph type="subTitle" idx="1"/>
-          </p:nvPr>
+        </p:txBody>
+      </p:sp>
+      <p:sp>
+        <p:nvSpPr>
+          <p:cNvPr id="16" name="직사각형 15"/>
+          <p:cNvSpPr/>
+          <p:nvPr/>
         </p:nvSpPr>
         <p:spPr>
           <a:xfrm>
-            <a:off x="793315" y="5030681"/>
-            <a:ext cx="10605370" cy="1240077"/>
+            <a:off x="3594969" y="4509370"/>
+            <a:ext cx="45719" cy="1946496"/>
           </a:xfrm>
+          <a:prstGeom prst="rect">
+            <a:avLst/>
+          </a:prstGeom>
+          <a:solidFill>
+            <a:schemeClr val="bg1"/>
+          </a:solidFill>
+          <a:ln>
+            <a:noFill/>
+          </a:ln>
         </p:spPr>
-        <p:txBody>
-          <a:bodyPr>
-            <a:noAutofit/>
-          </a:bodyPr>
-          <a:lstStyle/>
-          <a:p>
-            <a:pPr algn="l"/>
-            <a:r>
-              <a:rPr lang="en-US" altLang="ko-KR" sz="2000" b="1" dirty="0" smtClean="0"/>
-              <a:t>&lt;</a:t>
-            </a:r>
-            <a:r>
-              <a:rPr lang="ko-KR" altLang="en-US" sz="2000" b="1" dirty="0" smtClean="0"/>
-              <a:t>참고사이트</a:t>
-            </a:r>
-            <a:r>
-              <a:rPr lang="en-US" altLang="ko-KR" sz="2000" b="1" dirty="0" smtClean="0"/>
-              <a:t>&gt;</a:t>
-            </a:r>
-          </a:p>
-          <a:p>
-            <a:pPr algn="l"/>
-            <a:r>
-              <a:rPr lang="ko-KR" altLang="ko-KR" sz="2000" b="1" dirty="0" smtClean="0"/>
-              <a:t>국회도서관 </a:t>
-            </a:r>
-            <a:r>
-              <a:rPr lang="ko-KR" altLang="ko-KR" sz="2000" b="1" dirty="0" err="1"/>
-              <a:t>사이트내</a:t>
-            </a:r>
-            <a:r>
-              <a:rPr lang="ko-KR" altLang="ko-KR" sz="2000" b="1" dirty="0"/>
-              <a:t> </a:t>
-            </a:r>
-            <a:r>
-              <a:rPr lang="en-US" altLang="ko-KR" sz="2000" b="1" dirty="0"/>
-              <a:t>– </a:t>
-            </a:r>
-            <a:r>
-              <a:rPr lang="ko-KR" altLang="ko-KR" sz="2000" b="1" dirty="0"/>
-              <a:t>국회법률정보서비스 </a:t>
-            </a:r>
-            <a:r>
-              <a:rPr lang="en-US" altLang="ko-KR" sz="2000" b="1" dirty="0"/>
-              <a:t>/ </a:t>
-            </a:r>
-            <a:r>
-              <a:rPr lang="ko-KR" altLang="ko-KR" sz="2000" b="1" dirty="0"/>
-              <a:t>국회의원 정책자료 </a:t>
-            </a:r>
-            <a:r>
-              <a:rPr lang="en-US" altLang="ko-KR" sz="2000" b="1" dirty="0"/>
-              <a:t>/ </a:t>
-            </a:r>
-            <a:r>
-              <a:rPr lang="ko-KR" altLang="ko-KR" sz="2000" b="1" dirty="0"/>
-              <a:t>의정정보 </a:t>
-            </a:r>
-            <a:r>
-              <a:rPr lang="en-US" altLang="ko-KR" sz="2000" b="1" dirty="0"/>
-              <a:t>/ </a:t>
-            </a:r>
-            <a:r>
-              <a:rPr lang="ko-KR" altLang="ko-KR" sz="2000" b="1" dirty="0" err="1"/>
-              <a:t>아르고스</a:t>
-            </a:r>
-            <a:r>
-              <a:rPr lang="ko-KR" altLang="ko-KR" sz="2000" b="1" dirty="0"/>
-              <a:t> 등</a:t>
-            </a:r>
-          </a:p>
-          <a:p>
-            <a:pPr algn="l"/>
-            <a:r>
-              <a:rPr lang="en-US" altLang="ko-KR" sz="2000" b="1" dirty="0"/>
-              <a:t>SNS </a:t>
-            </a:r>
-            <a:r>
-              <a:rPr lang="ko-KR" altLang="ko-KR" sz="2000" b="1" dirty="0"/>
-              <a:t>데이터 </a:t>
-            </a:r>
-            <a:r>
-              <a:rPr lang="en-US" altLang="ko-KR" sz="2000" b="1" dirty="0"/>
-              <a:t>– </a:t>
-            </a:r>
-            <a:r>
-              <a:rPr lang="ko-KR" altLang="ko-KR" sz="2000" b="1" dirty="0" err="1"/>
-              <a:t>네이버</a:t>
-            </a:r>
-            <a:r>
-              <a:rPr lang="en-US" altLang="ko-KR" sz="2000" b="1" dirty="0"/>
-              <a:t>/</a:t>
-            </a:r>
-            <a:r>
-              <a:rPr lang="ko-KR" altLang="ko-KR" sz="2000" b="1" dirty="0"/>
-              <a:t>다음 뉴스</a:t>
-            </a:r>
-            <a:r>
-              <a:rPr lang="en-US" altLang="ko-KR" sz="2000" b="1" dirty="0"/>
-              <a:t>, </a:t>
-            </a:r>
-            <a:r>
-              <a:rPr lang="ko-KR" altLang="ko-KR" sz="2000" b="1" dirty="0" err="1"/>
-              <a:t>블로그</a:t>
-            </a:r>
-            <a:r>
-              <a:rPr lang="en-US" altLang="ko-KR" sz="2000" b="1" dirty="0"/>
-              <a:t>, </a:t>
-            </a:r>
-            <a:r>
-              <a:rPr lang="ko-KR" altLang="ko-KR" sz="2000" b="1" dirty="0" err="1"/>
-              <a:t>트위터</a:t>
-            </a:r>
-            <a:r>
-              <a:rPr lang="en-US" altLang="ko-KR" sz="2000" b="1" dirty="0"/>
-              <a:t>, </a:t>
-            </a:r>
-            <a:r>
-              <a:rPr lang="ko-KR" altLang="ko-KR" sz="2000" b="1" dirty="0"/>
-              <a:t>커뮤니티 등</a:t>
-            </a:r>
-            <a:r>
-              <a:rPr lang="en-US" altLang="ko-KR" sz="2000" b="1" dirty="0"/>
-              <a:t>(</a:t>
-            </a:r>
-            <a:r>
-              <a:rPr lang="ko-KR" altLang="ko-KR" sz="2000" b="1" dirty="0" err="1"/>
-              <a:t>언급량</a:t>
-            </a:r>
-            <a:r>
-              <a:rPr lang="en-US" altLang="ko-KR" sz="2000" b="1" dirty="0"/>
-              <a:t>, </a:t>
-            </a:r>
-            <a:r>
-              <a:rPr lang="ko-KR" altLang="ko-KR" sz="2000" b="1" dirty="0"/>
-              <a:t>제목 본문 등</a:t>
-            </a:r>
-            <a:r>
-              <a:rPr lang="en-US" altLang="ko-KR" sz="2000" b="1" dirty="0"/>
-              <a:t>)</a:t>
-            </a:r>
-            <a:endParaRPr lang="ko-KR" altLang="ko-KR" sz="2000" b="1" dirty="0"/>
-          </a:p>
-          <a:p>
-            <a:pPr algn="l"/>
-            <a:r>
-              <a:rPr lang="ko-KR" altLang="ko-KR" sz="2000" b="1" dirty="0" err="1"/>
-              <a:t>나무위키</a:t>
-            </a:r>
-            <a:r>
-              <a:rPr lang="ko-KR" altLang="ko-KR" sz="2000" b="1" dirty="0"/>
-              <a:t> </a:t>
-            </a:r>
-            <a:r>
-              <a:rPr lang="en-US" altLang="ko-KR" sz="2000" b="1" dirty="0"/>
-              <a:t>– </a:t>
-            </a:r>
-            <a:r>
-              <a:rPr lang="ko-KR" altLang="ko-KR" sz="2000" b="1" dirty="0"/>
-              <a:t>국회의원 정당 소속 정보</a:t>
-            </a:r>
-          </a:p>
-          <a:p>
-            <a:pPr algn="l"/>
-            <a:endParaRPr lang="ko-KR" altLang="en-US" sz="2000" b="1" dirty="0"/>
+        <p:style>
+          <a:lnRef idx="2">
+            <a:schemeClr val="accent1">
+              <a:shade val="50000"/>
+            </a:schemeClr>
+          </a:lnRef>
+          <a:fillRef idx="1">
+            <a:schemeClr val="accent1"/>
+          </a:fillRef>
+          <a:effectRef idx="0">
+            <a:schemeClr val="accent1"/>
+          </a:effectRef>
+          <a:fontRef idx="minor">
+            <a:schemeClr val="lt1"/>
+          </a:fontRef>
+        </p:style>
+        <p:txBody>
+          <a:bodyPr rtlCol="0" anchor="ctr"/>
+          <a:lstStyle/>
+          <a:p>
+            <a:pPr algn="ctr"/>
+            <a:endParaRPr lang="ko-KR" altLang="en-US"/>
           </a:p>
         </p:txBody>
       </p:sp>
     </p:spTree>
     <p:extLst>
       <p:ext uri="{BB962C8B-B14F-4D97-AF65-F5344CB8AC3E}">
-        <p14:creationId xmlns:p14="http://schemas.microsoft.com/office/powerpoint/2010/main" val="1689626632"/>
+        <p14:creationId xmlns:p14="http://schemas.microsoft.com/office/powerpoint/2010/main" val="4148747914"/>
       </p:ext>
     </p:extLst>
   </p:cSld>
@@ -3802,6 +3150,1260 @@
       </p:grpSpPr>
       <p:sp>
         <p:nvSpPr>
+          <p:cNvPr id="15" name="TextBox 14"/>
+          <p:cNvSpPr txBox="1"/>
+          <p:nvPr/>
+        </p:nvSpPr>
+        <p:spPr>
+          <a:xfrm>
+            <a:off x="338203" y="4108537"/>
+            <a:ext cx="5260931" cy="2585323"/>
+          </a:xfrm>
+          <a:prstGeom prst="rect">
+            <a:avLst/>
+          </a:prstGeom>
+          <a:noFill/>
+        </p:spPr>
+        <p:txBody>
+          <a:bodyPr wrap="square" rtlCol="0">
+            <a:spAutoFit/>
+          </a:bodyPr>
+          <a:lstStyle/>
+          <a:p>
+            <a:r>
+              <a:rPr lang="en-US" altLang="ko-KR" sz="5400" b="1" dirty="0" smtClean="0">
+                <a:solidFill>
+                  <a:schemeClr val="bg1"/>
+                </a:solidFill>
+                <a:latin typeface="Bauhaus 93" panose="04030905020B02020C02" pitchFamily="82" charset="0"/>
+              </a:rPr>
+              <a:t>Machine Learning </a:t>
+            </a:r>
+          </a:p>
+          <a:p>
+            <a:r>
+              <a:rPr lang="en-US" altLang="ko-KR" sz="5400" b="1" dirty="0" smtClean="0">
+                <a:solidFill>
+                  <a:schemeClr val="bg1"/>
+                </a:solidFill>
+                <a:latin typeface="Bauhaus 93" panose="04030905020B02020C02" pitchFamily="82" charset="0"/>
+              </a:rPr>
+              <a:t>Project </a:t>
+            </a:r>
+            <a:endParaRPr lang="ko-KR" altLang="en-US" sz="5400" b="1" dirty="0">
+              <a:solidFill>
+                <a:schemeClr val="bg1"/>
+              </a:solidFill>
+              <a:latin typeface="Bauhaus 93" panose="04030905020B02020C02" pitchFamily="82" charset="0"/>
+            </a:endParaRPr>
+          </a:p>
+        </p:txBody>
+      </p:sp>
+      <p:sp>
+        <p:nvSpPr>
+          <p:cNvPr id="16" name="직사각형 15"/>
+          <p:cNvSpPr/>
+          <p:nvPr/>
+        </p:nvSpPr>
+        <p:spPr>
+          <a:xfrm>
+            <a:off x="3594969" y="4509370"/>
+            <a:ext cx="45719" cy="1946496"/>
+          </a:xfrm>
+          <a:prstGeom prst="rect">
+            <a:avLst/>
+          </a:prstGeom>
+          <a:solidFill>
+            <a:schemeClr val="bg1"/>
+          </a:solidFill>
+          <a:ln>
+            <a:noFill/>
+          </a:ln>
+        </p:spPr>
+        <p:style>
+          <a:lnRef idx="2">
+            <a:schemeClr val="accent1">
+              <a:shade val="50000"/>
+            </a:schemeClr>
+          </a:lnRef>
+          <a:fillRef idx="1">
+            <a:schemeClr val="accent1"/>
+          </a:fillRef>
+          <a:effectRef idx="0">
+            <a:schemeClr val="accent1"/>
+          </a:effectRef>
+          <a:fontRef idx="minor">
+            <a:schemeClr val="lt1"/>
+          </a:fontRef>
+        </p:style>
+        <p:txBody>
+          <a:bodyPr rtlCol="0" anchor="ctr"/>
+          <a:lstStyle/>
+          <a:p>
+            <a:pPr algn="ctr"/>
+            <a:endParaRPr lang="ko-KR" altLang="en-US"/>
+          </a:p>
+        </p:txBody>
+      </p:sp>
+      <p:pic>
+        <p:nvPicPr>
+          <p:cNvPr id="2052" name="Picture 4" descr="AI 이미지 검색결과"/>
+          <p:cNvPicPr>
+            <a:picLocks noChangeAspect="1" noChangeArrowheads="1"/>
+          </p:cNvPicPr>
+          <p:nvPr/>
+        </p:nvPicPr>
+        <p:blipFill>
+          <a:blip r:embed="rId2">
+            <a:extLst>
+              <a:ext uri="{28A0092B-C50C-407E-A947-70E740481C1C}">
+                <a14:useLocalDpi xmlns:a14="http://schemas.microsoft.com/office/drawing/2010/main" val="0"/>
+              </a:ext>
+            </a:extLst>
+          </a:blip>
+          <a:srcRect/>
+          <a:stretch>
+            <a:fillRect/>
+          </a:stretch>
+        </p:blipFill>
+        <p:spPr bwMode="auto">
+          <a:xfrm>
+            <a:off x="0" y="-1"/>
+            <a:ext cx="12192000" cy="6858001"/>
+          </a:xfrm>
+          <a:prstGeom prst="rect">
+            <a:avLst/>
+          </a:prstGeom>
+          <a:noFill/>
+          <a:extLst>
+            <a:ext uri="{909E8E84-426E-40DD-AFC4-6F175D3DCCD1}">
+              <a14:hiddenFill xmlns:a14="http://schemas.microsoft.com/office/drawing/2010/main">
+                <a:solidFill>
+                  <a:srgbClr val="FFFFFF"/>
+                </a:solidFill>
+              </a14:hiddenFill>
+            </a:ext>
+          </a:extLst>
+        </p:spPr>
+      </p:pic>
+      <p:sp>
+        <p:nvSpPr>
+          <p:cNvPr id="2" name="TextBox 1"/>
+          <p:cNvSpPr txBox="1"/>
+          <p:nvPr/>
+        </p:nvSpPr>
+        <p:spPr>
+          <a:xfrm>
+            <a:off x="951978" y="2708153"/>
+            <a:ext cx="6200384" cy="3662541"/>
+          </a:xfrm>
+          <a:prstGeom prst="rect">
+            <a:avLst/>
+          </a:prstGeom>
+          <a:noFill/>
+        </p:spPr>
+        <p:txBody>
+          <a:bodyPr wrap="square" rtlCol="0">
+            <a:spAutoFit/>
+          </a:bodyPr>
+          <a:lstStyle/>
+          <a:p>
+            <a:pPr marL="342900" indent="-342900">
+              <a:buAutoNum type="arabicPeriod"/>
+            </a:pPr>
+            <a:r>
+              <a:rPr lang="ko-KR" altLang="en-US" sz="2800" dirty="0" smtClean="0">
+                <a:solidFill>
+                  <a:schemeClr val="bg1"/>
+                </a:solidFill>
+                <a:latin typeface="나눔스퀘어_ac ExtraBold" panose="020B0600000101010101" pitchFamily="50" charset="-127"/>
+                <a:ea typeface="나눔스퀘어_ac ExtraBold" panose="020B0600000101010101" pitchFamily="50" charset="-127"/>
+              </a:rPr>
+              <a:t>제 </a:t>
+            </a:r>
+            <a:r>
+              <a:rPr lang="en-US" altLang="ko-KR" sz="2800" dirty="0" smtClean="0">
+                <a:solidFill>
+                  <a:schemeClr val="bg1"/>
+                </a:solidFill>
+                <a:latin typeface="나눔스퀘어_ac ExtraBold" panose="020B0600000101010101" pitchFamily="50" charset="-127"/>
+                <a:ea typeface="나눔스퀘어_ac ExtraBold" panose="020B0600000101010101" pitchFamily="50" charset="-127"/>
+              </a:rPr>
+              <a:t>21</a:t>
+            </a:r>
+            <a:r>
+              <a:rPr lang="ko-KR" altLang="en-US" sz="2800" dirty="0" smtClean="0">
+                <a:solidFill>
+                  <a:schemeClr val="bg1"/>
+                </a:solidFill>
+                <a:latin typeface="나눔스퀘어_ac ExtraBold" panose="020B0600000101010101" pitchFamily="50" charset="-127"/>
+                <a:ea typeface="나눔스퀘어_ac ExtraBold" panose="020B0600000101010101" pitchFamily="50" charset="-127"/>
+              </a:rPr>
+              <a:t>대 국회의원 총선 선거 예측 </a:t>
+            </a:r>
+            <a:endParaRPr lang="en-US" altLang="ko-KR" sz="2800" dirty="0" smtClean="0">
+              <a:solidFill>
+                <a:schemeClr val="bg1"/>
+              </a:solidFill>
+              <a:latin typeface="나눔스퀘어_ac ExtraBold" panose="020B0600000101010101" pitchFamily="50" charset="-127"/>
+              <a:ea typeface="나눔스퀘어_ac ExtraBold" panose="020B0600000101010101" pitchFamily="50" charset="-127"/>
+            </a:endParaRPr>
+          </a:p>
+          <a:p>
+            <a:pPr marL="342900" indent="-342900">
+              <a:buAutoNum type="arabicPeriod"/>
+            </a:pPr>
+            <a:endParaRPr lang="en-US" altLang="ko-KR" sz="2800" dirty="0">
+              <a:solidFill>
+                <a:schemeClr val="bg1"/>
+              </a:solidFill>
+              <a:latin typeface="나눔스퀘어_ac ExtraBold" panose="020B0600000101010101" pitchFamily="50" charset="-127"/>
+              <a:ea typeface="나눔스퀘어_ac ExtraBold" panose="020B0600000101010101" pitchFamily="50" charset="-127"/>
+            </a:endParaRPr>
+          </a:p>
+          <a:p>
+            <a:pPr marL="342900" indent="-342900">
+              <a:buAutoNum type="arabicPeriod"/>
+            </a:pPr>
+            <a:r>
+              <a:rPr lang="ko-KR" altLang="en-US" sz="2800" dirty="0" smtClean="0">
+                <a:solidFill>
+                  <a:schemeClr val="bg1"/>
+                </a:solidFill>
+                <a:latin typeface="나눔스퀘어_ac ExtraBold" panose="020B0600000101010101" pitchFamily="50" charset="-127"/>
+                <a:ea typeface="나눔스퀘어_ac ExtraBold" panose="020B0600000101010101" pitchFamily="50" charset="-127"/>
+              </a:rPr>
+              <a:t>문화생활 추천 서비스</a:t>
+            </a:r>
+            <a:endParaRPr lang="en-US" altLang="ko-KR" sz="2800" dirty="0" smtClean="0">
+              <a:solidFill>
+                <a:schemeClr val="bg1"/>
+              </a:solidFill>
+              <a:latin typeface="나눔스퀘어_ac ExtraBold" panose="020B0600000101010101" pitchFamily="50" charset="-127"/>
+              <a:ea typeface="나눔스퀘어_ac ExtraBold" panose="020B0600000101010101" pitchFamily="50" charset="-127"/>
+            </a:endParaRPr>
+          </a:p>
+          <a:p>
+            <a:endParaRPr lang="en-US" altLang="ko-KR" sz="2800" dirty="0" smtClean="0">
+              <a:solidFill>
+                <a:schemeClr val="bg1"/>
+              </a:solidFill>
+              <a:latin typeface="나눔스퀘어_ac ExtraBold" panose="020B0600000101010101" pitchFamily="50" charset="-127"/>
+              <a:ea typeface="나눔스퀘어_ac ExtraBold" panose="020B0600000101010101" pitchFamily="50" charset="-127"/>
+            </a:endParaRPr>
+          </a:p>
+          <a:p>
+            <a:r>
+              <a:rPr lang="en-US" altLang="ko-KR" sz="2800" dirty="0" smtClean="0">
+                <a:solidFill>
+                  <a:schemeClr val="bg1"/>
+                </a:solidFill>
+                <a:latin typeface="나눔스퀘어_ac ExtraBold" panose="020B0600000101010101" pitchFamily="50" charset="-127"/>
+                <a:ea typeface="나눔스퀘어_ac ExtraBold" panose="020B0600000101010101" pitchFamily="50" charset="-127"/>
+              </a:rPr>
+              <a:t>3. </a:t>
+            </a:r>
+            <a:r>
+              <a:rPr lang="ko-KR" altLang="en-US" sz="2800" dirty="0" smtClean="0">
+                <a:solidFill>
+                  <a:schemeClr val="bg1"/>
+                </a:solidFill>
+                <a:latin typeface="나눔스퀘어_ac ExtraBold" panose="020B0600000101010101" pitchFamily="50" charset="-127"/>
+                <a:ea typeface="나눔스퀘어_ac ExtraBold" panose="020B0600000101010101" pitchFamily="50" charset="-127"/>
+              </a:rPr>
+              <a:t>공적 마스크 구매 예측  </a:t>
+            </a:r>
+            <a:endParaRPr lang="en-US" altLang="ko-KR" sz="2800" dirty="0" smtClean="0">
+              <a:solidFill>
+                <a:schemeClr val="bg1"/>
+              </a:solidFill>
+              <a:latin typeface="나눔스퀘어_ac ExtraBold" panose="020B0600000101010101" pitchFamily="50" charset="-127"/>
+              <a:ea typeface="나눔스퀘어_ac ExtraBold" panose="020B0600000101010101" pitchFamily="50" charset="-127"/>
+            </a:endParaRPr>
+          </a:p>
+          <a:p>
+            <a:endParaRPr lang="en-US" altLang="ko-KR" sz="2800" dirty="0">
+              <a:solidFill>
+                <a:schemeClr val="bg1"/>
+              </a:solidFill>
+              <a:latin typeface="나눔스퀘어_ac ExtraBold" panose="020B0600000101010101" pitchFamily="50" charset="-127"/>
+              <a:ea typeface="나눔스퀘어_ac ExtraBold" panose="020B0600000101010101" pitchFamily="50" charset="-127"/>
+            </a:endParaRPr>
+          </a:p>
+          <a:p>
+            <a:r>
+              <a:rPr lang="en-US" altLang="ko-KR" sz="2800" dirty="0" smtClean="0">
+                <a:solidFill>
+                  <a:schemeClr val="bg1"/>
+                </a:solidFill>
+                <a:latin typeface="나눔스퀘어_ac ExtraBold" panose="020B0600000101010101" pitchFamily="50" charset="-127"/>
+                <a:ea typeface="나눔스퀘어_ac ExtraBold" panose="020B0600000101010101" pitchFamily="50" charset="-127"/>
+              </a:rPr>
+              <a:t>4. </a:t>
+            </a:r>
+            <a:r>
+              <a:rPr lang="ko-KR" altLang="en-US" sz="2800" dirty="0" err="1" smtClean="0">
+                <a:solidFill>
+                  <a:schemeClr val="bg1"/>
+                </a:solidFill>
+                <a:latin typeface="나눔스퀘어_ac ExtraBold" panose="020B0600000101010101" pitchFamily="50" charset="-127"/>
+                <a:ea typeface="나눔스퀘어_ac ExtraBold" panose="020B0600000101010101" pitchFamily="50" charset="-127"/>
+              </a:rPr>
+              <a:t>딥페이크</a:t>
+            </a:r>
+            <a:r>
+              <a:rPr lang="ko-KR" altLang="en-US" sz="2800" dirty="0" smtClean="0">
+                <a:solidFill>
+                  <a:schemeClr val="bg1"/>
+                </a:solidFill>
+                <a:latin typeface="나눔스퀘어_ac ExtraBold" panose="020B0600000101010101" pitchFamily="50" charset="-127"/>
+                <a:ea typeface="나눔스퀘어_ac ExtraBold" panose="020B0600000101010101" pitchFamily="50" charset="-127"/>
+              </a:rPr>
+              <a:t> 사진 및 영상물 추적 서비스 </a:t>
+            </a:r>
+            <a:endParaRPr lang="en-US" altLang="ko-KR" sz="2800" dirty="0" smtClean="0">
+              <a:solidFill>
+                <a:schemeClr val="bg1"/>
+              </a:solidFill>
+              <a:latin typeface="나눔스퀘어_ac ExtraBold" panose="020B0600000101010101" pitchFamily="50" charset="-127"/>
+              <a:ea typeface="나눔스퀘어_ac ExtraBold" panose="020B0600000101010101" pitchFamily="50" charset="-127"/>
+            </a:endParaRPr>
+          </a:p>
+          <a:p>
+            <a:pPr marL="342900" indent="-342900">
+              <a:buAutoNum type="arabicPeriod"/>
+            </a:pPr>
+            <a:endParaRPr lang="en-US" altLang="ko-KR" dirty="0">
+              <a:solidFill>
+                <a:schemeClr val="bg1"/>
+              </a:solidFill>
+            </a:endParaRPr>
+          </a:p>
+          <a:p>
+            <a:pPr marL="342900" indent="-342900">
+              <a:buAutoNum type="arabicPeriod"/>
+            </a:pPr>
+            <a:endParaRPr lang="ko-KR" altLang="en-US" dirty="0">
+              <a:solidFill>
+                <a:schemeClr val="bg1"/>
+              </a:solidFill>
+            </a:endParaRPr>
+          </a:p>
+        </p:txBody>
+      </p:sp>
+      <p:sp>
+        <p:nvSpPr>
+          <p:cNvPr id="3" name="TextBox 2"/>
+          <p:cNvSpPr txBox="1"/>
+          <p:nvPr/>
+        </p:nvSpPr>
+        <p:spPr>
+          <a:xfrm>
+            <a:off x="1039660" y="425885"/>
+            <a:ext cx="4546948" cy="1015663"/>
+          </a:xfrm>
+          <a:prstGeom prst="rect">
+            <a:avLst/>
+          </a:prstGeom>
+          <a:noFill/>
+        </p:spPr>
+        <p:txBody>
+          <a:bodyPr wrap="square" rtlCol="0">
+            <a:spAutoFit/>
+          </a:bodyPr>
+          <a:lstStyle/>
+          <a:p>
+            <a:r>
+              <a:rPr lang="en-US" altLang="ko-KR" sz="6000" dirty="0" smtClean="0">
+                <a:solidFill>
+                  <a:schemeClr val="bg1"/>
+                </a:solidFill>
+                <a:latin typeface="Bauhaus 93" panose="04030905020B02020C02" pitchFamily="82" charset="0"/>
+              </a:rPr>
+              <a:t>Contents</a:t>
+            </a:r>
+            <a:endParaRPr lang="ko-KR" altLang="en-US" sz="6000" dirty="0">
+              <a:solidFill>
+                <a:schemeClr val="bg1"/>
+              </a:solidFill>
+              <a:latin typeface="Bauhaus 93" panose="04030905020B02020C02" pitchFamily="82" charset="0"/>
+            </a:endParaRPr>
+          </a:p>
+        </p:txBody>
+      </p:sp>
+    </p:spTree>
+    <p:extLst>
+      <p:ext uri="{BB962C8B-B14F-4D97-AF65-F5344CB8AC3E}">
+        <p14:creationId xmlns:p14="http://schemas.microsoft.com/office/powerpoint/2010/main" val="2234809224"/>
+      </p:ext>
+    </p:extLst>
+  </p:cSld>
+  <p:clrMapOvr>
+    <a:masterClrMapping/>
+  </p:clrMapOvr>
+  <p:timing>
+    <p:tnLst>
+      <p:par>
+        <p:cTn id="1" dur="indefinite" restart="never" nodeType="tmRoot"/>
+      </p:par>
+    </p:tnLst>
+  </p:timing>
+</p:sld>
+</file>
+
+<file path=ppt/slides/slide3.xml><?xml version="1.0" encoding="utf-8"?>
+<p:sld xmlns:a="http://schemas.openxmlformats.org/drawingml/2006/main" xmlns:r="http://schemas.openxmlformats.org/officeDocument/2006/relationships" xmlns:p="http://schemas.openxmlformats.org/presentationml/2006/main">
+  <p:cSld>
+    <p:spTree>
+      <p:nvGrpSpPr>
+        <p:cNvPr id="1" name=""/>
+        <p:cNvGrpSpPr/>
+        <p:nvPr/>
+      </p:nvGrpSpPr>
+      <p:grpSpPr>
+        <a:xfrm>
+          <a:off x="0" y="0"/>
+          <a:ext cx="0" cy="0"/>
+          <a:chOff x="0" y="0"/>
+          <a:chExt cx="0" cy="0"/>
+        </a:xfrm>
+      </p:grpSpPr>
+      <p:sp>
+        <p:nvSpPr>
+          <p:cNvPr id="2" name="제목 1"/>
+          <p:cNvSpPr>
+            <a:spLocks noGrp="1"/>
+          </p:cNvSpPr>
+          <p:nvPr>
+            <p:ph type="ctrTitle"/>
+          </p:nvPr>
+        </p:nvSpPr>
+        <p:spPr>
+          <a:xfrm>
+            <a:off x="1524000" y="125259"/>
+            <a:ext cx="9144000" cy="841919"/>
+          </a:xfrm>
+        </p:spPr>
+        <p:txBody>
+          <a:bodyPr>
+            <a:normAutofit/>
+          </a:bodyPr>
+          <a:lstStyle/>
+          <a:p>
+            <a:r>
+              <a:rPr lang="ko-KR" altLang="ko-KR" sz="4000" b="1" dirty="0"/>
+              <a:t>제 </a:t>
+            </a:r>
+            <a:r>
+              <a:rPr lang="en-US" altLang="ko-KR" sz="4000" b="1" dirty="0"/>
+              <a:t>21</a:t>
+            </a:r>
+            <a:r>
+              <a:rPr lang="ko-KR" altLang="ko-KR" sz="4000" b="1" dirty="0"/>
+              <a:t>대 국회의원 총선 선거 예측</a:t>
+            </a:r>
+            <a:endParaRPr lang="ko-KR" altLang="en-US" sz="4000" b="1" dirty="0"/>
+          </a:p>
+        </p:txBody>
+      </p:sp>
+      <p:sp>
+        <p:nvSpPr>
+          <p:cNvPr id="4" name="직사각형 3"/>
+          <p:cNvSpPr/>
+          <p:nvPr/>
+        </p:nvSpPr>
+        <p:spPr>
+          <a:xfrm>
+            <a:off x="793315" y="1222195"/>
+            <a:ext cx="10855890" cy="1695849"/>
+          </a:xfrm>
+          <a:prstGeom prst="rect">
+            <a:avLst/>
+          </a:prstGeom>
+        </p:spPr>
+        <p:txBody>
+          <a:bodyPr wrap="square">
+            <a:spAutoFit/>
+          </a:bodyPr>
+          <a:lstStyle/>
+          <a:p>
+            <a:pPr algn="just">
+              <a:lnSpc>
+                <a:spcPct val="107000"/>
+              </a:lnSpc>
+              <a:spcAft>
+                <a:spcPts val="800"/>
+              </a:spcAft>
+            </a:pPr>
+            <a:r>
+              <a:rPr lang="ko-KR" altLang="ko-KR" sz="2000" b="1" kern="100" dirty="0">
+                <a:latin typeface="맑은 고딕" panose="020B0503020000020004" pitchFamily="50" charset="-127"/>
+                <a:cs typeface="Times New Roman" panose="02020603050405020304" pitchFamily="18" charset="0"/>
+              </a:rPr>
+              <a:t>서비스</a:t>
+            </a:r>
+            <a:r>
+              <a:rPr lang="en-US" altLang="ko-KR" sz="2000" b="1" kern="100" dirty="0">
+                <a:latin typeface="맑은 고딕" panose="020B0503020000020004" pitchFamily="50" charset="-127"/>
+                <a:cs typeface="Times New Roman" panose="02020603050405020304" pitchFamily="18" charset="0"/>
+              </a:rPr>
+              <a:t>1. </a:t>
+            </a:r>
+            <a:r>
+              <a:rPr lang="ko-KR" altLang="ko-KR" sz="2000" b="1" kern="100" dirty="0">
+                <a:latin typeface="맑은 고딕" panose="020B0503020000020004" pitchFamily="50" charset="-127"/>
+                <a:cs typeface="Times New Roman" panose="02020603050405020304" pitchFamily="18" charset="0"/>
+              </a:rPr>
+              <a:t>현역 국회의원 </a:t>
+            </a:r>
+            <a:r>
+              <a:rPr lang="ko-KR" altLang="ko-KR" sz="2000" b="1" kern="100" dirty="0" err="1">
+                <a:latin typeface="맑은 고딕" panose="020B0503020000020004" pitchFamily="50" charset="-127"/>
+                <a:cs typeface="Times New Roman" panose="02020603050405020304" pitchFamily="18" charset="0"/>
+              </a:rPr>
+              <a:t>재당선</a:t>
+            </a:r>
+            <a:r>
+              <a:rPr lang="ko-KR" altLang="ko-KR" sz="2000" b="1" kern="100" dirty="0">
+                <a:latin typeface="맑은 고딕" panose="020B0503020000020004" pitchFamily="50" charset="-127"/>
+                <a:cs typeface="Times New Roman" panose="02020603050405020304" pitchFamily="18" charset="0"/>
+              </a:rPr>
+              <a:t> 여부 예측</a:t>
+            </a:r>
+            <a:r>
+              <a:rPr lang="en-US" altLang="ko-KR" sz="2000" b="1" kern="100" dirty="0">
+                <a:latin typeface="맑은 고딕" panose="020B0503020000020004" pitchFamily="50" charset="-127"/>
+                <a:cs typeface="Times New Roman" panose="02020603050405020304" pitchFamily="18" charset="0"/>
+              </a:rPr>
+              <a:t>(</a:t>
+            </a:r>
+            <a:r>
+              <a:rPr lang="ko-KR" altLang="ko-KR" sz="2000" b="1" kern="100" dirty="0">
+                <a:latin typeface="맑은 고딕" panose="020B0503020000020004" pitchFamily="50" charset="-127"/>
+                <a:cs typeface="Times New Roman" panose="02020603050405020304" pitchFamily="18" charset="0"/>
+              </a:rPr>
+              <a:t>현역 국회의원 </a:t>
+            </a:r>
+            <a:r>
+              <a:rPr lang="en-US" altLang="ko-KR" sz="2000" b="1" kern="100" dirty="0">
+                <a:latin typeface="맑은 고딕" panose="020B0503020000020004" pitchFamily="50" charset="-127"/>
+                <a:cs typeface="Times New Roman" panose="02020603050405020304" pitchFamily="18" charset="0"/>
+              </a:rPr>
+              <a:t>297</a:t>
+            </a:r>
+            <a:r>
+              <a:rPr lang="ko-KR" altLang="ko-KR" sz="2000" b="1" kern="100" dirty="0">
+                <a:latin typeface="맑은 고딕" panose="020B0503020000020004" pitchFamily="50" charset="-127"/>
+                <a:cs typeface="Times New Roman" panose="02020603050405020304" pitchFamily="18" charset="0"/>
+              </a:rPr>
+              <a:t>명 중 제</a:t>
+            </a:r>
+            <a:r>
+              <a:rPr lang="en-US" altLang="ko-KR" sz="2000" b="1" kern="100" dirty="0">
+                <a:latin typeface="맑은 고딕" panose="020B0503020000020004" pitchFamily="50" charset="-127"/>
+                <a:cs typeface="Times New Roman" panose="02020603050405020304" pitchFamily="18" charset="0"/>
+              </a:rPr>
+              <a:t> 21</a:t>
+            </a:r>
+            <a:r>
+              <a:rPr lang="ko-KR" altLang="ko-KR" sz="2000" b="1" kern="100" dirty="0">
+                <a:latin typeface="맑은 고딕" panose="020B0503020000020004" pitchFamily="50" charset="-127"/>
+                <a:cs typeface="Times New Roman" panose="02020603050405020304" pitchFamily="18" charset="0"/>
+              </a:rPr>
+              <a:t>대 총선 출마 인원</a:t>
+            </a:r>
+            <a:r>
+              <a:rPr lang="en-US" altLang="ko-KR" sz="2000" b="1" kern="100" dirty="0">
+                <a:latin typeface="맑은 고딕" panose="020B0503020000020004" pitchFamily="50" charset="-127"/>
+                <a:cs typeface="Times New Roman" panose="02020603050405020304" pitchFamily="18" charset="0"/>
+              </a:rPr>
+              <a:t>)</a:t>
+            </a:r>
+            <a:endParaRPr lang="ko-KR" altLang="ko-KR" sz="2000" b="1" kern="100" dirty="0">
+              <a:latin typeface="맑은 고딕" panose="020B0503020000020004" pitchFamily="50" charset="-127"/>
+              <a:cs typeface="Times New Roman" panose="02020603050405020304" pitchFamily="18" charset="0"/>
+            </a:endParaRPr>
+          </a:p>
+          <a:p>
+            <a:pPr algn="just">
+              <a:lnSpc>
+                <a:spcPct val="107000"/>
+              </a:lnSpc>
+              <a:spcAft>
+                <a:spcPts val="800"/>
+              </a:spcAft>
+            </a:pPr>
+            <a:r>
+              <a:rPr lang="ko-KR" altLang="ko-KR" sz="2000" b="1" kern="100" dirty="0">
+                <a:latin typeface="맑은 고딕" panose="020B0503020000020004" pitchFamily="50" charset="-127"/>
+                <a:cs typeface="Times New Roman" panose="02020603050405020304" pitchFamily="18" charset="0"/>
+              </a:rPr>
+              <a:t>방법</a:t>
+            </a:r>
+            <a:r>
+              <a:rPr lang="en-US" altLang="ko-KR" sz="2000" b="1" kern="100" dirty="0">
+                <a:latin typeface="맑은 고딕" panose="020B0503020000020004" pitchFamily="50" charset="-127"/>
+                <a:cs typeface="Times New Roman" panose="02020603050405020304" pitchFamily="18" charset="0"/>
+              </a:rPr>
+              <a:t>1. </a:t>
+            </a:r>
+            <a:r>
+              <a:rPr lang="ko-KR" altLang="ko-KR" sz="2000" b="1" kern="100" dirty="0">
+                <a:latin typeface="맑은 고딕" panose="020B0503020000020004" pitchFamily="50" charset="-127"/>
+                <a:cs typeface="Times New Roman" panose="02020603050405020304" pitchFamily="18" charset="0"/>
+              </a:rPr>
+              <a:t>제 </a:t>
+            </a:r>
+            <a:r>
+              <a:rPr lang="en-US" altLang="ko-KR" sz="2000" b="1" kern="100" dirty="0">
+                <a:latin typeface="맑은 고딕" panose="020B0503020000020004" pitchFamily="50" charset="-127"/>
+                <a:cs typeface="Times New Roman" panose="02020603050405020304" pitchFamily="18" charset="0"/>
+              </a:rPr>
+              <a:t>20</a:t>
+            </a:r>
+            <a:r>
+              <a:rPr lang="ko-KR" altLang="ko-KR" sz="2000" b="1" kern="100" dirty="0">
+                <a:latin typeface="맑은 고딕" panose="020B0503020000020004" pitchFamily="50" charset="-127"/>
+                <a:cs typeface="Times New Roman" panose="02020603050405020304" pitchFamily="18" charset="0"/>
+              </a:rPr>
+              <a:t>대 국회의원 총선 공약키워드 및 제</a:t>
+            </a:r>
+            <a:r>
+              <a:rPr lang="en-US" altLang="ko-KR" sz="2000" b="1" kern="100" dirty="0">
+                <a:latin typeface="맑은 고딕" panose="020B0503020000020004" pitchFamily="50" charset="-127"/>
+                <a:cs typeface="Times New Roman" panose="02020603050405020304" pitchFamily="18" charset="0"/>
+              </a:rPr>
+              <a:t>21</a:t>
+            </a:r>
+            <a:r>
+              <a:rPr lang="ko-KR" altLang="ko-KR" sz="2000" b="1" kern="100" dirty="0">
+                <a:latin typeface="맑은 고딕" panose="020B0503020000020004" pitchFamily="50" charset="-127"/>
+                <a:cs typeface="Times New Roman" panose="02020603050405020304" pitchFamily="18" charset="0"/>
+              </a:rPr>
+              <a:t>대 총선 공약키워드 비교</a:t>
+            </a:r>
+          </a:p>
+          <a:p>
+            <a:pPr algn="just">
+              <a:lnSpc>
+                <a:spcPct val="107000"/>
+              </a:lnSpc>
+              <a:spcAft>
+                <a:spcPts val="800"/>
+              </a:spcAft>
+            </a:pPr>
+            <a:r>
+              <a:rPr lang="ko-KR" altLang="ko-KR" sz="2000" b="1" kern="100" dirty="0">
+                <a:latin typeface="맑은 고딕" panose="020B0503020000020004" pitchFamily="50" charset="-127"/>
+                <a:cs typeface="Times New Roman" panose="02020603050405020304" pitchFamily="18" charset="0"/>
+              </a:rPr>
+              <a:t>방법</a:t>
+            </a:r>
+            <a:r>
+              <a:rPr lang="en-US" altLang="ko-KR" sz="2000" b="1" kern="100" dirty="0">
+                <a:latin typeface="맑은 고딕" panose="020B0503020000020004" pitchFamily="50" charset="-127"/>
+                <a:cs typeface="Times New Roman" panose="02020603050405020304" pitchFamily="18" charset="0"/>
+              </a:rPr>
+              <a:t>2. </a:t>
+            </a:r>
+            <a:r>
+              <a:rPr lang="ko-KR" altLang="ko-KR" sz="2000" b="1" kern="100" dirty="0">
+                <a:latin typeface="맑은 고딕" panose="020B0503020000020004" pitchFamily="50" charset="-127"/>
+                <a:cs typeface="Times New Roman" panose="02020603050405020304" pitchFamily="18" charset="0"/>
+              </a:rPr>
+              <a:t>뉴스 제목</a:t>
+            </a:r>
+            <a:r>
+              <a:rPr lang="en-US" altLang="ko-KR" sz="2000" b="1" kern="100" dirty="0">
+                <a:latin typeface="맑은 고딕" panose="020B0503020000020004" pitchFamily="50" charset="-127"/>
+                <a:cs typeface="Times New Roman" panose="02020603050405020304" pitchFamily="18" charset="0"/>
+              </a:rPr>
+              <a:t>(</a:t>
+            </a:r>
+            <a:r>
+              <a:rPr lang="ko-KR" altLang="ko-KR" sz="2000" b="1" kern="100" dirty="0">
+                <a:latin typeface="맑은 고딕" panose="020B0503020000020004" pitchFamily="50" charset="-127"/>
+                <a:cs typeface="Times New Roman" panose="02020603050405020304" pitchFamily="18" charset="0"/>
+              </a:rPr>
+              <a:t>혹은 본문</a:t>
+            </a:r>
+            <a:r>
+              <a:rPr lang="en-US" altLang="ko-KR" sz="2000" b="1" kern="100" dirty="0">
+                <a:latin typeface="맑은 고딕" panose="020B0503020000020004" pitchFamily="50" charset="-127"/>
+                <a:cs typeface="Times New Roman" panose="02020603050405020304" pitchFamily="18" charset="0"/>
+              </a:rPr>
+              <a:t>) </a:t>
+            </a:r>
+            <a:r>
+              <a:rPr lang="ko-KR" altLang="ko-KR" sz="2000" b="1" kern="100" dirty="0" err="1">
+                <a:latin typeface="맑은 고딕" panose="020B0503020000020004" pitchFamily="50" charset="-127"/>
+                <a:cs typeface="Times New Roman" panose="02020603050405020304" pitchFamily="18" charset="0"/>
+              </a:rPr>
+              <a:t>긍부정</a:t>
+            </a:r>
+            <a:endParaRPr lang="ko-KR" altLang="ko-KR" sz="2000" b="1" kern="100" dirty="0">
+              <a:latin typeface="맑은 고딕" panose="020B0503020000020004" pitchFamily="50" charset="-127"/>
+              <a:cs typeface="Times New Roman" panose="02020603050405020304" pitchFamily="18" charset="0"/>
+            </a:endParaRPr>
+          </a:p>
+          <a:p>
+            <a:r>
+              <a:rPr lang="ko-KR" altLang="ko-KR" sz="2000" b="1" dirty="0">
+                <a:cs typeface="Times New Roman" panose="02020603050405020304" pitchFamily="18" charset="0"/>
+              </a:rPr>
+              <a:t>방법</a:t>
+            </a:r>
+            <a:r>
+              <a:rPr lang="en-US" altLang="ko-KR" sz="2000" b="1" dirty="0">
+                <a:cs typeface="Times New Roman" panose="02020603050405020304" pitchFamily="18" charset="0"/>
+              </a:rPr>
+              <a:t>3. </a:t>
+            </a:r>
+            <a:r>
+              <a:rPr lang="ko-KR" altLang="ko-KR" sz="2000" b="1" dirty="0">
+                <a:cs typeface="Times New Roman" panose="02020603050405020304" pitchFamily="18" charset="0"/>
+              </a:rPr>
+              <a:t>발의 의안 수 및 통과 의안 수</a:t>
+            </a:r>
+            <a:endParaRPr lang="ko-KR" altLang="en-US" sz="2000" b="1" dirty="0"/>
+          </a:p>
+        </p:txBody>
+      </p:sp>
+      <p:sp>
+        <p:nvSpPr>
+          <p:cNvPr id="6" name="직사각형 5"/>
+          <p:cNvSpPr/>
+          <p:nvPr/>
+        </p:nvSpPr>
+        <p:spPr>
+          <a:xfrm>
+            <a:off x="793315" y="3126438"/>
+            <a:ext cx="10768208" cy="1695849"/>
+          </a:xfrm>
+          <a:prstGeom prst="rect">
+            <a:avLst/>
+          </a:prstGeom>
+        </p:spPr>
+        <p:txBody>
+          <a:bodyPr wrap="square">
+            <a:spAutoFit/>
+          </a:bodyPr>
+          <a:lstStyle/>
+          <a:p>
+            <a:pPr algn="just">
+              <a:lnSpc>
+                <a:spcPct val="107000"/>
+              </a:lnSpc>
+              <a:spcAft>
+                <a:spcPts val="800"/>
+              </a:spcAft>
+            </a:pPr>
+            <a:r>
+              <a:rPr lang="ko-KR" altLang="ko-KR" sz="2000" b="1" kern="100" dirty="0">
+                <a:latin typeface="맑은 고딕" panose="020B0503020000020004" pitchFamily="50" charset="-127"/>
+                <a:cs typeface="Times New Roman" panose="02020603050405020304" pitchFamily="18" charset="0"/>
+              </a:rPr>
+              <a:t>서비스</a:t>
+            </a:r>
+            <a:r>
+              <a:rPr lang="en-US" altLang="ko-KR" sz="2000" b="1" kern="100" dirty="0">
+                <a:latin typeface="맑은 고딕" panose="020B0503020000020004" pitchFamily="50" charset="-127"/>
+                <a:cs typeface="Times New Roman" panose="02020603050405020304" pitchFamily="18" charset="0"/>
+              </a:rPr>
+              <a:t>2. </a:t>
+            </a:r>
+            <a:r>
+              <a:rPr lang="ko-KR" altLang="ko-KR" sz="2000" b="1" kern="100" dirty="0">
+                <a:latin typeface="맑은 고딕" panose="020B0503020000020004" pitchFamily="50" charset="-127"/>
+                <a:cs typeface="Times New Roman" panose="02020603050405020304" pitchFamily="18" charset="0"/>
+              </a:rPr>
+              <a:t>지역구 국회의원 선거 당선 여부 예측</a:t>
+            </a:r>
+            <a:r>
+              <a:rPr lang="en-US" altLang="ko-KR" sz="2000" b="1" kern="100" dirty="0">
+                <a:latin typeface="맑은 고딕" panose="020B0503020000020004" pitchFamily="50" charset="-127"/>
+                <a:cs typeface="Times New Roman" panose="02020603050405020304" pitchFamily="18" charset="0"/>
+              </a:rPr>
+              <a:t>(</a:t>
+            </a:r>
+            <a:r>
+              <a:rPr lang="ko-KR" altLang="ko-KR" sz="2000" b="1" kern="100" dirty="0">
+                <a:latin typeface="맑은 고딕" panose="020B0503020000020004" pitchFamily="50" charset="-127"/>
+                <a:cs typeface="Times New Roman" panose="02020603050405020304" pitchFamily="18" charset="0"/>
+              </a:rPr>
+              <a:t>서울특별시 및 경기도 한정 </a:t>
+            </a:r>
+            <a:r>
+              <a:rPr lang="en-US" altLang="ko-KR" sz="2000" b="1" kern="100" dirty="0">
+                <a:latin typeface="맑은 고딕" panose="020B0503020000020004" pitchFamily="50" charset="-127"/>
+                <a:cs typeface="Times New Roman" panose="02020603050405020304" pitchFamily="18" charset="0"/>
+              </a:rPr>
+              <a:t>– </a:t>
+            </a:r>
+            <a:r>
+              <a:rPr lang="ko-KR" altLang="ko-KR" sz="2000" b="1" kern="100" dirty="0">
+                <a:latin typeface="맑은 고딕" panose="020B0503020000020004" pitchFamily="50" charset="-127"/>
+                <a:cs typeface="Times New Roman" panose="02020603050405020304" pitchFamily="18" charset="0"/>
+              </a:rPr>
+              <a:t>비례대표 제외</a:t>
+            </a:r>
+            <a:r>
+              <a:rPr lang="en-US" altLang="ko-KR" sz="2000" b="1" kern="100" dirty="0">
+                <a:latin typeface="맑은 고딕" panose="020B0503020000020004" pitchFamily="50" charset="-127"/>
+                <a:cs typeface="Times New Roman" panose="02020603050405020304" pitchFamily="18" charset="0"/>
+              </a:rPr>
+              <a:t>)</a:t>
+            </a:r>
+            <a:endParaRPr lang="ko-KR" altLang="ko-KR" sz="2000" b="1" kern="100" dirty="0">
+              <a:latin typeface="맑은 고딕" panose="020B0503020000020004" pitchFamily="50" charset="-127"/>
+              <a:cs typeface="Times New Roman" panose="02020603050405020304" pitchFamily="18" charset="0"/>
+            </a:endParaRPr>
+          </a:p>
+          <a:p>
+            <a:pPr algn="just">
+              <a:lnSpc>
+                <a:spcPct val="107000"/>
+              </a:lnSpc>
+              <a:spcAft>
+                <a:spcPts val="800"/>
+              </a:spcAft>
+            </a:pPr>
+            <a:r>
+              <a:rPr lang="ko-KR" altLang="ko-KR" sz="2000" b="1" kern="100" dirty="0">
+                <a:latin typeface="맑은 고딕" panose="020B0503020000020004" pitchFamily="50" charset="-127"/>
+                <a:cs typeface="Times New Roman" panose="02020603050405020304" pitchFamily="18" charset="0"/>
+              </a:rPr>
+              <a:t>예시</a:t>
+            </a:r>
+            <a:r>
+              <a:rPr lang="en-US" altLang="ko-KR" sz="2000" b="1" kern="100" dirty="0">
+                <a:latin typeface="맑은 고딕" panose="020B0503020000020004" pitchFamily="50" charset="-127"/>
+                <a:cs typeface="Times New Roman" panose="02020603050405020304" pitchFamily="18" charset="0"/>
+              </a:rPr>
+              <a:t>_ &lt;</a:t>
+            </a:r>
+            <a:r>
+              <a:rPr lang="ko-KR" altLang="ko-KR" sz="2000" b="1" kern="100" dirty="0">
+                <a:latin typeface="맑은 고딕" panose="020B0503020000020004" pitchFamily="50" charset="-127"/>
+                <a:cs typeface="Times New Roman" panose="02020603050405020304" pitchFamily="18" charset="0"/>
+              </a:rPr>
+              <a:t>확실 </a:t>
+            </a:r>
+            <a:r>
+              <a:rPr lang="en-US" altLang="ko-KR" sz="2000" b="1" kern="100" dirty="0">
+                <a:latin typeface="맑은 고딕" panose="020B0503020000020004" pitchFamily="50" charset="-127"/>
+                <a:cs typeface="Times New Roman" panose="02020603050405020304" pitchFamily="18" charset="0"/>
+              </a:rPr>
+              <a:t>/ </a:t>
+            </a:r>
+            <a:r>
+              <a:rPr lang="ko-KR" altLang="ko-KR" sz="2000" b="1" kern="100" dirty="0">
+                <a:latin typeface="맑은 고딕" panose="020B0503020000020004" pitchFamily="50" charset="-127"/>
+                <a:cs typeface="Times New Roman" panose="02020603050405020304" pitchFamily="18" charset="0"/>
+              </a:rPr>
+              <a:t>유력 </a:t>
+            </a:r>
+            <a:r>
+              <a:rPr lang="en-US" altLang="ko-KR" sz="2000" b="1" kern="100" dirty="0">
+                <a:latin typeface="맑은 고딕" panose="020B0503020000020004" pitchFamily="50" charset="-127"/>
+                <a:cs typeface="Times New Roman" panose="02020603050405020304" pitchFamily="18" charset="0"/>
+              </a:rPr>
+              <a:t>/ </a:t>
+            </a:r>
+            <a:r>
+              <a:rPr lang="ko-KR" altLang="ko-KR" sz="2000" b="1" kern="100" dirty="0">
+                <a:latin typeface="맑은 고딕" panose="020B0503020000020004" pitchFamily="50" charset="-127"/>
+                <a:cs typeface="Times New Roman" panose="02020603050405020304" pitchFamily="18" charset="0"/>
+              </a:rPr>
+              <a:t>불리</a:t>
+            </a:r>
+            <a:r>
+              <a:rPr lang="en-US" altLang="ko-KR" sz="2000" b="1" kern="100" dirty="0">
+                <a:latin typeface="맑은 고딕" panose="020B0503020000020004" pitchFamily="50" charset="-127"/>
+                <a:cs typeface="Times New Roman" panose="02020603050405020304" pitchFamily="18" charset="0"/>
+              </a:rPr>
+              <a:t> / </a:t>
+            </a:r>
+            <a:r>
+              <a:rPr lang="ko-KR" altLang="ko-KR" sz="2000" b="1" kern="100" dirty="0">
+                <a:latin typeface="맑은 고딕" panose="020B0503020000020004" pitchFamily="50" charset="-127"/>
+                <a:cs typeface="Times New Roman" panose="02020603050405020304" pitchFamily="18" charset="0"/>
+              </a:rPr>
+              <a:t>보합</a:t>
+            </a:r>
+            <a:r>
+              <a:rPr lang="en-US" altLang="ko-KR" sz="2000" b="1" kern="100" dirty="0">
+                <a:latin typeface="맑은 고딕" panose="020B0503020000020004" pitchFamily="50" charset="-127"/>
+                <a:cs typeface="Times New Roman" panose="02020603050405020304" pitchFamily="18" charset="0"/>
+              </a:rPr>
+              <a:t>&gt;</a:t>
+            </a:r>
+            <a:endParaRPr lang="ko-KR" altLang="ko-KR" sz="2000" b="1" kern="100" dirty="0">
+              <a:latin typeface="맑은 고딕" panose="020B0503020000020004" pitchFamily="50" charset="-127"/>
+              <a:cs typeface="Times New Roman" panose="02020603050405020304" pitchFamily="18" charset="0"/>
+            </a:endParaRPr>
+          </a:p>
+          <a:p>
+            <a:pPr algn="just">
+              <a:lnSpc>
+                <a:spcPct val="107000"/>
+              </a:lnSpc>
+              <a:spcAft>
+                <a:spcPts val="800"/>
+              </a:spcAft>
+            </a:pPr>
+            <a:r>
+              <a:rPr lang="ko-KR" altLang="ko-KR" sz="2000" b="1" kern="100" dirty="0">
+                <a:latin typeface="맑은 고딕" panose="020B0503020000020004" pitchFamily="50" charset="-127"/>
+                <a:cs typeface="Times New Roman" panose="02020603050405020304" pitchFamily="18" charset="0"/>
+              </a:rPr>
+              <a:t>방법</a:t>
+            </a:r>
+            <a:r>
+              <a:rPr lang="en-US" altLang="ko-KR" sz="2000" b="1" kern="100" dirty="0">
+                <a:latin typeface="맑은 고딕" panose="020B0503020000020004" pitchFamily="50" charset="-127"/>
+                <a:cs typeface="Times New Roman" panose="02020603050405020304" pitchFamily="18" charset="0"/>
+              </a:rPr>
+              <a:t>1. </a:t>
+            </a:r>
+            <a:r>
+              <a:rPr lang="ko-KR" altLang="ko-KR" sz="2000" b="1" kern="100" dirty="0">
+                <a:latin typeface="맑은 고딕" panose="020B0503020000020004" pitchFamily="50" charset="-127"/>
+                <a:cs typeface="Times New Roman" panose="02020603050405020304" pitchFamily="18" charset="0"/>
+              </a:rPr>
+              <a:t>선거 당선에 미치는 영향력 있는 변수 파악</a:t>
+            </a:r>
+          </a:p>
+          <a:p>
+            <a:r>
+              <a:rPr lang="ko-KR" altLang="ko-KR" sz="2000" b="1" dirty="0">
+                <a:cs typeface="Times New Roman" panose="02020603050405020304" pitchFamily="18" charset="0"/>
+              </a:rPr>
+              <a:t>정당 </a:t>
+            </a:r>
+            <a:r>
+              <a:rPr lang="en-US" altLang="ko-KR" sz="2000" b="1" dirty="0">
+                <a:cs typeface="Times New Roman" panose="02020603050405020304" pitchFamily="18" charset="0"/>
+              </a:rPr>
+              <a:t>/ </a:t>
+            </a:r>
+            <a:r>
+              <a:rPr lang="ko-KR" altLang="ko-KR" sz="2000" b="1" dirty="0">
+                <a:cs typeface="Times New Roman" panose="02020603050405020304" pitchFamily="18" charset="0"/>
+              </a:rPr>
+              <a:t>당선횟수 </a:t>
+            </a:r>
+            <a:r>
+              <a:rPr lang="en-US" altLang="ko-KR" sz="2000" b="1" dirty="0">
+                <a:cs typeface="Times New Roman" panose="02020603050405020304" pitchFamily="18" charset="0"/>
+              </a:rPr>
+              <a:t>/ </a:t>
+            </a:r>
+            <a:r>
+              <a:rPr lang="ko-KR" altLang="ko-KR" sz="2000" b="1" dirty="0">
+                <a:cs typeface="Times New Roman" panose="02020603050405020304" pitchFamily="18" charset="0"/>
+              </a:rPr>
+              <a:t>뉴스 이슈화 </a:t>
+            </a:r>
+            <a:r>
+              <a:rPr lang="en-US" altLang="ko-KR" sz="2000" b="1" dirty="0">
+                <a:cs typeface="Times New Roman" panose="02020603050405020304" pitchFamily="18" charset="0"/>
+              </a:rPr>
+              <a:t>/ </a:t>
+            </a:r>
+            <a:r>
+              <a:rPr lang="ko-KR" altLang="ko-KR" sz="2000" b="1" dirty="0">
+                <a:cs typeface="Times New Roman" panose="02020603050405020304" pitchFamily="18" charset="0"/>
+              </a:rPr>
+              <a:t>범죄여부 </a:t>
+            </a:r>
+            <a:r>
+              <a:rPr lang="en-US" altLang="ko-KR" sz="2000" b="1" dirty="0">
+                <a:cs typeface="Times New Roman" panose="02020603050405020304" pitchFamily="18" charset="0"/>
+              </a:rPr>
+              <a:t>/ </a:t>
+            </a:r>
+            <a:r>
+              <a:rPr lang="ko-KR" altLang="ko-KR" sz="2000" b="1" dirty="0">
+                <a:cs typeface="Times New Roman" panose="02020603050405020304" pitchFamily="18" charset="0"/>
+              </a:rPr>
+              <a:t>자산 </a:t>
+            </a:r>
+            <a:r>
+              <a:rPr lang="en-US" altLang="ko-KR" sz="2000" b="1" dirty="0">
+                <a:cs typeface="Times New Roman" panose="02020603050405020304" pitchFamily="18" charset="0"/>
+              </a:rPr>
+              <a:t>/ </a:t>
+            </a:r>
+            <a:r>
+              <a:rPr lang="ko-KR" altLang="ko-KR" sz="2000" b="1" dirty="0">
+                <a:cs typeface="Times New Roman" panose="02020603050405020304" pitchFamily="18" charset="0"/>
+              </a:rPr>
+              <a:t>경력 </a:t>
+            </a:r>
+            <a:r>
+              <a:rPr lang="en-US" altLang="ko-KR" sz="2000" b="1" dirty="0">
+                <a:cs typeface="Times New Roman" panose="02020603050405020304" pitchFamily="18" charset="0"/>
+              </a:rPr>
+              <a:t>/ </a:t>
+            </a:r>
+            <a:r>
+              <a:rPr lang="ko-KR" altLang="ko-KR" sz="2000" b="1" dirty="0">
+                <a:cs typeface="Times New Roman" panose="02020603050405020304" pitchFamily="18" charset="0"/>
+              </a:rPr>
+              <a:t>자녀 </a:t>
+            </a:r>
+            <a:r>
+              <a:rPr lang="en-US" altLang="ko-KR" sz="2000" b="1" dirty="0">
+                <a:cs typeface="Times New Roman" panose="02020603050405020304" pitchFamily="18" charset="0"/>
+              </a:rPr>
+              <a:t>/ </a:t>
+            </a:r>
+            <a:r>
+              <a:rPr lang="ko-KR" altLang="ko-KR" sz="2000" b="1" dirty="0">
+                <a:cs typeface="Times New Roman" panose="02020603050405020304" pitchFamily="18" charset="0"/>
+              </a:rPr>
+              <a:t>학벌 </a:t>
+            </a:r>
+            <a:r>
+              <a:rPr lang="en-US" altLang="ko-KR" sz="2000" b="1" dirty="0">
+                <a:cs typeface="Times New Roman" panose="02020603050405020304" pitchFamily="18" charset="0"/>
+              </a:rPr>
+              <a:t>/ </a:t>
+            </a:r>
+            <a:r>
+              <a:rPr lang="ko-KR" altLang="ko-KR" sz="2000" b="1" dirty="0">
+                <a:cs typeface="Times New Roman" panose="02020603050405020304" pitchFamily="18" charset="0"/>
+              </a:rPr>
+              <a:t>지역구</a:t>
+            </a:r>
+            <a:endParaRPr lang="ko-KR" altLang="en-US" sz="2000" b="1" dirty="0"/>
+          </a:p>
+        </p:txBody>
+      </p:sp>
+      <p:sp>
+        <p:nvSpPr>
+          <p:cNvPr id="7" name="부제목 2"/>
+          <p:cNvSpPr>
+            <a:spLocks noGrp="1"/>
+          </p:cNvSpPr>
+          <p:nvPr>
+            <p:ph type="subTitle" idx="1"/>
+          </p:nvPr>
+        </p:nvSpPr>
+        <p:spPr>
+          <a:xfrm>
+            <a:off x="793315" y="5030681"/>
+            <a:ext cx="10605370" cy="1240077"/>
+          </a:xfrm>
+        </p:spPr>
+        <p:txBody>
+          <a:bodyPr>
+            <a:noAutofit/>
+          </a:bodyPr>
+          <a:lstStyle/>
+          <a:p>
+            <a:pPr algn="l"/>
+            <a:r>
+              <a:rPr lang="en-US" altLang="ko-KR" sz="2000" b="1" dirty="0" smtClean="0"/>
+              <a:t>&lt;</a:t>
+            </a:r>
+            <a:r>
+              <a:rPr lang="ko-KR" altLang="en-US" sz="2000" b="1" dirty="0" smtClean="0"/>
+              <a:t>참고사이트</a:t>
+            </a:r>
+            <a:r>
+              <a:rPr lang="en-US" altLang="ko-KR" sz="2000" b="1" dirty="0" smtClean="0"/>
+              <a:t>&gt;</a:t>
+            </a:r>
+          </a:p>
+          <a:p>
+            <a:pPr algn="l"/>
+            <a:r>
+              <a:rPr lang="ko-KR" altLang="ko-KR" sz="2000" b="1" dirty="0" smtClean="0"/>
+              <a:t>국회도서관 </a:t>
+            </a:r>
+            <a:r>
+              <a:rPr lang="ko-KR" altLang="ko-KR" sz="2000" b="1" dirty="0" err="1"/>
+              <a:t>사이트내</a:t>
+            </a:r>
+            <a:r>
+              <a:rPr lang="ko-KR" altLang="ko-KR" sz="2000" b="1" dirty="0"/>
+              <a:t> </a:t>
+            </a:r>
+            <a:r>
+              <a:rPr lang="en-US" altLang="ko-KR" sz="2000" b="1" dirty="0"/>
+              <a:t>– </a:t>
+            </a:r>
+            <a:r>
+              <a:rPr lang="ko-KR" altLang="ko-KR" sz="2000" b="1" dirty="0"/>
+              <a:t>국회법률정보서비스 </a:t>
+            </a:r>
+            <a:r>
+              <a:rPr lang="en-US" altLang="ko-KR" sz="2000" b="1" dirty="0"/>
+              <a:t>/ </a:t>
+            </a:r>
+            <a:r>
+              <a:rPr lang="ko-KR" altLang="ko-KR" sz="2000" b="1" dirty="0"/>
+              <a:t>국회의원 정책자료 </a:t>
+            </a:r>
+            <a:r>
+              <a:rPr lang="en-US" altLang="ko-KR" sz="2000" b="1" dirty="0"/>
+              <a:t>/ </a:t>
+            </a:r>
+            <a:r>
+              <a:rPr lang="ko-KR" altLang="ko-KR" sz="2000" b="1" dirty="0"/>
+              <a:t>의정정보 </a:t>
+            </a:r>
+            <a:r>
+              <a:rPr lang="en-US" altLang="ko-KR" sz="2000" b="1" dirty="0"/>
+              <a:t>/ </a:t>
+            </a:r>
+            <a:r>
+              <a:rPr lang="ko-KR" altLang="ko-KR" sz="2000" b="1" dirty="0" err="1"/>
+              <a:t>아르고스</a:t>
+            </a:r>
+            <a:r>
+              <a:rPr lang="ko-KR" altLang="ko-KR" sz="2000" b="1" dirty="0"/>
+              <a:t> 등</a:t>
+            </a:r>
+          </a:p>
+          <a:p>
+            <a:pPr algn="l"/>
+            <a:r>
+              <a:rPr lang="en-US" altLang="ko-KR" sz="2000" b="1" dirty="0"/>
+              <a:t>SNS </a:t>
+            </a:r>
+            <a:r>
+              <a:rPr lang="ko-KR" altLang="ko-KR" sz="2000" b="1" dirty="0"/>
+              <a:t>데이터 </a:t>
+            </a:r>
+            <a:r>
+              <a:rPr lang="en-US" altLang="ko-KR" sz="2000" b="1" dirty="0"/>
+              <a:t>– </a:t>
+            </a:r>
+            <a:r>
+              <a:rPr lang="ko-KR" altLang="ko-KR" sz="2000" b="1" dirty="0" err="1"/>
+              <a:t>네이버</a:t>
+            </a:r>
+            <a:r>
+              <a:rPr lang="en-US" altLang="ko-KR" sz="2000" b="1" dirty="0"/>
+              <a:t>/</a:t>
+            </a:r>
+            <a:r>
+              <a:rPr lang="ko-KR" altLang="ko-KR" sz="2000" b="1" dirty="0"/>
+              <a:t>다음 뉴스</a:t>
+            </a:r>
+            <a:r>
+              <a:rPr lang="en-US" altLang="ko-KR" sz="2000" b="1" dirty="0"/>
+              <a:t>, </a:t>
+            </a:r>
+            <a:r>
+              <a:rPr lang="ko-KR" altLang="ko-KR" sz="2000" b="1" dirty="0" err="1"/>
+              <a:t>블로그</a:t>
+            </a:r>
+            <a:r>
+              <a:rPr lang="en-US" altLang="ko-KR" sz="2000" b="1" dirty="0"/>
+              <a:t>, </a:t>
+            </a:r>
+            <a:r>
+              <a:rPr lang="ko-KR" altLang="ko-KR" sz="2000" b="1" dirty="0" err="1"/>
+              <a:t>트위터</a:t>
+            </a:r>
+            <a:r>
+              <a:rPr lang="en-US" altLang="ko-KR" sz="2000" b="1" dirty="0"/>
+              <a:t>, </a:t>
+            </a:r>
+            <a:r>
+              <a:rPr lang="ko-KR" altLang="ko-KR" sz="2000" b="1" dirty="0"/>
+              <a:t>커뮤니티 등</a:t>
+            </a:r>
+            <a:r>
+              <a:rPr lang="en-US" altLang="ko-KR" sz="2000" b="1" dirty="0"/>
+              <a:t>(</a:t>
+            </a:r>
+            <a:r>
+              <a:rPr lang="ko-KR" altLang="ko-KR" sz="2000" b="1" dirty="0" err="1"/>
+              <a:t>언급량</a:t>
+            </a:r>
+            <a:r>
+              <a:rPr lang="en-US" altLang="ko-KR" sz="2000" b="1" dirty="0"/>
+              <a:t>, </a:t>
+            </a:r>
+            <a:r>
+              <a:rPr lang="ko-KR" altLang="ko-KR" sz="2000" b="1" dirty="0"/>
+              <a:t>제목 본문 등</a:t>
+            </a:r>
+            <a:r>
+              <a:rPr lang="en-US" altLang="ko-KR" sz="2000" b="1" dirty="0"/>
+              <a:t>)</a:t>
+            </a:r>
+            <a:endParaRPr lang="ko-KR" altLang="ko-KR" sz="2000" b="1" dirty="0"/>
+          </a:p>
+          <a:p>
+            <a:pPr algn="l"/>
+            <a:r>
+              <a:rPr lang="ko-KR" altLang="ko-KR" sz="2000" b="1" dirty="0" err="1"/>
+              <a:t>나무위키</a:t>
+            </a:r>
+            <a:r>
+              <a:rPr lang="ko-KR" altLang="ko-KR" sz="2000" b="1" dirty="0"/>
+              <a:t> </a:t>
+            </a:r>
+            <a:r>
+              <a:rPr lang="en-US" altLang="ko-KR" sz="2000" b="1" dirty="0"/>
+              <a:t>– </a:t>
+            </a:r>
+            <a:r>
+              <a:rPr lang="ko-KR" altLang="ko-KR" sz="2000" b="1" dirty="0"/>
+              <a:t>국회의원 정당 소속 정보</a:t>
+            </a:r>
+          </a:p>
+          <a:p>
+            <a:pPr algn="l"/>
+            <a:endParaRPr lang="ko-KR" altLang="en-US" sz="2000" b="1" dirty="0"/>
+          </a:p>
+        </p:txBody>
+      </p:sp>
+    </p:spTree>
+    <p:extLst>
+      <p:ext uri="{BB962C8B-B14F-4D97-AF65-F5344CB8AC3E}">
+        <p14:creationId xmlns:p14="http://schemas.microsoft.com/office/powerpoint/2010/main" val="1689626632"/>
+      </p:ext>
+    </p:extLst>
+  </p:cSld>
+  <p:clrMapOvr>
+    <a:masterClrMapping/>
+  </p:clrMapOvr>
+  <p:timing>
+    <p:tnLst>
+      <p:par>
+        <p:cTn id="1" dur="indefinite" restart="never" nodeType="tmRoot"/>
+      </p:par>
+    </p:tnLst>
+  </p:timing>
+</p:sld>
+</file>
+
+<file path=ppt/slides/slide4.xml><?xml version="1.0" encoding="utf-8"?>
+<p:sld xmlns:a="http://schemas.openxmlformats.org/drawingml/2006/main" xmlns:r="http://schemas.openxmlformats.org/officeDocument/2006/relationships" xmlns:p="http://schemas.openxmlformats.org/presentationml/2006/main">
+  <p:cSld>
+    <p:spTree>
+      <p:nvGrpSpPr>
+        <p:cNvPr id="1" name=""/>
+        <p:cNvGrpSpPr/>
+        <p:nvPr/>
+      </p:nvGrpSpPr>
+      <p:grpSpPr>
+        <a:xfrm>
+          <a:off x="0" y="0"/>
+          <a:ext cx="0" cy="0"/>
+          <a:chOff x="0" y="0"/>
+          <a:chExt cx="0" cy="0"/>
+        </a:xfrm>
+      </p:grpSpPr>
+      <p:sp>
+        <p:nvSpPr>
           <p:cNvPr id="2" name="제목 1"/>
           <p:cNvSpPr>
             <a:spLocks noGrp="1"/>
@@ -3921,7 +4523,7 @@
 </p:sld>
 </file>
 
-<file path=ppt/slides/slide3.xml><?xml version="1.0" encoding="utf-8"?>
+<file path=ppt/slides/slide5.xml><?xml version="1.0" encoding="utf-8"?>
 <p:sld xmlns:a="http://schemas.openxmlformats.org/drawingml/2006/main" xmlns:r="http://schemas.openxmlformats.org/officeDocument/2006/relationships" xmlns:p="http://schemas.openxmlformats.org/presentationml/2006/main">
   <p:cSld>
     <p:spTree>

--- a/주제 발표.pptx
+++ b/주제 발표.pptx
@@ -7,9 +7,11 @@
   <p:sldIdLst>
     <p:sldId id="259" r:id="rId2"/>
     <p:sldId id="260" r:id="rId3"/>
-    <p:sldId id="256" r:id="rId4"/>
-    <p:sldId id="257" r:id="rId5"/>
-    <p:sldId id="258" r:id="rId6"/>
+    <p:sldId id="261" r:id="rId4"/>
+    <p:sldId id="262" r:id="rId5"/>
+    <p:sldId id="256" r:id="rId6"/>
+    <p:sldId id="257" r:id="rId7"/>
+    <p:sldId id="258" r:id="rId8"/>
   </p:sldIdLst>
   <p:sldSz cx="12192000" cy="6858000"/>
   <p:notesSz cx="6858000" cy="9144000"/>
@@ -3319,7 +3321,7 @@
                 <a:latin typeface="나눔스퀘어_ac ExtraBold" panose="020B0600000101010101" pitchFamily="50" charset="-127"/>
                 <a:ea typeface="나눔스퀘어_ac ExtraBold" panose="020B0600000101010101" pitchFamily="50" charset="-127"/>
               </a:rPr>
-              <a:t>제 </a:t>
+              <a:t> 제 </a:t>
             </a:r>
             <a:r>
               <a:rPr lang="en-US" altLang="ko-KR" sz="2800" dirty="0" smtClean="0">
@@ -3339,7 +3341,27 @@
                 <a:latin typeface="나눔스퀘어_ac ExtraBold" panose="020B0600000101010101" pitchFamily="50" charset="-127"/>
                 <a:ea typeface="나눔스퀘어_ac ExtraBold" panose="020B0600000101010101" pitchFamily="50" charset="-127"/>
               </a:rPr>
-              <a:t>대 국회의원 총선 선거 예측 </a:t>
+              <a:t>대 국회의원 총선 </a:t>
+            </a:r>
+            <a:r>
+              <a:rPr lang="ko-KR" altLang="en-US" sz="2800" dirty="0" smtClean="0">
+                <a:solidFill>
+                  <a:schemeClr val="bg1"/>
+                </a:solidFill>
+                <a:latin typeface="나눔스퀘어_ac ExtraBold" panose="020B0600000101010101" pitchFamily="50" charset="-127"/>
+                <a:ea typeface="나눔스퀘어_ac ExtraBold" panose="020B0600000101010101" pitchFamily="50" charset="-127"/>
+              </a:rPr>
+              <a:t>결과 </a:t>
+            </a:r>
+            <a:r>
+              <a:rPr lang="ko-KR" altLang="en-US" sz="2800" dirty="0" smtClean="0">
+                <a:solidFill>
+                  <a:schemeClr val="bg1"/>
+                </a:solidFill>
+                <a:latin typeface="나눔스퀘어_ac ExtraBold" panose="020B0600000101010101" pitchFamily="50" charset="-127"/>
+                <a:ea typeface="나눔스퀘어_ac ExtraBold" panose="020B0600000101010101" pitchFamily="50" charset="-127"/>
+              </a:rPr>
+              <a:t>예측 </a:t>
             </a:r>
             <a:endParaRPr lang="en-US" altLang="ko-KR" sz="2800" dirty="0" smtClean="0">
               <a:solidFill>
@@ -3373,7 +3395,17 @@
                 <a:latin typeface="나눔스퀘어_ac ExtraBold" panose="020B0600000101010101" pitchFamily="50" charset="-127"/>
                 <a:ea typeface="나눔스퀘어_ac ExtraBold" panose="020B0600000101010101" pitchFamily="50" charset="-127"/>
               </a:rPr>
-              <a:t>문화생활 추천 서비스</a:t>
+              <a:t> 문화생활 </a:t>
+            </a:r>
+            <a:r>
+              <a:rPr lang="ko-KR" altLang="en-US" sz="2800" dirty="0" smtClean="0">
+                <a:solidFill>
+                  <a:schemeClr val="bg1"/>
+                </a:solidFill>
+                <a:latin typeface="나눔스퀘어_ac ExtraBold" panose="020B0600000101010101" pitchFamily="50" charset="-127"/>
+                <a:ea typeface="나눔스퀘어_ac ExtraBold" panose="020B0600000101010101" pitchFamily="50" charset="-127"/>
+              </a:rPr>
+              <a:t>추천 서비스</a:t>
             </a:r>
             <a:endParaRPr lang="en-US" altLang="ko-KR" sz="2800" dirty="0" smtClean="0">
               <a:solidFill>
@@ -3570,39 +3602,98 @@
       </p:grpSpPr>
       <p:sp>
         <p:nvSpPr>
-          <p:cNvPr id="2" name="제목 1"/>
-          <p:cNvSpPr>
-            <a:spLocks noGrp="1"/>
-          </p:cNvSpPr>
-          <p:nvPr>
-            <p:ph type="ctrTitle"/>
-          </p:nvPr>
+          <p:cNvPr id="15" name="TextBox 14"/>
+          <p:cNvSpPr txBox="1"/>
+          <p:nvPr/>
         </p:nvSpPr>
         <p:spPr>
           <a:xfrm>
-            <a:off x="1524000" y="125259"/>
-            <a:ext cx="9144000" cy="841919"/>
+            <a:off x="338203" y="4108537"/>
+            <a:ext cx="5260931" cy="2585323"/>
           </a:xfrm>
+          <a:prstGeom prst="rect">
+            <a:avLst/>
+          </a:prstGeom>
+          <a:noFill/>
         </p:spPr>
         <p:txBody>
-          <a:bodyPr>
-            <a:normAutofit/>
+          <a:bodyPr wrap="square" rtlCol="0">
+            <a:spAutoFit/>
           </a:bodyPr>
           <a:lstStyle/>
           <a:p>
             <a:r>
-              <a:rPr lang="ko-KR" altLang="ko-KR" sz="4000" b="1" dirty="0"/>
-              <a:t>제 </a:t>
-            </a:r>
-            <a:r>
-              <a:rPr lang="en-US" altLang="ko-KR" sz="4000" b="1" dirty="0"/>
-              <a:t>21</a:t>
-            </a:r>
-            <a:r>
-              <a:rPr lang="ko-KR" altLang="ko-KR" sz="4000" b="1" dirty="0"/>
-              <a:t>대 국회의원 총선 선거 예측</a:t>
-            </a:r>
-            <a:endParaRPr lang="ko-KR" altLang="en-US" sz="4000" b="1" dirty="0"/>
+              <a:rPr lang="en-US" altLang="ko-KR" sz="5400" b="1" dirty="0" smtClean="0">
+                <a:solidFill>
+                  <a:schemeClr val="bg1"/>
+                </a:solidFill>
+                <a:latin typeface="Bauhaus 93" panose="04030905020B02020C02" pitchFamily="82" charset="0"/>
+              </a:rPr>
+              <a:t>Machine Learning </a:t>
+            </a:r>
+          </a:p>
+          <a:p>
+            <a:r>
+              <a:rPr lang="en-US" altLang="ko-KR" sz="5400" b="1" dirty="0" smtClean="0">
+                <a:solidFill>
+                  <a:schemeClr val="bg1"/>
+                </a:solidFill>
+                <a:latin typeface="Bauhaus 93" panose="04030905020B02020C02" pitchFamily="82" charset="0"/>
+              </a:rPr>
+              <a:t>Project </a:t>
+            </a:r>
+            <a:endParaRPr lang="ko-KR" altLang="en-US" sz="5400" b="1" dirty="0">
+              <a:solidFill>
+                <a:schemeClr val="bg1"/>
+              </a:solidFill>
+              <a:latin typeface="Bauhaus 93" panose="04030905020B02020C02" pitchFamily="82" charset="0"/>
+            </a:endParaRPr>
+          </a:p>
+        </p:txBody>
+      </p:sp>
+      <p:sp>
+        <p:nvSpPr>
+          <p:cNvPr id="16" name="직사각형 15"/>
+          <p:cNvSpPr/>
+          <p:nvPr/>
+        </p:nvSpPr>
+        <p:spPr>
+          <a:xfrm>
+            <a:off x="3594969" y="4509370"/>
+            <a:ext cx="45719" cy="1946496"/>
+          </a:xfrm>
+          <a:prstGeom prst="rect">
+            <a:avLst/>
+          </a:prstGeom>
+          <a:solidFill>
+            <a:schemeClr val="bg1"/>
+          </a:solidFill>
+          <a:ln>
+            <a:noFill/>
+          </a:ln>
+        </p:spPr>
+        <p:style>
+          <a:lnRef idx="2">
+            <a:schemeClr val="accent1">
+              <a:shade val="50000"/>
+            </a:schemeClr>
+          </a:lnRef>
+          <a:fillRef idx="1">
+            <a:schemeClr val="accent1"/>
+          </a:fillRef>
+          <a:effectRef idx="0">
+            <a:schemeClr val="accent1"/>
+          </a:effectRef>
+          <a:fontRef idx="minor">
+            <a:schemeClr val="lt1"/>
+          </a:fontRef>
+        </p:style>
+        <p:txBody>
+          <a:bodyPr rtlCol="0" anchor="ctr"/>
+          <a:lstStyle/>
+          <a:p>
+            <a:pPr algn="ctr"/>
+            <a:endParaRPr lang="ko-KR" altLang="en-US"/>
           </a:p>
         </p:txBody>
       </p:sp>
@@ -3614,8 +3705,126 @@
         </p:nvSpPr>
         <p:spPr>
           <a:xfrm>
-            <a:off x="793315" y="1222195"/>
-            <a:ext cx="10855890" cy="1695849"/>
+            <a:off x="0" y="0"/>
+            <a:ext cx="12192000" cy="6858000"/>
+          </a:xfrm>
+          <a:prstGeom prst="rect">
+            <a:avLst/>
+          </a:prstGeom>
+          <a:solidFill>
+            <a:srgbClr val="00204F"/>
+          </a:solidFill>
+          <a:ln>
+            <a:noFill/>
+          </a:ln>
+        </p:spPr>
+        <p:style>
+          <a:lnRef idx="2">
+            <a:schemeClr val="accent1">
+              <a:shade val="50000"/>
+            </a:schemeClr>
+          </a:lnRef>
+          <a:fillRef idx="1">
+            <a:schemeClr val="accent1"/>
+          </a:fillRef>
+          <a:effectRef idx="0">
+            <a:schemeClr val="accent1"/>
+          </a:effectRef>
+          <a:fontRef idx="minor">
+            <a:schemeClr val="lt1"/>
+          </a:fontRef>
+        </p:style>
+        <p:txBody>
+          <a:bodyPr rtlCol="0" anchor="ctr"/>
+          <a:lstStyle/>
+          <a:p>
+            <a:pPr algn="ctr"/>
+            <a:endParaRPr lang="ko-KR" altLang="en-US"/>
+          </a:p>
+        </p:txBody>
+      </p:sp>
+      <p:sp>
+        <p:nvSpPr>
+          <p:cNvPr id="8" name="TextBox 7"/>
+          <p:cNvSpPr txBox="1"/>
+          <p:nvPr/>
+        </p:nvSpPr>
+        <p:spPr>
+          <a:xfrm>
+            <a:off x="657615" y="388307"/>
+            <a:ext cx="8724379" cy="707886"/>
+          </a:xfrm>
+          <a:prstGeom prst="rect">
+            <a:avLst/>
+          </a:prstGeom>
+          <a:noFill/>
+        </p:spPr>
+        <p:txBody>
+          <a:bodyPr wrap="square" rtlCol="0">
+            <a:spAutoFit/>
+          </a:bodyPr>
+          <a:lstStyle/>
+          <a:p>
+            <a:r>
+              <a:rPr lang="en-US" altLang="ko-KR" sz="4000" b="1" dirty="0" smtClean="0">
+                <a:solidFill>
+                  <a:schemeClr val="bg1"/>
+                </a:solidFill>
+                <a:latin typeface="나눔스퀘어_ac ExtraBold" panose="020B0600000101010101" pitchFamily="50" charset="-127"/>
+                <a:ea typeface="나눔스퀘어_ac ExtraBold" panose="020B0600000101010101" pitchFamily="50" charset="-127"/>
+              </a:rPr>
+              <a:t>1. </a:t>
+            </a:r>
+            <a:r>
+              <a:rPr lang="ko-KR" altLang="ko-KR" sz="4000" b="1" dirty="0" smtClean="0">
+                <a:solidFill>
+                  <a:schemeClr val="bg1"/>
+                </a:solidFill>
+                <a:latin typeface="나눔스퀘어_ac ExtraBold" panose="020B0600000101010101" pitchFamily="50" charset="-127"/>
+                <a:ea typeface="나눔스퀘어_ac ExtraBold" panose="020B0600000101010101" pitchFamily="50" charset="-127"/>
+              </a:rPr>
+              <a:t>제 </a:t>
+            </a:r>
+            <a:r>
+              <a:rPr lang="en-US" altLang="ko-KR" sz="4000" b="1" dirty="0">
+                <a:solidFill>
+                  <a:schemeClr val="bg1"/>
+                </a:solidFill>
+                <a:latin typeface="나눔스퀘어_ac ExtraBold" panose="020B0600000101010101" pitchFamily="50" charset="-127"/>
+                <a:ea typeface="나눔스퀘어_ac ExtraBold" panose="020B0600000101010101" pitchFamily="50" charset="-127"/>
+              </a:rPr>
+              <a:t>21</a:t>
+            </a:r>
+            <a:r>
+              <a:rPr lang="ko-KR" altLang="ko-KR" sz="4000" b="1" dirty="0">
+                <a:solidFill>
+                  <a:schemeClr val="bg1"/>
+                </a:solidFill>
+                <a:latin typeface="나눔스퀘어_ac ExtraBold" panose="020B0600000101010101" pitchFamily="50" charset="-127"/>
+                <a:ea typeface="나눔스퀘어_ac ExtraBold" panose="020B0600000101010101" pitchFamily="50" charset="-127"/>
+              </a:rPr>
+              <a:t>대 국회의원 총선 선거 예측</a:t>
+            </a:r>
+            <a:endParaRPr lang="ko-KR" altLang="en-US" sz="4000" dirty="0">
+              <a:solidFill>
+                <a:schemeClr val="bg1"/>
+              </a:solidFill>
+              <a:latin typeface="나눔스퀘어_ac ExtraBold" panose="020B0600000101010101" pitchFamily="50" charset="-127"/>
+              <a:ea typeface="나눔스퀘어_ac ExtraBold" panose="020B0600000101010101" pitchFamily="50" charset="-127"/>
+            </a:endParaRPr>
+          </a:p>
+        </p:txBody>
+      </p:sp>
+      <p:sp>
+        <p:nvSpPr>
+          <p:cNvPr id="5" name="직사각형 4"/>
+          <p:cNvSpPr/>
+          <p:nvPr/>
+        </p:nvSpPr>
+        <p:spPr>
+          <a:xfrm>
+            <a:off x="1144043" y="2014013"/>
+            <a:ext cx="10690965" cy="3857851"/>
           </a:xfrm>
           <a:prstGeom prst="rect">
             <a:avLst/>
@@ -3636,90 +3845,79 @@
               </a:spcAft>
             </a:pPr>
             <a:r>
-              <a:rPr lang="ko-KR" altLang="ko-KR" sz="2000" b="1" kern="100" dirty="0">
+              <a:rPr lang="en-US" altLang="ko-KR" sz="2400" b="1" kern="100" dirty="0" smtClean="0">
+                <a:solidFill>
+                  <a:schemeClr val="bg1"/>
+                </a:solidFill>
+                <a:latin typeface="맑은 고딕" panose="020B0503020000020004" pitchFamily="50" charset="-127"/>
+                <a:cs typeface="Times New Roman" panose="02020603050405020304" pitchFamily="18" charset="0"/>
+              </a:rPr>
+              <a:t># </a:t>
+            </a:r>
+            <a:r>
+              <a:rPr lang="ko-KR" altLang="ko-KR" sz="2400" b="1" kern="100" dirty="0" smtClean="0">
+                <a:solidFill>
+                  <a:schemeClr val="bg1"/>
+                </a:solidFill>
                 <a:latin typeface="맑은 고딕" panose="020B0503020000020004" pitchFamily="50" charset="-127"/>
                 <a:cs typeface="Times New Roman" panose="02020603050405020304" pitchFamily="18" charset="0"/>
               </a:rPr>
               <a:t>서비스</a:t>
             </a:r>
             <a:r>
-              <a:rPr lang="en-US" altLang="ko-KR" sz="2000" b="1" kern="100" dirty="0">
+              <a:rPr lang="en-US" altLang="ko-KR" sz="2400" b="1" kern="100" dirty="0">
+                <a:solidFill>
+                  <a:schemeClr val="bg1"/>
+                </a:solidFill>
                 <a:latin typeface="맑은 고딕" panose="020B0503020000020004" pitchFamily="50" charset="-127"/>
                 <a:cs typeface="Times New Roman" panose="02020603050405020304" pitchFamily="18" charset="0"/>
               </a:rPr>
               <a:t>1. </a:t>
             </a:r>
             <a:r>
-              <a:rPr lang="ko-KR" altLang="ko-KR" sz="2000" b="1" kern="100" dirty="0">
+              <a:rPr lang="ko-KR" altLang="ko-KR" sz="2400" b="1" kern="100" dirty="0">
+                <a:solidFill>
+                  <a:schemeClr val="bg1"/>
+                </a:solidFill>
                 <a:latin typeface="맑은 고딕" panose="020B0503020000020004" pitchFamily="50" charset="-127"/>
                 <a:cs typeface="Times New Roman" panose="02020603050405020304" pitchFamily="18" charset="0"/>
               </a:rPr>
               <a:t>현역 국회의원 </a:t>
             </a:r>
             <a:r>
-              <a:rPr lang="ko-KR" altLang="ko-KR" sz="2000" b="1" kern="100" dirty="0" err="1">
+              <a:rPr lang="ko-KR" altLang="ko-KR" sz="2400" b="1" kern="100" dirty="0" err="1">
+                <a:solidFill>
+                  <a:schemeClr val="bg1"/>
+                </a:solidFill>
                 <a:latin typeface="맑은 고딕" panose="020B0503020000020004" pitchFamily="50" charset="-127"/>
                 <a:cs typeface="Times New Roman" panose="02020603050405020304" pitchFamily="18" charset="0"/>
               </a:rPr>
               <a:t>재당선</a:t>
             </a:r>
             <a:r>
-              <a:rPr lang="ko-KR" altLang="ko-KR" sz="2000" b="1" kern="100" dirty="0">
-                <a:latin typeface="맑은 고딕" panose="020B0503020000020004" pitchFamily="50" charset="-127"/>
-                <a:cs typeface="Times New Roman" panose="02020603050405020304" pitchFamily="18" charset="0"/>
-              </a:rPr>
-              <a:t> 여부 예측</a:t>
-            </a:r>
-            <a:r>
-              <a:rPr lang="en-US" altLang="ko-KR" sz="2000" b="1" kern="100" dirty="0">
-                <a:latin typeface="맑은 고딕" panose="020B0503020000020004" pitchFamily="50" charset="-127"/>
-                <a:cs typeface="Times New Roman" panose="02020603050405020304" pitchFamily="18" charset="0"/>
-              </a:rPr>
-              <a:t>(</a:t>
-            </a:r>
-            <a:r>
-              <a:rPr lang="ko-KR" altLang="ko-KR" sz="2000" b="1" kern="100" dirty="0">
-                <a:latin typeface="맑은 고딕" panose="020B0503020000020004" pitchFamily="50" charset="-127"/>
-                <a:cs typeface="Times New Roman" panose="02020603050405020304" pitchFamily="18" charset="0"/>
-              </a:rPr>
-              <a:t>현역 국회의원 </a:t>
-            </a:r>
-            <a:r>
-              <a:rPr lang="en-US" altLang="ko-KR" sz="2000" b="1" kern="100" dirty="0">
-                <a:latin typeface="맑은 고딕" panose="020B0503020000020004" pitchFamily="50" charset="-127"/>
-                <a:cs typeface="Times New Roman" panose="02020603050405020304" pitchFamily="18" charset="0"/>
-              </a:rPr>
-              <a:t>297</a:t>
-            </a:r>
-            <a:r>
-              <a:rPr lang="ko-KR" altLang="ko-KR" sz="2000" b="1" kern="100" dirty="0">
-                <a:latin typeface="맑은 고딕" panose="020B0503020000020004" pitchFamily="50" charset="-127"/>
-                <a:cs typeface="Times New Roman" panose="02020603050405020304" pitchFamily="18" charset="0"/>
-              </a:rPr>
-              <a:t>명 중 제</a:t>
-            </a:r>
-            <a:r>
-              <a:rPr lang="en-US" altLang="ko-KR" sz="2000" b="1" kern="100" dirty="0">
-                <a:latin typeface="맑은 고딕" panose="020B0503020000020004" pitchFamily="50" charset="-127"/>
-                <a:cs typeface="Times New Roman" panose="02020603050405020304" pitchFamily="18" charset="0"/>
-              </a:rPr>
-              <a:t> 21</a:t>
-            </a:r>
-            <a:r>
-              <a:rPr lang="ko-KR" altLang="ko-KR" sz="2000" b="1" kern="100" dirty="0">
-                <a:latin typeface="맑은 고딕" panose="020B0503020000020004" pitchFamily="50" charset="-127"/>
-                <a:cs typeface="Times New Roman" panose="02020603050405020304" pitchFamily="18" charset="0"/>
-              </a:rPr>
-              <a:t>대 총선 출마 인원</a:t>
-            </a:r>
-            <a:r>
-              <a:rPr lang="en-US" altLang="ko-KR" sz="2000" b="1" kern="100" dirty="0">
-                <a:latin typeface="맑은 고딕" panose="020B0503020000020004" pitchFamily="50" charset="-127"/>
-                <a:cs typeface="Times New Roman" panose="02020603050405020304" pitchFamily="18" charset="0"/>
-              </a:rPr>
-              <a:t>)</a:t>
-            </a:r>
-            <a:endParaRPr lang="ko-KR" altLang="ko-KR" sz="2000" b="1" kern="100" dirty="0">
+              <a:rPr lang="ko-KR" altLang="ko-KR" sz="2400" b="1" kern="100" dirty="0">
+                <a:solidFill>
+                  <a:schemeClr val="bg1"/>
+                </a:solidFill>
+                <a:latin typeface="맑은 고딕" panose="020B0503020000020004" pitchFamily="50" charset="-127"/>
+                <a:cs typeface="Times New Roman" panose="02020603050405020304" pitchFamily="18" charset="0"/>
+              </a:rPr>
+              <a:t> 여부 </a:t>
+            </a:r>
+            <a:r>
+              <a:rPr lang="ko-KR" altLang="ko-KR" sz="2400" b="1" kern="100" dirty="0" smtClean="0">
+                <a:solidFill>
+                  <a:schemeClr val="bg1"/>
+                </a:solidFill>
+                <a:latin typeface="맑은 고딕" panose="020B0503020000020004" pitchFamily="50" charset="-127"/>
+                <a:cs typeface="Times New Roman" panose="02020603050405020304" pitchFamily="18" charset="0"/>
+              </a:rPr>
+              <a:t>예측</a:t>
+            </a:r>
+            <a:endParaRPr lang="en-US" altLang="ko-KR" sz="2400" b="1" kern="100" dirty="0" smtClean="0">
+              <a:solidFill>
+                <a:schemeClr val="bg1"/>
+              </a:solidFill>
               <a:latin typeface="맑은 고딕" panose="020B0503020000020004" pitchFamily="50" charset="-127"/>
               <a:cs typeface="Times New Roman" panose="02020603050405020304" pitchFamily="18" charset="0"/>
             </a:endParaRPr>
@@ -3734,641 +3932,416 @@
               </a:spcAft>
             </a:pPr>
             <a:r>
-              <a:rPr lang="ko-KR" altLang="ko-KR" sz="2000" b="1" kern="100" dirty="0">
-                <a:latin typeface="맑은 고딕" panose="020B0503020000020004" pitchFamily="50" charset="-127"/>
-                <a:cs typeface="Times New Roman" panose="02020603050405020304" pitchFamily="18" charset="0"/>
-              </a:rPr>
-              <a:t>방법</a:t>
-            </a:r>
-            <a:r>
-              <a:rPr lang="en-US" altLang="ko-KR" sz="2000" b="1" kern="100" dirty="0">
-                <a:latin typeface="맑은 고딕" panose="020B0503020000020004" pitchFamily="50" charset="-127"/>
-                <a:cs typeface="Times New Roman" panose="02020603050405020304" pitchFamily="18" charset="0"/>
-              </a:rPr>
-              <a:t>1. </a:t>
-            </a:r>
-            <a:r>
-              <a:rPr lang="ko-KR" altLang="ko-KR" sz="2000" b="1" kern="100" dirty="0">
-                <a:latin typeface="맑은 고딕" panose="020B0503020000020004" pitchFamily="50" charset="-127"/>
-                <a:cs typeface="Times New Roman" panose="02020603050405020304" pitchFamily="18" charset="0"/>
-              </a:rPr>
-              <a:t>제 </a:t>
-            </a:r>
-            <a:r>
-              <a:rPr lang="en-US" altLang="ko-KR" sz="2000" b="1" kern="100" dirty="0">
-                <a:latin typeface="맑은 고딕" panose="020B0503020000020004" pitchFamily="50" charset="-127"/>
-                <a:cs typeface="Times New Roman" panose="02020603050405020304" pitchFamily="18" charset="0"/>
-              </a:rPr>
-              <a:t>20</a:t>
-            </a:r>
-            <a:r>
-              <a:rPr lang="ko-KR" altLang="ko-KR" sz="2000" b="1" kern="100" dirty="0">
-                <a:latin typeface="맑은 고딕" panose="020B0503020000020004" pitchFamily="50" charset="-127"/>
-                <a:cs typeface="Times New Roman" panose="02020603050405020304" pitchFamily="18" charset="0"/>
-              </a:rPr>
-              <a:t>대 국회의원 총선 공약키워드 및 제</a:t>
-            </a:r>
-            <a:r>
-              <a:rPr lang="en-US" altLang="ko-KR" sz="2000" b="1" kern="100" dirty="0">
-                <a:latin typeface="맑은 고딕" panose="020B0503020000020004" pitchFamily="50" charset="-127"/>
-                <a:cs typeface="Times New Roman" panose="02020603050405020304" pitchFamily="18" charset="0"/>
-              </a:rPr>
-              <a:t>21</a:t>
-            </a:r>
-            <a:r>
-              <a:rPr lang="ko-KR" altLang="ko-KR" sz="2000" b="1" kern="100" dirty="0">
-                <a:latin typeface="맑은 고딕" panose="020B0503020000020004" pitchFamily="50" charset="-127"/>
-                <a:cs typeface="Times New Roman" panose="02020603050405020304" pitchFamily="18" charset="0"/>
-              </a:rPr>
-              <a:t>대 총선 공약키워드 비교</a:t>
-            </a:r>
+              <a:rPr lang="en-US" altLang="ko-KR" sz="2400" b="1" kern="100" dirty="0">
+                <a:solidFill>
+                  <a:schemeClr val="bg1"/>
+                </a:solidFill>
+                <a:latin typeface="맑은 고딕" panose="020B0503020000020004" pitchFamily="50" charset="-127"/>
+                <a:cs typeface="Times New Roman" panose="02020603050405020304" pitchFamily="18" charset="0"/>
+              </a:rPr>
+              <a:t> </a:t>
+            </a:r>
+            <a:r>
+              <a:rPr lang="en-US" altLang="ko-KR" sz="2400" b="1" kern="100" dirty="0" smtClean="0">
+                <a:solidFill>
+                  <a:schemeClr val="bg1"/>
+                </a:solidFill>
+                <a:latin typeface="맑은 고딕" panose="020B0503020000020004" pitchFamily="50" charset="-127"/>
+                <a:cs typeface="Times New Roman" panose="02020603050405020304" pitchFamily="18" charset="0"/>
+              </a:rPr>
+              <a:t>             (</a:t>
+            </a:r>
+            <a:r>
+              <a:rPr lang="ko-KR" altLang="ko-KR" sz="2400" b="1" kern="100" dirty="0">
+                <a:solidFill>
+                  <a:schemeClr val="bg1"/>
+                </a:solidFill>
+                <a:latin typeface="맑은 고딕" panose="020B0503020000020004" pitchFamily="50" charset="-127"/>
+                <a:cs typeface="Times New Roman" panose="02020603050405020304" pitchFamily="18" charset="0"/>
+              </a:rPr>
+              <a:t>현역 국회의원 </a:t>
+            </a:r>
+            <a:r>
+              <a:rPr lang="en-US" altLang="ko-KR" sz="2400" b="1" kern="100" dirty="0">
+                <a:solidFill>
+                  <a:schemeClr val="bg1"/>
+                </a:solidFill>
+                <a:latin typeface="맑은 고딕" panose="020B0503020000020004" pitchFamily="50" charset="-127"/>
+                <a:cs typeface="Times New Roman" panose="02020603050405020304" pitchFamily="18" charset="0"/>
+              </a:rPr>
+              <a:t>297</a:t>
+            </a:r>
+            <a:r>
+              <a:rPr lang="ko-KR" altLang="ko-KR" sz="2400" b="1" kern="100" dirty="0">
+                <a:solidFill>
+                  <a:schemeClr val="bg1"/>
+                </a:solidFill>
+                <a:latin typeface="맑은 고딕" panose="020B0503020000020004" pitchFamily="50" charset="-127"/>
+                <a:cs typeface="Times New Roman" panose="02020603050405020304" pitchFamily="18" charset="0"/>
+              </a:rPr>
+              <a:t>명 중 제</a:t>
+            </a:r>
+            <a:r>
+              <a:rPr lang="en-US" altLang="ko-KR" sz="2400" b="1" kern="100" dirty="0">
+                <a:solidFill>
+                  <a:schemeClr val="bg1"/>
+                </a:solidFill>
+                <a:latin typeface="맑은 고딕" panose="020B0503020000020004" pitchFamily="50" charset="-127"/>
+                <a:cs typeface="Times New Roman" panose="02020603050405020304" pitchFamily="18" charset="0"/>
+              </a:rPr>
+              <a:t> 21</a:t>
+            </a:r>
+            <a:r>
+              <a:rPr lang="ko-KR" altLang="ko-KR" sz="2400" b="1" kern="100" dirty="0">
+                <a:solidFill>
+                  <a:schemeClr val="bg1"/>
+                </a:solidFill>
+                <a:latin typeface="맑은 고딕" panose="020B0503020000020004" pitchFamily="50" charset="-127"/>
+                <a:cs typeface="Times New Roman" panose="02020603050405020304" pitchFamily="18" charset="0"/>
+              </a:rPr>
+              <a:t>대 총선 출마 인원</a:t>
+            </a:r>
+            <a:r>
+              <a:rPr lang="en-US" altLang="ko-KR" sz="2400" b="1" kern="100" dirty="0">
+                <a:solidFill>
+                  <a:schemeClr val="bg1"/>
+                </a:solidFill>
+                <a:latin typeface="맑은 고딕" panose="020B0503020000020004" pitchFamily="50" charset="-127"/>
+                <a:cs typeface="Times New Roman" panose="02020603050405020304" pitchFamily="18" charset="0"/>
+              </a:rPr>
+              <a:t>)</a:t>
+            </a:r>
+            <a:endParaRPr lang="ko-KR" altLang="ko-KR" sz="2400" b="1" kern="100" dirty="0">
+              <a:solidFill>
+                <a:schemeClr val="bg1"/>
+              </a:solidFill>
+              <a:latin typeface="맑은 고딕" panose="020B0503020000020004" pitchFamily="50" charset="-127"/>
+              <a:cs typeface="Times New Roman" panose="02020603050405020304" pitchFamily="18" charset="0"/>
+            </a:endParaRPr>
           </a:p>
           <a:p>
             <a:pPr algn="just">
               <a:lnSpc>
-                <a:spcPct val="107000"/>
+                <a:spcPct val="200000"/>
               </a:lnSpc>
               <a:spcAft>
                 <a:spcPts val="800"/>
               </a:spcAft>
             </a:pPr>
-            <a:r>
-              <a:rPr lang="ko-KR" altLang="ko-KR" sz="2000" b="1" kern="100" dirty="0">
-                <a:latin typeface="맑은 고딕" panose="020B0503020000020004" pitchFamily="50" charset="-127"/>
-                <a:cs typeface="Times New Roman" panose="02020603050405020304" pitchFamily="18" charset="0"/>
-              </a:rPr>
-              <a:t>방법</a:t>
-            </a:r>
-            <a:r>
-              <a:rPr lang="en-US" altLang="ko-KR" sz="2000" b="1" kern="100" dirty="0">
-                <a:latin typeface="맑은 고딕" panose="020B0503020000020004" pitchFamily="50" charset="-127"/>
-                <a:cs typeface="Times New Roman" panose="02020603050405020304" pitchFamily="18" charset="0"/>
-              </a:rPr>
-              <a:t>2. </a:t>
-            </a:r>
-            <a:r>
-              <a:rPr lang="ko-KR" altLang="ko-KR" sz="2000" b="1" kern="100" dirty="0">
-                <a:latin typeface="맑은 고딕" panose="020B0503020000020004" pitchFamily="50" charset="-127"/>
-                <a:cs typeface="Times New Roman" panose="02020603050405020304" pitchFamily="18" charset="0"/>
-              </a:rPr>
-              <a:t>뉴스 제목</a:t>
-            </a:r>
-            <a:r>
-              <a:rPr lang="en-US" altLang="ko-KR" sz="2000" b="1" kern="100" dirty="0">
-                <a:latin typeface="맑은 고딕" panose="020B0503020000020004" pitchFamily="50" charset="-127"/>
-                <a:cs typeface="Times New Roman" panose="02020603050405020304" pitchFamily="18" charset="0"/>
-              </a:rPr>
-              <a:t>(</a:t>
-            </a:r>
-            <a:r>
-              <a:rPr lang="ko-KR" altLang="ko-KR" sz="2000" b="1" kern="100" dirty="0">
-                <a:latin typeface="맑은 고딕" panose="020B0503020000020004" pitchFamily="50" charset="-127"/>
-                <a:cs typeface="Times New Roman" panose="02020603050405020304" pitchFamily="18" charset="0"/>
-              </a:rPr>
-              <a:t>혹은 본문</a:t>
-            </a:r>
-            <a:r>
-              <a:rPr lang="en-US" altLang="ko-KR" sz="2000" b="1" kern="100" dirty="0">
-                <a:latin typeface="맑은 고딕" panose="020B0503020000020004" pitchFamily="50" charset="-127"/>
-                <a:cs typeface="Times New Roman" panose="02020603050405020304" pitchFamily="18" charset="0"/>
-              </a:rPr>
-              <a:t>) </a:t>
-            </a:r>
-            <a:r>
-              <a:rPr lang="ko-KR" altLang="ko-KR" sz="2000" b="1" kern="100" dirty="0" err="1">
-                <a:latin typeface="맑은 고딕" panose="020B0503020000020004" pitchFamily="50" charset="-127"/>
-                <a:cs typeface="Times New Roman" panose="02020603050405020304" pitchFamily="18" charset="0"/>
-              </a:rPr>
-              <a:t>긍부정</a:t>
-            </a:r>
-            <a:endParaRPr lang="ko-KR" altLang="ko-KR" sz="2000" b="1" kern="100" dirty="0">
+            <a:endParaRPr lang="en-US" altLang="ko-KR" sz="2000" b="1" kern="100" dirty="0" smtClean="0">
+              <a:solidFill>
+                <a:schemeClr val="bg1"/>
+              </a:solidFill>
               <a:latin typeface="맑은 고딕" panose="020B0503020000020004" pitchFamily="50" charset="-127"/>
               <a:cs typeface="Times New Roman" panose="02020603050405020304" pitchFamily="18" charset="0"/>
             </a:endParaRPr>
           </a:p>
           <a:p>
-            <a:r>
-              <a:rPr lang="ko-KR" altLang="ko-KR" sz="2000" b="1" dirty="0">
-                <a:cs typeface="Times New Roman" panose="02020603050405020304" pitchFamily="18" charset="0"/>
-              </a:rPr>
-              <a:t>방법</a:t>
-            </a:r>
-            <a:r>
-              <a:rPr lang="en-US" altLang="ko-KR" sz="2000" b="1" dirty="0">
-                <a:cs typeface="Times New Roman" panose="02020603050405020304" pitchFamily="18" charset="0"/>
-              </a:rPr>
-              <a:t>3. </a:t>
-            </a:r>
-            <a:r>
-              <a:rPr lang="ko-KR" altLang="ko-KR" sz="2000" b="1" dirty="0">
-                <a:cs typeface="Times New Roman" panose="02020603050405020304" pitchFamily="18" charset="0"/>
-              </a:rPr>
-              <a:t>발의 의안 수 및 통과 의안 수</a:t>
-            </a:r>
-            <a:endParaRPr lang="ko-KR" altLang="en-US" sz="2000" b="1" dirty="0"/>
-          </a:p>
-        </p:txBody>
-      </p:sp>
-      <p:sp>
-        <p:nvSpPr>
-          <p:cNvPr id="6" name="직사각형 5"/>
-          <p:cNvSpPr/>
-          <p:nvPr/>
-        </p:nvSpPr>
-        <p:spPr>
-          <a:xfrm>
-            <a:off x="793315" y="3126438"/>
-            <a:ext cx="10768208" cy="1695849"/>
-          </a:xfrm>
-          <a:prstGeom prst="rect">
-            <a:avLst/>
-          </a:prstGeom>
-        </p:spPr>
-        <p:txBody>
-          <a:bodyPr wrap="square">
-            <a:spAutoFit/>
-          </a:bodyPr>
-          <a:lstStyle/>
-          <a:p>
             <a:pPr algn="just">
               <a:lnSpc>
-                <a:spcPct val="107000"/>
+                <a:spcPct val="200000"/>
               </a:lnSpc>
               <a:spcAft>
                 <a:spcPts val="800"/>
               </a:spcAft>
             </a:pPr>
             <a:r>
+              <a:rPr lang="en-US" altLang="ko-KR" sz="2000" b="1" kern="100" dirty="0">
+                <a:solidFill>
+                  <a:schemeClr val="bg1"/>
+                </a:solidFill>
+                <a:latin typeface="맑은 고딕" panose="020B0503020000020004" pitchFamily="50" charset="-127"/>
+                <a:cs typeface="Times New Roman" panose="02020603050405020304" pitchFamily="18" charset="0"/>
+              </a:rPr>
+              <a:t>	 </a:t>
+            </a:r>
+            <a:r>
+              <a:rPr lang="en-US" altLang="ko-KR" sz="2000" b="1" kern="100" dirty="0" smtClean="0">
+                <a:solidFill>
+                  <a:schemeClr val="bg1"/>
+                </a:solidFill>
+                <a:latin typeface="맑은 고딕" panose="020B0503020000020004" pitchFamily="50" charset="-127"/>
+                <a:cs typeface="Times New Roman" panose="02020603050405020304" pitchFamily="18" charset="0"/>
+              </a:rPr>
+              <a:t>       </a:t>
+            </a:r>
+            <a:r>
+              <a:rPr lang="ko-KR" altLang="ko-KR" sz="2000" b="1" kern="100" dirty="0" smtClean="0">
+                <a:solidFill>
+                  <a:schemeClr val="bg1"/>
+                </a:solidFill>
+                <a:latin typeface="맑은 고딕" panose="020B0503020000020004" pitchFamily="50" charset="-127"/>
+                <a:cs typeface="Times New Roman" panose="02020603050405020304" pitchFamily="18" charset="0"/>
+              </a:rPr>
+              <a:t>방법</a:t>
+            </a:r>
+            <a:r>
+              <a:rPr lang="en-US" altLang="ko-KR" sz="2000" b="1" kern="100" dirty="0">
+                <a:solidFill>
+                  <a:schemeClr val="bg1"/>
+                </a:solidFill>
+                <a:latin typeface="맑은 고딕" panose="020B0503020000020004" pitchFamily="50" charset="-127"/>
+                <a:cs typeface="Times New Roman" panose="02020603050405020304" pitchFamily="18" charset="0"/>
+              </a:rPr>
+              <a:t>1. </a:t>
+            </a:r>
+            <a:r>
               <a:rPr lang="ko-KR" altLang="ko-KR" sz="2000" b="1" kern="100" dirty="0">
-                <a:latin typeface="맑은 고딕" panose="020B0503020000020004" pitchFamily="50" charset="-127"/>
-                <a:cs typeface="Times New Roman" panose="02020603050405020304" pitchFamily="18" charset="0"/>
-              </a:rPr>
-              <a:t>서비스</a:t>
+                <a:solidFill>
+                  <a:schemeClr val="bg1"/>
+                </a:solidFill>
+                <a:latin typeface="맑은 고딕" panose="020B0503020000020004" pitchFamily="50" charset="-127"/>
+                <a:cs typeface="Times New Roman" panose="02020603050405020304" pitchFamily="18" charset="0"/>
+              </a:rPr>
+              <a:t>제 </a:t>
             </a:r>
             <a:r>
               <a:rPr lang="en-US" altLang="ko-KR" sz="2000" b="1" kern="100" dirty="0">
-                <a:latin typeface="맑은 고딕" panose="020B0503020000020004" pitchFamily="50" charset="-127"/>
-                <a:cs typeface="Times New Roman" panose="02020603050405020304" pitchFamily="18" charset="0"/>
-              </a:rPr>
-              <a:t>2. </a:t>
+                <a:solidFill>
+                  <a:schemeClr val="bg1"/>
+                </a:solidFill>
+                <a:latin typeface="맑은 고딕" panose="020B0503020000020004" pitchFamily="50" charset="-127"/>
+                <a:cs typeface="Times New Roman" panose="02020603050405020304" pitchFamily="18" charset="0"/>
+              </a:rPr>
+              <a:t>20</a:t>
             </a:r>
             <a:r>
               <a:rPr lang="ko-KR" altLang="ko-KR" sz="2000" b="1" kern="100" dirty="0">
-                <a:latin typeface="맑은 고딕" panose="020B0503020000020004" pitchFamily="50" charset="-127"/>
-                <a:cs typeface="Times New Roman" panose="02020603050405020304" pitchFamily="18" charset="0"/>
-              </a:rPr>
-              <a:t>지역구 국회의원 선거 당선 여부 예측</a:t>
+                <a:solidFill>
+                  <a:schemeClr val="bg1"/>
+                </a:solidFill>
+                <a:latin typeface="맑은 고딕" panose="020B0503020000020004" pitchFamily="50" charset="-127"/>
+                <a:cs typeface="Times New Roman" panose="02020603050405020304" pitchFamily="18" charset="0"/>
+              </a:rPr>
+              <a:t>대 국회의원 총선 공약키워드 및 제</a:t>
             </a:r>
             <a:r>
               <a:rPr lang="en-US" altLang="ko-KR" sz="2000" b="1" kern="100" dirty="0">
-                <a:latin typeface="맑은 고딕" panose="020B0503020000020004" pitchFamily="50" charset="-127"/>
-                <a:cs typeface="Times New Roman" panose="02020603050405020304" pitchFamily="18" charset="0"/>
-              </a:rPr>
-              <a:t>(</a:t>
+                <a:solidFill>
+                  <a:schemeClr val="bg1"/>
+                </a:solidFill>
+                <a:latin typeface="맑은 고딕" panose="020B0503020000020004" pitchFamily="50" charset="-127"/>
+                <a:cs typeface="Times New Roman" panose="02020603050405020304" pitchFamily="18" charset="0"/>
+              </a:rPr>
+              <a:t>21</a:t>
             </a:r>
             <a:r>
               <a:rPr lang="ko-KR" altLang="ko-KR" sz="2000" b="1" kern="100" dirty="0">
-                <a:latin typeface="맑은 고딕" panose="020B0503020000020004" pitchFamily="50" charset="-127"/>
-                <a:cs typeface="Times New Roman" panose="02020603050405020304" pitchFamily="18" charset="0"/>
-              </a:rPr>
-              <a:t>서울특별시 및 경기도 한정 </a:t>
-            </a:r>
-            <a:r>
-              <a:rPr lang="en-US" altLang="ko-KR" sz="2000" b="1" kern="100" dirty="0">
-                <a:latin typeface="맑은 고딕" panose="020B0503020000020004" pitchFamily="50" charset="-127"/>
-                <a:cs typeface="Times New Roman" panose="02020603050405020304" pitchFamily="18" charset="0"/>
-              </a:rPr>
-              <a:t>– </a:t>
-            </a:r>
-            <a:r>
-              <a:rPr lang="ko-KR" altLang="ko-KR" sz="2000" b="1" kern="100" dirty="0">
-                <a:latin typeface="맑은 고딕" panose="020B0503020000020004" pitchFamily="50" charset="-127"/>
-                <a:cs typeface="Times New Roman" panose="02020603050405020304" pitchFamily="18" charset="0"/>
-              </a:rPr>
-              <a:t>비례대표 제외</a:t>
-            </a:r>
-            <a:r>
-              <a:rPr lang="en-US" altLang="ko-KR" sz="2000" b="1" kern="100" dirty="0">
-                <a:latin typeface="맑은 고딕" panose="020B0503020000020004" pitchFamily="50" charset="-127"/>
-                <a:cs typeface="Times New Roman" panose="02020603050405020304" pitchFamily="18" charset="0"/>
-              </a:rPr>
-              <a:t>)</a:t>
-            </a:r>
-            <a:endParaRPr lang="ko-KR" altLang="ko-KR" sz="2000" b="1" kern="100" dirty="0">
-              <a:latin typeface="맑은 고딕" panose="020B0503020000020004" pitchFamily="50" charset="-127"/>
-              <a:cs typeface="Times New Roman" panose="02020603050405020304" pitchFamily="18" charset="0"/>
-            </a:endParaRPr>
+                <a:solidFill>
+                  <a:schemeClr val="bg1"/>
+                </a:solidFill>
+                <a:latin typeface="맑은 고딕" panose="020B0503020000020004" pitchFamily="50" charset="-127"/>
+                <a:cs typeface="Times New Roman" panose="02020603050405020304" pitchFamily="18" charset="0"/>
+              </a:rPr>
+              <a:t>대 총선 공약키워드 비교</a:t>
+            </a:r>
           </a:p>
           <a:p>
             <a:pPr algn="just">
               <a:lnSpc>
-                <a:spcPct val="107000"/>
+                <a:spcPct val="200000"/>
               </a:lnSpc>
               <a:spcAft>
                 <a:spcPts val="800"/>
               </a:spcAft>
             </a:pPr>
             <a:r>
+              <a:rPr lang="en-US" altLang="ko-KR" sz="2000" b="1" kern="100" dirty="0" smtClean="0">
+                <a:solidFill>
+                  <a:schemeClr val="bg1"/>
+                </a:solidFill>
+                <a:latin typeface="맑은 고딕" panose="020B0503020000020004" pitchFamily="50" charset="-127"/>
+                <a:cs typeface="Times New Roman" panose="02020603050405020304" pitchFamily="18" charset="0"/>
+              </a:rPr>
+              <a:t>	        </a:t>
+            </a:r>
+            <a:r>
+              <a:rPr lang="ko-KR" altLang="ko-KR" sz="2000" b="1" kern="100" dirty="0" smtClean="0">
+                <a:solidFill>
+                  <a:schemeClr val="bg1"/>
+                </a:solidFill>
+                <a:latin typeface="맑은 고딕" panose="020B0503020000020004" pitchFamily="50" charset="-127"/>
+                <a:cs typeface="Times New Roman" panose="02020603050405020304" pitchFamily="18" charset="0"/>
+              </a:rPr>
+              <a:t>방법</a:t>
+            </a:r>
+            <a:r>
+              <a:rPr lang="en-US" altLang="ko-KR" sz="2000" b="1" kern="100" dirty="0">
+                <a:solidFill>
+                  <a:schemeClr val="bg1"/>
+                </a:solidFill>
+                <a:latin typeface="맑은 고딕" panose="020B0503020000020004" pitchFamily="50" charset="-127"/>
+                <a:cs typeface="Times New Roman" panose="02020603050405020304" pitchFamily="18" charset="0"/>
+              </a:rPr>
+              <a:t>2. </a:t>
+            </a:r>
+            <a:r>
               <a:rPr lang="ko-KR" altLang="ko-KR" sz="2000" b="1" kern="100" dirty="0">
-                <a:latin typeface="맑은 고딕" panose="020B0503020000020004" pitchFamily="50" charset="-127"/>
-                <a:cs typeface="Times New Roman" panose="02020603050405020304" pitchFamily="18" charset="0"/>
-              </a:rPr>
-              <a:t>예시</a:t>
+                <a:solidFill>
+                  <a:schemeClr val="bg1"/>
+                </a:solidFill>
+                <a:latin typeface="맑은 고딕" panose="020B0503020000020004" pitchFamily="50" charset="-127"/>
+                <a:cs typeface="Times New Roman" panose="02020603050405020304" pitchFamily="18" charset="0"/>
+              </a:rPr>
+              <a:t>뉴스 제목</a:t>
             </a:r>
             <a:r>
               <a:rPr lang="en-US" altLang="ko-KR" sz="2000" b="1" kern="100" dirty="0">
-                <a:latin typeface="맑은 고딕" panose="020B0503020000020004" pitchFamily="50" charset="-127"/>
-                <a:cs typeface="Times New Roman" panose="02020603050405020304" pitchFamily="18" charset="0"/>
-              </a:rPr>
-              <a:t>_ &lt;</a:t>
+                <a:solidFill>
+                  <a:schemeClr val="bg1"/>
+                </a:solidFill>
+                <a:latin typeface="맑은 고딕" panose="020B0503020000020004" pitchFamily="50" charset="-127"/>
+                <a:cs typeface="Times New Roman" panose="02020603050405020304" pitchFamily="18" charset="0"/>
+              </a:rPr>
+              <a:t>(</a:t>
             </a:r>
             <a:r>
               <a:rPr lang="ko-KR" altLang="ko-KR" sz="2000" b="1" kern="100" dirty="0">
-                <a:latin typeface="맑은 고딕" panose="020B0503020000020004" pitchFamily="50" charset="-127"/>
-                <a:cs typeface="Times New Roman" panose="02020603050405020304" pitchFamily="18" charset="0"/>
-              </a:rPr>
-              <a:t>확실 </a:t>
+                <a:solidFill>
+                  <a:schemeClr val="bg1"/>
+                </a:solidFill>
+                <a:latin typeface="맑은 고딕" panose="020B0503020000020004" pitchFamily="50" charset="-127"/>
+                <a:cs typeface="Times New Roman" panose="02020603050405020304" pitchFamily="18" charset="0"/>
+              </a:rPr>
+              <a:t>혹은 본문</a:t>
             </a:r>
             <a:r>
               <a:rPr lang="en-US" altLang="ko-KR" sz="2000" b="1" kern="100" dirty="0">
-                <a:latin typeface="맑은 고딕" panose="020B0503020000020004" pitchFamily="50" charset="-127"/>
-                <a:cs typeface="Times New Roman" panose="02020603050405020304" pitchFamily="18" charset="0"/>
-              </a:rPr>
-              <a:t>/ </a:t>
-            </a:r>
-            <a:r>
-              <a:rPr lang="ko-KR" altLang="ko-KR" sz="2000" b="1" kern="100" dirty="0">
-                <a:latin typeface="맑은 고딕" panose="020B0503020000020004" pitchFamily="50" charset="-127"/>
-                <a:cs typeface="Times New Roman" panose="02020603050405020304" pitchFamily="18" charset="0"/>
-              </a:rPr>
-              <a:t>유력 </a:t>
-            </a:r>
-            <a:r>
-              <a:rPr lang="en-US" altLang="ko-KR" sz="2000" b="1" kern="100" dirty="0">
-                <a:latin typeface="맑은 고딕" panose="020B0503020000020004" pitchFamily="50" charset="-127"/>
-                <a:cs typeface="Times New Roman" panose="02020603050405020304" pitchFamily="18" charset="0"/>
-              </a:rPr>
-              <a:t>/ </a:t>
-            </a:r>
-            <a:r>
-              <a:rPr lang="ko-KR" altLang="ko-KR" sz="2000" b="1" kern="100" dirty="0">
-                <a:latin typeface="맑은 고딕" panose="020B0503020000020004" pitchFamily="50" charset="-127"/>
-                <a:cs typeface="Times New Roman" panose="02020603050405020304" pitchFamily="18" charset="0"/>
-              </a:rPr>
-              <a:t>불리</a:t>
-            </a:r>
-            <a:r>
-              <a:rPr lang="en-US" altLang="ko-KR" sz="2000" b="1" kern="100" dirty="0">
-                <a:latin typeface="맑은 고딕" panose="020B0503020000020004" pitchFamily="50" charset="-127"/>
-                <a:cs typeface="Times New Roman" panose="02020603050405020304" pitchFamily="18" charset="0"/>
-              </a:rPr>
-              <a:t> / </a:t>
-            </a:r>
-            <a:r>
-              <a:rPr lang="ko-KR" altLang="ko-KR" sz="2000" b="1" kern="100" dirty="0">
-                <a:latin typeface="맑은 고딕" panose="020B0503020000020004" pitchFamily="50" charset="-127"/>
-                <a:cs typeface="Times New Roman" panose="02020603050405020304" pitchFamily="18" charset="0"/>
-              </a:rPr>
-              <a:t>보합</a:t>
-            </a:r>
-            <a:r>
-              <a:rPr lang="en-US" altLang="ko-KR" sz="2000" b="1" kern="100" dirty="0">
-                <a:latin typeface="맑은 고딕" panose="020B0503020000020004" pitchFamily="50" charset="-127"/>
-                <a:cs typeface="Times New Roman" panose="02020603050405020304" pitchFamily="18" charset="0"/>
-              </a:rPr>
-              <a:t>&gt;</a:t>
+                <a:solidFill>
+                  <a:schemeClr val="bg1"/>
+                </a:solidFill>
+                <a:latin typeface="맑은 고딕" panose="020B0503020000020004" pitchFamily="50" charset="-127"/>
+                <a:cs typeface="Times New Roman" panose="02020603050405020304" pitchFamily="18" charset="0"/>
+              </a:rPr>
+              <a:t>) </a:t>
+            </a:r>
+            <a:r>
+              <a:rPr lang="ko-KR" altLang="ko-KR" sz="2000" b="1" kern="100" dirty="0" err="1" smtClean="0">
+                <a:solidFill>
+                  <a:schemeClr val="bg1"/>
+                </a:solidFill>
+                <a:latin typeface="맑은 고딕" panose="020B0503020000020004" pitchFamily="50" charset="-127"/>
+                <a:cs typeface="Times New Roman" panose="02020603050405020304" pitchFamily="18" charset="0"/>
+              </a:rPr>
+              <a:t>긍부정</a:t>
+            </a:r>
+            <a:r>
+              <a:rPr lang="en-US" altLang="ko-KR" sz="2000" b="1" kern="100" dirty="0" smtClean="0">
+                <a:solidFill>
+                  <a:schemeClr val="bg1"/>
+                </a:solidFill>
+                <a:latin typeface="맑은 고딕" panose="020B0503020000020004" pitchFamily="50" charset="-127"/>
+                <a:cs typeface="Times New Roman" panose="02020603050405020304" pitchFamily="18" charset="0"/>
+              </a:rPr>
+              <a:t> </a:t>
+            </a:r>
+            <a:r>
+              <a:rPr lang="ko-KR" altLang="en-US" sz="2000" b="1" kern="100" dirty="0" smtClean="0">
+                <a:solidFill>
+                  <a:schemeClr val="bg1"/>
+                </a:solidFill>
+                <a:latin typeface="맑은 고딕" panose="020B0503020000020004" pitchFamily="50" charset="-127"/>
+                <a:cs typeface="Times New Roman" panose="02020603050405020304" pitchFamily="18" charset="0"/>
+              </a:rPr>
+              <a:t>분류 </a:t>
             </a:r>
             <a:endParaRPr lang="ko-KR" altLang="ko-KR" sz="2000" b="1" kern="100" dirty="0">
+              <a:solidFill>
+                <a:schemeClr val="bg1"/>
+              </a:solidFill>
               <a:latin typeface="맑은 고딕" panose="020B0503020000020004" pitchFamily="50" charset="-127"/>
               <a:cs typeface="Times New Roman" panose="02020603050405020304" pitchFamily="18" charset="0"/>
             </a:endParaRPr>
           </a:p>
           <a:p>
-            <a:pPr algn="just">
+            <a:pPr>
               <a:lnSpc>
-                <a:spcPct val="107000"/>
+                <a:spcPct val="200000"/>
               </a:lnSpc>
-              <a:spcAft>
-                <a:spcPts val="800"/>
-              </a:spcAft>
             </a:pPr>
             <a:r>
-              <a:rPr lang="ko-KR" altLang="ko-KR" sz="2000" b="1" kern="100" dirty="0">
-                <a:latin typeface="맑은 고딕" panose="020B0503020000020004" pitchFamily="50" charset="-127"/>
+              <a:rPr lang="en-US" altLang="ko-KR" sz="2000" b="1" dirty="0" smtClean="0">
+                <a:solidFill>
+                  <a:schemeClr val="bg1"/>
+                </a:solidFill>
+                <a:cs typeface="Times New Roman" panose="02020603050405020304" pitchFamily="18" charset="0"/>
+              </a:rPr>
+              <a:t>	        </a:t>
+            </a:r>
+            <a:r>
+              <a:rPr lang="ko-KR" altLang="ko-KR" sz="2000" b="1" dirty="0" smtClean="0">
+                <a:solidFill>
+                  <a:schemeClr val="bg1"/>
+                </a:solidFill>
                 <a:cs typeface="Times New Roman" panose="02020603050405020304" pitchFamily="18" charset="0"/>
               </a:rPr>
               <a:t>방법</a:t>
             </a:r>
             <a:r>
-              <a:rPr lang="en-US" altLang="ko-KR" sz="2000" b="1" kern="100" dirty="0">
-                <a:latin typeface="맑은 고딕" panose="020B0503020000020004" pitchFamily="50" charset="-127"/>
-                <a:cs typeface="Times New Roman" panose="02020603050405020304" pitchFamily="18" charset="0"/>
-              </a:rPr>
-              <a:t>1. </a:t>
-            </a:r>
-            <a:r>
-              <a:rPr lang="ko-KR" altLang="ko-KR" sz="2000" b="1" kern="100" dirty="0">
-                <a:latin typeface="맑은 고딕" panose="020B0503020000020004" pitchFamily="50" charset="-127"/>
-                <a:cs typeface="Times New Roman" panose="02020603050405020304" pitchFamily="18" charset="0"/>
-              </a:rPr>
-              <a:t>선거 당선에 미치는 영향력 있는 변수 파악</a:t>
-            </a:r>
-          </a:p>
-          <a:p>
+              <a:rPr lang="en-US" altLang="ko-KR" sz="2000" b="1" dirty="0">
+                <a:solidFill>
+                  <a:schemeClr val="bg1"/>
+                </a:solidFill>
+                <a:cs typeface="Times New Roman" panose="02020603050405020304" pitchFamily="18" charset="0"/>
+              </a:rPr>
+              <a:t>3. </a:t>
+            </a:r>
             <a:r>
               <a:rPr lang="ko-KR" altLang="ko-KR" sz="2000" b="1" dirty="0">
-                <a:cs typeface="Times New Roman" panose="02020603050405020304" pitchFamily="18" charset="0"/>
-              </a:rPr>
-              <a:t>정당 </a:t>
-            </a:r>
-            <a:r>
-              <a:rPr lang="en-US" altLang="ko-KR" sz="2000" b="1" dirty="0">
-                <a:cs typeface="Times New Roman" panose="02020603050405020304" pitchFamily="18" charset="0"/>
-              </a:rPr>
-              <a:t>/ </a:t>
-            </a:r>
-            <a:r>
-              <a:rPr lang="ko-KR" altLang="ko-KR" sz="2000" b="1" dirty="0">
-                <a:cs typeface="Times New Roman" panose="02020603050405020304" pitchFamily="18" charset="0"/>
-              </a:rPr>
-              <a:t>당선횟수 </a:t>
-            </a:r>
-            <a:r>
-              <a:rPr lang="en-US" altLang="ko-KR" sz="2000" b="1" dirty="0">
-                <a:cs typeface="Times New Roman" panose="02020603050405020304" pitchFamily="18" charset="0"/>
-              </a:rPr>
-              <a:t>/ </a:t>
-            </a:r>
-            <a:r>
-              <a:rPr lang="ko-KR" altLang="ko-KR" sz="2000" b="1" dirty="0">
-                <a:cs typeface="Times New Roman" panose="02020603050405020304" pitchFamily="18" charset="0"/>
-              </a:rPr>
-              <a:t>뉴스 이슈화 </a:t>
-            </a:r>
-            <a:r>
-              <a:rPr lang="en-US" altLang="ko-KR" sz="2000" b="1" dirty="0">
-                <a:cs typeface="Times New Roman" panose="02020603050405020304" pitchFamily="18" charset="0"/>
-              </a:rPr>
-              <a:t>/ </a:t>
-            </a:r>
-            <a:r>
-              <a:rPr lang="ko-KR" altLang="ko-KR" sz="2000" b="1" dirty="0">
-                <a:cs typeface="Times New Roman" panose="02020603050405020304" pitchFamily="18" charset="0"/>
-              </a:rPr>
-              <a:t>범죄여부 </a:t>
-            </a:r>
-            <a:r>
-              <a:rPr lang="en-US" altLang="ko-KR" sz="2000" b="1" dirty="0">
-                <a:cs typeface="Times New Roman" panose="02020603050405020304" pitchFamily="18" charset="0"/>
-              </a:rPr>
-              <a:t>/ </a:t>
-            </a:r>
-            <a:r>
-              <a:rPr lang="ko-KR" altLang="ko-KR" sz="2000" b="1" dirty="0">
-                <a:cs typeface="Times New Roman" panose="02020603050405020304" pitchFamily="18" charset="0"/>
-              </a:rPr>
-              <a:t>자산 </a:t>
-            </a:r>
-            <a:r>
-              <a:rPr lang="en-US" altLang="ko-KR" sz="2000" b="1" dirty="0">
-                <a:cs typeface="Times New Roman" panose="02020603050405020304" pitchFamily="18" charset="0"/>
-              </a:rPr>
-              <a:t>/ </a:t>
-            </a:r>
-            <a:r>
-              <a:rPr lang="ko-KR" altLang="ko-KR" sz="2000" b="1" dirty="0">
-                <a:cs typeface="Times New Roman" panose="02020603050405020304" pitchFamily="18" charset="0"/>
-              </a:rPr>
-              <a:t>경력 </a:t>
-            </a:r>
-            <a:r>
-              <a:rPr lang="en-US" altLang="ko-KR" sz="2000" b="1" dirty="0">
-                <a:cs typeface="Times New Roman" panose="02020603050405020304" pitchFamily="18" charset="0"/>
-              </a:rPr>
-              <a:t>/ </a:t>
-            </a:r>
-            <a:r>
-              <a:rPr lang="ko-KR" altLang="ko-KR" sz="2000" b="1" dirty="0">
-                <a:cs typeface="Times New Roman" panose="02020603050405020304" pitchFamily="18" charset="0"/>
-              </a:rPr>
-              <a:t>자녀 </a:t>
-            </a:r>
-            <a:r>
-              <a:rPr lang="en-US" altLang="ko-KR" sz="2000" b="1" dirty="0">
-                <a:cs typeface="Times New Roman" panose="02020603050405020304" pitchFamily="18" charset="0"/>
-              </a:rPr>
-              <a:t>/ </a:t>
-            </a:r>
-            <a:r>
-              <a:rPr lang="ko-KR" altLang="ko-KR" sz="2000" b="1" dirty="0">
-                <a:cs typeface="Times New Roman" panose="02020603050405020304" pitchFamily="18" charset="0"/>
-              </a:rPr>
-              <a:t>학벌 </a:t>
-            </a:r>
-            <a:r>
-              <a:rPr lang="en-US" altLang="ko-KR" sz="2000" b="1" dirty="0">
-                <a:cs typeface="Times New Roman" panose="02020603050405020304" pitchFamily="18" charset="0"/>
-              </a:rPr>
-              <a:t>/ </a:t>
-            </a:r>
-            <a:r>
-              <a:rPr lang="ko-KR" altLang="ko-KR" sz="2000" b="1" dirty="0">
-                <a:cs typeface="Times New Roman" panose="02020603050405020304" pitchFamily="18" charset="0"/>
-              </a:rPr>
-              <a:t>지역구</a:t>
-            </a:r>
-            <a:endParaRPr lang="ko-KR" altLang="en-US" sz="2000" b="1" dirty="0"/>
-          </a:p>
-        </p:txBody>
-      </p:sp>
-      <p:sp>
-        <p:nvSpPr>
-          <p:cNvPr id="7" name="부제목 2"/>
-          <p:cNvSpPr>
-            <a:spLocks noGrp="1"/>
-          </p:cNvSpPr>
-          <p:nvPr>
-            <p:ph type="subTitle" idx="1"/>
-          </p:nvPr>
-        </p:nvSpPr>
+                <a:solidFill>
+                  <a:schemeClr val="bg1"/>
+                </a:solidFill>
+                <a:cs typeface="Times New Roman" panose="02020603050405020304" pitchFamily="18" charset="0"/>
+              </a:rPr>
+              <a:t>발의 의안 수 및 통과 의안 수</a:t>
+            </a:r>
+            <a:endParaRPr lang="ko-KR" altLang="en-US" sz="2000" b="1" dirty="0">
+              <a:solidFill>
+                <a:schemeClr val="bg1"/>
+              </a:solidFill>
+            </a:endParaRPr>
+          </a:p>
+        </p:txBody>
+      </p:sp>
+      <p:cxnSp>
+        <p:nvCxnSpPr>
+          <p:cNvPr id="17" name="직선 연결선 16"/>
+          <p:cNvCxnSpPr/>
+          <p:nvPr/>
+        </p:nvCxnSpPr>
         <p:spPr>
           <a:xfrm>
-            <a:off x="793315" y="5030681"/>
-            <a:ext cx="10605370" cy="1240077"/>
+            <a:off x="2494767" y="3807632"/>
+            <a:ext cx="0" cy="1944000"/>
           </a:xfrm>
+          <a:prstGeom prst="line">
+            <a:avLst/>
+          </a:prstGeom>
+          <a:ln>
+            <a:solidFill>
+              <a:schemeClr val="bg1"/>
+            </a:solidFill>
+          </a:ln>
         </p:spPr>
-        <p:txBody>
-          <a:bodyPr>
-            <a:noAutofit/>
-          </a:bodyPr>
-          <a:lstStyle/>
-          <a:p>
-            <a:pPr algn="l"/>
-            <a:r>
-              <a:rPr lang="en-US" altLang="ko-KR" sz="2000" b="1" dirty="0" smtClean="0"/>
-              <a:t>&lt;</a:t>
-            </a:r>
-            <a:r>
-              <a:rPr lang="ko-KR" altLang="en-US" sz="2000" b="1" dirty="0" smtClean="0"/>
-              <a:t>참고사이트</a:t>
-            </a:r>
-            <a:r>
-              <a:rPr lang="en-US" altLang="ko-KR" sz="2000" b="1" dirty="0" smtClean="0"/>
-              <a:t>&gt;</a:t>
-            </a:r>
-          </a:p>
-          <a:p>
-            <a:pPr algn="l"/>
-            <a:r>
-              <a:rPr lang="ko-KR" altLang="ko-KR" sz="2000" b="1" dirty="0" smtClean="0"/>
-              <a:t>국회도서관 </a:t>
-            </a:r>
-            <a:r>
-              <a:rPr lang="ko-KR" altLang="ko-KR" sz="2000" b="1" dirty="0" err="1"/>
-              <a:t>사이트내</a:t>
-            </a:r>
-            <a:r>
-              <a:rPr lang="ko-KR" altLang="ko-KR" sz="2000" b="1" dirty="0"/>
-              <a:t> </a:t>
-            </a:r>
-            <a:r>
-              <a:rPr lang="en-US" altLang="ko-KR" sz="2000" b="1" dirty="0"/>
-              <a:t>– </a:t>
-            </a:r>
-            <a:r>
-              <a:rPr lang="ko-KR" altLang="ko-KR" sz="2000" b="1" dirty="0"/>
-              <a:t>국회법률정보서비스 </a:t>
-            </a:r>
-            <a:r>
-              <a:rPr lang="en-US" altLang="ko-KR" sz="2000" b="1" dirty="0"/>
-              <a:t>/ </a:t>
-            </a:r>
-            <a:r>
-              <a:rPr lang="ko-KR" altLang="ko-KR" sz="2000" b="1" dirty="0"/>
-              <a:t>국회의원 정책자료 </a:t>
-            </a:r>
-            <a:r>
-              <a:rPr lang="en-US" altLang="ko-KR" sz="2000" b="1" dirty="0"/>
-              <a:t>/ </a:t>
-            </a:r>
-            <a:r>
-              <a:rPr lang="ko-KR" altLang="ko-KR" sz="2000" b="1" dirty="0"/>
-              <a:t>의정정보 </a:t>
-            </a:r>
-            <a:r>
-              <a:rPr lang="en-US" altLang="ko-KR" sz="2000" b="1" dirty="0"/>
-              <a:t>/ </a:t>
-            </a:r>
-            <a:r>
-              <a:rPr lang="ko-KR" altLang="ko-KR" sz="2000" b="1" dirty="0" err="1"/>
-              <a:t>아르고스</a:t>
-            </a:r>
-            <a:r>
-              <a:rPr lang="ko-KR" altLang="ko-KR" sz="2000" b="1" dirty="0"/>
-              <a:t> 등</a:t>
-            </a:r>
-          </a:p>
-          <a:p>
-            <a:pPr algn="l"/>
-            <a:r>
-              <a:rPr lang="en-US" altLang="ko-KR" sz="2000" b="1" dirty="0"/>
-              <a:t>SNS </a:t>
-            </a:r>
-            <a:r>
-              <a:rPr lang="ko-KR" altLang="ko-KR" sz="2000" b="1" dirty="0"/>
-              <a:t>데이터 </a:t>
-            </a:r>
-            <a:r>
-              <a:rPr lang="en-US" altLang="ko-KR" sz="2000" b="1" dirty="0"/>
-              <a:t>– </a:t>
-            </a:r>
-            <a:r>
-              <a:rPr lang="ko-KR" altLang="ko-KR" sz="2000" b="1" dirty="0" err="1"/>
-              <a:t>네이버</a:t>
-            </a:r>
-            <a:r>
-              <a:rPr lang="en-US" altLang="ko-KR" sz="2000" b="1" dirty="0"/>
-              <a:t>/</a:t>
-            </a:r>
-            <a:r>
-              <a:rPr lang="ko-KR" altLang="ko-KR" sz="2000" b="1" dirty="0"/>
-              <a:t>다음 뉴스</a:t>
-            </a:r>
-            <a:r>
-              <a:rPr lang="en-US" altLang="ko-KR" sz="2000" b="1" dirty="0"/>
-              <a:t>, </a:t>
-            </a:r>
-            <a:r>
-              <a:rPr lang="ko-KR" altLang="ko-KR" sz="2000" b="1" dirty="0" err="1"/>
-              <a:t>블로그</a:t>
-            </a:r>
-            <a:r>
-              <a:rPr lang="en-US" altLang="ko-KR" sz="2000" b="1" dirty="0"/>
-              <a:t>, </a:t>
-            </a:r>
-            <a:r>
-              <a:rPr lang="ko-KR" altLang="ko-KR" sz="2000" b="1" dirty="0" err="1"/>
-              <a:t>트위터</a:t>
-            </a:r>
-            <a:r>
-              <a:rPr lang="en-US" altLang="ko-KR" sz="2000" b="1" dirty="0"/>
-              <a:t>, </a:t>
-            </a:r>
-            <a:r>
-              <a:rPr lang="ko-KR" altLang="ko-KR" sz="2000" b="1" dirty="0"/>
-              <a:t>커뮤니티 등</a:t>
-            </a:r>
-            <a:r>
-              <a:rPr lang="en-US" altLang="ko-KR" sz="2000" b="1" dirty="0"/>
-              <a:t>(</a:t>
-            </a:r>
-            <a:r>
-              <a:rPr lang="ko-KR" altLang="ko-KR" sz="2000" b="1" dirty="0" err="1"/>
-              <a:t>언급량</a:t>
-            </a:r>
-            <a:r>
-              <a:rPr lang="en-US" altLang="ko-KR" sz="2000" b="1" dirty="0"/>
-              <a:t>, </a:t>
-            </a:r>
-            <a:r>
-              <a:rPr lang="ko-KR" altLang="ko-KR" sz="2000" b="1" dirty="0"/>
-              <a:t>제목 본문 등</a:t>
-            </a:r>
-            <a:r>
-              <a:rPr lang="en-US" altLang="ko-KR" sz="2000" b="1" dirty="0"/>
-              <a:t>)</a:t>
-            </a:r>
-            <a:endParaRPr lang="ko-KR" altLang="ko-KR" sz="2000" b="1" dirty="0"/>
-          </a:p>
-          <a:p>
-            <a:pPr algn="l"/>
-            <a:r>
-              <a:rPr lang="ko-KR" altLang="ko-KR" sz="2000" b="1" dirty="0" err="1"/>
-              <a:t>나무위키</a:t>
-            </a:r>
-            <a:r>
-              <a:rPr lang="ko-KR" altLang="ko-KR" sz="2000" b="1" dirty="0"/>
-              <a:t> </a:t>
-            </a:r>
-            <a:r>
-              <a:rPr lang="en-US" altLang="ko-KR" sz="2000" b="1" dirty="0"/>
-              <a:t>– </a:t>
-            </a:r>
-            <a:r>
-              <a:rPr lang="ko-KR" altLang="ko-KR" sz="2000" b="1" dirty="0"/>
-              <a:t>국회의원 정당 소속 정보</a:t>
-            </a:r>
-          </a:p>
-          <a:p>
-            <a:pPr algn="l"/>
-            <a:endParaRPr lang="ko-KR" altLang="en-US" sz="2000" b="1" dirty="0"/>
-          </a:p>
-        </p:txBody>
-      </p:sp>
+        <p:style>
+          <a:lnRef idx="1">
+            <a:schemeClr val="accent1"/>
+          </a:lnRef>
+          <a:fillRef idx="0">
+            <a:schemeClr val="accent1"/>
+          </a:fillRef>
+          <a:effectRef idx="0">
+            <a:schemeClr val="accent1"/>
+          </a:effectRef>
+          <a:fontRef idx="minor">
+            <a:schemeClr val="tx1"/>
+          </a:fontRef>
+        </p:style>
+      </p:cxnSp>
     </p:spTree>
     <p:extLst>
       <p:ext uri="{BB962C8B-B14F-4D97-AF65-F5344CB8AC3E}">
-        <p14:creationId xmlns:p14="http://schemas.microsoft.com/office/powerpoint/2010/main" val="1689626632"/>
+        <p14:creationId xmlns:p14="http://schemas.microsoft.com/office/powerpoint/2010/main" val="2574991441"/>
       </p:ext>
     </p:extLst>
   </p:cSld>
@@ -4404,6 +4377,1978 @@
       </p:grpSpPr>
       <p:sp>
         <p:nvSpPr>
+          <p:cNvPr id="15" name="TextBox 14"/>
+          <p:cNvSpPr txBox="1"/>
+          <p:nvPr/>
+        </p:nvSpPr>
+        <p:spPr>
+          <a:xfrm>
+            <a:off x="338203" y="4108537"/>
+            <a:ext cx="5260931" cy="2585323"/>
+          </a:xfrm>
+          <a:prstGeom prst="rect">
+            <a:avLst/>
+          </a:prstGeom>
+          <a:noFill/>
+        </p:spPr>
+        <p:txBody>
+          <a:bodyPr wrap="square" rtlCol="0">
+            <a:spAutoFit/>
+          </a:bodyPr>
+          <a:lstStyle/>
+          <a:p>
+            <a:r>
+              <a:rPr lang="en-US" altLang="ko-KR" sz="5400" b="1" dirty="0" smtClean="0">
+                <a:solidFill>
+                  <a:schemeClr val="bg1"/>
+                </a:solidFill>
+                <a:latin typeface="Bauhaus 93" panose="04030905020B02020C02" pitchFamily="82" charset="0"/>
+              </a:rPr>
+              <a:t>Machine Learning </a:t>
+            </a:r>
+          </a:p>
+          <a:p>
+            <a:r>
+              <a:rPr lang="en-US" altLang="ko-KR" sz="5400" b="1" dirty="0" smtClean="0">
+                <a:solidFill>
+                  <a:schemeClr val="bg1"/>
+                </a:solidFill>
+                <a:latin typeface="Bauhaus 93" panose="04030905020B02020C02" pitchFamily="82" charset="0"/>
+              </a:rPr>
+              <a:t>Project </a:t>
+            </a:r>
+            <a:endParaRPr lang="ko-KR" altLang="en-US" sz="5400" b="1" dirty="0">
+              <a:solidFill>
+                <a:schemeClr val="bg1"/>
+              </a:solidFill>
+              <a:latin typeface="Bauhaus 93" panose="04030905020B02020C02" pitchFamily="82" charset="0"/>
+            </a:endParaRPr>
+          </a:p>
+        </p:txBody>
+      </p:sp>
+      <p:sp>
+        <p:nvSpPr>
+          <p:cNvPr id="4" name="직사각형 3"/>
+          <p:cNvSpPr/>
+          <p:nvPr/>
+        </p:nvSpPr>
+        <p:spPr>
+          <a:xfrm>
+            <a:off x="0" y="0"/>
+            <a:ext cx="12192000" cy="6858000"/>
+          </a:xfrm>
+          <a:prstGeom prst="rect">
+            <a:avLst/>
+          </a:prstGeom>
+          <a:solidFill>
+            <a:srgbClr val="00204F"/>
+          </a:solidFill>
+          <a:ln>
+            <a:noFill/>
+          </a:ln>
+        </p:spPr>
+        <p:style>
+          <a:lnRef idx="2">
+            <a:schemeClr val="accent1">
+              <a:shade val="50000"/>
+            </a:schemeClr>
+          </a:lnRef>
+          <a:fillRef idx="1">
+            <a:schemeClr val="accent1"/>
+          </a:fillRef>
+          <a:effectRef idx="0">
+            <a:schemeClr val="accent1"/>
+          </a:effectRef>
+          <a:fontRef idx="minor">
+            <a:schemeClr val="lt1"/>
+          </a:fontRef>
+        </p:style>
+        <p:txBody>
+          <a:bodyPr rtlCol="0" anchor="ctr"/>
+          <a:lstStyle/>
+          <a:p>
+            <a:pPr algn="ctr"/>
+            <a:endParaRPr lang="ko-KR" altLang="en-US"/>
+          </a:p>
+        </p:txBody>
+      </p:sp>
+      <p:sp>
+        <p:nvSpPr>
+          <p:cNvPr id="8" name="TextBox 7"/>
+          <p:cNvSpPr txBox="1"/>
+          <p:nvPr/>
+        </p:nvSpPr>
+        <p:spPr>
+          <a:xfrm>
+            <a:off x="657615" y="388307"/>
+            <a:ext cx="8724379" cy="707886"/>
+          </a:xfrm>
+          <a:prstGeom prst="rect">
+            <a:avLst/>
+          </a:prstGeom>
+          <a:noFill/>
+        </p:spPr>
+        <p:txBody>
+          <a:bodyPr wrap="square" rtlCol="0">
+            <a:spAutoFit/>
+          </a:bodyPr>
+          <a:lstStyle/>
+          <a:p>
+            <a:r>
+              <a:rPr lang="en-US" altLang="ko-KR" sz="4000" b="1" dirty="0" smtClean="0">
+                <a:solidFill>
+                  <a:schemeClr val="bg1"/>
+                </a:solidFill>
+                <a:latin typeface="나눔스퀘어_ac ExtraBold" panose="020B0600000101010101" pitchFamily="50" charset="-127"/>
+                <a:ea typeface="나눔스퀘어_ac ExtraBold" panose="020B0600000101010101" pitchFamily="50" charset="-127"/>
+              </a:rPr>
+              <a:t>1. </a:t>
+            </a:r>
+            <a:r>
+              <a:rPr lang="ko-KR" altLang="ko-KR" sz="4000" b="1" dirty="0" smtClean="0">
+                <a:solidFill>
+                  <a:schemeClr val="bg1"/>
+                </a:solidFill>
+                <a:latin typeface="나눔스퀘어_ac ExtraBold" panose="020B0600000101010101" pitchFamily="50" charset="-127"/>
+                <a:ea typeface="나눔스퀘어_ac ExtraBold" panose="020B0600000101010101" pitchFamily="50" charset="-127"/>
+              </a:rPr>
+              <a:t>제 </a:t>
+            </a:r>
+            <a:r>
+              <a:rPr lang="en-US" altLang="ko-KR" sz="4000" b="1" dirty="0">
+                <a:solidFill>
+                  <a:schemeClr val="bg1"/>
+                </a:solidFill>
+                <a:latin typeface="나눔스퀘어_ac ExtraBold" panose="020B0600000101010101" pitchFamily="50" charset="-127"/>
+                <a:ea typeface="나눔스퀘어_ac ExtraBold" panose="020B0600000101010101" pitchFamily="50" charset="-127"/>
+              </a:rPr>
+              <a:t>21</a:t>
+            </a:r>
+            <a:r>
+              <a:rPr lang="ko-KR" altLang="ko-KR" sz="4000" b="1" dirty="0">
+                <a:solidFill>
+                  <a:schemeClr val="bg1"/>
+                </a:solidFill>
+                <a:latin typeface="나눔스퀘어_ac ExtraBold" panose="020B0600000101010101" pitchFamily="50" charset="-127"/>
+                <a:ea typeface="나눔스퀘어_ac ExtraBold" panose="020B0600000101010101" pitchFamily="50" charset="-127"/>
+              </a:rPr>
+              <a:t>대 국회의원 총선 선거 예측</a:t>
+            </a:r>
+            <a:endParaRPr lang="ko-KR" altLang="en-US" sz="4000" dirty="0">
+              <a:solidFill>
+                <a:schemeClr val="bg1"/>
+              </a:solidFill>
+              <a:latin typeface="나눔스퀘어_ac ExtraBold" panose="020B0600000101010101" pitchFamily="50" charset="-127"/>
+              <a:ea typeface="나눔스퀘어_ac ExtraBold" panose="020B0600000101010101" pitchFamily="50" charset="-127"/>
+            </a:endParaRPr>
+          </a:p>
+        </p:txBody>
+      </p:sp>
+      <p:sp>
+        <p:nvSpPr>
+          <p:cNvPr id="5" name="직사각형 4"/>
+          <p:cNvSpPr/>
+          <p:nvPr/>
+        </p:nvSpPr>
+        <p:spPr>
+          <a:xfrm>
+            <a:off x="1144043" y="2014013"/>
+            <a:ext cx="10690965" cy="985270"/>
+          </a:xfrm>
+          <a:prstGeom prst="rect">
+            <a:avLst/>
+          </a:prstGeom>
+        </p:spPr>
+        <p:txBody>
+          <a:bodyPr wrap="square">
+            <a:spAutoFit/>
+          </a:bodyPr>
+          <a:lstStyle/>
+          <a:p>
+            <a:pPr algn="just">
+              <a:lnSpc>
+                <a:spcPct val="107000"/>
+              </a:lnSpc>
+              <a:spcAft>
+                <a:spcPts val="800"/>
+              </a:spcAft>
+            </a:pPr>
+            <a:r>
+              <a:rPr lang="en-US" altLang="ko-KR" sz="2400" b="1" kern="100" dirty="0" smtClean="0">
+                <a:solidFill>
+                  <a:schemeClr val="bg1"/>
+                </a:solidFill>
+                <a:latin typeface="맑은 고딕" panose="020B0503020000020004" pitchFamily="50" charset="-127"/>
+                <a:cs typeface="Times New Roman" panose="02020603050405020304" pitchFamily="18" charset="0"/>
+              </a:rPr>
+              <a:t># </a:t>
+            </a:r>
+            <a:r>
+              <a:rPr lang="ko-KR" altLang="ko-KR" sz="2400" b="1" kern="100" dirty="0">
+                <a:solidFill>
+                  <a:schemeClr val="bg1"/>
+                </a:solidFill>
+                <a:latin typeface="맑은 고딕" panose="020B0503020000020004" pitchFamily="50" charset="-127"/>
+                <a:cs typeface="Times New Roman" panose="02020603050405020304" pitchFamily="18" charset="0"/>
+              </a:rPr>
+              <a:t>서비스</a:t>
+            </a:r>
+            <a:r>
+              <a:rPr lang="en-US" altLang="ko-KR" sz="2400" b="1" kern="100" dirty="0">
+                <a:solidFill>
+                  <a:schemeClr val="bg1"/>
+                </a:solidFill>
+                <a:latin typeface="맑은 고딕" panose="020B0503020000020004" pitchFamily="50" charset="-127"/>
+                <a:cs typeface="Times New Roman" panose="02020603050405020304" pitchFamily="18" charset="0"/>
+              </a:rPr>
+              <a:t>2. </a:t>
+            </a:r>
+            <a:r>
+              <a:rPr lang="ko-KR" altLang="ko-KR" sz="2400" b="1" kern="100" dirty="0">
+                <a:solidFill>
+                  <a:schemeClr val="bg1"/>
+                </a:solidFill>
+                <a:latin typeface="맑은 고딕" panose="020B0503020000020004" pitchFamily="50" charset="-127"/>
+                <a:cs typeface="Times New Roman" panose="02020603050405020304" pitchFamily="18" charset="0"/>
+              </a:rPr>
+              <a:t>지역구 국회의원 선거 당선 여부 </a:t>
+            </a:r>
+            <a:r>
+              <a:rPr lang="ko-KR" altLang="ko-KR" sz="2400" b="1" kern="100" dirty="0" smtClean="0">
+                <a:solidFill>
+                  <a:schemeClr val="bg1"/>
+                </a:solidFill>
+                <a:latin typeface="맑은 고딕" panose="020B0503020000020004" pitchFamily="50" charset="-127"/>
+                <a:cs typeface="Times New Roman" panose="02020603050405020304" pitchFamily="18" charset="0"/>
+              </a:rPr>
+              <a:t>예측</a:t>
+            </a:r>
+            <a:endParaRPr lang="en-US" altLang="ko-KR" sz="2400" b="1" kern="100" dirty="0" smtClean="0">
+              <a:solidFill>
+                <a:schemeClr val="bg1"/>
+              </a:solidFill>
+              <a:latin typeface="맑은 고딕" panose="020B0503020000020004" pitchFamily="50" charset="-127"/>
+              <a:cs typeface="Times New Roman" panose="02020603050405020304" pitchFamily="18" charset="0"/>
+            </a:endParaRPr>
+          </a:p>
+          <a:p>
+            <a:pPr algn="just">
+              <a:lnSpc>
+                <a:spcPct val="107000"/>
+              </a:lnSpc>
+              <a:spcAft>
+                <a:spcPts val="800"/>
+              </a:spcAft>
+            </a:pPr>
+            <a:r>
+              <a:rPr lang="en-US" altLang="ko-KR" sz="2400" b="1" kern="100" dirty="0">
+                <a:solidFill>
+                  <a:schemeClr val="bg1"/>
+                </a:solidFill>
+                <a:latin typeface="맑은 고딕" panose="020B0503020000020004" pitchFamily="50" charset="-127"/>
+                <a:cs typeface="Times New Roman" panose="02020603050405020304" pitchFamily="18" charset="0"/>
+              </a:rPr>
+              <a:t>	 </a:t>
+            </a:r>
+            <a:r>
+              <a:rPr lang="en-US" altLang="ko-KR" sz="2400" b="1" kern="100" dirty="0" smtClean="0">
+                <a:solidFill>
+                  <a:schemeClr val="bg1"/>
+                </a:solidFill>
+                <a:latin typeface="맑은 고딕" panose="020B0503020000020004" pitchFamily="50" charset="-127"/>
+                <a:cs typeface="Times New Roman" panose="02020603050405020304" pitchFamily="18" charset="0"/>
+              </a:rPr>
+              <a:t>     (</a:t>
+            </a:r>
+            <a:r>
+              <a:rPr lang="ko-KR" altLang="ko-KR" sz="2400" b="1" kern="100" dirty="0">
+                <a:solidFill>
+                  <a:schemeClr val="bg1"/>
+                </a:solidFill>
+                <a:latin typeface="맑은 고딕" panose="020B0503020000020004" pitchFamily="50" charset="-127"/>
+                <a:cs typeface="Times New Roman" panose="02020603050405020304" pitchFamily="18" charset="0"/>
+              </a:rPr>
+              <a:t>서울특별시 및 경기도 한정 </a:t>
+            </a:r>
+            <a:r>
+              <a:rPr lang="en-US" altLang="ko-KR" sz="2400" b="1" kern="100" dirty="0">
+                <a:solidFill>
+                  <a:schemeClr val="bg1"/>
+                </a:solidFill>
+                <a:latin typeface="맑은 고딕" panose="020B0503020000020004" pitchFamily="50" charset="-127"/>
+                <a:cs typeface="Times New Roman" panose="02020603050405020304" pitchFamily="18" charset="0"/>
+              </a:rPr>
+              <a:t>– </a:t>
+            </a:r>
+            <a:r>
+              <a:rPr lang="ko-KR" altLang="ko-KR" sz="2400" b="1" kern="100" dirty="0">
+                <a:solidFill>
+                  <a:schemeClr val="bg1"/>
+                </a:solidFill>
+                <a:latin typeface="맑은 고딕" panose="020B0503020000020004" pitchFamily="50" charset="-127"/>
+                <a:cs typeface="Times New Roman" panose="02020603050405020304" pitchFamily="18" charset="0"/>
+              </a:rPr>
+              <a:t>비례대표 제외</a:t>
+            </a:r>
+            <a:r>
+              <a:rPr lang="en-US" altLang="ko-KR" sz="2400" b="1" kern="100" dirty="0" smtClean="0">
+                <a:solidFill>
+                  <a:schemeClr val="bg1"/>
+                </a:solidFill>
+                <a:latin typeface="맑은 고딕" panose="020B0503020000020004" pitchFamily="50" charset="-127"/>
+                <a:cs typeface="Times New Roman" panose="02020603050405020304" pitchFamily="18" charset="0"/>
+              </a:rPr>
+              <a:t>)</a:t>
+            </a:r>
+            <a:endParaRPr lang="ko-KR" altLang="en-US" sz="2400" b="1" dirty="0">
+              <a:solidFill>
+                <a:schemeClr val="bg1"/>
+              </a:solidFill>
+            </a:endParaRPr>
+          </a:p>
+        </p:txBody>
+      </p:sp>
+      <p:cxnSp>
+        <p:nvCxnSpPr>
+          <p:cNvPr id="17" name="직선 연결선 16"/>
+          <p:cNvCxnSpPr/>
+          <p:nvPr/>
+        </p:nvCxnSpPr>
+        <p:spPr>
+          <a:xfrm>
+            <a:off x="2507294" y="3507008"/>
+            <a:ext cx="0" cy="1944000"/>
+          </a:xfrm>
+          <a:prstGeom prst="line">
+            <a:avLst/>
+          </a:prstGeom>
+          <a:ln>
+            <a:solidFill>
+              <a:schemeClr val="bg1"/>
+            </a:solidFill>
+          </a:ln>
+        </p:spPr>
+        <p:style>
+          <a:lnRef idx="1">
+            <a:schemeClr val="accent1"/>
+          </a:lnRef>
+          <a:fillRef idx="0">
+            <a:schemeClr val="accent1"/>
+          </a:fillRef>
+          <a:effectRef idx="0">
+            <a:schemeClr val="accent1"/>
+          </a:effectRef>
+          <a:fontRef idx="minor">
+            <a:schemeClr val="tx1"/>
+          </a:fontRef>
+        </p:style>
+      </p:cxnSp>
+      <p:sp>
+        <p:nvSpPr>
+          <p:cNvPr id="2" name="TextBox 1"/>
+          <p:cNvSpPr txBox="1"/>
+          <p:nvPr/>
+        </p:nvSpPr>
+        <p:spPr>
+          <a:xfrm>
+            <a:off x="2617940" y="3469430"/>
+            <a:ext cx="7503090" cy="2528897"/>
+          </a:xfrm>
+          <a:prstGeom prst="rect">
+            <a:avLst/>
+          </a:prstGeom>
+          <a:noFill/>
+          <a:ln>
+            <a:noFill/>
+          </a:ln>
+        </p:spPr>
+        <p:txBody>
+          <a:bodyPr wrap="square" rtlCol="0">
+            <a:spAutoFit/>
+          </a:bodyPr>
+          <a:lstStyle/>
+          <a:p>
+            <a:pPr algn="just">
+              <a:lnSpc>
+                <a:spcPct val="107000"/>
+              </a:lnSpc>
+              <a:spcAft>
+                <a:spcPts val="800"/>
+              </a:spcAft>
+            </a:pPr>
+            <a:r>
+              <a:rPr lang="ko-KR" altLang="ko-KR" sz="2000" b="1" kern="100" dirty="0">
+                <a:solidFill>
+                  <a:schemeClr val="bg1"/>
+                </a:solidFill>
+                <a:latin typeface="맑은 고딕" panose="020B0503020000020004" pitchFamily="50" charset="-127"/>
+                <a:cs typeface="Times New Roman" panose="02020603050405020304" pitchFamily="18" charset="0"/>
+              </a:rPr>
+              <a:t>예시</a:t>
+            </a:r>
+            <a:r>
+              <a:rPr lang="en-US" altLang="ko-KR" sz="2000" b="1" kern="100" dirty="0">
+                <a:solidFill>
+                  <a:schemeClr val="bg1"/>
+                </a:solidFill>
+                <a:latin typeface="맑은 고딕" panose="020B0503020000020004" pitchFamily="50" charset="-127"/>
+                <a:cs typeface="Times New Roman" panose="02020603050405020304" pitchFamily="18" charset="0"/>
+              </a:rPr>
+              <a:t>_ </a:t>
+            </a:r>
+            <a:r>
+              <a:rPr lang="en-US" altLang="ko-KR" sz="2000" b="1" kern="100" dirty="0">
+                <a:solidFill>
+                  <a:srgbClr val="5B9BD5"/>
+                </a:solidFill>
+                <a:latin typeface="맑은 고딕" panose="020B0503020000020004" pitchFamily="50" charset="-127"/>
+                <a:cs typeface="Times New Roman" panose="02020603050405020304" pitchFamily="18" charset="0"/>
+              </a:rPr>
+              <a:t>&lt;</a:t>
+            </a:r>
+            <a:r>
+              <a:rPr lang="ko-KR" altLang="ko-KR" sz="2000" b="1" kern="100" dirty="0">
+                <a:solidFill>
+                  <a:schemeClr val="bg1"/>
+                </a:solidFill>
+                <a:latin typeface="맑은 고딕" panose="020B0503020000020004" pitchFamily="50" charset="-127"/>
+                <a:cs typeface="Times New Roman" panose="02020603050405020304" pitchFamily="18" charset="0"/>
+              </a:rPr>
+              <a:t>확실 </a:t>
+            </a:r>
+            <a:r>
+              <a:rPr lang="en-US" altLang="ko-KR" sz="2000" b="1" kern="100" dirty="0">
+                <a:solidFill>
+                  <a:schemeClr val="bg1"/>
+                </a:solidFill>
+                <a:latin typeface="맑은 고딕" panose="020B0503020000020004" pitchFamily="50" charset="-127"/>
+                <a:cs typeface="Times New Roman" panose="02020603050405020304" pitchFamily="18" charset="0"/>
+              </a:rPr>
+              <a:t>/ </a:t>
+            </a:r>
+            <a:r>
+              <a:rPr lang="ko-KR" altLang="ko-KR" sz="2000" b="1" kern="100" dirty="0">
+                <a:solidFill>
+                  <a:schemeClr val="bg1"/>
+                </a:solidFill>
+                <a:latin typeface="맑은 고딕" panose="020B0503020000020004" pitchFamily="50" charset="-127"/>
+                <a:cs typeface="Times New Roman" panose="02020603050405020304" pitchFamily="18" charset="0"/>
+              </a:rPr>
+              <a:t>유력 </a:t>
+            </a:r>
+            <a:r>
+              <a:rPr lang="en-US" altLang="ko-KR" sz="2000" b="1" kern="100" dirty="0">
+                <a:solidFill>
+                  <a:schemeClr val="bg1"/>
+                </a:solidFill>
+                <a:latin typeface="맑은 고딕" panose="020B0503020000020004" pitchFamily="50" charset="-127"/>
+                <a:cs typeface="Times New Roman" panose="02020603050405020304" pitchFamily="18" charset="0"/>
+              </a:rPr>
+              <a:t>/ </a:t>
+            </a:r>
+            <a:r>
+              <a:rPr lang="ko-KR" altLang="ko-KR" sz="2000" b="1" kern="100" dirty="0">
+                <a:solidFill>
+                  <a:schemeClr val="bg1"/>
+                </a:solidFill>
+                <a:latin typeface="맑은 고딕" panose="020B0503020000020004" pitchFamily="50" charset="-127"/>
+                <a:cs typeface="Times New Roman" panose="02020603050405020304" pitchFamily="18" charset="0"/>
+              </a:rPr>
+              <a:t>불리</a:t>
+            </a:r>
+            <a:r>
+              <a:rPr lang="en-US" altLang="ko-KR" sz="2000" b="1" kern="100" dirty="0">
+                <a:solidFill>
+                  <a:schemeClr val="bg1"/>
+                </a:solidFill>
+                <a:latin typeface="맑은 고딕" panose="020B0503020000020004" pitchFamily="50" charset="-127"/>
+                <a:cs typeface="Times New Roman" panose="02020603050405020304" pitchFamily="18" charset="0"/>
+              </a:rPr>
+              <a:t> / </a:t>
+            </a:r>
+            <a:r>
+              <a:rPr lang="ko-KR" altLang="ko-KR" sz="2000" b="1" kern="100" dirty="0">
+                <a:solidFill>
+                  <a:schemeClr val="bg1"/>
+                </a:solidFill>
+                <a:latin typeface="맑은 고딕" panose="020B0503020000020004" pitchFamily="50" charset="-127"/>
+                <a:cs typeface="Times New Roman" panose="02020603050405020304" pitchFamily="18" charset="0"/>
+              </a:rPr>
+              <a:t>보합</a:t>
+            </a:r>
+            <a:r>
+              <a:rPr lang="en-US" altLang="ko-KR" sz="2000" b="1" kern="100" dirty="0">
+                <a:solidFill>
+                  <a:srgbClr val="5B9BD5"/>
+                </a:solidFill>
+                <a:latin typeface="맑은 고딕" panose="020B0503020000020004" pitchFamily="50" charset="-127"/>
+                <a:cs typeface="Times New Roman" panose="02020603050405020304" pitchFamily="18" charset="0"/>
+              </a:rPr>
+              <a:t>&gt;</a:t>
+            </a:r>
+            <a:endParaRPr lang="ko-KR" altLang="ko-KR" sz="2000" b="1" kern="100" dirty="0">
+              <a:solidFill>
+                <a:srgbClr val="5B9BD5"/>
+              </a:solidFill>
+              <a:latin typeface="맑은 고딕" panose="020B0503020000020004" pitchFamily="50" charset="-127"/>
+              <a:cs typeface="Times New Roman" panose="02020603050405020304" pitchFamily="18" charset="0"/>
+            </a:endParaRPr>
+          </a:p>
+          <a:p>
+            <a:pPr algn="just">
+              <a:lnSpc>
+                <a:spcPct val="107000"/>
+              </a:lnSpc>
+              <a:spcAft>
+                <a:spcPts val="800"/>
+              </a:spcAft>
+            </a:pPr>
+            <a:endParaRPr lang="en-US" altLang="ko-KR" sz="2000" b="1" kern="100" dirty="0" smtClean="0">
+              <a:solidFill>
+                <a:schemeClr val="bg1"/>
+              </a:solidFill>
+              <a:latin typeface="맑은 고딕" panose="020B0503020000020004" pitchFamily="50" charset="-127"/>
+              <a:cs typeface="Times New Roman" panose="02020603050405020304" pitchFamily="18" charset="0"/>
+            </a:endParaRPr>
+          </a:p>
+          <a:p>
+            <a:pPr algn="just">
+              <a:lnSpc>
+                <a:spcPct val="107000"/>
+              </a:lnSpc>
+              <a:spcAft>
+                <a:spcPts val="800"/>
+              </a:spcAft>
+            </a:pPr>
+            <a:r>
+              <a:rPr lang="ko-KR" altLang="ko-KR" sz="2000" b="1" kern="100" dirty="0" smtClean="0">
+                <a:solidFill>
+                  <a:schemeClr val="bg1"/>
+                </a:solidFill>
+                <a:latin typeface="맑은 고딕" panose="020B0503020000020004" pitchFamily="50" charset="-127"/>
+                <a:cs typeface="Times New Roman" panose="02020603050405020304" pitchFamily="18" charset="0"/>
+              </a:rPr>
+              <a:t>방법</a:t>
+            </a:r>
+            <a:r>
+              <a:rPr lang="en-US" altLang="ko-KR" sz="2000" b="1" kern="100" dirty="0">
+                <a:solidFill>
+                  <a:schemeClr val="bg1"/>
+                </a:solidFill>
+                <a:latin typeface="맑은 고딕" panose="020B0503020000020004" pitchFamily="50" charset="-127"/>
+                <a:cs typeface="Times New Roman" panose="02020603050405020304" pitchFamily="18" charset="0"/>
+              </a:rPr>
+              <a:t>_ </a:t>
+            </a:r>
+            <a:r>
+              <a:rPr lang="ko-KR" altLang="ko-KR" sz="2000" b="1" kern="100" dirty="0">
+                <a:solidFill>
+                  <a:schemeClr val="bg1"/>
+                </a:solidFill>
+                <a:latin typeface="맑은 고딕" panose="020B0503020000020004" pitchFamily="50" charset="-127"/>
+                <a:cs typeface="Times New Roman" panose="02020603050405020304" pitchFamily="18" charset="0"/>
+              </a:rPr>
+              <a:t>선거 당선에 미치는 영향력 있는 변수 파악</a:t>
+            </a:r>
+            <a:endParaRPr lang="en-US" altLang="ko-KR" sz="2000" b="1" kern="100" dirty="0">
+              <a:solidFill>
+                <a:schemeClr val="bg1"/>
+              </a:solidFill>
+              <a:latin typeface="맑은 고딕" panose="020B0503020000020004" pitchFamily="50" charset="-127"/>
+              <a:cs typeface="Times New Roman" panose="02020603050405020304" pitchFamily="18" charset="0"/>
+            </a:endParaRPr>
+          </a:p>
+          <a:p>
+            <a:pPr algn="just">
+              <a:lnSpc>
+                <a:spcPct val="107000"/>
+              </a:lnSpc>
+              <a:spcAft>
+                <a:spcPts val="800"/>
+              </a:spcAft>
+            </a:pPr>
+            <a:r>
+              <a:rPr lang="en-US" altLang="ko-KR" sz="2000" b="1" kern="100" dirty="0">
+                <a:solidFill>
+                  <a:schemeClr val="bg1"/>
+                </a:solidFill>
+                <a:latin typeface="맑은 고딕" panose="020B0503020000020004" pitchFamily="50" charset="-127"/>
+                <a:cs typeface="Times New Roman" panose="02020603050405020304" pitchFamily="18" charset="0"/>
+              </a:rPr>
+              <a:t>	</a:t>
+            </a:r>
+            <a:r>
+              <a:rPr lang="en-US" altLang="ko-KR" sz="2000" b="1" kern="100" dirty="0" smtClean="0">
+                <a:solidFill>
+                  <a:schemeClr val="bg1"/>
+                </a:solidFill>
+                <a:latin typeface="맑은 고딕" panose="020B0503020000020004" pitchFamily="50" charset="-127"/>
+                <a:cs typeface="Times New Roman" panose="02020603050405020304" pitchFamily="18" charset="0"/>
+              </a:rPr>
+              <a:t>  </a:t>
+            </a:r>
+            <a:r>
+              <a:rPr lang="ko-KR" altLang="ko-KR" sz="2000" b="1" dirty="0" smtClean="0">
+                <a:solidFill>
+                  <a:schemeClr val="bg1"/>
+                </a:solidFill>
+                <a:cs typeface="Times New Roman" panose="02020603050405020304" pitchFamily="18" charset="0"/>
+              </a:rPr>
+              <a:t>정당 </a:t>
+            </a:r>
+            <a:r>
+              <a:rPr lang="en-US" altLang="ko-KR" sz="2000" b="1" dirty="0">
+                <a:solidFill>
+                  <a:schemeClr val="bg1"/>
+                </a:solidFill>
+                <a:cs typeface="Times New Roman" panose="02020603050405020304" pitchFamily="18" charset="0"/>
+              </a:rPr>
+              <a:t>/ </a:t>
+            </a:r>
+            <a:r>
+              <a:rPr lang="ko-KR" altLang="ko-KR" sz="2000" b="1" dirty="0">
+                <a:solidFill>
+                  <a:schemeClr val="bg1"/>
+                </a:solidFill>
+                <a:cs typeface="Times New Roman" panose="02020603050405020304" pitchFamily="18" charset="0"/>
+              </a:rPr>
+              <a:t>당선횟수 </a:t>
+            </a:r>
+            <a:r>
+              <a:rPr lang="en-US" altLang="ko-KR" sz="2000" b="1" dirty="0">
+                <a:solidFill>
+                  <a:schemeClr val="bg1"/>
+                </a:solidFill>
+                <a:cs typeface="Times New Roman" panose="02020603050405020304" pitchFamily="18" charset="0"/>
+              </a:rPr>
+              <a:t>/ </a:t>
+            </a:r>
+            <a:r>
+              <a:rPr lang="ko-KR" altLang="ko-KR" sz="2000" b="1" dirty="0">
+                <a:solidFill>
+                  <a:schemeClr val="bg1"/>
+                </a:solidFill>
+                <a:cs typeface="Times New Roman" panose="02020603050405020304" pitchFamily="18" charset="0"/>
+              </a:rPr>
+              <a:t>뉴스 이슈화 </a:t>
+            </a:r>
+            <a:r>
+              <a:rPr lang="en-US" altLang="ko-KR" sz="2000" b="1" dirty="0">
+                <a:solidFill>
+                  <a:schemeClr val="bg1"/>
+                </a:solidFill>
+                <a:cs typeface="Times New Roman" panose="02020603050405020304" pitchFamily="18" charset="0"/>
+              </a:rPr>
+              <a:t>/ </a:t>
+            </a:r>
+            <a:r>
+              <a:rPr lang="ko-KR" altLang="ko-KR" sz="2000" b="1" dirty="0">
+                <a:solidFill>
+                  <a:schemeClr val="bg1"/>
+                </a:solidFill>
+                <a:cs typeface="Times New Roman" panose="02020603050405020304" pitchFamily="18" charset="0"/>
+              </a:rPr>
+              <a:t>범죄여부 </a:t>
+            </a:r>
+            <a:r>
+              <a:rPr lang="en-US" altLang="ko-KR" sz="2000" b="1" dirty="0">
+                <a:solidFill>
+                  <a:schemeClr val="bg1"/>
+                </a:solidFill>
+                <a:cs typeface="Times New Roman" panose="02020603050405020304" pitchFamily="18" charset="0"/>
+              </a:rPr>
+              <a:t>/</a:t>
+            </a:r>
+          </a:p>
+          <a:p>
+            <a:pPr algn="just">
+              <a:lnSpc>
+                <a:spcPct val="107000"/>
+              </a:lnSpc>
+              <a:spcAft>
+                <a:spcPts val="800"/>
+              </a:spcAft>
+            </a:pPr>
+            <a:r>
+              <a:rPr lang="en-US" altLang="ko-KR" sz="2000" b="1" dirty="0">
+                <a:solidFill>
+                  <a:schemeClr val="bg1"/>
+                </a:solidFill>
+                <a:cs typeface="Times New Roman" panose="02020603050405020304" pitchFamily="18" charset="0"/>
+              </a:rPr>
+              <a:t>            </a:t>
+            </a:r>
+            <a:r>
+              <a:rPr lang="en-US" altLang="ko-KR" sz="2000" b="1" dirty="0" smtClean="0">
+                <a:solidFill>
+                  <a:schemeClr val="bg1"/>
+                </a:solidFill>
+                <a:cs typeface="Times New Roman" panose="02020603050405020304" pitchFamily="18" charset="0"/>
+              </a:rPr>
+              <a:t> </a:t>
+            </a:r>
+            <a:r>
+              <a:rPr lang="ko-KR" altLang="ko-KR" sz="2000" b="1" dirty="0" smtClean="0">
+                <a:solidFill>
+                  <a:schemeClr val="bg1"/>
+                </a:solidFill>
+                <a:cs typeface="Times New Roman" panose="02020603050405020304" pitchFamily="18" charset="0"/>
+              </a:rPr>
+              <a:t>자산 </a:t>
+            </a:r>
+            <a:r>
+              <a:rPr lang="en-US" altLang="ko-KR" sz="2000" b="1" dirty="0">
+                <a:solidFill>
+                  <a:schemeClr val="bg1"/>
+                </a:solidFill>
+                <a:cs typeface="Times New Roman" panose="02020603050405020304" pitchFamily="18" charset="0"/>
+              </a:rPr>
+              <a:t>/ </a:t>
+            </a:r>
+            <a:r>
+              <a:rPr lang="ko-KR" altLang="ko-KR" sz="2000" b="1" dirty="0">
+                <a:solidFill>
+                  <a:schemeClr val="bg1"/>
+                </a:solidFill>
+                <a:cs typeface="Times New Roman" panose="02020603050405020304" pitchFamily="18" charset="0"/>
+              </a:rPr>
+              <a:t>경력 </a:t>
+            </a:r>
+            <a:r>
+              <a:rPr lang="en-US" altLang="ko-KR" sz="2000" b="1" dirty="0">
+                <a:solidFill>
+                  <a:schemeClr val="bg1"/>
+                </a:solidFill>
+                <a:cs typeface="Times New Roman" panose="02020603050405020304" pitchFamily="18" charset="0"/>
+              </a:rPr>
+              <a:t>/ </a:t>
+            </a:r>
+            <a:r>
+              <a:rPr lang="ko-KR" altLang="ko-KR" sz="2000" b="1" dirty="0">
+                <a:solidFill>
+                  <a:schemeClr val="bg1"/>
+                </a:solidFill>
+                <a:cs typeface="Times New Roman" panose="02020603050405020304" pitchFamily="18" charset="0"/>
+              </a:rPr>
+              <a:t>자녀 </a:t>
+            </a:r>
+            <a:r>
+              <a:rPr lang="en-US" altLang="ko-KR" sz="2000" b="1" dirty="0">
+                <a:solidFill>
+                  <a:schemeClr val="bg1"/>
+                </a:solidFill>
+                <a:cs typeface="Times New Roman" panose="02020603050405020304" pitchFamily="18" charset="0"/>
+              </a:rPr>
+              <a:t>/ </a:t>
+            </a:r>
+            <a:r>
+              <a:rPr lang="ko-KR" altLang="ko-KR" sz="2000" b="1" dirty="0">
+                <a:solidFill>
+                  <a:schemeClr val="bg1"/>
+                </a:solidFill>
+                <a:cs typeface="Times New Roman" panose="02020603050405020304" pitchFamily="18" charset="0"/>
+              </a:rPr>
+              <a:t>학벌 </a:t>
+            </a:r>
+            <a:r>
+              <a:rPr lang="en-US" altLang="ko-KR" sz="2000" b="1" dirty="0">
+                <a:solidFill>
+                  <a:schemeClr val="bg1"/>
+                </a:solidFill>
+                <a:cs typeface="Times New Roman" panose="02020603050405020304" pitchFamily="18" charset="0"/>
+              </a:rPr>
+              <a:t>/ </a:t>
+            </a:r>
+            <a:r>
+              <a:rPr lang="ko-KR" altLang="ko-KR" sz="2000" b="1" dirty="0">
+                <a:solidFill>
+                  <a:schemeClr val="bg1"/>
+                </a:solidFill>
+                <a:cs typeface="Times New Roman" panose="02020603050405020304" pitchFamily="18" charset="0"/>
+              </a:rPr>
+              <a:t>지역구</a:t>
+            </a:r>
+            <a:r>
+              <a:rPr lang="en-US" altLang="ko-KR" sz="2000" b="1" dirty="0">
+                <a:solidFill>
+                  <a:schemeClr val="bg1"/>
+                </a:solidFill>
+                <a:cs typeface="Times New Roman" panose="02020603050405020304" pitchFamily="18" charset="0"/>
+              </a:rPr>
+              <a:t>)</a:t>
+            </a:r>
+            <a:endParaRPr lang="ko-KR" altLang="en-US" sz="2000" b="1" dirty="0">
+              <a:solidFill>
+                <a:schemeClr val="bg1"/>
+              </a:solidFill>
+            </a:endParaRPr>
+          </a:p>
+          <a:p>
+            <a:endParaRPr lang="ko-KR" altLang="en-US" dirty="0"/>
+          </a:p>
+        </p:txBody>
+      </p:sp>
+      <p:grpSp>
+        <p:nvGrpSpPr>
+          <p:cNvPr id="7" name="그룹 6"/>
+          <p:cNvGrpSpPr/>
+          <p:nvPr/>
+        </p:nvGrpSpPr>
+        <p:grpSpPr>
+          <a:xfrm>
+            <a:off x="3466579" y="4872919"/>
+            <a:ext cx="177453" cy="578383"/>
+            <a:chOff x="3594969" y="4822521"/>
+            <a:chExt cx="177453" cy="578383"/>
+          </a:xfrm>
+        </p:grpSpPr>
+        <p:sp>
+          <p:nvSpPr>
+            <p:cNvPr id="3" name="직사각형 2"/>
+            <p:cNvSpPr/>
+            <p:nvPr/>
+          </p:nvSpPr>
+          <p:spPr>
+            <a:xfrm>
+              <a:off x="3594969" y="4822521"/>
+              <a:ext cx="162839" cy="50104"/>
+            </a:xfrm>
+            <a:prstGeom prst="rect">
+              <a:avLst/>
+            </a:prstGeom>
+            <a:ln>
+              <a:noFill/>
+            </a:ln>
+          </p:spPr>
+          <p:style>
+            <a:lnRef idx="2">
+              <a:schemeClr val="accent1">
+                <a:shade val="50000"/>
+              </a:schemeClr>
+            </a:lnRef>
+            <a:fillRef idx="1">
+              <a:schemeClr val="accent1"/>
+            </a:fillRef>
+            <a:effectRef idx="0">
+              <a:schemeClr val="accent1"/>
+            </a:effectRef>
+            <a:fontRef idx="minor">
+              <a:schemeClr val="lt1"/>
+            </a:fontRef>
+          </p:style>
+          <p:txBody>
+            <a:bodyPr rtlCol="0" anchor="ctr"/>
+            <a:lstStyle/>
+            <a:p>
+              <a:pPr algn="ctr"/>
+              <a:endParaRPr lang="ko-KR" altLang="en-US"/>
+            </a:p>
+          </p:txBody>
+        </p:sp>
+        <p:sp>
+          <p:nvSpPr>
+            <p:cNvPr id="6" name="직사각형 5"/>
+            <p:cNvSpPr/>
+            <p:nvPr/>
+          </p:nvSpPr>
+          <p:spPr>
+            <a:xfrm>
+              <a:off x="3594969" y="4822521"/>
+              <a:ext cx="45719" cy="578383"/>
+            </a:xfrm>
+            <a:prstGeom prst="rect">
+              <a:avLst/>
+            </a:prstGeom>
+            <a:ln>
+              <a:noFill/>
+            </a:ln>
+          </p:spPr>
+          <p:style>
+            <a:lnRef idx="2">
+              <a:schemeClr val="accent1">
+                <a:shade val="50000"/>
+              </a:schemeClr>
+            </a:lnRef>
+            <a:fillRef idx="1">
+              <a:schemeClr val="accent1"/>
+            </a:fillRef>
+            <a:effectRef idx="0">
+              <a:schemeClr val="accent1"/>
+            </a:effectRef>
+            <a:fontRef idx="minor">
+              <a:schemeClr val="lt1"/>
+            </a:fontRef>
+          </p:style>
+          <p:txBody>
+            <a:bodyPr rtlCol="0" anchor="ctr"/>
+            <a:lstStyle/>
+            <a:p>
+              <a:pPr algn="ctr"/>
+              <a:endParaRPr lang="ko-KR" altLang="en-US"/>
+            </a:p>
+          </p:txBody>
+        </p:sp>
+        <p:sp>
+          <p:nvSpPr>
+            <p:cNvPr id="11" name="직사각형 10"/>
+            <p:cNvSpPr/>
+            <p:nvPr/>
+          </p:nvSpPr>
+          <p:spPr>
+            <a:xfrm>
+              <a:off x="3609583" y="5350701"/>
+              <a:ext cx="162839" cy="50104"/>
+            </a:xfrm>
+            <a:prstGeom prst="rect">
+              <a:avLst/>
+            </a:prstGeom>
+            <a:ln>
+              <a:noFill/>
+            </a:ln>
+          </p:spPr>
+          <p:style>
+            <a:lnRef idx="2">
+              <a:schemeClr val="accent1">
+                <a:shade val="50000"/>
+              </a:schemeClr>
+            </a:lnRef>
+            <a:fillRef idx="1">
+              <a:schemeClr val="accent1"/>
+            </a:fillRef>
+            <a:effectRef idx="0">
+              <a:schemeClr val="accent1"/>
+            </a:effectRef>
+            <a:fontRef idx="minor">
+              <a:schemeClr val="lt1"/>
+            </a:fontRef>
+          </p:style>
+          <p:txBody>
+            <a:bodyPr rtlCol="0" anchor="ctr"/>
+            <a:lstStyle/>
+            <a:p>
+              <a:pPr algn="ctr"/>
+              <a:endParaRPr lang="ko-KR" altLang="en-US"/>
+            </a:p>
+          </p:txBody>
+        </p:sp>
+      </p:grpSp>
+      <p:grpSp>
+        <p:nvGrpSpPr>
+          <p:cNvPr id="13" name="그룹 12"/>
+          <p:cNvGrpSpPr/>
+          <p:nvPr/>
+        </p:nvGrpSpPr>
+        <p:grpSpPr>
+          <a:xfrm flipH="1">
+            <a:off x="8854859" y="4873493"/>
+            <a:ext cx="177453" cy="578383"/>
+            <a:chOff x="3594969" y="4822521"/>
+            <a:chExt cx="177453" cy="578383"/>
+          </a:xfrm>
+        </p:grpSpPr>
+        <p:sp>
+          <p:nvSpPr>
+            <p:cNvPr id="14" name="직사각형 13"/>
+            <p:cNvSpPr/>
+            <p:nvPr/>
+          </p:nvSpPr>
+          <p:spPr>
+            <a:xfrm>
+              <a:off x="3594969" y="4822521"/>
+              <a:ext cx="162839" cy="50104"/>
+            </a:xfrm>
+            <a:prstGeom prst="rect">
+              <a:avLst/>
+            </a:prstGeom>
+            <a:ln>
+              <a:noFill/>
+            </a:ln>
+          </p:spPr>
+          <p:style>
+            <a:lnRef idx="2">
+              <a:schemeClr val="accent1">
+                <a:shade val="50000"/>
+              </a:schemeClr>
+            </a:lnRef>
+            <a:fillRef idx="1">
+              <a:schemeClr val="accent1"/>
+            </a:fillRef>
+            <a:effectRef idx="0">
+              <a:schemeClr val="accent1"/>
+            </a:effectRef>
+            <a:fontRef idx="minor">
+              <a:schemeClr val="lt1"/>
+            </a:fontRef>
+          </p:style>
+          <p:txBody>
+            <a:bodyPr rtlCol="0" anchor="ctr"/>
+            <a:lstStyle/>
+            <a:p>
+              <a:pPr algn="ctr"/>
+              <a:endParaRPr lang="ko-KR" altLang="en-US"/>
+            </a:p>
+          </p:txBody>
+        </p:sp>
+        <p:sp>
+          <p:nvSpPr>
+            <p:cNvPr id="18" name="직사각형 17"/>
+            <p:cNvSpPr/>
+            <p:nvPr/>
+          </p:nvSpPr>
+          <p:spPr>
+            <a:xfrm>
+              <a:off x="3594969" y="4822521"/>
+              <a:ext cx="45719" cy="578383"/>
+            </a:xfrm>
+            <a:prstGeom prst="rect">
+              <a:avLst/>
+            </a:prstGeom>
+            <a:ln>
+              <a:noFill/>
+            </a:ln>
+          </p:spPr>
+          <p:style>
+            <a:lnRef idx="2">
+              <a:schemeClr val="accent1">
+                <a:shade val="50000"/>
+              </a:schemeClr>
+            </a:lnRef>
+            <a:fillRef idx="1">
+              <a:schemeClr val="accent1"/>
+            </a:fillRef>
+            <a:effectRef idx="0">
+              <a:schemeClr val="accent1"/>
+            </a:effectRef>
+            <a:fontRef idx="minor">
+              <a:schemeClr val="lt1"/>
+            </a:fontRef>
+          </p:style>
+          <p:txBody>
+            <a:bodyPr rtlCol="0" anchor="ctr"/>
+            <a:lstStyle/>
+            <a:p>
+              <a:pPr algn="ctr"/>
+              <a:endParaRPr lang="ko-KR" altLang="en-US"/>
+            </a:p>
+          </p:txBody>
+        </p:sp>
+        <p:sp>
+          <p:nvSpPr>
+            <p:cNvPr id="19" name="직사각형 18"/>
+            <p:cNvSpPr/>
+            <p:nvPr/>
+          </p:nvSpPr>
+          <p:spPr>
+            <a:xfrm>
+              <a:off x="3609583" y="5350701"/>
+              <a:ext cx="162839" cy="50104"/>
+            </a:xfrm>
+            <a:prstGeom prst="rect">
+              <a:avLst/>
+            </a:prstGeom>
+            <a:ln>
+              <a:noFill/>
+            </a:ln>
+          </p:spPr>
+          <p:style>
+            <a:lnRef idx="2">
+              <a:schemeClr val="accent1">
+                <a:shade val="50000"/>
+              </a:schemeClr>
+            </a:lnRef>
+            <a:fillRef idx="1">
+              <a:schemeClr val="accent1"/>
+            </a:fillRef>
+            <a:effectRef idx="0">
+              <a:schemeClr val="accent1"/>
+            </a:effectRef>
+            <a:fontRef idx="minor">
+              <a:schemeClr val="lt1"/>
+            </a:fontRef>
+          </p:style>
+          <p:txBody>
+            <a:bodyPr rtlCol="0" anchor="ctr"/>
+            <a:lstStyle/>
+            <a:p>
+              <a:pPr algn="ctr"/>
+              <a:endParaRPr lang="ko-KR" altLang="en-US"/>
+            </a:p>
+          </p:txBody>
+        </p:sp>
+      </p:grpSp>
+    </p:spTree>
+    <p:extLst>
+      <p:ext uri="{BB962C8B-B14F-4D97-AF65-F5344CB8AC3E}">
+        <p14:creationId xmlns:p14="http://schemas.microsoft.com/office/powerpoint/2010/main" val="193032049"/>
+      </p:ext>
+    </p:extLst>
+  </p:cSld>
+  <p:clrMapOvr>
+    <a:masterClrMapping/>
+  </p:clrMapOvr>
+  <p:timing>
+    <p:tnLst>
+      <p:par>
+        <p:cTn id="1" dur="indefinite" restart="never" nodeType="tmRoot"/>
+      </p:par>
+    </p:tnLst>
+  </p:timing>
+</p:sld>
+</file>
+
+<file path=ppt/slides/slide5.xml><?xml version="1.0" encoding="utf-8"?>
+<p:sld xmlns:a="http://schemas.openxmlformats.org/drawingml/2006/main" xmlns:r="http://schemas.openxmlformats.org/officeDocument/2006/relationships" xmlns:p="http://schemas.openxmlformats.org/presentationml/2006/main">
+  <p:cSld>
+    <p:spTree>
+      <p:nvGrpSpPr>
+        <p:cNvPr id="1" name=""/>
+        <p:cNvGrpSpPr/>
+        <p:nvPr/>
+      </p:nvGrpSpPr>
+      <p:grpSpPr>
+        <a:xfrm>
+          <a:off x="0" y="0"/>
+          <a:ext cx="0" cy="0"/>
+          <a:chOff x="0" y="0"/>
+          <a:chExt cx="0" cy="0"/>
+        </a:xfrm>
+      </p:grpSpPr>
+      <p:sp>
+        <p:nvSpPr>
+          <p:cNvPr id="2" name="제목 1"/>
+          <p:cNvSpPr>
+            <a:spLocks noGrp="1"/>
+          </p:cNvSpPr>
+          <p:nvPr>
+            <p:ph type="ctrTitle"/>
+          </p:nvPr>
+        </p:nvSpPr>
+        <p:spPr>
+          <a:xfrm>
+            <a:off x="1524000" y="125259"/>
+            <a:ext cx="9144000" cy="841919"/>
+          </a:xfrm>
+        </p:spPr>
+        <p:txBody>
+          <a:bodyPr>
+            <a:normAutofit/>
+          </a:bodyPr>
+          <a:lstStyle/>
+          <a:p>
+            <a:r>
+              <a:rPr lang="ko-KR" altLang="ko-KR" sz="4000" b="1" dirty="0"/>
+              <a:t>제 </a:t>
+            </a:r>
+            <a:r>
+              <a:rPr lang="en-US" altLang="ko-KR" sz="4000" b="1" dirty="0"/>
+              <a:t>21</a:t>
+            </a:r>
+            <a:r>
+              <a:rPr lang="ko-KR" altLang="ko-KR" sz="4000" b="1" dirty="0"/>
+              <a:t>대 국회의원 총선 선거 예측</a:t>
+            </a:r>
+            <a:endParaRPr lang="ko-KR" altLang="en-US" sz="4000" b="1" dirty="0"/>
+          </a:p>
+        </p:txBody>
+      </p:sp>
+      <p:sp>
+        <p:nvSpPr>
+          <p:cNvPr id="4" name="직사각형 3"/>
+          <p:cNvSpPr/>
+          <p:nvPr/>
+        </p:nvSpPr>
+        <p:spPr>
+          <a:xfrm>
+            <a:off x="793315" y="1222195"/>
+            <a:ext cx="10855890" cy="1695849"/>
+          </a:xfrm>
+          <a:prstGeom prst="rect">
+            <a:avLst/>
+          </a:prstGeom>
+        </p:spPr>
+        <p:txBody>
+          <a:bodyPr wrap="square">
+            <a:spAutoFit/>
+          </a:bodyPr>
+          <a:lstStyle/>
+          <a:p>
+            <a:pPr algn="just">
+              <a:lnSpc>
+                <a:spcPct val="107000"/>
+              </a:lnSpc>
+              <a:spcAft>
+                <a:spcPts val="800"/>
+              </a:spcAft>
+            </a:pPr>
+            <a:r>
+              <a:rPr lang="ko-KR" altLang="ko-KR" sz="2000" b="1" kern="100" dirty="0">
+                <a:latin typeface="맑은 고딕" panose="020B0503020000020004" pitchFamily="50" charset="-127"/>
+                <a:cs typeface="Times New Roman" panose="02020603050405020304" pitchFamily="18" charset="0"/>
+              </a:rPr>
+              <a:t>서비스</a:t>
+            </a:r>
+            <a:r>
+              <a:rPr lang="en-US" altLang="ko-KR" sz="2000" b="1" kern="100" dirty="0">
+                <a:latin typeface="맑은 고딕" panose="020B0503020000020004" pitchFamily="50" charset="-127"/>
+                <a:cs typeface="Times New Roman" panose="02020603050405020304" pitchFamily="18" charset="0"/>
+              </a:rPr>
+              <a:t>1. </a:t>
+            </a:r>
+            <a:r>
+              <a:rPr lang="ko-KR" altLang="ko-KR" sz="2000" b="1" kern="100" dirty="0">
+                <a:latin typeface="맑은 고딕" panose="020B0503020000020004" pitchFamily="50" charset="-127"/>
+                <a:cs typeface="Times New Roman" panose="02020603050405020304" pitchFamily="18" charset="0"/>
+              </a:rPr>
+              <a:t>현역 국회의원 </a:t>
+            </a:r>
+            <a:r>
+              <a:rPr lang="ko-KR" altLang="ko-KR" sz="2000" b="1" kern="100" dirty="0" err="1">
+                <a:latin typeface="맑은 고딕" panose="020B0503020000020004" pitchFamily="50" charset="-127"/>
+                <a:cs typeface="Times New Roman" panose="02020603050405020304" pitchFamily="18" charset="0"/>
+              </a:rPr>
+              <a:t>재당선</a:t>
+            </a:r>
+            <a:r>
+              <a:rPr lang="ko-KR" altLang="ko-KR" sz="2000" b="1" kern="100" dirty="0">
+                <a:latin typeface="맑은 고딕" panose="020B0503020000020004" pitchFamily="50" charset="-127"/>
+                <a:cs typeface="Times New Roman" panose="02020603050405020304" pitchFamily="18" charset="0"/>
+              </a:rPr>
+              <a:t> 여부 예측</a:t>
+            </a:r>
+            <a:r>
+              <a:rPr lang="en-US" altLang="ko-KR" sz="2000" b="1" kern="100" dirty="0">
+                <a:latin typeface="맑은 고딕" panose="020B0503020000020004" pitchFamily="50" charset="-127"/>
+                <a:cs typeface="Times New Roman" panose="02020603050405020304" pitchFamily="18" charset="0"/>
+              </a:rPr>
+              <a:t>(</a:t>
+            </a:r>
+            <a:r>
+              <a:rPr lang="ko-KR" altLang="ko-KR" sz="2000" b="1" kern="100" dirty="0">
+                <a:latin typeface="맑은 고딕" panose="020B0503020000020004" pitchFamily="50" charset="-127"/>
+                <a:cs typeface="Times New Roman" panose="02020603050405020304" pitchFamily="18" charset="0"/>
+              </a:rPr>
+              <a:t>현역 국회의원 </a:t>
+            </a:r>
+            <a:r>
+              <a:rPr lang="en-US" altLang="ko-KR" sz="2000" b="1" kern="100" dirty="0">
+                <a:latin typeface="맑은 고딕" panose="020B0503020000020004" pitchFamily="50" charset="-127"/>
+                <a:cs typeface="Times New Roman" panose="02020603050405020304" pitchFamily="18" charset="0"/>
+              </a:rPr>
+              <a:t>297</a:t>
+            </a:r>
+            <a:r>
+              <a:rPr lang="ko-KR" altLang="ko-KR" sz="2000" b="1" kern="100" dirty="0">
+                <a:latin typeface="맑은 고딕" panose="020B0503020000020004" pitchFamily="50" charset="-127"/>
+                <a:cs typeface="Times New Roman" panose="02020603050405020304" pitchFamily="18" charset="0"/>
+              </a:rPr>
+              <a:t>명 중 제</a:t>
+            </a:r>
+            <a:r>
+              <a:rPr lang="en-US" altLang="ko-KR" sz="2000" b="1" kern="100" dirty="0">
+                <a:latin typeface="맑은 고딕" panose="020B0503020000020004" pitchFamily="50" charset="-127"/>
+                <a:cs typeface="Times New Roman" panose="02020603050405020304" pitchFamily="18" charset="0"/>
+              </a:rPr>
+              <a:t> 21</a:t>
+            </a:r>
+            <a:r>
+              <a:rPr lang="ko-KR" altLang="ko-KR" sz="2000" b="1" kern="100" dirty="0">
+                <a:latin typeface="맑은 고딕" panose="020B0503020000020004" pitchFamily="50" charset="-127"/>
+                <a:cs typeface="Times New Roman" panose="02020603050405020304" pitchFamily="18" charset="0"/>
+              </a:rPr>
+              <a:t>대 총선 출마 인원</a:t>
+            </a:r>
+            <a:r>
+              <a:rPr lang="en-US" altLang="ko-KR" sz="2000" b="1" kern="100" dirty="0">
+                <a:latin typeface="맑은 고딕" panose="020B0503020000020004" pitchFamily="50" charset="-127"/>
+                <a:cs typeface="Times New Roman" panose="02020603050405020304" pitchFamily="18" charset="0"/>
+              </a:rPr>
+              <a:t>)</a:t>
+            </a:r>
+            <a:endParaRPr lang="ko-KR" altLang="ko-KR" sz="2000" b="1" kern="100" dirty="0">
+              <a:latin typeface="맑은 고딕" panose="020B0503020000020004" pitchFamily="50" charset="-127"/>
+              <a:cs typeface="Times New Roman" panose="02020603050405020304" pitchFamily="18" charset="0"/>
+            </a:endParaRPr>
+          </a:p>
+          <a:p>
+            <a:pPr algn="just">
+              <a:lnSpc>
+                <a:spcPct val="107000"/>
+              </a:lnSpc>
+              <a:spcAft>
+                <a:spcPts val="800"/>
+              </a:spcAft>
+            </a:pPr>
+            <a:r>
+              <a:rPr lang="ko-KR" altLang="ko-KR" sz="2000" b="1" kern="100" dirty="0">
+                <a:latin typeface="맑은 고딕" panose="020B0503020000020004" pitchFamily="50" charset="-127"/>
+                <a:cs typeface="Times New Roman" panose="02020603050405020304" pitchFamily="18" charset="0"/>
+              </a:rPr>
+              <a:t>방법</a:t>
+            </a:r>
+            <a:r>
+              <a:rPr lang="en-US" altLang="ko-KR" sz="2000" b="1" kern="100" dirty="0">
+                <a:latin typeface="맑은 고딕" panose="020B0503020000020004" pitchFamily="50" charset="-127"/>
+                <a:cs typeface="Times New Roman" panose="02020603050405020304" pitchFamily="18" charset="0"/>
+              </a:rPr>
+              <a:t>1. </a:t>
+            </a:r>
+            <a:r>
+              <a:rPr lang="ko-KR" altLang="ko-KR" sz="2000" b="1" kern="100" dirty="0">
+                <a:latin typeface="맑은 고딕" panose="020B0503020000020004" pitchFamily="50" charset="-127"/>
+                <a:cs typeface="Times New Roman" panose="02020603050405020304" pitchFamily="18" charset="0"/>
+              </a:rPr>
+              <a:t>제 </a:t>
+            </a:r>
+            <a:r>
+              <a:rPr lang="en-US" altLang="ko-KR" sz="2000" b="1" kern="100" dirty="0">
+                <a:latin typeface="맑은 고딕" panose="020B0503020000020004" pitchFamily="50" charset="-127"/>
+                <a:cs typeface="Times New Roman" panose="02020603050405020304" pitchFamily="18" charset="0"/>
+              </a:rPr>
+              <a:t>20</a:t>
+            </a:r>
+            <a:r>
+              <a:rPr lang="ko-KR" altLang="ko-KR" sz="2000" b="1" kern="100" dirty="0">
+                <a:latin typeface="맑은 고딕" panose="020B0503020000020004" pitchFamily="50" charset="-127"/>
+                <a:cs typeface="Times New Roman" panose="02020603050405020304" pitchFamily="18" charset="0"/>
+              </a:rPr>
+              <a:t>대 국회의원 총선 공약키워드 및 제</a:t>
+            </a:r>
+            <a:r>
+              <a:rPr lang="en-US" altLang="ko-KR" sz="2000" b="1" kern="100" dirty="0">
+                <a:latin typeface="맑은 고딕" panose="020B0503020000020004" pitchFamily="50" charset="-127"/>
+                <a:cs typeface="Times New Roman" panose="02020603050405020304" pitchFamily="18" charset="0"/>
+              </a:rPr>
+              <a:t>21</a:t>
+            </a:r>
+            <a:r>
+              <a:rPr lang="ko-KR" altLang="ko-KR" sz="2000" b="1" kern="100" dirty="0">
+                <a:latin typeface="맑은 고딕" panose="020B0503020000020004" pitchFamily="50" charset="-127"/>
+                <a:cs typeface="Times New Roman" panose="02020603050405020304" pitchFamily="18" charset="0"/>
+              </a:rPr>
+              <a:t>대 총선 공약키워드 비교</a:t>
+            </a:r>
+          </a:p>
+          <a:p>
+            <a:pPr algn="just">
+              <a:lnSpc>
+                <a:spcPct val="107000"/>
+              </a:lnSpc>
+              <a:spcAft>
+                <a:spcPts val="800"/>
+              </a:spcAft>
+            </a:pPr>
+            <a:r>
+              <a:rPr lang="ko-KR" altLang="ko-KR" sz="2000" b="1" kern="100" dirty="0">
+                <a:latin typeface="맑은 고딕" panose="020B0503020000020004" pitchFamily="50" charset="-127"/>
+                <a:cs typeface="Times New Roman" panose="02020603050405020304" pitchFamily="18" charset="0"/>
+              </a:rPr>
+              <a:t>방법</a:t>
+            </a:r>
+            <a:r>
+              <a:rPr lang="en-US" altLang="ko-KR" sz="2000" b="1" kern="100" dirty="0">
+                <a:latin typeface="맑은 고딕" panose="020B0503020000020004" pitchFamily="50" charset="-127"/>
+                <a:cs typeface="Times New Roman" panose="02020603050405020304" pitchFamily="18" charset="0"/>
+              </a:rPr>
+              <a:t>2. </a:t>
+            </a:r>
+            <a:r>
+              <a:rPr lang="ko-KR" altLang="ko-KR" sz="2000" b="1" kern="100" dirty="0">
+                <a:latin typeface="맑은 고딕" panose="020B0503020000020004" pitchFamily="50" charset="-127"/>
+                <a:cs typeface="Times New Roman" panose="02020603050405020304" pitchFamily="18" charset="0"/>
+              </a:rPr>
+              <a:t>뉴스 제목</a:t>
+            </a:r>
+            <a:r>
+              <a:rPr lang="en-US" altLang="ko-KR" sz="2000" b="1" kern="100" dirty="0">
+                <a:latin typeface="맑은 고딕" panose="020B0503020000020004" pitchFamily="50" charset="-127"/>
+                <a:cs typeface="Times New Roman" panose="02020603050405020304" pitchFamily="18" charset="0"/>
+              </a:rPr>
+              <a:t>(</a:t>
+            </a:r>
+            <a:r>
+              <a:rPr lang="ko-KR" altLang="ko-KR" sz="2000" b="1" kern="100" dirty="0">
+                <a:latin typeface="맑은 고딕" panose="020B0503020000020004" pitchFamily="50" charset="-127"/>
+                <a:cs typeface="Times New Roman" panose="02020603050405020304" pitchFamily="18" charset="0"/>
+              </a:rPr>
+              <a:t>혹은 본문</a:t>
+            </a:r>
+            <a:r>
+              <a:rPr lang="en-US" altLang="ko-KR" sz="2000" b="1" kern="100" dirty="0">
+                <a:latin typeface="맑은 고딕" panose="020B0503020000020004" pitchFamily="50" charset="-127"/>
+                <a:cs typeface="Times New Roman" panose="02020603050405020304" pitchFamily="18" charset="0"/>
+              </a:rPr>
+              <a:t>) </a:t>
+            </a:r>
+            <a:r>
+              <a:rPr lang="ko-KR" altLang="ko-KR" sz="2000" b="1" kern="100" dirty="0" err="1">
+                <a:latin typeface="맑은 고딕" panose="020B0503020000020004" pitchFamily="50" charset="-127"/>
+                <a:cs typeface="Times New Roman" panose="02020603050405020304" pitchFamily="18" charset="0"/>
+              </a:rPr>
+              <a:t>긍부정</a:t>
+            </a:r>
+            <a:endParaRPr lang="ko-KR" altLang="ko-KR" sz="2000" b="1" kern="100" dirty="0">
+              <a:latin typeface="맑은 고딕" panose="020B0503020000020004" pitchFamily="50" charset="-127"/>
+              <a:cs typeface="Times New Roman" panose="02020603050405020304" pitchFamily="18" charset="0"/>
+            </a:endParaRPr>
+          </a:p>
+          <a:p>
+            <a:r>
+              <a:rPr lang="ko-KR" altLang="ko-KR" sz="2000" b="1" dirty="0">
+                <a:cs typeface="Times New Roman" panose="02020603050405020304" pitchFamily="18" charset="0"/>
+              </a:rPr>
+              <a:t>방법</a:t>
+            </a:r>
+            <a:r>
+              <a:rPr lang="en-US" altLang="ko-KR" sz="2000" b="1" dirty="0">
+                <a:cs typeface="Times New Roman" panose="02020603050405020304" pitchFamily="18" charset="0"/>
+              </a:rPr>
+              <a:t>3. </a:t>
+            </a:r>
+            <a:r>
+              <a:rPr lang="ko-KR" altLang="ko-KR" sz="2000" b="1" dirty="0">
+                <a:cs typeface="Times New Roman" panose="02020603050405020304" pitchFamily="18" charset="0"/>
+              </a:rPr>
+              <a:t>발의 의안 수 및 통과 의안 수</a:t>
+            </a:r>
+            <a:endParaRPr lang="ko-KR" altLang="en-US" sz="2000" b="1" dirty="0"/>
+          </a:p>
+        </p:txBody>
+      </p:sp>
+      <p:sp>
+        <p:nvSpPr>
+          <p:cNvPr id="6" name="직사각형 5"/>
+          <p:cNvSpPr/>
+          <p:nvPr/>
+        </p:nvSpPr>
+        <p:spPr>
+          <a:xfrm>
+            <a:off x="793315" y="3126438"/>
+            <a:ext cx="10768208" cy="1695849"/>
+          </a:xfrm>
+          <a:prstGeom prst="rect">
+            <a:avLst/>
+          </a:prstGeom>
+        </p:spPr>
+        <p:txBody>
+          <a:bodyPr wrap="square">
+            <a:spAutoFit/>
+          </a:bodyPr>
+          <a:lstStyle/>
+          <a:p>
+            <a:pPr algn="just">
+              <a:lnSpc>
+                <a:spcPct val="107000"/>
+              </a:lnSpc>
+              <a:spcAft>
+                <a:spcPts val="800"/>
+              </a:spcAft>
+            </a:pPr>
+            <a:r>
+              <a:rPr lang="ko-KR" altLang="ko-KR" sz="2000" b="1" kern="100" dirty="0">
+                <a:latin typeface="맑은 고딕" panose="020B0503020000020004" pitchFamily="50" charset="-127"/>
+                <a:cs typeface="Times New Roman" panose="02020603050405020304" pitchFamily="18" charset="0"/>
+              </a:rPr>
+              <a:t>서비스</a:t>
+            </a:r>
+            <a:r>
+              <a:rPr lang="en-US" altLang="ko-KR" sz="2000" b="1" kern="100" dirty="0">
+                <a:latin typeface="맑은 고딕" panose="020B0503020000020004" pitchFamily="50" charset="-127"/>
+                <a:cs typeface="Times New Roman" panose="02020603050405020304" pitchFamily="18" charset="0"/>
+              </a:rPr>
+              <a:t>2. </a:t>
+            </a:r>
+            <a:r>
+              <a:rPr lang="ko-KR" altLang="ko-KR" sz="2000" b="1" kern="100" dirty="0">
+                <a:latin typeface="맑은 고딕" panose="020B0503020000020004" pitchFamily="50" charset="-127"/>
+                <a:cs typeface="Times New Roman" panose="02020603050405020304" pitchFamily="18" charset="0"/>
+              </a:rPr>
+              <a:t>지역구 국회의원 선거 당선 여부 예측</a:t>
+            </a:r>
+            <a:r>
+              <a:rPr lang="en-US" altLang="ko-KR" sz="2000" b="1" kern="100" dirty="0">
+                <a:latin typeface="맑은 고딕" panose="020B0503020000020004" pitchFamily="50" charset="-127"/>
+                <a:cs typeface="Times New Roman" panose="02020603050405020304" pitchFamily="18" charset="0"/>
+              </a:rPr>
+              <a:t>(</a:t>
+            </a:r>
+            <a:r>
+              <a:rPr lang="ko-KR" altLang="ko-KR" sz="2000" b="1" kern="100" dirty="0">
+                <a:latin typeface="맑은 고딕" panose="020B0503020000020004" pitchFamily="50" charset="-127"/>
+                <a:cs typeface="Times New Roman" panose="02020603050405020304" pitchFamily="18" charset="0"/>
+              </a:rPr>
+              <a:t>서울특별시 및 경기도 한정 </a:t>
+            </a:r>
+            <a:r>
+              <a:rPr lang="en-US" altLang="ko-KR" sz="2000" b="1" kern="100" dirty="0">
+                <a:latin typeface="맑은 고딕" panose="020B0503020000020004" pitchFamily="50" charset="-127"/>
+                <a:cs typeface="Times New Roman" panose="02020603050405020304" pitchFamily="18" charset="0"/>
+              </a:rPr>
+              <a:t>– </a:t>
+            </a:r>
+            <a:r>
+              <a:rPr lang="ko-KR" altLang="ko-KR" sz="2000" b="1" kern="100" dirty="0">
+                <a:latin typeface="맑은 고딕" panose="020B0503020000020004" pitchFamily="50" charset="-127"/>
+                <a:cs typeface="Times New Roman" panose="02020603050405020304" pitchFamily="18" charset="0"/>
+              </a:rPr>
+              <a:t>비례대표 제외</a:t>
+            </a:r>
+            <a:r>
+              <a:rPr lang="en-US" altLang="ko-KR" sz="2000" b="1" kern="100" dirty="0">
+                <a:latin typeface="맑은 고딕" panose="020B0503020000020004" pitchFamily="50" charset="-127"/>
+                <a:cs typeface="Times New Roman" panose="02020603050405020304" pitchFamily="18" charset="0"/>
+              </a:rPr>
+              <a:t>)</a:t>
+            </a:r>
+            <a:endParaRPr lang="ko-KR" altLang="ko-KR" sz="2000" b="1" kern="100" dirty="0">
+              <a:latin typeface="맑은 고딕" panose="020B0503020000020004" pitchFamily="50" charset="-127"/>
+              <a:cs typeface="Times New Roman" panose="02020603050405020304" pitchFamily="18" charset="0"/>
+            </a:endParaRPr>
+          </a:p>
+          <a:p>
+            <a:pPr algn="just">
+              <a:lnSpc>
+                <a:spcPct val="107000"/>
+              </a:lnSpc>
+              <a:spcAft>
+                <a:spcPts val="800"/>
+              </a:spcAft>
+            </a:pPr>
+            <a:r>
+              <a:rPr lang="ko-KR" altLang="ko-KR" sz="2000" b="1" kern="100" dirty="0">
+                <a:latin typeface="맑은 고딕" panose="020B0503020000020004" pitchFamily="50" charset="-127"/>
+                <a:cs typeface="Times New Roman" panose="02020603050405020304" pitchFamily="18" charset="0"/>
+              </a:rPr>
+              <a:t>예시</a:t>
+            </a:r>
+            <a:r>
+              <a:rPr lang="en-US" altLang="ko-KR" sz="2000" b="1" kern="100" dirty="0">
+                <a:latin typeface="맑은 고딕" panose="020B0503020000020004" pitchFamily="50" charset="-127"/>
+                <a:cs typeface="Times New Roman" panose="02020603050405020304" pitchFamily="18" charset="0"/>
+              </a:rPr>
+              <a:t>_ &lt;</a:t>
+            </a:r>
+            <a:r>
+              <a:rPr lang="ko-KR" altLang="ko-KR" sz="2000" b="1" kern="100" dirty="0">
+                <a:latin typeface="맑은 고딕" panose="020B0503020000020004" pitchFamily="50" charset="-127"/>
+                <a:cs typeface="Times New Roman" panose="02020603050405020304" pitchFamily="18" charset="0"/>
+              </a:rPr>
+              <a:t>확실 </a:t>
+            </a:r>
+            <a:r>
+              <a:rPr lang="en-US" altLang="ko-KR" sz="2000" b="1" kern="100" dirty="0">
+                <a:latin typeface="맑은 고딕" panose="020B0503020000020004" pitchFamily="50" charset="-127"/>
+                <a:cs typeface="Times New Roman" panose="02020603050405020304" pitchFamily="18" charset="0"/>
+              </a:rPr>
+              <a:t>/ </a:t>
+            </a:r>
+            <a:r>
+              <a:rPr lang="ko-KR" altLang="ko-KR" sz="2000" b="1" kern="100" dirty="0">
+                <a:latin typeface="맑은 고딕" panose="020B0503020000020004" pitchFamily="50" charset="-127"/>
+                <a:cs typeface="Times New Roman" panose="02020603050405020304" pitchFamily="18" charset="0"/>
+              </a:rPr>
+              <a:t>유력 </a:t>
+            </a:r>
+            <a:r>
+              <a:rPr lang="en-US" altLang="ko-KR" sz="2000" b="1" kern="100" dirty="0">
+                <a:latin typeface="맑은 고딕" panose="020B0503020000020004" pitchFamily="50" charset="-127"/>
+                <a:cs typeface="Times New Roman" panose="02020603050405020304" pitchFamily="18" charset="0"/>
+              </a:rPr>
+              <a:t>/ </a:t>
+            </a:r>
+            <a:r>
+              <a:rPr lang="ko-KR" altLang="ko-KR" sz="2000" b="1" kern="100" dirty="0">
+                <a:latin typeface="맑은 고딕" panose="020B0503020000020004" pitchFamily="50" charset="-127"/>
+                <a:cs typeface="Times New Roman" panose="02020603050405020304" pitchFamily="18" charset="0"/>
+              </a:rPr>
+              <a:t>불리</a:t>
+            </a:r>
+            <a:r>
+              <a:rPr lang="en-US" altLang="ko-KR" sz="2000" b="1" kern="100" dirty="0">
+                <a:latin typeface="맑은 고딕" panose="020B0503020000020004" pitchFamily="50" charset="-127"/>
+                <a:cs typeface="Times New Roman" panose="02020603050405020304" pitchFamily="18" charset="0"/>
+              </a:rPr>
+              <a:t> / </a:t>
+            </a:r>
+            <a:r>
+              <a:rPr lang="ko-KR" altLang="ko-KR" sz="2000" b="1" kern="100" dirty="0">
+                <a:latin typeface="맑은 고딕" panose="020B0503020000020004" pitchFamily="50" charset="-127"/>
+                <a:cs typeface="Times New Roman" panose="02020603050405020304" pitchFamily="18" charset="0"/>
+              </a:rPr>
+              <a:t>보합</a:t>
+            </a:r>
+            <a:r>
+              <a:rPr lang="en-US" altLang="ko-KR" sz="2000" b="1" kern="100" dirty="0">
+                <a:latin typeface="맑은 고딕" panose="020B0503020000020004" pitchFamily="50" charset="-127"/>
+                <a:cs typeface="Times New Roman" panose="02020603050405020304" pitchFamily="18" charset="0"/>
+              </a:rPr>
+              <a:t>&gt;</a:t>
+            </a:r>
+            <a:endParaRPr lang="ko-KR" altLang="ko-KR" sz="2000" b="1" kern="100" dirty="0">
+              <a:latin typeface="맑은 고딕" panose="020B0503020000020004" pitchFamily="50" charset="-127"/>
+              <a:cs typeface="Times New Roman" panose="02020603050405020304" pitchFamily="18" charset="0"/>
+            </a:endParaRPr>
+          </a:p>
+          <a:p>
+            <a:pPr algn="just">
+              <a:lnSpc>
+                <a:spcPct val="107000"/>
+              </a:lnSpc>
+              <a:spcAft>
+                <a:spcPts val="800"/>
+              </a:spcAft>
+            </a:pPr>
+            <a:r>
+              <a:rPr lang="ko-KR" altLang="ko-KR" sz="2000" b="1" kern="100" dirty="0">
+                <a:latin typeface="맑은 고딕" panose="020B0503020000020004" pitchFamily="50" charset="-127"/>
+                <a:cs typeface="Times New Roman" panose="02020603050405020304" pitchFamily="18" charset="0"/>
+              </a:rPr>
+              <a:t>방법</a:t>
+            </a:r>
+            <a:r>
+              <a:rPr lang="en-US" altLang="ko-KR" sz="2000" b="1" kern="100" dirty="0">
+                <a:latin typeface="맑은 고딕" panose="020B0503020000020004" pitchFamily="50" charset="-127"/>
+                <a:cs typeface="Times New Roman" panose="02020603050405020304" pitchFamily="18" charset="0"/>
+              </a:rPr>
+              <a:t>1. </a:t>
+            </a:r>
+            <a:r>
+              <a:rPr lang="ko-KR" altLang="ko-KR" sz="2000" b="1" kern="100" dirty="0">
+                <a:latin typeface="맑은 고딕" panose="020B0503020000020004" pitchFamily="50" charset="-127"/>
+                <a:cs typeface="Times New Roman" panose="02020603050405020304" pitchFamily="18" charset="0"/>
+              </a:rPr>
+              <a:t>선거 당선에 미치는 영향력 있는 변수 파악</a:t>
+            </a:r>
+          </a:p>
+          <a:p>
+            <a:r>
+              <a:rPr lang="ko-KR" altLang="ko-KR" sz="2000" b="1" dirty="0">
+                <a:cs typeface="Times New Roman" panose="02020603050405020304" pitchFamily="18" charset="0"/>
+              </a:rPr>
+              <a:t>정당 </a:t>
+            </a:r>
+            <a:r>
+              <a:rPr lang="en-US" altLang="ko-KR" sz="2000" b="1" dirty="0">
+                <a:cs typeface="Times New Roman" panose="02020603050405020304" pitchFamily="18" charset="0"/>
+              </a:rPr>
+              <a:t>/ </a:t>
+            </a:r>
+            <a:r>
+              <a:rPr lang="ko-KR" altLang="ko-KR" sz="2000" b="1" dirty="0">
+                <a:cs typeface="Times New Roman" panose="02020603050405020304" pitchFamily="18" charset="0"/>
+              </a:rPr>
+              <a:t>당선횟수 </a:t>
+            </a:r>
+            <a:r>
+              <a:rPr lang="en-US" altLang="ko-KR" sz="2000" b="1" dirty="0">
+                <a:cs typeface="Times New Roman" panose="02020603050405020304" pitchFamily="18" charset="0"/>
+              </a:rPr>
+              <a:t>/ </a:t>
+            </a:r>
+            <a:r>
+              <a:rPr lang="ko-KR" altLang="ko-KR" sz="2000" b="1" dirty="0">
+                <a:cs typeface="Times New Roman" panose="02020603050405020304" pitchFamily="18" charset="0"/>
+              </a:rPr>
+              <a:t>뉴스 이슈화 </a:t>
+            </a:r>
+            <a:r>
+              <a:rPr lang="en-US" altLang="ko-KR" sz="2000" b="1" dirty="0">
+                <a:cs typeface="Times New Roman" panose="02020603050405020304" pitchFamily="18" charset="0"/>
+              </a:rPr>
+              <a:t>/ </a:t>
+            </a:r>
+            <a:r>
+              <a:rPr lang="ko-KR" altLang="ko-KR" sz="2000" b="1" dirty="0">
+                <a:cs typeface="Times New Roman" panose="02020603050405020304" pitchFamily="18" charset="0"/>
+              </a:rPr>
+              <a:t>범죄여부 </a:t>
+            </a:r>
+            <a:r>
+              <a:rPr lang="en-US" altLang="ko-KR" sz="2000" b="1" dirty="0">
+                <a:cs typeface="Times New Roman" panose="02020603050405020304" pitchFamily="18" charset="0"/>
+              </a:rPr>
+              <a:t>/ </a:t>
+            </a:r>
+            <a:r>
+              <a:rPr lang="ko-KR" altLang="ko-KR" sz="2000" b="1" dirty="0">
+                <a:cs typeface="Times New Roman" panose="02020603050405020304" pitchFamily="18" charset="0"/>
+              </a:rPr>
+              <a:t>자산 </a:t>
+            </a:r>
+            <a:r>
+              <a:rPr lang="en-US" altLang="ko-KR" sz="2000" b="1" dirty="0">
+                <a:cs typeface="Times New Roman" panose="02020603050405020304" pitchFamily="18" charset="0"/>
+              </a:rPr>
+              <a:t>/ </a:t>
+            </a:r>
+            <a:r>
+              <a:rPr lang="ko-KR" altLang="ko-KR" sz="2000" b="1" dirty="0">
+                <a:cs typeface="Times New Roman" panose="02020603050405020304" pitchFamily="18" charset="0"/>
+              </a:rPr>
+              <a:t>경력 </a:t>
+            </a:r>
+            <a:r>
+              <a:rPr lang="en-US" altLang="ko-KR" sz="2000" b="1" dirty="0">
+                <a:cs typeface="Times New Roman" panose="02020603050405020304" pitchFamily="18" charset="0"/>
+              </a:rPr>
+              <a:t>/ </a:t>
+            </a:r>
+            <a:r>
+              <a:rPr lang="ko-KR" altLang="ko-KR" sz="2000" b="1" dirty="0">
+                <a:cs typeface="Times New Roman" panose="02020603050405020304" pitchFamily="18" charset="0"/>
+              </a:rPr>
+              <a:t>자녀 </a:t>
+            </a:r>
+            <a:r>
+              <a:rPr lang="en-US" altLang="ko-KR" sz="2000" b="1" dirty="0">
+                <a:cs typeface="Times New Roman" panose="02020603050405020304" pitchFamily="18" charset="0"/>
+              </a:rPr>
+              <a:t>/ </a:t>
+            </a:r>
+            <a:r>
+              <a:rPr lang="ko-KR" altLang="ko-KR" sz="2000" b="1" dirty="0">
+                <a:cs typeface="Times New Roman" panose="02020603050405020304" pitchFamily="18" charset="0"/>
+              </a:rPr>
+              <a:t>학벌 </a:t>
+            </a:r>
+            <a:r>
+              <a:rPr lang="en-US" altLang="ko-KR" sz="2000" b="1" dirty="0">
+                <a:cs typeface="Times New Roman" panose="02020603050405020304" pitchFamily="18" charset="0"/>
+              </a:rPr>
+              <a:t>/ </a:t>
+            </a:r>
+            <a:r>
+              <a:rPr lang="ko-KR" altLang="ko-KR" sz="2000" b="1" dirty="0">
+                <a:cs typeface="Times New Roman" panose="02020603050405020304" pitchFamily="18" charset="0"/>
+              </a:rPr>
+              <a:t>지역구</a:t>
+            </a:r>
+            <a:endParaRPr lang="ko-KR" altLang="en-US" sz="2000" b="1" dirty="0"/>
+          </a:p>
+        </p:txBody>
+      </p:sp>
+      <p:sp>
+        <p:nvSpPr>
+          <p:cNvPr id="7" name="부제목 2"/>
+          <p:cNvSpPr>
+            <a:spLocks noGrp="1"/>
+          </p:cNvSpPr>
+          <p:nvPr>
+            <p:ph type="subTitle" idx="1"/>
+          </p:nvPr>
+        </p:nvSpPr>
+        <p:spPr>
+          <a:xfrm>
+            <a:off x="793315" y="5030681"/>
+            <a:ext cx="10605370" cy="1240077"/>
+          </a:xfrm>
+        </p:spPr>
+        <p:txBody>
+          <a:bodyPr>
+            <a:noAutofit/>
+          </a:bodyPr>
+          <a:lstStyle/>
+          <a:p>
+            <a:pPr algn="l"/>
+            <a:r>
+              <a:rPr lang="en-US" altLang="ko-KR" sz="2000" b="1" dirty="0" smtClean="0"/>
+              <a:t>&lt;</a:t>
+            </a:r>
+            <a:r>
+              <a:rPr lang="ko-KR" altLang="en-US" sz="2000" b="1" dirty="0" smtClean="0"/>
+              <a:t>참고사이트</a:t>
+            </a:r>
+            <a:r>
+              <a:rPr lang="en-US" altLang="ko-KR" sz="2000" b="1" dirty="0" smtClean="0"/>
+              <a:t>&gt;</a:t>
+            </a:r>
+          </a:p>
+          <a:p>
+            <a:pPr algn="l"/>
+            <a:r>
+              <a:rPr lang="ko-KR" altLang="ko-KR" sz="2000" b="1" dirty="0" smtClean="0"/>
+              <a:t>국회도서관 </a:t>
+            </a:r>
+            <a:r>
+              <a:rPr lang="ko-KR" altLang="ko-KR" sz="2000" b="1" dirty="0" err="1"/>
+              <a:t>사이트내</a:t>
+            </a:r>
+            <a:r>
+              <a:rPr lang="ko-KR" altLang="ko-KR" sz="2000" b="1" dirty="0"/>
+              <a:t> </a:t>
+            </a:r>
+            <a:r>
+              <a:rPr lang="en-US" altLang="ko-KR" sz="2000" b="1" dirty="0"/>
+              <a:t>– </a:t>
+            </a:r>
+            <a:r>
+              <a:rPr lang="ko-KR" altLang="ko-KR" sz="2000" b="1" dirty="0"/>
+              <a:t>국회법률정보서비스 </a:t>
+            </a:r>
+            <a:r>
+              <a:rPr lang="en-US" altLang="ko-KR" sz="2000" b="1" dirty="0"/>
+              <a:t>/ </a:t>
+            </a:r>
+            <a:r>
+              <a:rPr lang="ko-KR" altLang="ko-KR" sz="2000" b="1" dirty="0"/>
+              <a:t>국회의원 정책자료 </a:t>
+            </a:r>
+            <a:r>
+              <a:rPr lang="en-US" altLang="ko-KR" sz="2000" b="1" dirty="0"/>
+              <a:t>/ </a:t>
+            </a:r>
+            <a:r>
+              <a:rPr lang="ko-KR" altLang="ko-KR" sz="2000" b="1" dirty="0"/>
+              <a:t>의정정보 </a:t>
+            </a:r>
+            <a:r>
+              <a:rPr lang="en-US" altLang="ko-KR" sz="2000" b="1" dirty="0"/>
+              <a:t>/ </a:t>
+            </a:r>
+            <a:r>
+              <a:rPr lang="ko-KR" altLang="ko-KR" sz="2000" b="1" dirty="0" err="1"/>
+              <a:t>아르고스</a:t>
+            </a:r>
+            <a:r>
+              <a:rPr lang="ko-KR" altLang="ko-KR" sz="2000" b="1" dirty="0"/>
+              <a:t> 등</a:t>
+            </a:r>
+          </a:p>
+          <a:p>
+            <a:pPr algn="l"/>
+            <a:r>
+              <a:rPr lang="en-US" altLang="ko-KR" sz="2000" b="1" dirty="0"/>
+              <a:t>SNS </a:t>
+            </a:r>
+            <a:r>
+              <a:rPr lang="ko-KR" altLang="ko-KR" sz="2000" b="1" dirty="0"/>
+              <a:t>데이터 </a:t>
+            </a:r>
+            <a:r>
+              <a:rPr lang="en-US" altLang="ko-KR" sz="2000" b="1" dirty="0"/>
+              <a:t>– </a:t>
+            </a:r>
+            <a:r>
+              <a:rPr lang="ko-KR" altLang="ko-KR" sz="2000" b="1" dirty="0" err="1"/>
+              <a:t>네이버</a:t>
+            </a:r>
+            <a:r>
+              <a:rPr lang="en-US" altLang="ko-KR" sz="2000" b="1" dirty="0"/>
+              <a:t>/</a:t>
+            </a:r>
+            <a:r>
+              <a:rPr lang="ko-KR" altLang="ko-KR" sz="2000" b="1" dirty="0"/>
+              <a:t>다음 뉴스</a:t>
+            </a:r>
+            <a:r>
+              <a:rPr lang="en-US" altLang="ko-KR" sz="2000" b="1" dirty="0"/>
+              <a:t>, </a:t>
+            </a:r>
+            <a:r>
+              <a:rPr lang="ko-KR" altLang="ko-KR" sz="2000" b="1" dirty="0" err="1"/>
+              <a:t>블로그</a:t>
+            </a:r>
+            <a:r>
+              <a:rPr lang="en-US" altLang="ko-KR" sz="2000" b="1" dirty="0"/>
+              <a:t>, </a:t>
+            </a:r>
+            <a:r>
+              <a:rPr lang="ko-KR" altLang="ko-KR" sz="2000" b="1" dirty="0" err="1"/>
+              <a:t>트위터</a:t>
+            </a:r>
+            <a:r>
+              <a:rPr lang="en-US" altLang="ko-KR" sz="2000" b="1" dirty="0"/>
+              <a:t>, </a:t>
+            </a:r>
+            <a:r>
+              <a:rPr lang="ko-KR" altLang="ko-KR" sz="2000" b="1" dirty="0"/>
+              <a:t>커뮤니티 등</a:t>
+            </a:r>
+            <a:r>
+              <a:rPr lang="en-US" altLang="ko-KR" sz="2000" b="1" dirty="0"/>
+              <a:t>(</a:t>
+            </a:r>
+            <a:r>
+              <a:rPr lang="ko-KR" altLang="ko-KR" sz="2000" b="1" dirty="0" err="1"/>
+              <a:t>언급량</a:t>
+            </a:r>
+            <a:r>
+              <a:rPr lang="en-US" altLang="ko-KR" sz="2000" b="1" dirty="0"/>
+              <a:t>, </a:t>
+            </a:r>
+            <a:r>
+              <a:rPr lang="ko-KR" altLang="ko-KR" sz="2000" b="1" dirty="0"/>
+              <a:t>제목 본문 등</a:t>
+            </a:r>
+            <a:r>
+              <a:rPr lang="en-US" altLang="ko-KR" sz="2000" b="1" dirty="0"/>
+              <a:t>)</a:t>
+            </a:r>
+            <a:endParaRPr lang="ko-KR" altLang="ko-KR" sz="2000" b="1" dirty="0"/>
+          </a:p>
+          <a:p>
+            <a:pPr algn="l"/>
+            <a:r>
+              <a:rPr lang="ko-KR" altLang="ko-KR" sz="2000" b="1" dirty="0" err="1"/>
+              <a:t>나무위키</a:t>
+            </a:r>
+            <a:r>
+              <a:rPr lang="ko-KR" altLang="ko-KR" sz="2000" b="1" dirty="0"/>
+              <a:t> </a:t>
+            </a:r>
+            <a:r>
+              <a:rPr lang="en-US" altLang="ko-KR" sz="2000" b="1" dirty="0"/>
+              <a:t>– </a:t>
+            </a:r>
+            <a:r>
+              <a:rPr lang="ko-KR" altLang="ko-KR" sz="2000" b="1" dirty="0"/>
+              <a:t>국회의원 정당 소속 정보</a:t>
+            </a:r>
+          </a:p>
+          <a:p>
+            <a:pPr algn="l"/>
+            <a:endParaRPr lang="ko-KR" altLang="en-US" sz="2000" b="1" dirty="0"/>
+          </a:p>
+        </p:txBody>
+      </p:sp>
+    </p:spTree>
+    <p:extLst>
+      <p:ext uri="{BB962C8B-B14F-4D97-AF65-F5344CB8AC3E}">
+        <p14:creationId xmlns:p14="http://schemas.microsoft.com/office/powerpoint/2010/main" val="1689626632"/>
+      </p:ext>
+    </p:extLst>
+  </p:cSld>
+  <p:clrMapOvr>
+    <a:masterClrMapping/>
+  </p:clrMapOvr>
+  <p:timing>
+    <p:tnLst>
+      <p:par>
+        <p:cTn id="1" dur="indefinite" restart="never" nodeType="tmRoot"/>
+      </p:par>
+    </p:tnLst>
+  </p:timing>
+</p:sld>
+</file>
+
+<file path=ppt/slides/slide6.xml><?xml version="1.0" encoding="utf-8"?>
+<p:sld xmlns:a="http://schemas.openxmlformats.org/drawingml/2006/main" xmlns:r="http://schemas.openxmlformats.org/officeDocument/2006/relationships" xmlns:p="http://schemas.openxmlformats.org/presentationml/2006/main">
+  <p:cSld>
+    <p:spTree>
+      <p:nvGrpSpPr>
+        <p:cNvPr id="1" name=""/>
+        <p:cNvGrpSpPr/>
+        <p:nvPr/>
+      </p:nvGrpSpPr>
+      <p:grpSpPr>
+        <a:xfrm>
+          <a:off x="0" y="0"/>
+          <a:ext cx="0" cy="0"/>
+          <a:chOff x="0" y="0"/>
+          <a:chExt cx="0" cy="0"/>
+        </a:xfrm>
+      </p:grpSpPr>
+      <p:sp>
+        <p:nvSpPr>
           <p:cNvPr id="2" name="제목 1"/>
           <p:cNvSpPr>
             <a:spLocks noGrp="1"/>
@@ -4523,7 +6468,7 @@
 </p:sld>
 </file>
 
-<file path=ppt/slides/slide5.xml><?xml version="1.0" encoding="utf-8"?>
+<file path=ppt/slides/slide7.xml><?xml version="1.0" encoding="utf-8"?>
 <p:sld xmlns:a="http://schemas.openxmlformats.org/drawingml/2006/main" xmlns:r="http://schemas.openxmlformats.org/officeDocument/2006/relationships" xmlns:p="http://schemas.openxmlformats.org/presentationml/2006/main">
   <p:cSld>
     <p:spTree>

--- a/주제 발표.pptx
+++ b/주제 발표.pptx
@@ -9,9 +9,15 @@
     <p:sldId id="260" r:id="rId3"/>
     <p:sldId id="261" r:id="rId4"/>
     <p:sldId id="262" r:id="rId5"/>
-    <p:sldId id="256" r:id="rId6"/>
-    <p:sldId id="257" r:id="rId7"/>
-    <p:sldId id="258" r:id="rId8"/>
+    <p:sldId id="263" r:id="rId6"/>
+    <p:sldId id="264" r:id="rId7"/>
+    <p:sldId id="266" r:id="rId8"/>
+    <p:sldId id="267" r:id="rId9"/>
+    <p:sldId id="268" r:id="rId10"/>
+    <p:sldId id="269" r:id="rId11"/>
+    <p:sldId id="270" r:id="rId12"/>
+    <p:sldId id="271" r:id="rId13"/>
+    <p:sldId id="272" r:id="rId14"/>
   </p:sldIdLst>
   <p:sldSz cx="12192000" cy="6858000"/>
   <p:notesSz cx="6858000" cy="9144000"/>
@@ -249,7 +255,7 @@
           <a:p>
             <a:fld id="{73CC696D-59BC-4688-86DF-12253AE661E2}" type="datetimeFigureOut">
               <a:rPr lang="ko-KR" altLang="en-US" smtClean="0"/>
-              <a:t>2020-03-25</a:t>
+              <a:t>2020-03-26</a:t>
             </a:fld>
             <a:endParaRPr lang="ko-KR" altLang="en-US"/>
           </a:p>
@@ -419,7 +425,7 @@
           <a:p>
             <a:fld id="{73CC696D-59BC-4688-86DF-12253AE661E2}" type="datetimeFigureOut">
               <a:rPr lang="ko-KR" altLang="en-US" smtClean="0"/>
-              <a:t>2020-03-25</a:t>
+              <a:t>2020-03-26</a:t>
             </a:fld>
             <a:endParaRPr lang="ko-KR" altLang="en-US"/>
           </a:p>
@@ -599,7 +605,7 @@
           <a:p>
             <a:fld id="{73CC696D-59BC-4688-86DF-12253AE661E2}" type="datetimeFigureOut">
               <a:rPr lang="ko-KR" altLang="en-US" smtClean="0"/>
-              <a:t>2020-03-25</a:t>
+              <a:t>2020-03-26</a:t>
             </a:fld>
             <a:endParaRPr lang="ko-KR" altLang="en-US"/>
           </a:p>
@@ -769,7 +775,7 @@
           <a:p>
             <a:fld id="{73CC696D-59BC-4688-86DF-12253AE661E2}" type="datetimeFigureOut">
               <a:rPr lang="ko-KR" altLang="en-US" smtClean="0"/>
-              <a:t>2020-03-25</a:t>
+              <a:t>2020-03-26</a:t>
             </a:fld>
             <a:endParaRPr lang="ko-KR" altLang="en-US"/>
           </a:p>
@@ -1015,7 +1021,7 @@
           <a:p>
             <a:fld id="{73CC696D-59BC-4688-86DF-12253AE661E2}" type="datetimeFigureOut">
               <a:rPr lang="ko-KR" altLang="en-US" smtClean="0"/>
-              <a:t>2020-03-25</a:t>
+              <a:t>2020-03-26</a:t>
             </a:fld>
             <a:endParaRPr lang="ko-KR" altLang="en-US"/>
           </a:p>
@@ -1247,7 +1253,7 @@
           <a:p>
             <a:fld id="{73CC696D-59BC-4688-86DF-12253AE661E2}" type="datetimeFigureOut">
               <a:rPr lang="ko-KR" altLang="en-US" smtClean="0"/>
-              <a:t>2020-03-25</a:t>
+              <a:t>2020-03-26</a:t>
             </a:fld>
             <a:endParaRPr lang="ko-KR" altLang="en-US"/>
           </a:p>
@@ -1614,7 +1620,7 @@
           <a:p>
             <a:fld id="{73CC696D-59BC-4688-86DF-12253AE661E2}" type="datetimeFigureOut">
               <a:rPr lang="ko-KR" altLang="en-US" smtClean="0"/>
-              <a:t>2020-03-25</a:t>
+              <a:t>2020-03-26</a:t>
             </a:fld>
             <a:endParaRPr lang="ko-KR" altLang="en-US"/>
           </a:p>
@@ -1732,7 +1738,7 @@
           <a:p>
             <a:fld id="{73CC696D-59BC-4688-86DF-12253AE661E2}" type="datetimeFigureOut">
               <a:rPr lang="ko-KR" altLang="en-US" smtClean="0"/>
-              <a:t>2020-03-25</a:t>
+              <a:t>2020-03-26</a:t>
             </a:fld>
             <a:endParaRPr lang="ko-KR" altLang="en-US"/>
           </a:p>
@@ -1827,7 +1833,7 @@
           <a:p>
             <a:fld id="{73CC696D-59BC-4688-86DF-12253AE661E2}" type="datetimeFigureOut">
               <a:rPr lang="ko-KR" altLang="en-US" smtClean="0"/>
-              <a:t>2020-03-25</a:t>
+              <a:t>2020-03-26</a:t>
             </a:fld>
             <a:endParaRPr lang="ko-KR" altLang="en-US"/>
           </a:p>
@@ -2104,7 +2110,7 @@
           <a:p>
             <a:fld id="{73CC696D-59BC-4688-86DF-12253AE661E2}" type="datetimeFigureOut">
               <a:rPr lang="ko-KR" altLang="en-US" smtClean="0"/>
-              <a:t>2020-03-25</a:t>
+              <a:t>2020-03-26</a:t>
             </a:fld>
             <a:endParaRPr lang="ko-KR" altLang="en-US"/>
           </a:p>
@@ -2357,7 +2363,7 @@
           <a:p>
             <a:fld id="{73CC696D-59BC-4688-86DF-12253AE661E2}" type="datetimeFigureOut">
               <a:rPr lang="ko-KR" altLang="en-US" smtClean="0"/>
-              <a:t>2020-03-25</a:t>
+              <a:t>2020-03-26</a:t>
             </a:fld>
             <a:endParaRPr lang="ko-KR" altLang="en-US"/>
           </a:p>
@@ -2570,7 +2576,7 @@
           <a:p>
             <a:fld id="{73CC696D-59BC-4688-86DF-12253AE661E2}" type="datetimeFigureOut">
               <a:rPr lang="ko-KR" altLang="en-US" smtClean="0"/>
-              <a:t>2020-03-25</a:t>
+              <a:t>2020-03-26</a:t>
             </a:fld>
             <a:endParaRPr lang="ko-KR" altLang="en-US"/>
           </a:p>
@@ -3133,6 +3139,1399 @@
 </p:sld>
 </file>
 
+<file path=ppt/slides/slide10.xml><?xml version="1.0" encoding="utf-8"?>
+<p:sld xmlns:a="http://schemas.openxmlformats.org/drawingml/2006/main" xmlns:r="http://schemas.openxmlformats.org/officeDocument/2006/relationships" xmlns:p="http://schemas.openxmlformats.org/presentationml/2006/main">
+  <p:cSld>
+    <p:spTree>
+      <p:nvGrpSpPr>
+        <p:cNvPr id="1" name=""/>
+        <p:cNvGrpSpPr/>
+        <p:nvPr/>
+      </p:nvGrpSpPr>
+      <p:grpSpPr>
+        <a:xfrm>
+          <a:off x="0" y="0"/>
+          <a:ext cx="0" cy="0"/>
+          <a:chOff x="0" y="0"/>
+          <a:chExt cx="0" cy="0"/>
+        </a:xfrm>
+      </p:grpSpPr>
+      <p:sp>
+        <p:nvSpPr>
+          <p:cNvPr id="4" name="직사각형 3"/>
+          <p:cNvSpPr/>
+          <p:nvPr/>
+        </p:nvSpPr>
+        <p:spPr>
+          <a:xfrm>
+            <a:off x="0" y="0"/>
+            <a:ext cx="12192000" cy="6858000"/>
+          </a:xfrm>
+          <a:prstGeom prst="rect">
+            <a:avLst/>
+          </a:prstGeom>
+          <a:solidFill>
+            <a:srgbClr val="00204F"/>
+          </a:solidFill>
+          <a:ln>
+            <a:noFill/>
+          </a:ln>
+        </p:spPr>
+        <p:style>
+          <a:lnRef idx="2">
+            <a:schemeClr val="accent1">
+              <a:shade val="50000"/>
+            </a:schemeClr>
+          </a:lnRef>
+          <a:fillRef idx="1">
+            <a:schemeClr val="accent1"/>
+          </a:fillRef>
+          <a:effectRef idx="0">
+            <a:schemeClr val="accent1"/>
+          </a:effectRef>
+          <a:fontRef idx="minor">
+            <a:schemeClr val="lt1"/>
+          </a:fontRef>
+        </p:style>
+        <p:txBody>
+          <a:bodyPr rtlCol="0" anchor="ctr"/>
+          <a:lstStyle/>
+          <a:p>
+            <a:pPr algn="ctr"/>
+            <a:endParaRPr lang="ko-KR" altLang="en-US" dirty="0"/>
+          </a:p>
+        </p:txBody>
+      </p:sp>
+      <p:sp>
+        <p:nvSpPr>
+          <p:cNvPr id="8" name="TextBox 7"/>
+          <p:cNvSpPr txBox="1"/>
+          <p:nvPr/>
+        </p:nvSpPr>
+        <p:spPr>
+          <a:xfrm>
+            <a:off x="657615" y="388307"/>
+            <a:ext cx="8724379" cy="707886"/>
+          </a:xfrm>
+          <a:prstGeom prst="rect">
+            <a:avLst/>
+          </a:prstGeom>
+          <a:noFill/>
+        </p:spPr>
+        <p:txBody>
+          <a:bodyPr wrap="square" rtlCol="0">
+            <a:spAutoFit/>
+          </a:bodyPr>
+          <a:lstStyle/>
+          <a:p>
+            <a:r>
+              <a:rPr lang="en-US" altLang="ko-KR" sz="4000" b="1" dirty="0" smtClean="0">
+                <a:solidFill>
+                  <a:schemeClr val="bg1"/>
+                </a:solidFill>
+                <a:latin typeface="나눔스퀘어_ac ExtraBold" panose="020B0600000101010101" pitchFamily="50" charset="-127"/>
+                <a:ea typeface="나눔스퀘어_ac ExtraBold" panose="020B0600000101010101" pitchFamily="50" charset="-127"/>
+              </a:rPr>
+              <a:t>3</a:t>
+            </a:r>
+            <a:r>
+              <a:rPr lang="en-US" altLang="ko-KR" sz="4000" b="1" dirty="0" smtClean="0">
+                <a:solidFill>
+                  <a:schemeClr val="bg1"/>
+                </a:solidFill>
+                <a:latin typeface="나눔스퀘어_ac ExtraBold" panose="020B0600000101010101" pitchFamily="50" charset="-127"/>
+                <a:ea typeface="나눔스퀘어_ac ExtraBold" panose="020B0600000101010101" pitchFamily="50" charset="-127"/>
+              </a:rPr>
+              <a:t>. </a:t>
+            </a:r>
+            <a:r>
+              <a:rPr lang="ko-KR" altLang="en-US" sz="4000" b="1" dirty="0" smtClean="0">
+                <a:solidFill>
+                  <a:schemeClr val="bg1"/>
+                </a:solidFill>
+                <a:latin typeface="나눔스퀘어_ac ExtraBold" panose="020B0600000101010101" pitchFamily="50" charset="-127"/>
+                <a:ea typeface="나눔스퀘어_ac ExtraBold" panose="020B0600000101010101" pitchFamily="50" charset="-127"/>
+              </a:rPr>
+              <a:t>공적 마스크 구매 예측 </a:t>
+            </a:r>
+            <a:r>
+              <a:rPr lang="ko-KR" altLang="en-US" sz="4000" b="1" dirty="0" smtClean="0">
+                <a:solidFill>
+                  <a:schemeClr val="bg1"/>
+                </a:solidFill>
+                <a:latin typeface="나눔스퀘어_ac ExtraBold" panose="020B0600000101010101" pitchFamily="50" charset="-127"/>
+                <a:ea typeface="나눔스퀘어_ac ExtraBold" panose="020B0600000101010101" pitchFamily="50" charset="-127"/>
+              </a:rPr>
+              <a:t> </a:t>
+            </a:r>
+            <a:endParaRPr lang="ko-KR" altLang="en-US" sz="4000" dirty="0">
+              <a:solidFill>
+                <a:schemeClr val="bg1"/>
+              </a:solidFill>
+              <a:latin typeface="나눔스퀘어_ac ExtraBold" panose="020B0600000101010101" pitchFamily="50" charset="-127"/>
+              <a:ea typeface="나눔스퀘어_ac ExtraBold" panose="020B0600000101010101" pitchFamily="50" charset="-127"/>
+            </a:endParaRPr>
+          </a:p>
+        </p:txBody>
+      </p:sp>
+      <p:pic>
+        <p:nvPicPr>
+          <p:cNvPr id="5" name="그림 4"/>
+          <p:cNvPicPr>
+            <a:picLocks noChangeAspect="1"/>
+          </p:cNvPicPr>
+          <p:nvPr/>
+        </p:nvPicPr>
+        <p:blipFill>
+          <a:blip r:embed="rId2"/>
+          <a:stretch>
+            <a:fillRect/>
+          </a:stretch>
+        </p:blipFill>
+        <p:spPr>
+          <a:xfrm>
+            <a:off x="1806716" y="1230286"/>
+            <a:ext cx="8578567" cy="5493621"/>
+          </a:xfrm>
+          <a:prstGeom prst="roundRect">
+            <a:avLst>
+              <a:gd name="adj" fmla="val 8594"/>
+            </a:avLst>
+          </a:prstGeom>
+          <a:solidFill>
+            <a:srgbClr val="FFFFFF">
+              <a:shade val="85000"/>
+            </a:srgbClr>
+          </a:solidFill>
+          <a:ln>
+            <a:noFill/>
+          </a:ln>
+          <a:effectLst>
+            <a:reflection blurRad="12700" stA="38000" endPos="28000" dist="5000" dir="5400000" sy="-100000" algn="bl" rotWithShape="0"/>
+          </a:effectLst>
+        </p:spPr>
+      </p:pic>
+    </p:spTree>
+    <p:extLst>
+      <p:ext uri="{BB962C8B-B14F-4D97-AF65-F5344CB8AC3E}">
+        <p14:creationId xmlns:p14="http://schemas.microsoft.com/office/powerpoint/2010/main" val="821765010"/>
+      </p:ext>
+    </p:extLst>
+  </p:cSld>
+  <p:clrMapOvr>
+    <a:masterClrMapping/>
+  </p:clrMapOvr>
+  <p:timing>
+    <p:tnLst>
+      <p:par>
+        <p:cTn id="1" dur="indefinite" restart="never" nodeType="tmRoot"/>
+      </p:par>
+    </p:tnLst>
+  </p:timing>
+</p:sld>
+</file>
+
+<file path=ppt/slides/slide11.xml><?xml version="1.0" encoding="utf-8"?>
+<p:sld xmlns:a="http://schemas.openxmlformats.org/drawingml/2006/main" xmlns:r="http://schemas.openxmlformats.org/officeDocument/2006/relationships" xmlns:p="http://schemas.openxmlformats.org/presentationml/2006/main">
+  <p:cSld>
+    <p:spTree>
+      <p:nvGrpSpPr>
+        <p:cNvPr id="1" name=""/>
+        <p:cNvGrpSpPr/>
+        <p:nvPr/>
+      </p:nvGrpSpPr>
+      <p:grpSpPr>
+        <a:xfrm>
+          <a:off x="0" y="0"/>
+          <a:ext cx="0" cy="0"/>
+          <a:chOff x="0" y="0"/>
+          <a:chExt cx="0" cy="0"/>
+        </a:xfrm>
+      </p:grpSpPr>
+      <p:sp>
+        <p:nvSpPr>
+          <p:cNvPr id="4" name="직사각형 3"/>
+          <p:cNvSpPr/>
+          <p:nvPr/>
+        </p:nvSpPr>
+        <p:spPr>
+          <a:xfrm>
+            <a:off x="0" y="0"/>
+            <a:ext cx="12192000" cy="6858000"/>
+          </a:xfrm>
+          <a:prstGeom prst="rect">
+            <a:avLst/>
+          </a:prstGeom>
+          <a:solidFill>
+            <a:srgbClr val="00204F"/>
+          </a:solidFill>
+          <a:ln>
+            <a:noFill/>
+          </a:ln>
+        </p:spPr>
+        <p:style>
+          <a:lnRef idx="2">
+            <a:schemeClr val="accent1">
+              <a:shade val="50000"/>
+            </a:schemeClr>
+          </a:lnRef>
+          <a:fillRef idx="1">
+            <a:schemeClr val="accent1"/>
+          </a:fillRef>
+          <a:effectRef idx="0">
+            <a:schemeClr val="accent1"/>
+          </a:effectRef>
+          <a:fontRef idx="minor">
+            <a:schemeClr val="lt1"/>
+          </a:fontRef>
+        </p:style>
+        <p:txBody>
+          <a:bodyPr rtlCol="0" anchor="ctr"/>
+          <a:lstStyle/>
+          <a:p>
+            <a:pPr algn="ctr"/>
+            <a:endParaRPr lang="ko-KR" altLang="en-US" dirty="0"/>
+          </a:p>
+        </p:txBody>
+      </p:sp>
+      <p:sp>
+        <p:nvSpPr>
+          <p:cNvPr id="8" name="TextBox 7"/>
+          <p:cNvSpPr txBox="1"/>
+          <p:nvPr/>
+        </p:nvSpPr>
+        <p:spPr>
+          <a:xfrm>
+            <a:off x="657615" y="388307"/>
+            <a:ext cx="8724379" cy="707886"/>
+          </a:xfrm>
+          <a:prstGeom prst="rect">
+            <a:avLst/>
+          </a:prstGeom>
+          <a:noFill/>
+        </p:spPr>
+        <p:txBody>
+          <a:bodyPr wrap="square" rtlCol="0">
+            <a:spAutoFit/>
+          </a:bodyPr>
+          <a:lstStyle/>
+          <a:p>
+            <a:r>
+              <a:rPr lang="en-US" altLang="ko-KR" sz="4000" b="1" dirty="0" smtClean="0">
+                <a:solidFill>
+                  <a:schemeClr val="bg1"/>
+                </a:solidFill>
+                <a:latin typeface="나눔스퀘어_ac ExtraBold" panose="020B0600000101010101" pitchFamily="50" charset="-127"/>
+                <a:ea typeface="나눔스퀘어_ac ExtraBold" panose="020B0600000101010101" pitchFamily="50" charset="-127"/>
+              </a:rPr>
+              <a:t>3</a:t>
+            </a:r>
+            <a:r>
+              <a:rPr lang="en-US" altLang="ko-KR" sz="4000" b="1" dirty="0" smtClean="0">
+                <a:solidFill>
+                  <a:schemeClr val="bg1"/>
+                </a:solidFill>
+                <a:latin typeface="나눔스퀘어_ac ExtraBold" panose="020B0600000101010101" pitchFamily="50" charset="-127"/>
+                <a:ea typeface="나눔스퀘어_ac ExtraBold" panose="020B0600000101010101" pitchFamily="50" charset="-127"/>
+              </a:rPr>
+              <a:t>. </a:t>
+            </a:r>
+            <a:r>
+              <a:rPr lang="ko-KR" altLang="en-US" sz="4000" b="1" dirty="0" smtClean="0">
+                <a:solidFill>
+                  <a:schemeClr val="bg1"/>
+                </a:solidFill>
+                <a:latin typeface="나눔스퀘어_ac ExtraBold" panose="020B0600000101010101" pitchFamily="50" charset="-127"/>
+                <a:ea typeface="나눔스퀘어_ac ExtraBold" panose="020B0600000101010101" pitchFamily="50" charset="-127"/>
+              </a:rPr>
+              <a:t>공적 마스크 구매 예측 </a:t>
+            </a:r>
+            <a:r>
+              <a:rPr lang="ko-KR" altLang="en-US" sz="4000" b="1" dirty="0" smtClean="0">
+                <a:solidFill>
+                  <a:schemeClr val="bg1"/>
+                </a:solidFill>
+                <a:latin typeface="나눔스퀘어_ac ExtraBold" panose="020B0600000101010101" pitchFamily="50" charset="-127"/>
+                <a:ea typeface="나눔스퀘어_ac ExtraBold" panose="020B0600000101010101" pitchFamily="50" charset="-127"/>
+              </a:rPr>
+              <a:t> </a:t>
+            </a:r>
+            <a:endParaRPr lang="ko-KR" altLang="en-US" sz="4000" dirty="0">
+              <a:solidFill>
+                <a:schemeClr val="bg1"/>
+              </a:solidFill>
+              <a:latin typeface="나눔스퀘어_ac ExtraBold" panose="020B0600000101010101" pitchFamily="50" charset="-127"/>
+              <a:ea typeface="나눔스퀘어_ac ExtraBold" panose="020B0600000101010101" pitchFamily="50" charset="-127"/>
+            </a:endParaRPr>
+          </a:p>
+        </p:txBody>
+      </p:sp>
+      <p:cxnSp>
+        <p:nvCxnSpPr>
+          <p:cNvPr id="18" name="직선 연결선 17"/>
+          <p:cNvCxnSpPr/>
+          <p:nvPr/>
+        </p:nvCxnSpPr>
+        <p:spPr>
+          <a:xfrm>
+            <a:off x="2494767" y="3532060"/>
+            <a:ext cx="0" cy="2592000"/>
+          </a:xfrm>
+          <a:prstGeom prst="line">
+            <a:avLst/>
+          </a:prstGeom>
+          <a:ln>
+            <a:solidFill>
+              <a:schemeClr val="bg1"/>
+            </a:solidFill>
+          </a:ln>
+        </p:spPr>
+        <p:style>
+          <a:lnRef idx="1">
+            <a:schemeClr val="accent1"/>
+          </a:lnRef>
+          <a:fillRef idx="0">
+            <a:schemeClr val="accent1"/>
+          </a:fillRef>
+          <a:effectRef idx="0">
+            <a:schemeClr val="accent1"/>
+          </a:effectRef>
+          <a:fontRef idx="minor">
+            <a:schemeClr val="tx1"/>
+          </a:fontRef>
+        </p:style>
+      </p:cxnSp>
+      <p:pic>
+        <p:nvPicPr>
+          <p:cNvPr id="3" name="그림 2"/>
+          <p:cNvPicPr>
+            <a:picLocks noChangeAspect="1"/>
+          </p:cNvPicPr>
+          <p:nvPr/>
+        </p:nvPicPr>
+        <p:blipFill rotWithShape="1">
+          <a:blip r:embed="rId2"/>
+          <a:srcRect l="4415" r="-1"/>
+          <a:stretch/>
+        </p:blipFill>
+        <p:spPr>
+          <a:xfrm>
+            <a:off x="2494767" y="1301516"/>
+            <a:ext cx="7051501" cy="1771650"/>
+          </a:xfrm>
+          <a:prstGeom prst="rect">
+            <a:avLst/>
+          </a:prstGeom>
+        </p:spPr>
+      </p:pic>
+      <p:sp>
+        <p:nvSpPr>
+          <p:cNvPr id="2" name="TextBox 1"/>
+          <p:cNvSpPr txBox="1"/>
+          <p:nvPr/>
+        </p:nvSpPr>
+        <p:spPr>
+          <a:xfrm>
+            <a:off x="2605414" y="3507008"/>
+            <a:ext cx="7628350" cy="2677656"/>
+          </a:xfrm>
+          <a:prstGeom prst="rect">
+            <a:avLst/>
+          </a:prstGeom>
+          <a:noFill/>
+        </p:spPr>
+        <p:txBody>
+          <a:bodyPr wrap="square" rtlCol="0">
+            <a:spAutoFit/>
+          </a:bodyPr>
+          <a:lstStyle/>
+          <a:p>
+            <a:r>
+              <a:rPr lang="ko-KR" altLang="en-US" sz="2400" dirty="0" smtClean="0">
+                <a:solidFill>
+                  <a:schemeClr val="bg1"/>
+                </a:solidFill>
+                <a:latin typeface="나눔스퀘어_ac Bold" panose="020B0600000101010101" pitchFamily="50" charset="-127"/>
+                <a:ea typeface="나눔스퀘어_ac Bold" panose="020B0600000101010101" pitchFamily="50" charset="-127"/>
+              </a:rPr>
+              <a:t>재고량을 확인하고 방문하여도 실제수요</a:t>
+            </a:r>
+            <a:r>
+              <a:rPr lang="en-US" altLang="ko-KR" sz="2400" dirty="0" smtClean="0">
+                <a:solidFill>
+                  <a:schemeClr val="bg1"/>
+                </a:solidFill>
+                <a:latin typeface="나눔스퀘어_ac Bold" panose="020B0600000101010101" pitchFamily="50" charset="-127"/>
+                <a:ea typeface="나눔스퀘어_ac Bold" panose="020B0600000101010101" pitchFamily="50" charset="-127"/>
+              </a:rPr>
+              <a:t>(</a:t>
+            </a:r>
+            <a:r>
+              <a:rPr lang="ko-KR" altLang="en-US" sz="2400" dirty="0" err="1" smtClean="0">
+                <a:solidFill>
+                  <a:schemeClr val="bg1"/>
+                </a:solidFill>
+                <a:latin typeface="나눔스퀘어_ac Bold" panose="020B0600000101010101" pitchFamily="50" charset="-127"/>
+                <a:ea typeface="나눔스퀘어_ac Bold" panose="020B0600000101010101" pitchFamily="50" charset="-127"/>
+              </a:rPr>
+              <a:t>대기열</a:t>
+            </a:r>
+            <a:r>
+              <a:rPr lang="en-US" altLang="ko-KR" sz="2400" dirty="0" smtClean="0">
+                <a:solidFill>
+                  <a:schemeClr val="bg1"/>
+                </a:solidFill>
+                <a:latin typeface="나눔스퀘어_ac Bold" panose="020B0600000101010101" pitchFamily="50" charset="-127"/>
+                <a:ea typeface="나눔스퀘어_ac Bold" panose="020B0600000101010101" pitchFamily="50" charset="-127"/>
+              </a:rPr>
+              <a:t>) </a:t>
+            </a:r>
+            <a:r>
+              <a:rPr lang="ko-KR" altLang="en-US" sz="2400" dirty="0" smtClean="0">
+                <a:solidFill>
+                  <a:schemeClr val="bg1"/>
+                </a:solidFill>
+                <a:latin typeface="나눔스퀘어_ac Bold" panose="020B0600000101010101" pitchFamily="50" charset="-127"/>
+                <a:ea typeface="나눔스퀘어_ac Bold" panose="020B0600000101010101" pitchFamily="50" charset="-127"/>
+              </a:rPr>
+              <a:t>파악 불가 </a:t>
+            </a:r>
+            <a:endParaRPr lang="en-US" altLang="ko-KR" sz="2400" dirty="0" smtClean="0">
+              <a:solidFill>
+                <a:schemeClr val="bg1"/>
+              </a:solidFill>
+              <a:latin typeface="나눔스퀘어_ac Bold" panose="020B0600000101010101" pitchFamily="50" charset="-127"/>
+              <a:ea typeface="나눔스퀘어_ac Bold" panose="020B0600000101010101" pitchFamily="50" charset="-127"/>
+            </a:endParaRPr>
+          </a:p>
+          <a:p>
+            <a:endParaRPr lang="en-US" altLang="ko-KR" sz="2400" dirty="0" smtClean="0">
+              <a:solidFill>
+                <a:schemeClr val="bg1"/>
+              </a:solidFill>
+              <a:latin typeface="나눔스퀘어_ac Bold" panose="020B0600000101010101" pitchFamily="50" charset="-127"/>
+              <a:ea typeface="나눔스퀘어_ac Bold" panose="020B0600000101010101" pitchFamily="50" charset="-127"/>
+            </a:endParaRPr>
+          </a:p>
+          <a:p>
+            <a:r>
+              <a:rPr lang="ko-KR" altLang="en-US" sz="2400" dirty="0" err="1" smtClean="0">
+                <a:solidFill>
+                  <a:schemeClr val="bg1"/>
+                </a:solidFill>
+                <a:latin typeface="나눔스퀘어_ac Bold" panose="020B0600000101010101" pitchFamily="50" charset="-127"/>
+                <a:ea typeface="나눔스퀘어_ac Bold" panose="020B0600000101010101" pitchFamily="50" charset="-127"/>
+              </a:rPr>
+              <a:t>약국별</a:t>
+            </a:r>
+            <a:r>
+              <a:rPr lang="ko-KR" altLang="en-US" sz="2400" dirty="0" smtClean="0">
+                <a:solidFill>
+                  <a:schemeClr val="bg1"/>
+                </a:solidFill>
+                <a:latin typeface="나눔스퀘어_ac Bold" panose="020B0600000101010101" pitchFamily="50" charset="-127"/>
+                <a:ea typeface="나눔스퀘어_ac Bold" panose="020B0600000101010101" pitchFamily="50" charset="-127"/>
+              </a:rPr>
+              <a:t> </a:t>
+            </a:r>
+            <a:r>
+              <a:rPr lang="ko-KR" altLang="en-US" sz="2400" dirty="0" err="1" smtClean="0">
+                <a:solidFill>
+                  <a:schemeClr val="bg1"/>
+                </a:solidFill>
+                <a:latin typeface="나눔스퀘어_ac Bold" panose="020B0600000101010101" pitchFamily="50" charset="-127"/>
+                <a:ea typeface="나눔스퀘어_ac Bold" panose="020B0600000101010101" pitchFamily="50" charset="-127"/>
+              </a:rPr>
+              <a:t>입고량</a:t>
+            </a:r>
+            <a:r>
+              <a:rPr lang="en-US" altLang="ko-KR" sz="2400" dirty="0" smtClean="0">
+                <a:solidFill>
+                  <a:schemeClr val="bg1"/>
+                </a:solidFill>
+                <a:latin typeface="나눔스퀘어_ac Bold" panose="020B0600000101010101" pitchFamily="50" charset="-127"/>
+                <a:ea typeface="나눔스퀘어_ac Bold" panose="020B0600000101010101" pitchFamily="50" charset="-127"/>
+              </a:rPr>
+              <a:t>, </a:t>
+            </a:r>
+            <a:r>
+              <a:rPr lang="ko-KR" altLang="en-US" sz="2400" dirty="0" smtClean="0">
+                <a:solidFill>
+                  <a:schemeClr val="bg1"/>
+                </a:solidFill>
+                <a:latin typeface="나눔스퀘어_ac Bold" panose="020B0600000101010101" pitchFamily="50" charset="-127"/>
+                <a:ea typeface="나눔스퀘어_ac Bold" panose="020B0600000101010101" pitchFamily="50" charset="-127"/>
+              </a:rPr>
+              <a:t>입고시점</a:t>
+            </a:r>
+            <a:r>
+              <a:rPr lang="en-US" altLang="ko-KR" sz="2400" dirty="0" smtClean="0">
+                <a:solidFill>
+                  <a:schemeClr val="bg1"/>
+                </a:solidFill>
+                <a:latin typeface="나눔스퀘어_ac Bold" panose="020B0600000101010101" pitchFamily="50" charset="-127"/>
+                <a:ea typeface="나눔스퀘어_ac Bold" panose="020B0600000101010101" pitchFamily="50" charset="-127"/>
+              </a:rPr>
+              <a:t>, </a:t>
+            </a:r>
+            <a:r>
+              <a:rPr lang="ko-KR" altLang="en-US" sz="2400" dirty="0" smtClean="0">
+                <a:solidFill>
+                  <a:schemeClr val="bg1"/>
+                </a:solidFill>
+                <a:latin typeface="나눔스퀘어_ac Bold" panose="020B0600000101010101" pitchFamily="50" charset="-127"/>
+                <a:ea typeface="나눔스퀘어_ac Bold" panose="020B0600000101010101" pitchFamily="50" charset="-127"/>
+              </a:rPr>
+              <a:t>판매시작시점 상이 </a:t>
+            </a:r>
+            <a:endParaRPr lang="en-US" altLang="ko-KR" sz="2400" dirty="0" smtClean="0">
+              <a:solidFill>
+                <a:schemeClr val="bg1"/>
+              </a:solidFill>
+              <a:latin typeface="나눔스퀘어_ac Bold" panose="020B0600000101010101" pitchFamily="50" charset="-127"/>
+              <a:ea typeface="나눔스퀘어_ac Bold" panose="020B0600000101010101" pitchFamily="50" charset="-127"/>
+            </a:endParaRPr>
+          </a:p>
+          <a:p>
+            <a:endParaRPr lang="en-US" altLang="ko-KR" sz="2400" dirty="0" smtClean="0">
+              <a:solidFill>
+                <a:schemeClr val="bg1"/>
+              </a:solidFill>
+              <a:latin typeface="나눔스퀘어_ac Bold" panose="020B0600000101010101" pitchFamily="50" charset="-127"/>
+              <a:ea typeface="나눔스퀘어_ac Bold" panose="020B0600000101010101" pitchFamily="50" charset="-127"/>
+            </a:endParaRPr>
+          </a:p>
+          <a:p>
+            <a:r>
+              <a:rPr lang="ko-KR" altLang="en-US" sz="2400" dirty="0" smtClean="0">
+                <a:solidFill>
+                  <a:schemeClr val="bg1"/>
+                </a:solidFill>
+                <a:latin typeface="나눔스퀘어_ac Bold" panose="020B0600000101010101" pitchFamily="50" charset="-127"/>
+                <a:ea typeface="나눔스퀘어_ac Bold" panose="020B0600000101010101" pitchFamily="50" charset="-127"/>
+              </a:rPr>
+              <a:t>마스크 </a:t>
+            </a:r>
+            <a:r>
+              <a:rPr lang="en-US" altLang="ko-KR" sz="2400" dirty="0" smtClean="0">
+                <a:solidFill>
+                  <a:schemeClr val="bg1"/>
+                </a:solidFill>
+                <a:latin typeface="나눔스퀘어_ac Bold" panose="020B0600000101010101" pitchFamily="50" charset="-127"/>
+                <a:ea typeface="나눔스퀘어_ac Bold" panose="020B0600000101010101" pitchFamily="50" charset="-127"/>
+              </a:rPr>
+              <a:t>5</a:t>
+            </a:r>
+            <a:r>
+              <a:rPr lang="ko-KR" altLang="en-US" sz="2400" dirty="0" smtClean="0">
+                <a:solidFill>
+                  <a:schemeClr val="bg1"/>
+                </a:solidFill>
+                <a:latin typeface="나눔스퀘어_ac Bold" panose="020B0600000101010101" pitchFamily="50" charset="-127"/>
+                <a:ea typeface="나눔스퀘어_ac Bold" panose="020B0600000101010101" pitchFamily="50" charset="-127"/>
+              </a:rPr>
+              <a:t>부제에 따른 대상 및 </a:t>
+            </a:r>
+            <a:r>
+              <a:rPr lang="ko-KR" altLang="en-US" sz="2400" dirty="0" err="1" smtClean="0">
+                <a:solidFill>
+                  <a:schemeClr val="bg1"/>
+                </a:solidFill>
+                <a:latin typeface="나눔스퀘어_ac Bold" panose="020B0600000101010101" pitchFamily="50" charset="-127"/>
+                <a:ea typeface="나눔스퀘어_ac Bold" panose="020B0600000101010101" pitchFamily="50" charset="-127"/>
+              </a:rPr>
+              <a:t>요일별</a:t>
+            </a:r>
+            <a:r>
+              <a:rPr lang="ko-KR" altLang="en-US" sz="2400" dirty="0" smtClean="0">
+                <a:solidFill>
+                  <a:schemeClr val="bg1"/>
+                </a:solidFill>
+                <a:latin typeface="나눔스퀘어_ac Bold" panose="020B0600000101010101" pitchFamily="50" charset="-127"/>
+                <a:ea typeface="나눔스퀘어_ac Bold" panose="020B0600000101010101" pitchFamily="50" charset="-127"/>
+              </a:rPr>
+              <a:t> 수요 편차 발생 </a:t>
+            </a:r>
+            <a:endParaRPr lang="en-US" altLang="ko-KR" sz="2400" dirty="0">
+              <a:solidFill>
+                <a:schemeClr val="bg1"/>
+              </a:solidFill>
+              <a:latin typeface="나눔스퀘어_ac Bold" panose="020B0600000101010101" pitchFamily="50" charset="-127"/>
+              <a:ea typeface="나눔스퀘어_ac Bold" panose="020B0600000101010101" pitchFamily="50" charset="-127"/>
+            </a:endParaRPr>
+          </a:p>
+          <a:p>
+            <a:endParaRPr lang="en-US" altLang="ko-KR" sz="2400" dirty="0" smtClean="0">
+              <a:solidFill>
+                <a:schemeClr val="bg1"/>
+              </a:solidFill>
+              <a:latin typeface="나눔스퀘어_ac Bold" panose="020B0600000101010101" pitchFamily="50" charset="-127"/>
+              <a:ea typeface="나눔스퀘어_ac Bold" panose="020B0600000101010101" pitchFamily="50" charset="-127"/>
+            </a:endParaRPr>
+          </a:p>
+          <a:p>
+            <a:r>
+              <a:rPr lang="ko-KR" altLang="en-US" sz="2400" dirty="0" smtClean="0">
+                <a:solidFill>
+                  <a:schemeClr val="bg1"/>
+                </a:solidFill>
+                <a:latin typeface="나눔스퀘어_ac Bold" panose="020B0600000101010101" pitchFamily="50" charset="-127"/>
+                <a:ea typeface="나눔스퀘어_ac Bold" panose="020B0600000101010101" pitchFamily="50" charset="-127"/>
+              </a:rPr>
+              <a:t>수요 혼란에 따른 수급 형평성 문제 가중화 </a:t>
+            </a:r>
+            <a:r>
+              <a:rPr lang="en-US" altLang="ko-KR" sz="2400" dirty="0" smtClean="0">
+                <a:solidFill>
+                  <a:schemeClr val="bg1"/>
+                </a:solidFill>
+                <a:latin typeface="나눔스퀘어_ac Bold" panose="020B0600000101010101" pitchFamily="50" charset="-127"/>
+                <a:ea typeface="나눔스퀘어_ac Bold" panose="020B0600000101010101" pitchFamily="50" charset="-127"/>
+              </a:rPr>
+              <a:t> </a:t>
+            </a:r>
+            <a:endParaRPr lang="ko-KR" altLang="en-US" sz="2400" dirty="0">
+              <a:solidFill>
+                <a:schemeClr val="bg1"/>
+              </a:solidFill>
+              <a:latin typeface="나눔스퀘어_ac Bold" panose="020B0600000101010101" pitchFamily="50" charset="-127"/>
+              <a:ea typeface="나눔스퀘어_ac Bold" panose="020B0600000101010101" pitchFamily="50" charset="-127"/>
+            </a:endParaRPr>
+          </a:p>
+        </p:txBody>
+      </p:sp>
+    </p:spTree>
+    <p:extLst>
+      <p:ext uri="{BB962C8B-B14F-4D97-AF65-F5344CB8AC3E}">
+        <p14:creationId xmlns:p14="http://schemas.microsoft.com/office/powerpoint/2010/main" val="3678807857"/>
+      </p:ext>
+    </p:extLst>
+  </p:cSld>
+  <p:clrMapOvr>
+    <a:masterClrMapping/>
+  </p:clrMapOvr>
+  <p:timing>
+    <p:tnLst>
+      <p:par>
+        <p:cTn id="1" dur="indefinite" restart="never" nodeType="tmRoot"/>
+      </p:par>
+    </p:tnLst>
+  </p:timing>
+</p:sld>
+</file>
+
+<file path=ppt/slides/slide12.xml><?xml version="1.0" encoding="utf-8"?>
+<p:sld xmlns:a="http://schemas.openxmlformats.org/drawingml/2006/main" xmlns:r="http://schemas.openxmlformats.org/officeDocument/2006/relationships" xmlns:p="http://schemas.openxmlformats.org/presentationml/2006/main">
+  <p:cSld>
+    <p:spTree>
+      <p:nvGrpSpPr>
+        <p:cNvPr id="1" name=""/>
+        <p:cNvGrpSpPr/>
+        <p:nvPr/>
+      </p:nvGrpSpPr>
+      <p:grpSpPr>
+        <a:xfrm>
+          <a:off x="0" y="0"/>
+          <a:ext cx="0" cy="0"/>
+          <a:chOff x="0" y="0"/>
+          <a:chExt cx="0" cy="0"/>
+        </a:xfrm>
+      </p:grpSpPr>
+      <p:sp>
+        <p:nvSpPr>
+          <p:cNvPr id="4" name="직사각형 3"/>
+          <p:cNvSpPr/>
+          <p:nvPr/>
+        </p:nvSpPr>
+        <p:spPr>
+          <a:xfrm>
+            <a:off x="0" y="0"/>
+            <a:ext cx="12192000" cy="6858000"/>
+          </a:xfrm>
+          <a:prstGeom prst="rect">
+            <a:avLst/>
+          </a:prstGeom>
+          <a:solidFill>
+            <a:srgbClr val="00204F"/>
+          </a:solidFill>
+          <a:ln>
+            <a:noFill/>
+          </a:ln>
+        </p:spPr>
+        <p:style>
+          <a:lnRef idx="2">
+            <a:schemeClr val="accent1">
+              <a:shade val="50000"/>
+            </a:schemeClr>
+          </a:lnRef>
+          <a:fillRef idx="1">
+            <a:schemeClr val="accent1"/>
+          </a:fillRef>
+          <a:effectRef idx="0">
+            <a:schemeClr val="accent1"/>
+          </a:effectRef>
+          <a:fontRef idx="minor">
+            <a:schemeClr val="lt1"/>
+          </a:fontRef>
+        </p:style>
+        <p:txBody>
+          <a:bodyPr rtlCol="0" anchor="ctr"/>
+          <a:lstStyle/>
+          <a:p>
+            <a:pPr algn="ctr"/>
+            <a:endParaRPr lang="ko-KR" altLang="en-US" dirty="0"/>
+          </a:p>
+        </p:txBody>
+      </p:sp>
+      <p:sp>
+        <p:nvSpPr>
+          <p:cNvPr id="8" name="TextBox 7"/>
+          <p:cNvSpPr txBox="1"/>
+          <p:nvPr/>
+        </p:nvSpPr>
+        <p:spPr>
+          <a:xfrm>
+            <a:off x="657615" y="388307"/>
+            <a:ext cx="8724379" cy="707886"/>
+          </a:xfrm>
+          <a:prstGeom prst="rect">
+            <a:avLst/>
+          </a:prstGeom>
+          <a:noFill/>
+        </p:spPr>
+        <p:txBody>
+          <a:bodyPr wrap="square" rtlCol="0">
+            <a:spAutoFit/>
+          </a:bodyPr>
+          <a:lstStyle/>
+          <a:p>
+            <a:r>
+              <a:rPr lang="en-US" altLang="ko-KR" sz="4000" b="1" dirty="0" smtClean="0">
+                <a:solidFill>
+                  <a:schemeClr val="bg1"/>
+                </a:solidFill>
+                <a:latin typeface="나눔스퀘어_ac ExtraBold" panose="020B0600000101010101" pitchFamily="50" charset="-127"/>
+                <a:ea typeface="나눔스퀘어_ac ExtraBold" panose="020B0600000101010101" pitchFamily="50" charset="-127"/>
+              </a:rPr>
+              <a:t>3</a:t>
+            </a:r>
+            <a:r>
+              <a:rPr lang="en-US" altLang="ko-KR" sz="4000" b="1" dirty="0" smtClean="0">
+                <a:solidFill>
+                  <a:schemeClr val="bg1"/>
+                </a:solidFill>
+                <a:latin typeface="나눔스퀘어_ac ExtraBold" panose="020B0600000101010101" pitchFamily="50" charset="-127"/>
+                <a:ea typeface="나눔스퀘어_ac ExtraBold" panose="020B0600000101010101" pitchFamily="50" charset="-127"/>
+              </a:rPr>
+              <a:t>. </a:t>
+            </a:r>
+            <a:r>
+              <a:rPr lang="ko-KR" altLang="en-US" sz="4000" b="1" dirty="0" smtClean="0">
+                <a:solidFill>
+                  <a:schemeClr val="bg1"/>
+                </a:solidFill>
+                <a:latin typeface="나눔스퀘어_ac ExtraBold" panose="020B0600000101010101" pitchFamily="50" charset="-127"/>
+                <a:ea typeface="나눔스퀘어_ac ExtraBold" panose="020B0600000101010101" pitchFamily="50" charset="-127"/>
+              </a:rPr>
+              <a:t>공적 마스크 구매 예측 </a:t>
+            </a:r>
+            <a:r>
+              <a:rPr lang="ko-KR" altLang="en-US" sz="4000" b="1" dirty="0" smtClean="0">
+                <a:solidFill>
+                  <a:schemeClr val="bg1"/>
+                </a:solidFill>
+                <a:latin typeface="나눔스퀘어_ac ExtraBold" panose="020B0600000101010101" pitchFamily="50" charset="-127"/>
+                <a:ea typeface="나눔스퀘어_ac ExtraBold" panose="020B0600000101010101" pitchFamily="50" charset="-127"/>
+              </a:rPr>
+              <a:t> </a:t>
+            </a:r>
+            <a:endParaRPr lang="ko-KR" altLang="en-US" sz="4000" dirty="0">
+              <a:solidFill>
+                <a:schemeClr val="bg1"/>
+              </a:solidFill>
+              <a:latin typeface="나눔스퀘어_ac ExtraBold" panose="020B0600000101010101" pitchFamily="50" charset="-127"/>
+              <a:ea typeface="나눔스퀘어_ac ExtraBold" panose="020B0600000101010101" pitchFamily="50" charset="-127"/>
+            </a:endParaRPr>
+          </a:p>
+        </p:txBody>
+      </p:sp>
+      <p:sp>
+        <p:nvSpPr>
+          <p:cNvPr id="7" name="TextBox 6"/>
+          <p:cNvSpPr txBox="1"/>
+          <p:nvPr/>
+        </p:nvSpPr>
+        <p:spPr>
+          <a:xfrm>
+            <a:off x="1778696" y="1503455"/>
+            <a:ext cx="9244208" cy="4431983"/>
+          </a:xfrm>
+          <a:prstGeom prst="rect">
+            <a:avLst/>
+          </a:prstGeom>
+          <a:noFill/>
+        </p:spPr>
+        <p:txBody>
+          <a:bodyPr wrap="square" rtlCol="0">
+            <a:spAutoFit/>
+          </a:bodyPr>
+          <a:lstStyle/>
+          <a:p>
+            <a:r>
+              <a:rPr lang="en-US" altLang="ko-KR" sz="2400" b="1" dirty="0">
+                <a:solidFill>
+                  <a:schemeClr val="bg1"/>
+                </a:solidFill>
+                <a:latin typeface="나눔스퀘어_ac Bold" panose="020B0600000101010101" pitchFamily="50" charset="-127"/>
+                <a:ea typeface="나눔스퀘어_ac Bold" panose="020B0600000101010101" pitchFamily="50" charset="-127"/>
+              </a:rPr>
+              <a:t>&lt;</a:t>
+            </a:r>
+            <a:r>
+              <a:rPr lang="ko-KR" altLang="en-US" sz="2400" b="1" dirty="0">
+                <a:solidFill>
+                  <a:schemeClr val="bg1"/>
+                </a:solidFill>
+                <a:latin typeface="나눔스퀘어_ac Bold" panose="020B0600000101010101" pitchFamily="50" charset="-127"/>
+                <a:ea typeface="나눔스퀘어_ac Bold" panose="020B0600000101010101" pitchFamily="50" charset="-127"/>
+              </a:rPr>
+              <a:t>참고사이트</a:t>
+            </a:r>
+            <a:r>
+              <a:rPr lang="en-US" altLang="ko-KR" sz="2400" b="1" dirty="0" smtClean="0">
+                <a:solidFill>
+                  <a:schemeClr val="bg1"/>
+                </a:solidFill>
+                <a:latin typeface="나눔스퀘어_ac Bold" panose="020B0600000101010101" pitchFamily="50" charset="-127"/>
+                <a:ea typeface="나눔스퀘어_ac Bold" panose="020B0600000101010101" pitchFamily="50" charset="-127"/>
+              </a:rPr>
+              <a:t>&gt;</a:t>
+            </a:r>
+          </a:p>
+          <a:p>
+            <a:endParaRPr lang="en-US" altLang="ko-KR" sz="2400" b="1" dirty="0">
+              <a:solidFill>
+                <a:schemeClr val="bg1"/>
+              </a:solidFill>
+              <a:latin typeface="나눔스퀘어_ac Bold" panose="020B0600000101010101" pitchFamily="50" charset="-127"/>
+              <a:ea typeface="나눔스퀘어_ac Bold" panose="020B0600000101010101" pitchFamily="50" charset="-127"/>
+            </a:endParaRPr>
+          </a:p>
+          <a:p>
+            <a:r>
+              <a:rPr lang="ko-KR" altLang="en-US" sz="2400" b="1" dirty="0" smtClean="0">
+                <a:solidFill>
+                  <a:schemeClr val="bg1"/>
+                </a:solidFill>
+                <a:latin typeface="나눔스퀘어_ac Bold" panose="020B0600000101010101" pitchFamily="50" charset="-127"/>
+                <a:ea typeface="나눔스퀘어_ac Bold" panose="020B0600000101010101" pitchFamily="50" charset="-127"/>
+              </a:rPr>
+              <a:t>공공데이터 포탈</a:t>
+            </a:r>
+            <a:endParaRPr lang="en-US" altLang="ko-KR" sz="2400" b="1" dirty="0" smtClean="0">
+              <a:solidFill>
+                <a:schemeClr val="bg1"/>
+              </a:solidFill>
+              <a:latin typeface="나눔스퀘어_ac Bold" panose="020B0600000101010101" pitchFamily="50" charset="-127"/>
+              <a:ea typeface="나눔스퀘어_ac Bold" panose="020B0600000101010101" pitchFamily="50" charset="-127"/>
+            </a:endParaRPr>
+          </a:p>
+          <a:p>
+            <a:r>
+              <a:rPr lang="ko-KR" altLang="ko-KR" sz="2400" b="1" dirty="0" smtClean="0">
+                <a:solidFill>
+                  <a:schemeClr val="bg1"/>
+                </a:solidFill>
+                <a:latin typeface="나눔스퀘어_ac Bold" panose="020B0600000101010101" pitchFamily="50" charset="-127"/>
+                <a:ea typeface="나눔스퀘어_ac Bold" panose="020B0600000101010101" pitchFamily="50" charset="-127"/>
+              </a:rPr>
+              <a:t> </a:t>
+            </a:r>
+            <a:r>
+              <a:rPr lang="en-US" altLang="ko-KR" sz="2400" b="1" dirty="0" smtClean="0">
+                <a:solidFill>
+                  <a:schemeClr val="bg1"/>
+                </a:solidFill>
+                <a:latin typeface="나눔스퀘어_ac Bold" panose="020B0600000101010101" pitchFamily="50" charset="-127"/>
+                <a:ea typeface="나눔스퀘어_ac Bold" panose="020B0600000101010101" pitchFamily="50" charset="-127"/>
+              </a:rPr>
+              <a:t>– </a:t>
+            </a:r>
+            <a:r>
+              <a:rPr lang="ko-KR" altLang="en-US" sz="2400" b="1" dirty="0" smtClean="0">
+                <a:solidFill>
+                  <a:schemeClr val="bg1"/>
+                </a:solidFill>
+                <a:latin typeface="나눔스퀘어_ac Bold" panose="020B0600000101010101" pitchFamily="50" charset="-127"/>
+                <a:ea typeface="나눔스퀘어_ac Bold" panose="020B0600000101010101" pitchFamily="50" charset="-127"/>
+              </a:rPr>
+              <a:t>이슈데이터현황 </a:t>
+            </a:r>
+            <a:r>
+              <a:rPr lang="ko-KR" altLang="ko-KR" sz="2400" b="1" dirty="0" smtClean="0">
+                <a:solidFill>
+                  <a:schemeClr val="bg1"/>
+                </a:solidFill>
+                <a:latin typeface="나눔스퀘어_ac Bold" panose="020B0600000101010101" pitchFamily="50" charset="-127"/>
+                <a:ea typeface="나눔스퀘어_ac Bold" panose="020B0600000101010101" pitchFamily="50" charset="-127"/>
+              </a:rPr>
+              <a:t> </a:t>
+            </a:r>
+            <a:r>
+              <a:rPr lang="en-US" altLang="ko-KR" sz="2400" b="1" dirty="0" smtClean="0">
+                <a:solidFill>
+                  <a:schemeClr val="bg1"/>
+                </a:solidFill>
+                <a:latin typeface="나눔스퀘어_ac Bold" panose="020B0600000101010101" pitchFamily="50" charset="-127"/>
+                <a:ea typeface="나눔스퀘어_ac Bold" panose="020B0600000101010101" pitchFamily="50" charset="-127"/>
+              </a:rPr>
+              <a:t>/ </a:t>
+            </a:r>
+            <a:r>
+              <a:rPr lang="ko-KR" altLang="en-US" sz="2400" b="1" dirty="0">
+                <a:solidFill>
+                  <a:schemeClr val="bg1"/>
+                </a:solidFill>
+                <a:latin typeface="나눔스퀘어_ac Bold" panose="020B0600000101010101" pitchFamily="50" charset="-127"/>
+                <a:ea typeface="나눔스퀘어_ac Bold" panose="020B0600000101010101" pitchFamily="50" charset="-127"/>
+              </a:rPr>
+              <a:t>건강보험심사평가원</a:t>
+            </a:r>
+            <a:r>
+              <a:rPr lang="en-US" altLang="ko-KR" sz="2400" b="1" dirty="0">
+                <a:solidFill>
+                  <a:schemeClr val="bg1"/>
+                </a:solidFill>
+                <a:latin typeface="나눔스퀘어_ac Bold" panose="020B0600000101010101" pitchFamily="50" charset="-127"/>
+                <a:ea typeface="나눔스퀘어_ac Bold" panose="020B0600000101010101" pitchFamily="50" charset="-127"/>
+              </a:rPr>
+              <a:t>_</a:t>
+            </a:r>
+            <a:r>
+              <a:rPr lang="ko-KR" altLang="en-US" sz="2400" b="1" dirty="0">
+                <a:solidFill>
+                  <a:schemeClr val="bg1"/>
+                </a:solidFill>
+                <a:latin typeface="나눔스퀘어_ac Bold" panose="020B0600000101010101" pitchFamily="50" charset="-127"/>
+                <a:ea typeface="나눔스퀘어_ac Bold" panose="020B0600000101010101" pitchFamily="50" charset="-127"/>
+              </a:rPr>
+              <a:t>공적 마스크 판매 정보</a:t>
+            </a:r>
+            <a:endParaRPr lang="en-US" altLang="ko-KR" sz="2400" b="1" dirty="0" smtClean="0">
+              <a:solidFill>
+                <a:schemeClr val="bg1"/>
+              </a:solidFill>
+              <a:latin typeface="나눔스퀘어_ac Bold" panose="020B0600000101010101" pitchFamily="50" charset="-127"/>
+              <a:ea typeface="나눔스퀘어_ac Bold" panose="020B0600000101010101" pitchFamily="50" charset="-127"/>
+            </a:endParaRPr>
+          </a:p>
+          <a:p>
+            <a:endParaRPr lang="en-US" altLang="ko-KR" sz="2400" b="1" dirty="0">
+              <a:solidFill>
+                <a:schemeClr val="bg1"/>
+              </a:solidFill>
+              <a:latin typeface="나눔스퀘어_ac Bold" panose="020B0600000101010101" pitchFamily="50" charset="-127"/>
+              <a:ea typeface="나눔스퀘어_ac Bold" panose="020B0600000101010101" pitchFamily="50" charset="-127"/>
+            </a:endParaRPr>
+          </a:p>
+          <a:p>
+            <a:r>
+              <a:rPr lang="en-US" altLang="ko-KR" sz="2400" b="1" dirty="0" smtClean="0">
+                <a:solidFill>
+                  <a:schemeClr val="bg1"/>
+                </a:solidFill>
+                <a:latin typeface="나눔스퀘어_ac Bold" panose="020B0600000101010101" pitchFamily="50" charset="-127"/>
+                <a:ea typeface="나눔스퀘어_ac Bold" panose="020B0600000101010101" pitchFamily="50" charset="-127"/>
+              </a:rPr>
+              <a:t>SMARTBEAR	_</a:t>
+            </a:r>
+            <a:r>
+              <a:rPr lang="en-US" altLang="ko-KR" sz="2400" b="1" dirty="0" err="1" smtClean="0">
+                <a:solidFill>
+                  <a:schemeClr val="bg1"/>
+                </a:solidFill>
+                <a:latin typeface="나눔스퀘어_ac Bold" panose="020B0600000101010101" pitchFamily="50" charset="-127"/>
+                <a:ea typeface="나눔스퀘어_ac Bold" panose="020B0600000101010101" pitchFamily="50" charset="-127"/>
+              </a:rPr>
+              <a:t>Swaggerhub</a:t>
+            </a:r>
+            <a:endParaRPr lang="en-US" altLang="ko-KR" sz="2400" b="1" dirty="0" smtClean="0">
+              <a:solidFill>
+                <a:schemeClr val="bg1"/>
+              </a:solidFill>
+              <a:latin typeface="나눔스퀘어_ac Bold" panose="020B0600000101010101" pitchFamily="50" charset="-127"/>
+              <a:ea typeface="나눔스퀘어_ac Bold" panose="020B0600000101010101" pitchFamily="50" charset="-127"/>
+            </a:endParaRPr>
+          </a:p>
+          <a:p>
+            <a:r>
+              <a:rPr lang="en-US" altLang="ko-KR" sz="2400" b="1" dirty="0" smtClean="0">
+                <a:solidFill>
+                  <a:schemeClr val="bg1"/>
+                </a:solidFill>
+                <a:latin typeface="나눔스퀘어_ac Bold" panose="020B0600000101010101" pitchFamily="50" charset="-127"/>
+                <a:ea typeface="나눔스퀘어_ac Bold" panose="020B0600000101010101" pitchFamily="50" charset="-127"/>
+              </a:rPr>
+              <a:t>– </a:t>
+            </a:r>
+            <a:r>
+              <a:rPr lang="ko-KR" altLang="en-US" sz="2400" b="1" dirty="0" err="1" smtClean="0">
+                <a:solidFill>
+                  <a:schemeClr val="bg1"/>
+                </a:solidFill>
+                <a:latin typeface="나눔스퀘어_ac Bold" panose="020B0600000101010101" pitchFamily="50" charset="-127"/>
+                <a:ea typeface="나눔스퀘어_ac Bold" panose="020B0600000101010101" pitchFamily="50" charset="-127"/>
+              </a:rPr>
+              <a:t>공적마스크</a:t>
+            </a:r>
+            <a:r>
+              <a:rPr lang="ko-KR" altLang="en-US" sz="2400" b="1" dirty="0" smtClean="0">
+                <a:solidFill>
+                  <a:schemeClr val="bg1"/>
+                </a:solidFill>
+                <a:latin typeface="나눔스퀘어_ac Bold" panose="020B0600000101010101" pitchFamily="50" charset="-127"/>
+                <a:ea typeface="나눔스퀘어_ac Bold" panose="020B0600000101010101" pitchFamily="50" charset="-127"/>
+              </a:rPr>
+              <a:t> 판매 현황 조회 </a:t>
+            </a:r>
+            <a:r>
+              <a:rPr lang="en-US" altLang="ko-KR" sz="2400" b="1" dirty="0" smtClean="0">
+                <a:solidFill>
+                  <a:schemeClr val="bg1"/>
+                </a:solidFill>
+                <a:latin typeface="나눔스퀘어_ac Bold" panose="020B0600000101010101" pitchFamily="50" charset="-127"/>
+                <a:ea typeface="나눔스퀘어_ac Bold" panose="020B0600000101010101" pitchFamily="50" charset="-127"/>
+              </a:rPr>
+              <a:t>API </a:t>
+            </a:r>
+            <a:endParaRPr lang="ko-KR" altLang="ko-KR" sz="2400" b="1" dirty="0">
+              <a:solidFill>
+                <a:schemeClr val="bg1"/>
+              </a:solidFill>
+              <a:latin typeface="나눔스퀘어_ac Bold" panose="020B0600000101010101" pitchFamily="50" charset="-127"/>
+              <a:ea typeface="나눔스퀘어_ac Bold" panose="020B0600000101010101" pitchFamily="50" charset="-127"/>
+            </a:endParaRPr>
+          </a:p>
+          <a:p>
+            <a:endParaRPr lang="en-US" altLang="ko-KR" sz="2400" b="1" dirty="0" smtClean="0">
+              <a:solidFill>
+                <a:schemeClr val="bg1"/>
+              </a:solidFill>
+              <a:latin typeface="나눔스퀘어_ac Bold" panose="020B0600000101010101" pitchFamily="50" charset="-127"/>
+              <a:ea typeface="나눔스퀘어_ac Bold" panose="020B0600000101010101" pitchFamily="50" charset="-127"/>
+            </a:endParaRPr>
+          </a:p>
+          <a:p>
+            <a:r>
+              <a:rPr lang="ko-KR" altLang="en-US" sz="2400" b="1" dirty="0" err="1" smtClean="0">
+                <a:solidFill>
+                  <a:schemeClr val="bg1"/>
+                </a:solidFill>
+                <a:latin typeface="나눔스퀘어_ac Bold" panose="020B0600000101010101" pitchFamily="50" charset="-127"/>
+                <a:ea typeface="나눔스퀘어_ac Bold" panose="020B0600000101010101" pitchFamily="50" charset="-127"/>
+              </a:rPr>
+              <a:t>구글</a:t>
+            </a:r>
+            <a:r>
+              <a:rPr lang="ko-KR" altLang="en-US" sz="2400" b="1" dirty="0" smtClean="0">
+                <a:solidFill>
+                  <a:schemeClr val="bg1"/>
+                </a:solidFill>
+                <a:latin typeface="나눔스퀘어_ac Bold" panose="020B0600000101010101" pitchFamily="50" charset="-127"/>
+                <a:ea typeface="나눔스퀘어_ac Bold" panose="020B0600000101010101" pitchFamily="50" charset="-127"/>
+              </a:rPr>
+              <a:t> 플레이스토어 </a:t>
+            </a:r>
+            <a:r>
+              <a:rPr lang="ko-KR" altLang="ko-KR" sz="2400" b="1" dirty="0" smtClean="0">
+                <a:solidFill>
+                  <a:schemeClr val="bg1"/>
+                </a:solidFill>
+                <a:latin typeface="나눔스퀘어_ac Bold" panose="020B0600000101010101" pitchFamily="50" charset="-127"/>
+                <a:ea typeface="나눔스퀘어_ac Bold" panose="020B0600000101010101" pitchFamily="50" charset="-127"/>
+              </a:rPr>
+              <a:t> </a:t>
+            </a:r>
+            <a:endParaRPr lang="en-US" altLang="ko-KR" sz="2400" b="1" dirty="0" smtClean="0">
+              <a:solidFill>
+                <a:schemeClr val="bg1"/>
+              </a:solidFill>
+              <a:latin typeface="나눔스퀘어_ac Bold" panose="020B0600000101010101" pitchFamily="50" charset="-127"/>
+              <a:ea typeface="나눔스퀘어_ac Bold" panose="020B0600000101010101" pitchFamily="50" charset="-127"/>
+            </a:endParaRPr>
+          </a:p>
+          <a:p>
+            <a:r>
+              <a:rPr lang="en-US" altLang="ko-KR" sz="2400" b="1" dirty="0" smtClean="0">
+                <a:solidFill>
+                  <a:schemeClr val="bg1"/>
+                </a:solidFill>
+                <a:latin typeface="나눔스퀘어_ac Bold" panose="020B0600000101010101" pitchFamily="50" charset="-127"/>
+                <a:ea typeface="나눔스퀘어_ac Bold" panose="020B0600000101010101" pitchFamily="50" charset="-127"/>
+              </a:rPr>
+              <a:t>– </a:t>
+            </a:r>
+            <a:r>
+              <a:rPr lang="ko-KR" altLang="en-US" sz="2400" b="1" dirty="0" smtClean="0">
+                <a:solidFill>
+                  <a:schemeClr val="bg1"/>
+                </a:solidFill>
+                <a:latin typeface="나눔스퀘어_ac Bold" panose="020B0600000101010101" pitchFamily="50" charset="-127"/>
+                <a:ea typeface="나눔스퀘어_ac Bold" panose="020B0600000101010101" pitchFamily="50" charset="-127"/>
+              </a:rPr>
+              <a:t> </a:t>
+            </a:r>
+            <a:r>
+              <a:rPr lang="en-US" altLang="ko-KR" sz="2400" b="1" dirty="0" smtClean="0">
+                <a:solidFill>
+                  <a:schemeClr val="bg1"/>
+                </a:solidFill>
+                <a:latin typeface="나눔스퀘어_ac Bold" panose="020B0600000101010101" pitchFamily="50" charset="-127"/>
+                <a:ea typeface="나눔스퀘어_ac Bold" panose="020B0600000101010101" pitchFamily="50" charset="-127"/>
+              </a:rPr>
+              <a:t>Google Play Console</a:t>
+            </a:r>
+            <a:r>
+              <a:rPr lang="ko-KR" altLang="en-US" sz="2400" b="1" dirty="0" smtClean="0">
+                <a:solidFill>
+                  <a:schemeClr val="bg1"/>
+                </a:solidFill>
+                <a:latin typeface="나눔스퀘어_ac Bold" panose="020B0600000101010101" pitchFamily="50" charset="-127"/>
+                <a:ea typeface="나눔스퀘어_ac Bold" panose="020B0600000101010101" pitchFamily="50" charset="-127"/>
+              </a:rPr>
+              <a:t>을 통한 배포 및 개발자 계약 검토 </a:t>
+            </a:r>
+            <a:endParaRPr lang="en-US" altLang="ko-KR" sz="2400" b="1" dirty="0" smtClean="0">
+              <a:solidFill>
+                <a:schemeClr val="bg1"/>
+              </a:solidFill>
+              <a:latin typeface="나눔스퀘어_ac Bold" panose="020B0600000101010101" pitchFamily="50" charset="-127"/>
+              <a:ea typeface="나눔스퀘어_ac Bold" panose="020B0600000101010101" pitchFamily="50" charset="-127"/>
+            </a:endParaRPr>
+          </a:p>
+          <a:p>
+            <a:r>
+              <a:rPr lang="en-US" altLang="ko-KR" sz="2400" b="1" dirty="0" smtClean="0">
+                <a:solidFill>
+                  <a:schemeClr val="bg1"/>
+                </a:solidFill>
+                <a:latin typeface="나눔스퀘어_ac Bold" panose="020B0600000101010101" pitchFamily="50" charset="-127"/>
+                <a:ea typeface="나눔스퀘어_ac Bold" panose="020B0600000101010101" pitchFamily="50" charset="-127"/>
+              </a:rPr>
+              <a:t>- </a:t>
+            </a:r>
+            <a:r>
+              <a:rPr lang="ko-KR" altLang="en-US" sz="2400" b="1" dirty="0" smtClean="0">
+                <a:solidFill>
+                  <a:schemeClr val="bg1"/>
+                </a:solidFill>
+                <a:latin typeface="나눔스퀘어_ac Bold" panose="020B0600000101010101" pitchFamily="50" charset="-127"/>
+                <a:ea typeface="나눔스퀘어_ac Bold" panose="020B0600000101010101" pitchFamily="50" charset="-127"/>
+              </a:rPr>
+              <a:t>기존 마스크 </a:t>
+            </a:r>
+            <a:r>
+              <a:rPr lang="ko-KR" altLang="en-US" sz="2400" b="1" dirty="0" err="1" smtClean="0">
+                <a:solidFill>
+                  <a:schemeClr val="bg1"/>
+                </a:solidFill>
+                <a:latin typeface="나눔스퀘어_ac Bold" panose="020B0600000101010101" pitchFamily="50" charset="-127"/>
+                <a:ea typeface="나눔스퀘어_ac Bold" panose="020B0600000101010101" pitchFamily="50" charset="-127"/>
+              </a:rPr>
+              <a:t>알리미</a:t>
+            </a:r>
+            <a:r>
+              <a:rPr lang="ko-KR" altLang="en-US" sz="2400" b="1" dirty="0" smtClean="0">
+                <a:solidFill>
+                  <a:schemeClr val="bg1"/>
+                </a:solidFill>
+                <a:latin typeface="나눔스퀘어_ac Bold" panose="020B0600000101010101" pitchFamily="50" charset="-127"/>
+                <a:ea typeface="나눔스퀘어_ac Bold" panose="020B0600000101010101" pitchFamily="50" charset="-127"/>
+              </a:rPr>
+              <a:t> 어플리케이션 참조 </a:t>
+            </a:r>
+            <a:endParaRPr lang="ko-KR" altLang="en-US" b="1" dirty="0"/>
+          </a:p>
+          <a:p>
+            <a:endParaRPr lang="ko-KR" altLang="en-US" dirty="0"/>
+          </a:p>
+        </p:txBody>
+      </p:sp>
+    </p:spTree>
+    <p:extLst>
+      <p:ext uri="{BB962C8B-B14F-4D97-AF65-F5344CB8AC3E}">
+        <p14:creationId xmlns:p14="http://schemas.microsoft.com/office/powerpoint/2010/main" val="2181221075"/>
+      </p:ext>
+    </p:extLst>
+  </p:cSld>
+  <p:clrMapOvr>
+    <a:masterClrMapping/>
+  </p:clrMapOvr>
+  <p:timing>
+    <p:tnLst>
+      <p:par>
+        <p:cTn id="1" dur="indefinite" restart="never" nodeType="tmRoot"/>
+      </p:par>
+    </p:tnLst>
+  </p:timing>
+</p:sld>
+</file>
+
+<file path=ppt/slides/slide13.xml><?xml version="1.0" encoding="utf-8"?>
+<p:sld xmlns:a="http://schemas.openxmlformats.org/drawingml/2006/main" xmlns:r="http://schemas.openxmlformats.org/officeDocument/2006/relationships" xmlns:p="http://schemas.openxmlformats.org/presentationml/2006/main">
+  <p:cSld>
+    <p:spTree>
+      <p:nvGrpSpPr>
+        <p:cNvPr id="1" name=""/>
+        <p:cNvGrpSpPr/>
+        <p:nvPr/>
+      </p:nvGrpSpPr>
+      <p:grpSpPr>
+        <a:xfrm>
+          <a:off x="0" y="0"/>
+          <a:ext cx="0" cy="0"/>
+          <a:chOff x="0" y="0"/>
+          <a:chExt cx="0" cy="0"/>
+        </a:xfrm>
+      </p:grpSpPr>
+      <p:sp>
+        <p:nvSpPr>
+          <p:cNvPr id="4" name="직사각형 3"/>
+          <p:cNvSpPr/>
+          <p:nvPr/>
+        </p:nvSpPr>
+        <p:spPr>
+          <a:xfrm>
+            <a:off x="0" y="0"/>
+            <a:ext cx="12192000" cy="6858000"/>
+          </a:xfrm>
+          <a:prstGeom prst="rect">
+            <a:avLst/>
+          </a:prstGeom>
+          <a:solidFill>
+            <a:srgbClr val="00204F"/>
+          </a:solidFill>
+          <a:ln>
+            <a:noFill/>
+          </a:ln>
+        </p:spPr>
+        <p:style>
+          <a:lnRef idx="2">
+            <a:schemeClr val="accent1">
+              <a:shade val="50000"/>
+            </a:schemeClr>
+          </a:lnRef>
+          <a:fillRef idx="1">
+            <a:schemeClr val="accent1"/>
+          </a:fillRef>
+          <a:effectRef idx="0">
+            <a:schemeClr val="accent1"/>
+          </a:effectRef>
+          <a:fontRef idx="minor">
+            <a:schemeClr val="lt1"/>
+          </a:fontRef>
+        </p:style>
+        <p:txBody>
+          <a:bodyPr rtlCol="0" anchor="ctr"/>
+          <a:lstStyle/>
+          <a:p>
+            <a:pPr algn="ctr"/>
+            <a:endParaRPr lang="ko-KR" altLang="en-US" dirty="0"/>
+          </a:p>
+        </p:txBody>
+      </p:sp>
+      <p:sp>
+        <p:nvSpPr>
+          <p:cNvPr id="8" name="TextBox 7"/>
+          <p:cNvSpPr txBox="1"/>
+          <p:nvPr/>
+        </p:nvSpPr>
+        <p:spPr>
+          <a:xfrm>
+            <a:off x="657615" y="388307"/>
+            <a:ext cx="8724379" cy="707886"/>
+          </a:xfrm>
+          <a:prstGeom prst="rect">
+            <a:avLst/>
+          </a:prstGeom>
+          <a:noFill/>
+        </p:spPr>
+        <p:txBody>
+          <a:bodyPr wrap="square" rtlCol="0">
+            <a:spAutoFit/>
+          </a:bodyPr>
+          <a:lstStyle/>
+          <a:p>
+            <a:r>
+              <a:rPr lang="en-US" altLang="ko-KR" sz="4000" b="1" dirty="0" smtClean="0">
+                <a:solidFill>
+                  <a:schemeClr val="bg1"/>
+                </a:solidFill>
+                <a:latin typeface="나눔스퀘어_ac ExtraBold" panose="020B0600000101010101" pitchFamily="50" charset="-127"/>
+                <a:ea typeface="나눔스퀘어_ac ExtraBold" panose="020B0600000101010101" pitchFamily="50" charset="-127"/>
+              </a:rPr>
+              <a:t>4</a:t>
+            </a:r>
+            <a:r>
+              <a:rPr lang="en-US" altLang="ko-KR" sz="4000" b="1" dirty="0" smtClean="0">
+                <a:solidFill>
+                  <a:schemeClr val="bg1"/>
+                </a:solidFill>
+                <a:latin typeface="나눔스퀘어_ac ExtraBold" panose="020B0600000101010101" pitchFamily="50" charset="-127"/>
+                <a:ea typeface="나눔스퀘어_ac ExtraBold" panose="020B0600000101010101" pitchFamily="50" charset="-127"/>
+              </a:rPr>
+              <a:t>. </a:t>
+            </a:r>
+            <a:r>
+              <a:rPr lang="ko-KR" altLang="en-US" sz="4000" dirty="0" err="1">
+                <a:solidFill>
+                  <a:schemeClr val="bg1"/>
+                </a:solidFill>
+                <a:latin typeface="나눔스퀘어_ac ExtraBold" panose="020B0600000101010101" pitchFamily="50" charset="-127"/>
+                <a:ea typeface="나눔스퀘어_ac ExtraBold" panose="020B0600000101010101" pitchFamily="50" charset="-127"/>
+              </a:rPr>
+              <a:t>딥페이크</a:t>
+            </a:r>
+            <a:r>
+              <a:rPr lang="ko-KR" altLang="en-US" sz="4000" dirty="0">
+                <a:solidFill>
+                  <a:schemeClr val="bg1"/>
+                </a:solidFill>
+                <a:latin typeface="나눔스퀘어_ac ExtraBold" panose="020B0600000101010101" pitchFamily="50" charset="-127"/>
+                <a:ea typeface="나눔스퀘어_ac ExtraBold" panose="020B0600000101010101" pitchFamily="50" charset="-127"/>
+              </a:rPr>
+              <a:t> 사진 및 영상물 추적 서비스 </a:t>
+            </a:r>
+            <a:endParaRPr lang="en-US" altLang="ko-KR" sz="4000" dirty="0">
+              <a:solidFill>
+                <a:schemeClr val="bg1"/>
+              </a:solidFill>
+              <a:latin typeface="나눔스퀘어_ac ExtraBold" panose="020B0600000101010101" pitchFamily="50" charset="-127"/>
+              <a:ea typeface="나눔스퀘어_ac ExtraBold" panose="020B0600000101010101" pitchFamily="50" charset="-127"/>
+            </a:endParaRPr>
+          </a:p>
+        </p:txBody>
+      </p:sp>
+    </p:spTree>
+    <p:extLst>
+      <p:ext uri="{BB962C8B-B14F-4D97-AF65-F5344CB8AC3E}">
+        <p14:creationId xmlns:p14="http://schemas.microsoft.com/office/powerpoint/2010/main" val="4232881262"/>
+      </p:ext>
+    </p:extLst>
+  </p:cSld>
+  <p:clrMapOvr>
+    <a:masterClrMapping/>
+  </p:clrMapOvr>
+  <p:timing>
+    <p:tnLst>
+      <p:par>
+        <p:cTn id="1" dur="indefinite" restart="never" nodeType="tmRoot"/>
+      </p:par>
+    </p:tnLst>
+  </p:timing>
+</p:sld>
+</file>
+
 <file path=ppt/slides/slide2.xml><?xml version="1.0" encoding="utf-8"?>
 <p:sld xmlns:a="http://schemas.openxmlformats.org/drawingml/2006/main" xmlns:r="http://schemas.openxmlformats.org/officeDocument/2006/relationships" xmlns:p="http://schemas.openxmlformats.org/presentationml/2006/main">
   <p:cSld>
@@ -3341,27 +4740,7 @@
                 <a:latin typeface="나눔스퀘어_ac ExtraBold" panose="020B0600000101010101" pitchFamily="50" charset="-127"/>
                 <a:ea typeface="나눔스퀘어_ac ExtraBold" panose="020B0600000101010101" pitchFamily="50" charset="-127"/>
               </a:rPr>
-              <a:t>대 국회의원 총선 </a:t>
-            </a:r>
-            <a:r>
-              <a:rPr lang="ko-KR" altLang="en-US" sz="2800" dirty="0" smtClean="0">
-                <a:solidFill>
-                  <a:schemeClr val="bg1"/>
-                </a:solidFill>
-                <a:latin typeface="나눔스퀘어_ac ExtraBold" panose="020B0600000101010101" pitchFamily="50" charset="-127"/>
-                <a:ea typeface="나눔스퀘어_ac ExtraBold" panose="020B0600000101010101" pitchFamily="50" charset="-127"/>
-              </a:rPr>
-              <a:t>결과 </a:t>
-            </a:r>
-            <a:r>
-              <a:rPr lang="ko-KR" altLang="en-US" sz="2800" dirty="0" smtClean="0">
-                <a:solidFill>
-                  <a:schemeClr val="bg1"/>
-                </a:solidFill>
-                <a:latin typeface="나눔스퀘어_ac ExtraBold" panose="020B0600000101010101" pitchFamily="50" charset="-127"/>
-                <a:ea typeface="나눔스퀘어_ac ExtraBold" panose="020B0600000101010101" pitchFamily="50" charset="-127"/>
-              </a:rPr>
-              <a:t>예측 </a:t>
+              <a:t>대 국회의원 총선 결과 예측 </a:t>
             </a:r>
             <a:endParaRPr lang="en-US" altLang="ko-KR" sz="2800" dirty="0" smtClean="0">
               <a:solidFill>
@@ -3395,17 +4774,7 @@
                 <a:latin typeface="나눔스퀘어_ac ExtraBold" panose="020B0600000101010101" pitchFamily="50" charset="-127"/>
                 <a:ea typeface="나눔스퀘어_ac ExtraBold" panose="020B0600000101010101" pitchFamily="50" charset="-127"/>
               </a:rPr>
-              <a:t> 문화생활 </a:t>
-            </a:r>
-            <a:r>
-              <a:rPr lang="ko-KR" altLang="en-US" sz="2800" dirty="0" smtClean="0">
-                <a:solidFill>
-                  <a:schemeClr val="bg1"/>
-                </a:solidFill>
-                <a:latin typeface="나눔스퀘어_ac ExtraBold" panose="020B0600000101010101" pitchFamily="50" charset="-127"/>
-                <a:ea typeface="나눔스퀘어_ac ExtraBold" panose="020B0600000101010101" pitchFamily="50" charset="-127"/>
-              </a:rPr>
-              <a:t>추천 서비스</a:t>
+              <a:t> 문화생활 추천 서비스</a:t>
             </a:r>
             <a:endParaRPr lang="en-US" altLang="ko-KR" sz="2800" dirty="0" smtClean="0">
               <a:solidFill>
@@ -5160,22 +6529,13 @@
               <a:t>/ </a:t>
             </a:r>
             <a:r>
-              <a:rPr lang="ko-KR" altLang="ko-KR" sz="2000" b="1" dirty="0">
+              <a:rPr lang="ko-KR" altLang="ko-KR" sz="2000" b="1" dirty="0" smtClean="0">
                 <a:solidFill>
                   <a:schemeClr val="bg1"/>
                 </a:solidFill>
                 <a:cs typeface="Times New Roman" panose="02020603050405020304" pitchFamily="18" charset="0"/>
               </a:rPr>
               <a:t>지역구</a:t>
-            </a:r>
-            <a:r>
-              <a:rPr lang="en-US" altLang="ko-KR" sz="2000" b="1" dirty="0">
-                <a:solidFill>
-                  <a:schemeClr val="bg1"/>
-                </a:solidFill>
-                <a:cs typeface="Times New Roman" panose="02020603050405020304" pitchFamily="18" charset="0"/>
-              </a:rPr>
-              <a:t>)</a:t>
             </a:r>
             <a:endParaRPr lang="ko-KR" altLang="en-US" sz="2000" b="1" dirty="0">
               <a:solidFill>
@@ -5515,805 +6875,594 @@
       </p:grpSpPr>
       <p:sp>
         <p:nvSpPr>
-          <p:cNvPr id="2" name="제목 1"/>
-          <p:cNvSpPr>
-            <a:spLocks noGrp="1"/>
-          </p:cNvSpPr>
-          <p:nvPr>
-            <p:ph type="ctrTitle"/>
-          </p:nvPr>
-        </p:nvSpPr>
-        <p:spPr>
-          <a:xfrm>
-            <a:off x="1524000" y="125259"/>
-            <a:ext cx="9144000" cy="841919"/>
-          </a:xfrm>
-        </p:spPr>
-        <p:txBody>
-          <a:bodyPr>
-            <a:normAutofit/>
-          </a:bodyPr>
-          <a:lstStyle/>
-          <a:p>
-            <a:r>
-              <a:rPr lang="ko-KR" altLang="ko-KR" sz="4000" b="1" dirty="0"/>
-              <a:t>제 </a:t>
-            </a:r>
-            <a:r>
-              <a:rPr lang="en-US" altLang="ko-KR" sz="4000" b="1" dirty="0"/>
-              <a:t>21</a:t>
-            </a:r>
-            <a:r>
-              <a:rPr lang="ko-KR" altLang="ko-KR" sz="4000" b="1" dirty="0"/>
-              <a:t>대 국회의원 총선 선거 예측</a:t>
-            </a:r>
-            <a:endParaRPr lang="ko-KR" altLang="en-US" sz="4000" b="1" dirty="0"/>
-          </a:p>
-        </p:txBody>
-      </p:sp>
-      <p:sp>
-        <p:nvSpPr>
           <p:cNvPr id="4" name="직사각형 3"/>
           <p:cNvSpPr/>
           <p:nvPr/>
         </p:nvSpPr>
         <p:spPr>
           <a:xfrm>
-            <a:off x="793315" y="1222195"/>
-            <a:ext cx="10855890" cy="1695849"/>
+            <a:off x="0" y="0"/>
+            <a:ext cx="12192000" cy="6858000"/>
           </a:xfrm>
           <a:prstGeom prst="rect">
             <a:avLst/>
           </a:prstGeom>
+          <a:solidFill>
+            <a:srgbClr val="00204F"/>
+          </a:solidFill>
+          <a:ln>
+            <a:noFill/>
+          </a:ln>
         </p:spPr>
+        <p:style>
+          <a:lnRef idx="2">
+            <a:schemeClr val="accent1">
+              <a:shade val="50000"/>
+            </a:schemeClr>
+          </a:lnRef>
+          <a:fillRef idx="1">
+            <a:schemeClr val="accent1"/>
+          </a:fillRef>
+          <a:effectRef idx="0">
+            <a:schemeClr val="accent1"/>
+          </a:effectRef>
+          <a:fontRef idx="minor">
+            <a:schemeClr val="lt1"/>
+          </a:fontRef>
+        </p:style>
         <p:txBody>
-          <a:bodyPr wrap="square">
-            <a:spAutoFit/>
-          </a:bodyPr>
+          <a:bodyPr rtlCol="0" anchor="ctr"/>
           <a:lstStyle/>
           <a:p>
-            <a:pPr algn="just">
-              <a:lnSpc>
-                <a:spcPct val="107000"/>
-              </a:lnSpc>
-              <a:spcAft>
-                <a:spcPts val="800"/>
-              </a:spcAft>
-            </a:pPr>
-            <a:r>
-              <a:rPr lang="ko-KR" altLang="ko-KR" sz="2000" b="1" kern="100" dirty="0">
-                <a:latin typeface="맑은 고딕" panose="020B0503020000020004" pitchFamily="50" charset="-127"/>
-                <a:cs typeface="Times New Roman" panose="02020603050405020304" pitchFamily="18" charset="0"/>
-              </a:rPr>
-              <a:t>서비스</a:t>
-            </a:r>
-            <a:r>
-              <a:rPr lang="en-US" altLang="ko-KR" sz="2000" b="1" kern="100" dirty="0">
-                <a:latin typeface="맑은 고딕" panose="020B0503020000020004" pitchFamily="50" charset="-127"/>
-                <a:cs typeface="Times New Roman" panose="02020603050405020304" pitchFamily="18" charset="0"/>
-              </a:rPr>
-              <a:t>1. </a:t>
-            </a:r>
-            <a:r>
-              <a:rPr lang="ko-KR" altLang="ko-KR" sz="2000" b="1" kern="100" dirty="0">
-                <a:latin typeface="맑은 고딕" panose="020B0503020000020004" pitchFamily="50" charset="-127"/>
-                <a:cs typeface="Times New Roman" panose="02020603050405020304" pitchFamily="18" charset="0"/>
-              </a:rPr>
-              <a:t>현역 국회의원 </a:t>
-            </a:r>
-            <a:r>
-              <a:rPr lang="ko-KR" altLang="ko-KR" sz="2000" b="1" kern="100" dirty="0" err="1">
-                <a:latin typeface="맑은 고딕" panose="020B0503020000020004" pitchFamily="50" charset="-127"/>
-                <a:cs typeface="Times New Roman" panose="02020603050405020304" pitchFamily="18" charset="0"/>
-              </a:rPr>
-              <a:t>재당선</a:t>
-            </a:r>
-            <a:r>
-              <a:rPr lang="ko-KR" altLang="ko-KR" sz="2000" b="1" kern="100" dirty="0">
-                <a:latin typeface="맑은 고딕" panose="020B0503020000020004" pitchFamily="50" charset="-127"/>
-                <a:cs typeface="Times New Roman" panose="02020603050405020304" pitchFamily="18" charset="0"/>
-              </a:rPr>
-              <a:t> 여부 예측</a:t>
-            </a:r>
-            <a:r>
-              <a:rPr lang="en-US" altLang="ko-KR" sz="2000" b="1" kern="100" dirty="0">
-                <a:latin typeface="맑은 고딕" panose="020B0503020000020004" pitchFamily="50" charset="-127"/>
-                <a:cs typeface="Times New Roman" panose="02020603050405020304" pitchFamily="18" charset="0"/>
-              </a:rPr>
-              <a:t>(</a:t>
-            </a:r>
-            <a:r>
-              <a:rPr lang="ko-KR" altLang="ko-KR" sz="2000" b="1" kern="100" dirty="0">
-                <a:latin typeface="맑은 고딕" panose="020B0503020000020004" pitchFamily="50" charset="-127"/>
-                <a:cs typeface="Times New Roman" panose="02020603050405020304" pitchFamily="18" charset="0"/>
-              </a:rPr>
-              <a:t>현역 국회의원 </a:t>
-            </a:r>
-            <a:r>
-              <a:rPr lang="en-US" altLang="ko-KR" sz="2000" b="1" kern="100" dirty="0">
-                <a:latin typeface="맑은 고딕" panose="020B0503020000020004" pitchFamily="50" charset="-127"/>
-                <a:cs typeface="Times New Roman" panose="02020603050405020304" pitchFamily="18" charset="0"/>
-              </a:rPr>
-              <a:t>297</a:t>
-            </a:r>
-            <a:r>
-              <a:rPr lang="ko-KR" altLang="ko-KR" sz="2000" b="1" kern="100" dirty="0">
-                <a:latin typeface="맑은 고딕" panose="020B0503020000020004" pitchFamily="50" charset="-127"/>
-                <a:cs typeface="Times New Roman" panose="02020603050405020304" pitchFamily="18" charset="0"/>
-              </a:rPr>
-              <a:t>명 중 제</a:t>
-            </a:r>
-            <a:r>
-              <a:rPr lang="en-US" altLang="ko-KR" sz="2000" b="1" kern="100" dirty="0">
-                <a:latin typeface="맑은 고딕" panose="020B0503020000020004" pitchFamily="50" charset="-127"/>
-                <a:cs typeface="Times New Roman" panose="02020603050405020304" pitchFamily="18" charset="0"/>
-              </a:rPr>
-              <a:t> 21</a:t>
-            </a:r>
-            <a:r>
-              <a:rPr lang="ko-KR" altLang="ko-KR" sz="2000" b="1" kern="100" dirty="0">
-                <a:latin typeface="맑은 고딕" panose="020B0503020000020004" pitchFamily="50" charset="-127"/>
-                <a:cs typeface="Times New Roman" panose="02020603050405020304" pitchFamily="18" charset="0"/>
-              </a:rPr>
-              <a:t>대 총선 출마 인원</a:t>
-            </a:r>
-            <a:r>
-              <a:rPr lang="en-US" altLang="ko-KR" sz="2000" b="1" kern="100" dirty="0">
-                <a:latin typeface="맑은 고딕" panose="020B0503020000020004" pitchFamily="50" charset="-127"/>
-                <a:cs typeface="Times New Roman" panose="02020603050405020304" pitchFamily="18" charset="0"/>
-              </a:rPr>
-              <a:t>)</a:t>
-            </a:r>
-            <a:endParaRPr lang="ko-KR" altLang="ko-KR" sz="2000" b="1" kern="100" dirty="0">
-              <a:latin typeface="맑은 고딕" panose="020B0503020000020004" pitchFamily="50" charset="-127"/>
-              <a:cs typeface="Times New Roman" panose="02020603050405020304" pitchFamily="18" charset="0"/>
-            </a:endParaRPr>
-          </a:p>
-          <a:p>
-            <a:pPr algn="just">
-              <a:lnSpc>
-                <a:spcPct val="107000"/>
-              </a:lnSpc>
-              <a:spcAft>
-                <a:spcPts val="800"/>
-              </a:spcAft>
-            </a:pPr>
-            <a:r>
-              <a:rPr lang="ko-KR" altLang="ko-KR" sz="2000" b="1" kern="100" dirty="0">
-                <a:latin typeface="맑은 고딕" panose="020B0503020000020004" pitchFamily="50" charset="-127"/>
-                <a:cs typeface="Times New Roman" panose="02020603050405020304" pitchFamily="18" charset="0"/>
-              </a:rPr>
-              <a:t>방법</a:t>
-            </a:r>
-            <a:r>
-              <a:rPr lang="en-US" altLang="ko-KR" sz="2000" b="1" kern="100" dirty="0">
-                <a:latin typeface="맑은 고딕" panose="020B0503020000020004" pitchFamily="50" charset="-127"/>
-                <a:cs typeface="Times New Roman" panose="02020603050405020304" pitchFamily="18" charset="0"/>
-              </a:rPr>
-              <a:t>1. </a:t>
-            </a:r>
-            <a:r>
-              <a:rPr lang="ko-KR" altLang="ko-KR" sz="2000" b="1" kern="100" dirty="0">
-                <a:latin typeface="맑은 고딕" panose="020B0503020000020004" pitchFamily="50" charset="-127"/>
-                <a:cs typeface="Times New Roman" panose="02020603050405020304" pitchFamily="18" charset="0"/>
-              </a:rPr>
-              <a:t>제 </a:t>
-            </a:r>
-            <a:r>
-              <a:rPr lang="en-US" altLang="ko-KR" sz="2000" b="1" kern="100" dirty="0">
-                <a:latin typeface="맑은 고딕" panose="020B0503020000020004" pitchFamily="50" charset="-127"/>
-                <a:cs typeface="Times New Roman" panose="02020603050405020304" pitchFamily="18" charset="0"/>
-              </a:rPr>
-              <a:t>20</a:t>
-            </a:r>
-            <a:r>
-              <a:rPr lang="ko-KR" altLang="ko-KR" sz="2000" b="1" kern="100" dirty="0">
-                <a:latin typeface="맑은 고딕" panose="020B0503020000020004" pitchFamily="50" charset="-127"/>
-                <a:cs typeface="Times New Roman" panose="02020603050405020304" pitchFamily="18" charset="0"/>
-              </a:rPr>
-              <a:t>대 국회의원 총선 공약키워드 및 제</a:t>
-            </a:r>
-            <a:r>
-              <a:rPr lang="en-US" altLang="ko-KR" sz="2000" b="1" kern="100" dirty="0">
-                <a:latin typeface="맑은 고딕" panose="020B0503020000020004" pitchFamily="50" charset="-127"/>
-                <a:cs typeface="Times New Roman" panose="02020603050405020304" pitchFamily="18" charset="0"/>
-              </a:rPr>
-              <a:t>21</a:t>
-            </a:r>
-            <a:r>
-              <a:rPr lang="ko-KR" altLang="ko-KR" sz="2000" b="1" kern="100" dirty="0">
-                <a:latin typeface="맑은 고딕" panose="020B0503020000020004" pitchFamily="50" charset="-127"/>
-                <a:cs typeface="Times New Roman" panose="02020603050405020304" pitchFamily="18" charset="0"/>
-              </a:rPr>
-              <a:t>대 총선 공약키워드 비교</a:t>
-            </a:r>
-          </a:p>
-          <a:p>
-            <a:pPr algn="just">
-              <a:lnSpc>
-                <a:spcPct val="107000"/>
-              </a:lnSpc>
-              <a:spcAft>
-                <a:spcPts val="800"/>
-              </a:spcAft>
-            </a:pPr>
-            <a:r>
-              <a:rPr lang="ko-KR" altLang="ko-KR" sz="2000" b="1" kern="100" dirty="0">
-                <a:latin typeface="맑은 고딕" panose="020B0503020000020004" pitchFamily="50" charset="-127"/>
-                <a:cs typeface="Times New Roman" panose="02020603050405020304" pitchFamily="18" charset="0"/>
-              </a:rPr>
-              <a:t>방법</a:t>
-            </a:r>
-            <a:r>
-              <a:rPr lang="en-US" altLang="ko-KR" sz="2000" b="1" kern="100" dirty="0">
-                <a:latin typeface="맑은 고딕" panose="020B0503020000020004" pitchFamily="50" charset="-127"/>
-                <a:cs typeface="Times New Roman" panose="02020603050405020304" pitchFamily="18" charset="0"/>
-              </a:rPr>
-              <a:t>2. </a:t>
-            </a:r>
-            <a:r>
-              <a:rPr lang="ko-KR" altLang="ko-KR" sz="2000" b="1" kern="100" dirty="0">
-                <a:latin typeface="맑은 고딕" panose="020B0503020000020004" pitchFamily="50" charset="-127"/>
-                <a:cs typeface="Times New Roman" panose="02020603050405020304" pitchFamily="18" charset="0"/>
-              </a:rPr>
-              <a:t>뉴스 제목</a:t>
-            </a:r>
-            <a:r>
-              <a:rPr lang="en-US" altLang="ko-KR" sz="2000" b="1" kern="100" dirty="0">
-                <a:latin typeface="맑은 고딕" panose="020B0503020000020004" pitchFamily="50" charset="-127"/>
-                <a:cs typeface="Times New Roman" panose="02020603050405020304" pitchFamily="18" charset="0"/>
-              </a:rPr>
-              <a:t>(</a:t>
-            </a:r>
-            <a:r>
-              <a:rPr lang="ko-KR" altLang="ko-KR" sz="2000" b="1" kern="100" dirty="0">
-                <a:latin typeface="맑은 고딕" panose="020B0503020000020004" pitchFamily="50" charset="-127"/>
-                <a:cs typeface="Times New Roman" panose="02020603050405020304" pitchFamily="18" charset="0"/>
-              </a:rPr>
-              <a:t>혹은 본문</a:t>
-            </a:r>
-            <a:r>
-              <a:rPr lang="en-US" altLang="ko-KR" sz="2000" b="1" kern="100" dirty="0">
-                <a:latin typeface="맑은 고딕" panose="020B0503020000020004" pitchFamily="50" charset="-127"/>
-                <a:cs typeface="Times New Roman" panose="02020603050405020304" pitchFamily="18" charset="0"/>
-              </a:rPr>
-              <a:t>) </a:t>
-            </a:r>
-            <a:r>
-              <a:rPr lang="ko-KR" altLang="ko-KR" sz="2000" b="1" kern="100" dirty="0" err="1">
-                <a:latin typeface="맑은 고딕" panose="020B0503020000020004" pitchFamily="50" charset="-127"/>
-                <a:cs typeface="Times New Roman" panose="02020603050405020304" pitchFamily="18" charset="0"/>
-              </a:rPr>
-              <a:t>긍부정</a:t>
-            </a:r>
-            <a:endParaRPr lang="ko-KR" altLang="ko-KR" sz="2000" b="1" kern="100" dirty="0">
-              <a:latin typeface="맑은 고딕" panose="020B0503020000020004" pitchFamily="50" charset="-127"/>
-              <a:cs typeface="Times New Roman" panose="02020603050405020304" pitchFamily="18" charset="0"/>
-            </a:endParaRPr>
-          </a:p>
-          <a:p>
-            <a:r>
-              <a:rPr lang="ko-KR" altLang="ko-KR" sz="2000" b="1" dirty="0">
-                <a:cs typeface="Times New Roman" panose="02020603050405020304" pitchFamily="18" charset="0"/>
-              </a:rPr>
-              <a:t>방법</a:t>
-            </a:r>
-            <a:r>
-              <a:rPr lang="en-US" altLang="ko-KR" sz="2000" b="1" dirty="0">
-                <a:cs typeface="Times New Roman" panose="02020603050405020304" pitchFamily="18" charset="0"/>
-              </a:rPr>
-              <a:t>3. </a:t>
-            </a:r>
-            <a:r>
-              <a:rPr lang="ko-KR" altLang="ko-KR" sz="2000" b="1" dirty="0">
-                <a:cs typeface="Times New Roman" panose="02020603050405020304" pitchFamily="18" charset="0"/>
-              </a:rPr>
-              <a:t>발의 의안 수 및 통과 의안 수</a:t>
-            </a:r>
-            <a:endParaRPr lang="ko-KR" altLang="en-US" sz="2000" b="1" dirty="0"/>
+            <a:pPr algn="ctr"/>
+            <a:endParaRPr lang="ko-KR" altLang="en-US"/>
           </a:p>
         </p:txBody>
       </p:sp>
       <p:sp>
         <p:nvSpPr>
-          <p:cNvPr id="6" name="직사각형 5"/>
-          <p:cNvSpPr/>
+          <p:cNvPr id="8" name="TextBox 7"/>
+          <p:cNvSpPr txBox="1"/>
           <p:nvPr/>
         </p:nvSpPr>
         <p:spPr>
           <a:xfrm>
-            <a:off x="793315" y="3126438"/>
-            <a:ext cx="10768208" cy="1695849"/>
+            <a:off x="657615" y="388307"/>
+            <a:ext cx="8724379" cy="707886"/>
           </a:xfrm>
           <a:prstGeom prst="rect">
             <a:avLst/>
           </a:prstGeom>
+          <a:noFill/>
         </p:spPr>
         <p:txBody>
-          <a:bodyPr wrap="square">
+          <a:bodyPr wrap="square" rtlCol="0">
             <a:spAutoFit/>
           </a:bodyPr>
           <a:lstStyle/>
           <a:p>
-            <a:pPr algn="just">
-              <a:lnSpc>
-                <a:spcPct val="107000"/>
-              </a:lnSpc>
-              <a:spcAft>
-                <a:spcPts val="800"/>
-              </a:spcAft>
-            </a:pPr>
-            <a:r>
-              <a:rPr lang="ko-KR" altLang="ko-KR" sz="2000" b="1" kern="100" dirty="0">
-                <a:latin typeface="맑은 고딕" panose="020B0503020000020004" pitchFamily="50" charset="-127"/>
-                <a:cs typeface="Times New Roman" panose="02020603050405020304" pitchFamily="18" charset="0"/>
-              </a:rPr>
-              <a:t>서비스</a:t>
-            </a:r>
-            <a:r>
-              <a:rPr lang="en-US" altLang="ko-KR" sz="2000" b="1" kern="100" dirty="0">
-                <a:latin typeface="맑은 고딕" panose="020B0503020000020004" pitchFamily="50" charset="-127"/>
-                <a:cs typeface="Times New Roman" panose="02020603050405020304" pitchFamily="18" charset="0"/>
-              </a:rPr>
-              <a:t>2. </a:t>
-            </a:r>
-            <a:r>
-              <a:rPr lang="ko-KR" altLang="ko-KR" sz="2000" b="1" kern="100" dirty="0">
-                <a:latin typeface="맑은 고딕" panose="020B0503020000020004" pitchFamily="50" charset="-127"/>
-                <a:cs typeface="Times New Roman" panose="02020603050405020304" pitchFamily="18" charset="0"/>
-              </a:rPr>
-              <a:t>지역구 국회의원 선거 당선 여부 예측</a:t>
-            </a:r>
-            <a:r>
-              <a:rPr lang="en-US" altLang="ko-KR" sz="2000" b="1" kern="100" dirty="0">
-                <a:latin typeface="맑은 고딕" panose="020B0503020000020004" pitchFamily="50" charset="-127"/>
-                <a:cs typeface="Times New Roman" panose="02020603050405020304" pitchFamily="18" charset="0"/>
-              </a:rPr>
-              <a:t>(</a:t>
-            </a:r>
-            <a:r>
-              <a:rPr lang="ko-KR" altLang="ko-KR" sz="2000" b="1" kern="100" dirty="0">
-                <a:latin typeface="맑은 고딕" panose="020B0503020000020004" pitchFamily="50" charset="-127"/>
-                <a:cs typeface="Times New Roman" panose="02020603050405020304" pitchFamily="18" charset="0"/>
-              </a:rPr>
-              <a:t>서울특별시 및 경기도 한정 </a:t>
-            </a:r>
-            <a:r>
-              <a:rPr lang="en-US" altLang="ko-KR" sz="2000" b="1" kern="100" dirty="0">
-                <a:latin typeface="맑은 고딕" panose="020B0503020000020004" pitchFamily="50" charset="-127"/>
-                <a:cs typeface="Times New Roman" panose="02020603050405020304" pitchFamily="18" charset="0"/>
-              </a:rPr>
-              <a:t>– </a:t>
-            </a:r>
-            <a:r>
-              <a:rPr lang="ko-KR" altLang="ko-KR" sz="2000" b="1" kern="100" dirty="0">
-                <a:latin typeface="맑은 고딕" panose="020B0503020000020004" pitchFamily="50" charset="-127"/>
-                <a:cs typeface="Times New Roman" panose="02020603050405020304" pitchFamily="18" charset="0"/>
-              </a:rPr>
-              <a:t>비례대표 제외</a:t>
-            </a:r>
-            <a:r>
-              <a:rPr lang="en-US" altLang="ko-KR" sz="2000" b="1" kern="100" dirty="0">
-                <a:latin typeface="맑은 고딕" panose="020B0503020000020004" pitchFamily="50" charset="-127"/>
-                <a:cs typeface="Times New Roman" panose="02020603050405020304" pitchFamily="18" charset="0"/>
-              </a:rPr>
-              <a:t>)</a:t>
-            </a:r>
-            <a:endParaRPr lang="ko-KR" altLang="ko-KR" sz="2000" b="1" kern="100" dirty="0">
-              <a:latin typeface="맑은 고딕" panose="020B0503020000020004" pitchFamily="50" charset="-127"/>
-              <a:cs typeface="Times New Roman" panose="02020603050405020304" pitchFamily="18" charset="0"/>
+            <a:r>
+              <a:rPr lang="en-US" altLang="ko-KR" sz="4000" b="1" dirty="0" smtClean="0">
+                <a:solidFill>
+                  <a:schemeClr val="bg1"/>
+                </a:solidFill>
+                <a:latin typeface="나눔스퀘어_ac ExtraBold" panose="020B0600000101010101" pitchFamily="50" charset="-127"/>
+                <a:ea typeface="나눔스퀘어_ac ExtraBold" panose="020B0600000101010101" pitchFamily="50" charset="-127"/>
+              </a:rPr>
+              <a:t>1. </a:t>
+            </a:r>
+            <a:r>
+              <a:rPr lang="ko-KR" altLang="ko-KR" sz="4000" b="1" dirty="0" smtClean="0">
+                <a:solidFill>
+                  <a:schemeClr val="bg1"/>
+                </a:solidFill>
+                <a:latin typeface="나눔스퀘어_ac ExtraBold" panose="020B0600000101010101" pitchFamily="50" charset="-127"/>
+                <a:ea typeface="나눔스퀘어_ac ExtraBold" panose="020B0600000101010101" pitchFamily="50" charset="-127"/>
+              </a:rPr>
+              <a:t>제 </a:t>
+            </a:r>
+            <a:r>
+              <a:rPr lang="en-US" altLang="ko-KR" sz="4000" b="1" dirty="0">
+                <a:solidFill>
+                  <a:schemeClr val="bg1"/>
+                </a:solidFill>
+                <a:latin typeface="나눔스퀘어_ac ExtraBold" panose="020B0600000101010101" pitchFamily="50" charset="-127"/>
+                <a:ea typeface="나눔스퀘어_ac ExtraBold" panose="020B0600000101010101" pitchFamily="50" charset="-127"/>
+              </a:rPr>
+              <a:t>21</a:t>
+            </a:r>
+            <a:r>
+              <a:rPr lang="ko-KR" altLang="ko-KR" sz="4000" b="1" dirty="0">
+                <a:solidFill>
+                  <a:schemeClr val="bg1"/>
+                </a:solidFill>
+                <a:latin typeface="나눔스퀘어_ac ExtraBold" panose="020B0600000101010101" pitchFamily="50" charset="-127"/>
+                <a:ea typeface="나눔스퀘어_ac ExtraBold" panose="020B0600000101010101" pitchFamily="50" charset="-127"/>
+              </a:rPr>
+              <a:t>대 국회의원 총선 선거 예측</a:t>
+            </a:r>
+            <a:endParaRPr lang="ko-KR" altLang="en-US" sz="4000" dirty="0">
+              <a:solidFill>
+                <a:schemeClr val="bg1"/>
+              </a:solidFill>
+              <a:latin typeface="나눔스퀘어_ac ExtraBold" panose="020B0600000101010101" pitchFamily="50" charset="-127"/>
+              <a:ea typeface="나눔스퀘어_ac ExtraBold" panose="020B0600000101010101" pitchFamily="50" charset="-127"/>
             </a:endParaRPr>
-          </a:p>
-          <a:p>
-            <a:pPr algn="just">
-              <a:lnSpc>
-                <a:spcPct val="107000"/>
-              </a:lnSpc>
-              <a:spcAft>
-                <a:spcPts val="800"/>
-              </a:spcAft>
-            </a:pPr>
-            <a:r>
-              <a:rPr lang="ko-KR" altLang="ko-KR" sz="2000" b="1" kern="100" dirty="0">
-                <a:latin typeface="맑은 고딕" panose="020B0503020000020004" pitchFamily="50" charset="-127"/>
-                <a:cs typeface="Times New Roman" panose="02020603050405020304" pitchFamily="18" charset="0"/>
-              </a:rPr>
-              <a:t>예시</a:t>
-            </a:r>
-            <a:r>
-              <a:rPr lang="en-US" altLang="ko-KR" sz="2000" b="1" kern="100" dirty="0">
-                <a:latin typeface="맑은 고딕" panose="020B0503020000020004" pitchFamily="50" charset="-127"/>
-                <a:cs typeface="Times New Roman" panose="02020603050405020304" pitchFamily="18" charset="0"/>
-              </a:rPr>
-              <a:t>_ &lt;</a:t>
-            </a:r>
-            <a:r>
-              <a:rPr lang="ko-KR" altLang="ko-KR" sz="2000" b="1" kern="100" dirty="0">
-                <a:latin typeface="맑은 고딕" panose="020B0503020000020004" pitchFamily="50" charset="-127"/>
-                <a:cs typeface="Times New Roman" panose="02020603050405020304" pitchFamily="18" charset="0"/>
-              </a:rPr>
-              <a:t>확실 </a:t>
-            </a:r>
-            <a:r>
-              <a:rPr lang="en-US" altLang="ko-KR" sz="2000" b="1" kern="100" dirty="0">
-                <a:latin typeface="맑은 고딕" panose="020B0503020000020004" pitchFamily="50" charset="-127"/>
-                <a:cs typeface="Times New Roman" panose="02020603050405020304" pitchFamily="18" charset="0"/>
-              </a:rPr>
-              <a:t>/ </a:t>
-            </a:r>
-            <a:r>
-              <a:rPr lang="ko-KR" altLang="ko-KR" sz="2000" b="1" kern="100" dirty="0">
-                <a:latin typeface="맑은 고딕" panose="020B0503020000020004" pitchFamily="50" charset="-127"/>
-                <a:cs typeface="Times New Roman" panose="02020603050405020304" pitchFamily="18" charset="0"/>
-              </a:rPr>
-              <a:t>유력 </a:t>
-            </a:r>
-            <a:r>
-              <a:rPr lang="en-US" altLang="ko-KR" sz="2000" b="1" kern="100" dirty="0">
-                <a:latin typeface="맑은 고딕" panose="020B0503020000020004" pitchFamily="50" charset="-127"/>
-                <a:cs typeface="Times New Roman" panose="02020603050405020304" pitchFamily="18" charset="0"/>
-              </a:rPr>
-              <a:t>/ </a:t>
-            </a:r>
-            <a:r>
-              <a:rPr lang="ko-KR" altLang="ko-KR" sz="2000" b="1" kern="100" dirty="0">
-                <a:latin typeface="맑은 고딕" panose="020B0503020000020004" pitchFamily="50" charset="-127"/>
-                <a:cs typeface="Times New Roman" panose="02020603050405020304" pitchFamily="18" charset="0"/>
-              </a:rPr>
-              <a:t>불리</a:t>
-            </a:r>
-            <a:r>
-              <a:rPr lang="en-US" altLang="ko-KR" sz="2000" b="1" kern="100" dirty="0">
-                <a:latin typeface="맑은 고딕" panose="020B0503020000020004" pitchFamily="50" charset="-127"/>
-                <a:cs typeface="Times New Roman" panose="02020603050405020304" pitchFamily="18" charset="0"/>
-              </a:rPr>
-              <a:t> / </a:t>
-            </a:r>
-            <a:r>
-              <a:rPr lang="ko-KR" altLang="ko-KR" sz="2000" b="1" kern="100" dirty="0">
-                <a:latin typeface="맑은 고딕" panose="020B0503020000020004" pitchFamily="50" charset="-127"/>
-                <a:cs typeface="Times New Roman" panose="02020603050405020304" pitchFamily="18" charset="0"/>
-              </a:rPr>
-              <a:t>보합</a:t>
-            </a:r>
-            <a:r>
-              <a:rPr lang="en-US" altLang="ko-KR" sz="2000" b="1" kern="100" dirty="0">
-                <a:latin typeface="맑은 고딕" panose="020B0503020000020004" pitchFamily="50" charset="-127"/>
-                <a:cs typeface="Times New Roman" panose="02020603050405020304" pitchFamily="18" charset="0"/>
-              </a:rPr>
-              <a:t>&gt;</a:t>
-            </a:r>
-            <a:endParaRPr lang="ko-KR" altLang="ko-KR" sz="2000" b="1" kern="100" dirty="0">
-              <a:latin typeface="맑은 고딕" panose="020B0503020000020004" pitchFamily="50" charset="-127"/>
-              <a:cs typeface="Times New Roman" panose="02020603050405020304" pitchFamily="18" charset="0"/>
-            </a:endParaRPr>
-          </a:p>
-          <a:p>
-            <a:pPr algn="just">
-              <a:lnSpc>
-                <a:spcPct val="107000"/>
-              </a:lnSpc>
-              <a:spcAft>
-                <a:spcPts val="800"/>
-              </a:spcAft>
-            </a:pPr>
-            <a:r>
-              <a:rPr lang="ko-KR" altLang="ko-KR" sz="2000" b="1" kern="100" dirty="0">
-                <a:latin typeface="맑은 고딕" panose="020B0503020000020004" pitchFamily="50" charset="-127"/>
-                <a:cs typeface="Times New Roman" panose="02020603050405020304" pitchFamily="18" charset="0"/>
-              </a:rPr>
-              <a:t>방법</a:t>
-            </a:r>
-            <a:r>
-              <a:rPr lang="en-US" altLang="ko-KR" sz="2000" b="1" kern="100" dirty="0">
-                <a:latin typeface="맑은 고딕" panose="020B0503020000020004" pitchFamily="50" charset="-127"/>
-                <a:cs typeface="Times New Roman" panose="02020603050405020304" pitchFamily="18" charset="0"/>
-              </a:rPr>
-              <a:t>1. </a:t>
-            </a:r>
-            <a:r>
-              <a:rPr lang="ko-KR" altLang="ko-KR" sz="2000" b="1" kern="100" dirty="0">
-                <a:latin typeface="맑은 고딕" panose="020B0503020000020004" pitchFamily="50" charset="-127"/>
-                <a:cs typeface="Times New Roman" panose="02020603050405020304" pitchFamily="18" charset="0"/>
-              </a:rPr>
-              <a:t>선거 당선에 미치는 영향력 있는 변수 파악</a:t>
-            </a:r>
-          </a:p>
-          <a:p>
-            <a:r>
-              <a:rPr lang="ko-KR" altLang="ko-KR" sz="2000" b="1" dirty="0">
-                <a:cs typeface="Times New Roman" panose="02020603050405020304" pitchFamily="18" charset="0"/>
-              </a:rPr>
-              <a:t>정당 </a:t>
-            </a:r>
-            <a:r>
-              <a:rPr lang="en-US" altLang="ko-KR" sz="2000" b="1" dirty="0">
-                <a:cs typeface="Times New Roman" panose="02020603050405020304" pitchFamily="18" charset="0"/>
-              </a:rPr>
-              <a:t>/ </a:t>
-            </a:r>
-            <a:r>
-              <a:rPr lang="ko-KR" altLang="ko-KR" sz="2000" b="1" dirty="0">
-                <a:cs typeface="Times New Roman" panose="02020603050405020304" pitchFamily="18" charset="0"/>
-              </a:rPr>
-              <a:t>당선횟수 </a:t>
-            </a:r>
-            <a:r>
-              <a:rPr lang="en-US" altLang="ko-KR" sz="2000" b="1" dirty="0">
-                <a:cs typeface="Times New Roman" panose="02020603050405020304" pitchFamily="18" charset="0"/>
-              </a:rPr>
-              <a:t>/ </a:t>
-            </a:r>
-            <a:r>
-              <a:rPr lang="ko-KR" altLang="ko-KR" sz="2000" b="1" dirty="0">
-                <a:cs typeface="Times New Roman" panose="02020603050405020304" pitchFamily="18" charset="0"/>
-              </a:rPr>
-              <a:t>뉴스 이슈화 </a:t>
-            </a:r>
-            <a:r>
-              <a:rPr lang="en-US" altLang="ko-KR" sz="2000" b="1" dirty="0">
-                <a:cs typeface="Times New Roman" panose="02020603050405020304" pitchFamily="18" charset="0"/>
-              </a:rPr>
-              <a:t>/ </a:t>
-            </a:r>
-            <a:r>
-              <a:rPr lang="ko-KR" altLang="ko-KR" sz="2000" b="1" dirty="0">
-                <a:cs typeface="Times New Roman" panose="02020603050405020304" pitchFamily="18" charset="0"/>
-              </a:rPr>
-              <a:t>범죄여부 </a:t>
-            </a:r>
-            <a:r>
-              <a:rPr lang="en-US" altLang="ko-KR" sz="2000" b="1" dirty="0">
-                <a:cs typeface="Times New Roman" panose="02020603050405020304" pitchFamily="18" charset="0"/>
-              </a:rPr>
-              <a:t>/ </a:t>
-            </a:r>
-            <a:r>
-              <a:rPr lang="ko-KR" altLang="ko-KR" sz="2000" b="1" dirty="0">
-                <a:cs typeface="Times New Roman" panose="02020603050405020304" pitchFamily="18" charset="0"/>
-              </a:rPr>
-              <a:t>자산 </a:t>
-            </a:r>
-            <a:r>
-              <a:rPr lang="en-US" altLang="ko-KR" sz="2000" b="1" dirty="0">
-                <a:cs typeface="Times New Roman" panose="02020603050405020304" pitchFamily="18" charset="0"/>
-              </a:rPr>
-              <a:t>/ </a:t>
-            </a:r>
-            <a:r>
-              <a:rPr lang="ko-KR" altLang="ko-KR" sz="2000" b="1" dirty="0">
-                <a:cs typeface="Times New Roman" panose="02020603050405020304" pitchFamily="18" charset="0"/>
-              </a:rPr>
-              <a:t>경력 </a:t>
-            </a:r>
-            <a:r>
-              <a:rPr lang="en-US" altLang="ko-KR" sz="2000" b="1" dirty="0">
-                <a:cs typeface="Times New Roman" panose="02020603050405020304" pitchFamily="18" charset="0"/>
-              </a:rPr>
-              <a:t>/ </a:t>
-            </a:r>
-            <a:r>
-              <a:rPr lang="ko-KR" altLang="ko-KR" sz="2000" b="1" dirty="0">
-                <a:cs typeface="Times New Roman" panose="02020603050405020304" pitchFamily="18" charset="0"/>
-              </a:rPr>
-              <a:t>자녀 </a:t>
-            </a:r>
-            <a:r>
-              <a:rPr lang="en-US" altLang="ko-KR" sz="2000" b="1" dirty="0">
-                <a:cs typeface="Times New Roman" panose="02020603050405020304" pitchFamily="18" charset="0"/>
-              </a:rPr>
-              <a:t>/ </a:t>
-            </a:r>
-            <a:r>
-              <a:rPr lang="ko-KR" altLang="ko-KR" sz="2000" b="1" dirty="0">
-                <a:cs typeface="Times New Roman" panose="02020603050405020304" pitchFamily="18" charset="0"/>
-              </a:rPr>
-              <a:t>학벌 </a:t>
-            </a:r>
-            <a:r>
-              <a:rPr lang="en-US" altLang="ko-KR" sz="2000" b="1" dirty="0">
-                <a:cs typeface="Times New Roman" panose="02020603050405020304" pitchFamily="18" charset="0"/>
-              </a:rPr>
-              <a:t>/ </a:t>
-            </a:r>
-            <a:r>
-              <a:rPr lang="ko-KR" altLang="ko-KR" sz="2000" b="1" dirty="0">
-                <a:cs typeface="Times New Roman" panose="02020603050405020304" pitchFamily="18" charset="0"/>
-              </a:rPr>
-              <a:t>지역구</a:t>
-            </a:r>
-            <a:endParaRPr lang="ko-KR" altLang="en-US" sz="2000" b="1" dirty="0"/>
           </a:p>
         </p:txBody>
       </p:sp>
       <p:sp>
         <p:nvSpPr>
-          <p:cNvPr id="7" name="부제목 2"/>
-          <p:cNvSpPr>
-            <a:spLocks noGrp="1"/>
-          </p:cNvSpPr>
-          <p:nvPr>
-            <p:ph type="subTitle" idx="1"/>
-          </p:nvPr>
+          <p:cNvPr id="9" name="TextBox 8"/>
+          <p:cNvSpPr txBox="1"/>
+          <p:nvPr/>
         </p:nvSpPr>
         <p:spPr>
           <a:xfrm>
-            <a:off x="793315" y="5030681"/>
-            <a:ext cx="10605370" cy="1240077"/>
+            <a:off x="1778696" y="1503455"/>
+            <a:ext cx="9244208" cy="4339650"/>
           </a:xfrm>
+          <a:prstGeom prst="rect">
+            <a:avLst/>
+          </a:prstGeom>
+          <a:noFill/>
         </p:spPr>
         <p:txBody>
-          <a:bodyPr>
-            <a:noAutofit/>
+          <a:bodyPr wrap="square" rtlCol="0">
+            <a:spAutoFit/>
           </a:bodyPr>
           <a:lstStyle/>
           <a:p>
-            <a:pPr algn="l"/>
-            <a:r>
-              <a:rPr lang="en-US" altLang="ko-KR" sz="2000" b="1" dirty="0" smtClean="0"/>
+            <a:r>
+              <a:rPr lang="en-US" altLang="ko-KR" sz="2400" b="1" dirty="0">
+                <a:solidFill>
+                  <a:schemeClr val="bg1"/>
+                </a:solidFill>
+                <a:latin typeface="나눔스퀘어_ac Bold" panose="020B0600000101010101" pitchFamily="50" charset="-127"/>
+                <a:ea typeface="나눔스퀘어_ac Bold" panose="020B0600000101010101" pitchFamily="50" charset="-127"/>
+              </a:rPr>
               <a:t>&lt;</a:t>
             </a:r>
             <a:r>
-              <a:rPr lang="ko-KR" altLang="en-US" sz="2000" b="1" dirty="0" smtClean="0"/>
+              <a:rPr lang="ko-KR" altLang="en-US" sz="2400" b="1" dirty="0">
+                <a:solidFill>
+                  <a:schemeClr val="bg1"/>
+                </a:solidFill>
+                <a:latin typeface="나눔스퀘어_ac Bold" panose="020B0600000101010101" pitchFamily="50" charset="-127"/>
+                <a:ea typeface="나눔스퀘어_ac Bold" panose="020B0600000101010101" pitchFamily="50" charset="-127"/>
+              </a:rPr>
               <a:t>참고사이트</a:t>
             </a:r>
             <a:r>
-              <a:rPr lang="en-US" altLang="ko-KR" sz="2000" b="1" dirty="0" smtClean="0"/>
+              <a:rPr lang="en-US" altLang="ko-KR" sz="2400" b="1" dirty="0" smtClean="0">
+                <a:solidFill>
+                  <a:schemeClr val="bg1"/>
+                </a:solidFill>
+                <a:latin typeface="나눔스퀘어_ac Bold" panose="020B0600000101010101" pitchFamily="50" charset="-127"/>
+                <a:ea typeface="나눔스퀘어_ac Bold" panose="020B0600000101010101" pitchFamily="50" charset="-127"/>
+              </a:rPr>
               <a:t>&gt;</a:t>
             </a:r>
           </a:p>
           <a:p>
-            <a:pPr algn="l"/>
-            <a:r>
-              <a:rPr lang="ko-KR" altLang="ko-KR" sz="2000" b="1" dirty="0" smtClean="0"/>
+            <a:endParaRPr lang="en-US" altLang="ko-KR" sz="2400" b="1" dirty="0">
+              <a:solidFill>
+                <a:schemeClr val="bg1"/>
+              </a:solidFill>
+              <a:latin typeface="나눔스퀘어_ac Bold" panose="020B0600000101010101" pitchFamily="50" charset="-127"/>
+              <a:ea typeface="나눔스퀘어_ac Bold" panose="020B0600000101010101" pitchFamily="50" charset="-127"/>
+            </a:endParaRPr>
+          </a:p>
+          <a:p>
+            <a:r>
+              <a:rPr lang="ko-KR" altLang="ko-KR" sz="2400" b="1" dirty="0">
+                <a:solidFill>
+                  <a:schemeClr val="bg1"/>
+                </a:solidFill>
+                <a:latin typeface="나눔스퀘어_ac Bold" panose="020B0600000101010101" pitchFamily="50" charset="-127"/>
+                <a:ea typeface="나눔스퀘어_ac Bold" panose="020B0600000101010101" pitchFamily="50" charset="-127"/>
+              </a:rPr>
               <a:t>국회도서관 </a:t>
             </a:r>
             <a:r>
-              <a:rPr lang="ko-KR" altLang="ko-KR" sz="2000" b="1" dirty="0" err="1"/>
-              <a:t>사이트내</a:t>
-            </a:r>
-            <a:r>
-              <a:rPr lang="ko-KR" altLang="ko-KR" sz="2000" b="1" dirty="0"/>
+              <a:rPr lang="ko-KR" altLang="ko-KR" sz="2400" b="1" dirty="0" err="1" smtClean="0">
+                <a:solidFill>
+                  <a:schemeClr val="bg1"/>
+                </a:solidFill>
+                <a:latin typeface="나눔스퀘어_ac Bold" panose="020B0600000101010101" pitchFamily="50" charset="-127"/>
+                <a:ea typeface="나눔스퀘어_ac Bold" panose="020B0600000101010101" pitchFamily="50" charset="-127"/>
+              </a:rPr>
+              <a:t>사이트</a:t>
+            </a:r>
+            <a:r>
+              <a:rPr lang="ko-KR" altLang="en-US" sz="2400" b="1" dirty="0" err="1" smtClean="0">
+                <a:solidFill>
+                  <a:schemeClr val="bg1"/>
+                </a:solidFill>
+                <a:latin typeface="나눔스퀘어_ac Bold" panose="020B0600000101010101" pitchFamily="50" charset="-127"/>
+                <a:ea typeface="나눔스퀘어_ac Bold" panose="020B0600000101010101" pitchFamily="50" charset="-127"/>
+              </a:rPr>
+              <a:t>內</a:t>
+            </a:r>
+            <a:endParaRPr lang="en-US" altLang="ko-KR" sz="2400" b="1" dirty="0" smtClean="0">
+              <a:solidFill>
+                <a:schemeClr val="bg1"/>
+              </a:solidFill>
+              <a:latin typeface="나눔스퀘어_ac Bold" panose="020B0600000101010101" pitchFamily="50" charset="-127"/>
+              <a:ea typeface="나눔스퀘어_ac Bold" panose="020B0600000101010101" pitchFamily="50" charset="-127"/>
+            </a:endParaRPr>
+          </a:p>
+          <a:p>
+            <a:r>
+              <a:rPr lang="ko-KR" altLang="ko-KR" sz="2400" b="1" dirty="0" smtClean="0">
+                <a:solidFill>
+                  <a:schemeClr val="bg1"/>
+                </a:solidFill>
+                <a:latin typeface="나눔스퀘어_ac Bold" panose="020B0600000101010101" pitchFamily="50" charset="-127"/>
+                <a:ea typeface="나눔스퀘어_ac Bold" panose="020B0600000101010101" pitchFamily="50" charset="-127"/>
+              </a:rPr>
               <a:t> </a:t>
             </a:r>
             <a:r>
-              <a:rPr lang="en-US" altLang="ko-KR" sz="2000" b="1" dirty="0"/>
+              <a:rPr lang="en-US" altLang="ko-KR" sz="2400" b="1" dirty="0">
+                <a:solidFill>
+                  <a:schemeClr val="bg1"/>
+                </a:solidFill>
+                <a:latin typeface="나눔스퀘어_ac Bold" panose="020B0600000101010101" pitchFamily="50" charset="-127"/>
+                <a:ea typeface="나눔스퀘어_ac Bold" panose="020B0600000101010101" pitchFamily="50" charset="-127"/>
+              </a:rPr>
               <a:t>– </a:t>
             </a:r>
             <a:r>
-              <a:rPr lang="ko-KR" altLang="ko-KR" sz="2000" b="1" dirty="0"/>
+              <a:rPr lang="ko-KR" altLang="ko-KR" sz="2400" b="1" dirty="0">
+                <a:solidFill>
+                  <a:schemeClr val="bg1"/>
+                </a:solidFill>
+                <a:latin typeface="나눔스퀘어_ac Bold" panose="020B0600000101010101" pitchFamily="50" charset="-127"/>
+                <a:ea typeface="나눔스퀘어_ac Bold" panose="020B0600000101010101" pitchFamily="50" charset="-127"/>
+              </a:rPr>
               <a:t>국회법률정보서비스 </a:t>
             </a:r>
             <a:r>
-              <a:rPr lang="en-US" altLang="ko-KR" sz="2000" b="1" dirty="0"/>
+              <a:rPr lang="en-US" altLang="ko-KR" sz="2400" b="1" dirty="0">
+                <a:solidFill>
+                  <a:schemeClr val="bg1"/>
+                </a:solidFill>
+                <a:latin typeface="나눔스퀘어_ac Bold" panose="020B0600000101010101" pitchFamily="50" charset="-127"/>
+                <a:ea typeface="나눔스퀘어_ac Bold" panose="020B0600000101010101" pitchFamily="50" charset="-127"/>
+              </a:rPr>
               <a:t>/ </a:t>
             </a:r>
             <a:r>
-              <a:rPr lang="ko-KR" altLang="ko-KR" sz="2000" b="1" dirty="0"/>
+              <a:rPr lang="ko-KR" altLang="ko-KR" sz="2400" b="1" dirty="0">
+                <a:solidFill>
+                  <a:schemeClr val="bg1"/>
+                </a:solidFill>
+                <a:latin typeface="나눔스퀘어_ac Bold" panose="020B0600000101010101" pitchFamily="50" charset="-127"/>
+                <a:ea typeface="나눔스퀘어_ac Bold" panose="020B0600000101010101" pitchFamily="50" charset="-127"/>
+              </a:rPr>
               <a:t>국회의원 정책자료 </a:t>
             </a:r>
             <a:r>
-              <a:rPr lang="en-US" altLang="ko-KR" sz="2000" b="1" dirty="0"/>
+              <a:rPr lang="en-US" altLang="ko-KR" sz="2400" b="1" dirty="0">
+                <a:solidFill>
+                  <a:schemeClr val="bg1"/>
+                </a:solidFill>
+                <a:latin typeface="나눔스퀘어_ac Bold" panose="020B0600000101010101" pitchFamily="50" charset="-127"/>
+                <a:ea typeface="나눔스퀘어_ac Bold" panose="020B0600000101010101" pitchFamily="50" charset="-127"/>
+              </a:rPr>
               <a:t>/ </a:t>
             </a:r>
             <a:r>
-              <a:rPr lang="ko-KR" altLang="ko-KR" sz="2000" b="1" dirty="0"/>
+              <a:rPr lang="ko-KR" altLang="ko-KR" sz="2400" b="1" dirty="0">
+                <a:solidFill>
+                  <a:schemeClr val="bg1"/>
+                </a:solidFill>
+                <a:latin typeface="나눔스퀘어_ac Bold" panose="020B0600000101010101" pitchFamily="50" charset="-127"/>
+                <a:ea typeface="나눔스퀘어_ac Bold" panose="020B0600000101010101" pitchFamily="50" charset="-127"/>
+              </a:rPr>
               <a:t>의정정보 </a:t>
             </a:r>
             <a:r>
-              <a:rPr lang="en-US" altLang="ko-KR" sz="2000" b="1" dirty="0"/>
+              <a:rPr lang="en-US" altLang="ko-KR" sz="2400" b="1" dirty="0">
+                <a:solidFill>
+                  <a:schemeClr val="bg1"/>
+                </a:solidFill>
+                <a:latin typeface="나눔스퀘어_ac Bold" panose="020B0600000101010101" pitchFamily="50" charset="-127"/>
+                <a:ea typeface="나눔스퀘어_ac Bold" panose="020B0600000101010101" pitchFamily="50" charset="-127"/>
+              </a:rPr>
               <a:t>/ </a:t>
             </a:r>
             <a:r>
-              <a:rPr lang="ko-KR" altLang="ko-KR" sz="2000" b="1" dirty="0" err="1"/>
+              <a:rPr lang="ko-KR" altLang="ko-KR" sz="2400" b="1" dirty="0" err="1">
+                <a:solidFill>
+                  <a:schemeClr val="bg1"/>
+                </a:solidFill>
+                <a:latin typeface="나눔스퀘어_ac Bold" panose="020B0600000101010101" pitchFamily="50" charset="-127"/>
+                <a:ea typeface="나눔스퀘어_ac Bold" panose="020B0600000101010101" pitchFamily="50" charset="-127"/>
+              </a:rPr>
               <a:t>아르고스</a:t>
             </a:r>
             <a:r>
-              <a:rPr lang="ko-KR" altLang="ko-KR" sz="2000" b="1" dirty="0"/>
+              <a:rPr lang="ko-KR" altLang="ko-KR" sz="2400" b="1" dirty="0">
+                <a:solidFill>
+                  <a:schemeClr val="bg1"/>
+                </a:solidFill>
+                <a:latin typeface="나눔스퀘어_ac Bold" panose="020B0600000101010101" pitchFamily="50" charset="-127"/>
+                <a:ea typeface="나눔스퀘어_ac Bold" panose="020B0600000101010101" pitchFamily="50" charset="-127"/>
+              </a:rPr>
               <a:t> 등</a:t>
             </a:r>
           </a:p>
           <a:p>
-            <a:pPr algn="l"/>
-            <a:r>
-              <a:rPr lang="en-US" altLang="ko-KR" sz="2000" b="1" dirty="0"/>
+            <a:endParaRPr lang="en-US" altLang="ko-KR" sz="2400" b="1" dirty="0" smtClean="0">
+              <a:solidFill>
+                <a:schemeClr val="bg1"/>
+              </a:solidFill>
+              <a:latin typeface="나눔스퀘어_ac Bold" panose="020B0600000101010101" pitchFamily="50" charset="-127"/>
+              <a:ea typeface="나눔스퀘어_ac Bold" panose="020B0600000101010101" pitchFamily="50" charset="-127"/>
+            </a:endParaRPr>
+          </a:p>
+          <a:p>
+            <a:r>
+              <a:rPr lang="en-US" altLang="ko-KR" sz="2400" b="1" dirty="0" smtClean="0">
+                <a:solidFill>
+                  <a:schemeClr val="bg1"/>
+                </a:solidFill>
+                <a:latin typeface="나눔스퀘어_ac Bold" panose="020B0600000101010101" pitchFamily="50" charset="-127"/>
+                <a:ea typeface="나눔스퀘어_ac Bold" panose="020B0600000101010101" pitchFamily="50" charset="-127"/>
+              </a:rPr>
               <a:t>SNS </a:t>
             </a:r>
             <a:r>
-              <a:rPr lang="ko-KR" altLang="ko-KR" sz="2000" b="1" dirty="0"/>
+              <a:rPr lang="ko-KR" altLang="ko-KR" sz="2400" b="1" dirty="0">
+                <a:solidFill>
+                  <a:schemeClr val="bg1"/>
+                </a:solidFill>
+                <a:latin typeface="나눔스퀘어_ac Bold" panose="020B0600000101010101" pitchFamily="50" charset="-127"/>
+                <a:ea typeface="나눔스퀘어_ac Bold" panose="020B0600000101010101" pitchFamily="50" charset="-127"/>
+              </a:rPr>
               <a:t>데이터 </a:t>
             </a:r>
-            <a:r>
-              <a:rPr lang="en-US" altLang="ko-KR" sz="2000" b="1" dirty="0"/>
+            <a:endParaRPr lang="en-US" altLang="ko-KR" sz="2400" b="1" dirty="0" smtClean="0">
+              <a:solidFill>
+                <a:schemeClr val="bg1"/>
+              </a:solidFill>
+              <a:latin typeface="나눔스퀘어_ac Bold" panose="020B0600000101010101" pitchFamily="50" charset="-127"/>
+              <a:ea typeface="나눔스퀘어_ac Bold" panose="020B0600000101010101" pitchFamily="50" charset="-127"/>
+            </a:endParaRPr>
+          </a:p>
+          <a:p>
+            <a:r>
+              <a:rPr lang="en-US" altLang="ko-KR" sz="2400" b="1" dirty="0" smtClean="0">
+                <a:solidFill>
+                  <a:schemeClr val="bg1"/>
+                </a:solidFill>
+                <a:latin typeface="나눔스퀘어_ac Bold" panose="020B0600000101010101" pitchFamily="50" charset="-127"/>
+                <a:ea typeface="나눔스퀘어_ac Bold" panose="020B0600000101010101" pitchFamily="50" charset="-127"/>
+              </a:rPr>
               <a:t>– </a:t>
             </a:r>
             <a:r>
-              <a:rPr lang="ko-KR" altLang="ko-KR" sz="2000" b="1" dirty="0" err="1"/>
+              <a:rPr lang="ko-KR" altLang="ko-KR" sz="2400" b="1" dirty="0" err="1">
+                <a:solidFill>
+                  <a:schemeClr val="bg1"/>
+                </a:solidFill>
+                <a:latin typeface="나눔스퀘어_ac Bold" panose="020B0600000101010101" pitchFamily="50" charset="-127"/>
+                <a:ea typeface="나눔스퀘어_ac Bold" panose="020B0600000101010101" pitchFamily="50" charset="-127"/>
+              </a:rPr>
               <a:t>네이버</a:t>
             </a:r>
             <a:r>
-              <a:rPr lang="en-US" altLang="ko-KR" sz="2000" b="1" dirty="0"/>
+              <a:rPr lang="en-US" altLang="ko-KR" sz="2400" b="1" dirty="0">
+                <a:solidFill>
+                  <a:schemeClr val="bg1"/>
+                </a:solidFill>
+                <a:latin typeface="나눔스퀘어_ac Bold" panose="020B0600000101010101" pitchFamily="50" charset="-127"/>
+                <a:ea typeface="나눔스퀘어_ac Bold" panose="020B0600000101010101" pitchFamily="50" charset="-127"/>
+              </a:rPr>
               <a:t>/</a:t>
             </a:r>
             <a:r>
-              <a:rPr lang="ko-KR" altLang="ko-KR" sz="2000" b="1" dirty="0"/>
+              <a:rPr lang="ko-KR" altLang="ko-KR" sz="2400" b="1" dirty="0">
+                <a:solidFill>
+                  <a:schemeClr val="bg1"/>
+                </a:solidFill>
+                <a:latin typeface="나눔스퀘어_ac Bold" panose="020B0600000101010101" pitchFamily="50" charset="-127"/>
+                <a:ea typeface="나눔스퀘어_ac Bold" panose="020B0600000101010101" pitchFamily="50" charset="-127"/>
+              </a:rPr>
               <a:t>다음 뉴스</a:t>
             </a:r>
             <a:r>
-              <a:rPr lang="en-US" altLang="ko-KR" sz="2000" b="1" dirty="0"/>
+              <a:rPr lang="en-US" altLang="ko-KR" sz="2400" b="1" dirty="0">
+                <a:solidFill>
+                  <a:schemeClr val="bg1"/>
+                </a:solidFill>
+                <a:latin typeface="나눔스퀘어_ac Bold" panose="020B0600000101010101" pitchFamily="50" charset="-127"/>
+                <a:ea typeface="나눔스퀘어_ac Bold" panose="020B0600000101010101" pitchFamily="50" charset="-127"/>
+              </a:rPr>
               <a:t>, </a:t>
             </a:r>
             <a:r>
-              <a:rPr lang="ko-KR" altLang="ko-KR" sz="2000" b="1" dirty="0" err="1"/>
+              <a:rPr lang="ko-KR" altLang="ko-KR" sz="2400" b="1" dirty="0" err="1">
+                <a:solidFill>
+                  <a:schemeClr val="bg1"/>
+                </a:solidFill>
+                <a:latin typeface="나눔스퀘어_ac Bold" panose="020B0600000101010101" pitchFamily="50" charset="-127"/>
+                <a:ea typeface="나눔스퀘어_ac Bold" panose="020B0600000101010101" pitchFamily="50" charset="-127"/>
+              </a:rPr>
               <a:t>블로그</a:t>
             </a:r>
             <a:r>
-              <a:rPr lang="en-US" altLang="ko-KR" sz="2000" b="1" dirty="0"/>
+              <a:rPr lang="en-US" altLang="ko-KR" sz="2400" b="1" dirty="0">
+                <a:solidFill>
+                  <a:schemeClr val="bg1"/>
+                </a:solidFill>
+                <a:latin typeface="나눔스퀘어_ac Bold" panose="020B0600000101010101" pitchFamily="50" charset="-127"/>
+                <a:ea typeface="나눔스퀘어_ac Bold" panose="020B0600000101010101" pitchFamily="50" charset="-127"/>
+              </a:rPr>
               <a:t>, </a:t>
             </a:r>
             <a:r>
-              <a:rPr lang="ko-KR" altLang="ko-KR" sz="2000" b="1" dirty="0" err="1"/>
+              <a:rPr lang="ko-KR" altLang="ko-KR" sz="2400" b="1" dirty="0" err="1">
+                <a:solidFill>
+                  <a:schemeClr val="bg1"/>
+                </a:solidFill>
+                <a:latin typeface="나눔스퀘어_ac Bold" panose="020B0600000101010101" pitchFamily="50" charset="-127"/>
+                <a:ea typeface="나눔스퀘어_ac Bold" panose="020B0600000101010101" pitchFamily="50" charset="-127"/>
+              </a:rPr>
               <a:t>트위터</a:t>
             </a:r>
             <a:r>
-              <a:rPr lang="en-US" altLang="ko-KR" sz="2000" b="1" dirty="0"/>
+              <a:rPr lang="en-US" altLang="ko-KR" sz="2400" b="1" dirty="0">
+                <a:solidFill>
+                  <a:schemeClr val="bg1"/>
+                </a:solidFill>
+                <a:latin typeface="나눔스퀘어_ac Bold" panose="020B0600000101010101" pitchFamily="50" charset="-127"/>
+                <a:ea typeface="나눔스퀘어_ac Bold" panose="020B0600000101010101" pitchFamily="50" charset="-127"/>
+              </a:rPr>
               <a:t>, </a:t>
             </a:r>
             <a:r>
-              <a:rPr lang="ko-KR" altLang="ko-KR" sz="2000" b="1" dirty="0"/>
+              <a:rPr lang="ko-KR" altLang="ko-KR" sz="2400" b="1" dirty="0">
+                <a:solidFill>
+                  <a:schemeClr val="bg1"/>
+                </a:solidFill>
+                <a:latin typeface="나눔스퀘어_ac Bold" panose="020B0600000101010101" pitchFamily="50" charset="-127"/>
+                <a:ea typeface="나눔스퀘어_ac Bold" panose="020B0600000101010101" pitchFamily="50" charset="-127"/>
+              </a:rPr>
               <a:t>커뮤니티 등</a:t>
             </a:r>
             <a:r>
-              <a:rPr lang="en-US" altLang="ko-KR" sz="2000" b="1" dirty="0"/>
+              <a:rPr lang="en-US" altLang="ko-KR" sz="2400" b="1" dirty="0">
+                <a:solidFill>
+                  <a:schemeClr val="bg1"/>
+                </a:solidFill>
+                <a:latin typeface="나눔스퀘어_ac Bold" panose="020B0600000101010101" pitchFamily="50" charset="-127"/>
+                <a:ea typeface="나눔스퀘어_ac Bold" panose="020B0600000101010101" pitchFamily="50" charset="-127"/>
+              </a:rPr>
               <a:t>(</a:t>
             </a:r>
             <a:r>
-              <a:rPr lang="ko-KR" altLang="ko-KR" sz="2000" b="1" dirty="0" err="1"/>
+              <a:rPr lang="ko-KR" altLang="ko-KR" sz="2400" b="1" dirty="0" err="1">
+                <a:solidFill>
+                  <a:schemeClr val="bg1"/>
+                </a:solidFill>
+                <a:latin typeface="나눔스퀘어_ac Bold" panose="020B0600000101010101" pitchFamily="50" charset="-127"/>
+                <a:ea typeface="나눔스퀘어_ac Bold" panose="020B0600000101010101" pitchFamily="50" charset="-127"/>
+              </a:rPr>
               <a:t>언급량</a:t>
             </a:r>
             <a:r>
-              <a:rPr lang="en-US" altLang="ko-KR" sz="2000" b="1" dirty="0"/>
+              <a:rPr lang="en-US" altLang="ko-KR" sz="2400" b="1" dirty="0">
+                <a:solidFill>
+                  <a:schemeClr val="bg1"/>
+                </a:solidFill>
+                <a:latin typeface="나눔스퀘어_ac Bold" panose="020B0600000101010101" pitchFamily="50" charset="-127"/>
+                <a:ea typeface="나눔스퀘어_ac Bold" panose="020B0600000101010101" pitchFamily="50" charset="-127"/>
+              </a:rPr>
               <a:t>, </a:t>
             </a:r>
             <a:r>
-              <a:rPr lang="ko-KR" altLang="ko-KR" sz="2000" b="1" dirty="0"/>
+              <a:rPr lang="ko-KR" altLang="ko-KR" sz="2400" b="1" dirty="0">
+                <a:solidFill>
+                  <a:schemeClr val="bg1"/>
+                </a:solidFill>
+                <a:latin typeface="나눔스퀘어_ac Bold" panose="020B0600000101010101" pitchFamily="50" charset="-127"/>
+                <a:ea typeface="나눔스퀘어_ac Bold" panose="020B0600000101010101" pitchFamily="50" charset="-127"/>
+              </a:rPr>
               <a:t>제목 본문 등</a:t>
             </a:r>
             <a:r>
-              <a:rPr lang="en-US" altLang="ko-KR" sz="2000" b="1" dirty="0"/>
+              <a:rPr lang="en-US" altLang="ko-KR" sz="2400" b="1" dirty="0">
+                <a:solidFill>
+                  <a:schemeClr val="bg1"/>
+                </a:solidFill>
+                <a:latin typeface="나눔스퀘어_ac Bold" panose="020B0600000101010101" pitchFamily="50" charset="-127"/>
+                <a:ea typeface="나눔스퀘어_ac Bold" panose="020B0600000101010101" pitchFamily="50" charset="-127"/>
+              </a:rPr>
               <a:t>)</a:t>
             </a:r>
-            <a:endParaRPr lang="ko-KR" altLang="ko-KR" sz="2000" b="1" dirty="0"/>
-          </a:p>
-          <a:p>
-            <a:pPr algn="l"/>
-            <a:r>
-              <a:rPr lang="ko-KR" altLang="ko-KR" sz="2000" b="1" dirty="0" err="1"/>
+            <a:endParaRPr lang="ko-KR" altLang="ko-KR" sz="2400" b="1" dirty="0">
+              <a:solidFill>
+                <a:schemeClr val="bg1"/>
+              </a:solidFill>
+              <a:latin typeface="나눔스퀘어_ac Bold" panose="020B0600000101010101" pitchFamily="50" charset="-127"/>
+              <a:ea typeface="나눔스퀘어_ac Bold" panose="020B0600000101010101" pitchFamily="50" charset="-127"/>
+            </a:endParaRPr>
+          </a:p>
+          <a:p>
+            <a:endParaRPr lang="en-US" altLang="ko-KR" sz="2400" b="1" dirty="0" smtClean="0">
+              <a:solidFill>
+                <a:schemeClr val="bg1"/>
+              </a:solidFill>
+              <a:latin typeface="나눔스퀘어_ac Bold" panose="020B0600000101010101" pitchFamily="50" charset="-127"/>
+              <a:ea typeface="나눔스퀘어_ac Bold" panose="020B0600000101010101" pitchFamily="50" charset="-127"/>
+            </a:endParaRPr>
+          </a:p>
+          <a:p>
+            <a:r>
+              <a:rPr lang="ko-KR" altLang="ko-KR" sz="2400" b="1" dirty="0" err="1" smtClean="0">
+                <a:solidFill>
+                  <a:schemeClr val="bg1"/>
+                </a:solidFill>
+                <a:latin typeface="나눔스퀘어_ac Bold" panose="020B0600000101010101" pitchFamily="50" charset="-127"/>
+                <a:ea typeface="나눔스퀘어_ac Bold" panose="020B0600000101010101" pitchFamily="50" charset="-127"/>
+              </a:rPr>
               <a:t>나무위키</a:t>
             </a:r>
             <a:r>
-              <a:rPr lang="ko-KR" altLang="ko-KR" sz="2000" b="1" dirty="0"/>
+              <a:rPr lang="ko-KR" altLang="ko-KR" sz="2400" b="1" dirty="0" smtClean="0">
+                <a:solidFill>
+                  <a:schemeClr val="bg1"/>
+                </a:solidFill>
+                <a:latin typeface="나눔스퀘어_ac Bold" panose="020B0600000101010101" pitchFamily="50" charset="-127"/>
+                <a:ea typeface="나눔스퀘어_ac Bold" panose="020B0600000101010101" pitchFamily="50" charset="-127"/>
+              </a:rPr>
               <a:t> </a:t>
             </a:r>
-            <a:r>
-              <a:rPr lang="en-US" altLang="ko-KR" sz="2000" b="1" dirty="0"/>
+            <a:endParaRPr lang="en-US" altLang="ko-KR" sz="2400" b="1" dirty="0" smtClean="0">
+              <a:solidFill>
+                <a:schemeClr val="bg1"/>
+              </a:solidFill>
+              <a:latin typeface="나눔스퀘어_ac Bold" panose="020B0600000101010101" pitchFamily="50" charset="-127"/>
+              <a:ea typeface="나눔스퀘어_ac Bold" panose="020B0600000101010101" pitchFamily="50" charset="-127"/>
+            </a:endParaRPr>
+          </a:p>
+          <a:p>
+            <a:r>
+              <a:rPr lang="en-US" altLang="ko-KR" sz="2400" b="1" dirty="0" smtClean="0">
+                <a:solidFill>
+                  <a:schemeClr val="bg1"/>
+                </a:solidFill>
+                <a:latin typeface="나눔스퀘어_ac Bold" panose="020B0600000101010101" pitchFamily="50" charset="-127"/>
+                <a:ea typeface="나눔스퀘어_ac Bold" panose="020B0600000101010101" pitchFamily="50" charset="-127"/>
+              </a:rPr>
               <a:t>– </a:t>
             </a:r>
             <a:r>
-              <a:rPr lang="ko-KR" altLang="ko-KR" sz="2000" b="1" dirty="0"/>
+              <a:rPr lang="ko-KR" altLang="ko-KR" sz="2400" b="1" dirty="0">
+                <a:solidFill>
+                  <a:schemeClr val="bg1"/>
+                </a:solidFill>
+                <a:latin typeface="나눔스퀘어_ac Bold" panose="020B0600000101010101" pitchFamily="50" charset="-127"/>
+                <a:ea typeface="나눔스퀘어_ac Bold" panose="020B0600000101010101" pitchFamily="50" charset="-127"/>
+              </a:rPr>
               <a:t>국회의원 정당 소속 정보</a:t>
             </a:r>
           </a:p>
           <a:p>
-            <a:pPr algn="l"/>
-            <a:endParaRPr lang="ko-KR" altLang="en-US" sz="2000" b="1" dirty="0"/>
+            <a:endParaRPr lang="ko-KR" altLang="en-US" b="1" dirty="0"/>
+          </a:p>
+          <a:p>
+            <a:endParaRPr lang="ko-KR" altLang="en-US" dirty="0"/>
           </a:p>
         </p:txBody>
       </p:sp>
     </p:spTree>
     <p:extLst>
       <p:ext uri="{BB962C8B-B14F-4D97-AF65-F5344CB8AC3E}">
-        <p14:creationId xmlns:p14="http://schemas.microsoft.com/office/powerpoint/2010/main" val="1689626632"/>
+        <p14:creationId xmlns:p14="http://schemas.microsoft.com/office/powerpoint/2010/main" val="3413267238"/>
       </p:ext>
     </p:extLst>
   </p:cSld>
@@ -6349,109 +7498,577 @@
       </p:grpSpPr>
       <p:sp>
         <p:nvSpPr>
-          <p:cNvPr id="2" name="제목 1"/>
-          <p:cNvSpPr>
-            <a:spLocks noGrp="1"/>
-          </p:cNvSpPr>
-          <p:nvPr>
-            <p:ph type="title"/>
-          </p:nvPr>
+          <p:cNvPr id="4" name="직사각형 3"/>
+          <p:cNvSpPr/>
+          <p:nvPr/>
         </p:nvSpPr>
         <p:spPr>
           <a:xfrm>
-            <a:off x="838200" y="365126"/>
-            <a:ext cx="10515600" cy="862426"/>
+            <a:off x="0" y="0"/>
+            <a:ext cx="12192000" cy="6858000"/>
           </a:xfrm>
+          <a:prstGeom prst="rect">
+            <a:avLst/>
+          </a:prstGeom>
+          <a:solidFill>
+            <a:srgbClr val="00204F"/>
+          </a:solidFill>
+          <a:ln>
+            <a:noFill/>
+          </a:ln>
         </p:spPr>
+        <p:style>
+          <a:lnRef idx="2">
+            <a:schemeClr val="accent1">
+              <a:shade val="50000"/>
+            </a:schemeClr>
+          </a:lnRef>
+          <a:fillRef idx="1">
+            <a:schemeClr val="accent1"/>
+          </a:fillRef>
+          <a:effectRef idx="0">
+            <a:schemeClr val="accent1"/>
+          </a:effectRef>
+          <a:fontRef idx="minor">
+            <a:schemeClr val="lt1"/>
+          </a:fontRef>
+        </p:style>
         <p:txBody>
-          <a:bodyPr/>
+          <a:bodyPr rtlCol="0" anchor="ctr"/>
           <a:lstStyle/>
           <a:p>
             <a:pPr algn="ctr"/>
-            <a:r>
-              <a:rPr lang="ko-KR" altLang="en-US" b="1" dirty="0" smtClean="0"/>
-              <a:t>문화생활 추천 서비스</a:t>
-            </a:r>
-            <a:endParaRPr lang="ko-KR" altLang="en-US" b="1" dirty="0"/>
+            <a:endParaRPr lang="ko-KR" altLang="en-US"/>
           </a:p>
         </p:txBody>
       </p:sp>
       <p:sp>
         <p:nvSpPr>
-          <p:cNvPr id="3" name="내용 개체 틀 2"/>
-          <p:cNvSpPr>
-            <a:spLocks noGrp="1"/>
-          </p:cNvSpPr>
-          <p:nvPr>
-            <p:ph idx="1"/>
-          </p:nvPr>
+          <p:cNvPr id="8" name="TextBox 7"/>
+          <p:cNvSpPr txBox="1"/>
+          <p:nvPr/>
         </p:nvSpPr>
         <p:spPr>
           <a:xfrm>
-            <a:off x="838199" y="1402916"/>
-            <a:ext cx="10773427" cy="4351338"/>
+            <a:off x="657615" y="388307"/>
+            <a:ext cx="8724379" cy="707886"/>
           </a:xfrm>
+          <a:prstGeom prst="rect">
+            <a:avLst/>
+          </a:prstGeom>
+          <a:noFill/>
         </p:spPr>
         <p:txBody>
-          <a:bodyPr>
-            <a:normAutofit/>
+          <a:bodyPr wrap="square" rtlCol="0">
+            <a:spAutoFit/>
           </a:bodyPr>
           <a:lstStyle/>
           <a:p>
-            <a:pPr marL="0" indent="0">
-              <a:buNone/>
+            <a:r>
+              <a:rPr lang="en-US" altLang="ko-KR" sz="4000" b="1" dirty="0">
+                <a:solidFill>
+                  <a:schemeClr val="bg1"/>
+                </a:solidFill>
+                <a:latin typeface="나눔스퀘어_ac ExtraBold" panose="020B0600000101010101" pitchFamily="50" charset="-127"/>
+                <a:ea typeface="나눔스퀘어_ac ExtraBold" panose="020B0600000101010101" pitchFamily="50" charset="-127"/>
+              </a:rPr>
+              <a:t>2</a:t>
+            </a:r>
+            <a:r>
+              <a:rPr lang="en-US" altLang="ko-KR" sz="4000" b="1" dirty="0" smtClean="0">
+                <a:solidFill>
+                  <a:schemeClr val="bg1"/>
+                </a:solidFill>
+                <a:latin typeface="나눔스퀘어_ac ExtraBold" panose="020B0600000101010101" pitchFamily="50" charset="-127"/>
+                <a:ea typeface="나눔스퀘어_ac ExtraBold" panose="020B0600000101010101" pitchFamily="50" charset="-127"/>
+              </a:rPr>
+              <a:t>. </a:t>
+            </a:r>
+            <a:r>
+              <a:rPr lang="ko-KR" altLang="en-US" sz="4000" b="1" dirty="0" smtClean="0">
+                <a:solidFill>
+                  <a:schemeClr val="bg1"/>
+                </a:solidFill>
+                <a:latin typeface="나눔스퀘어_ac ExtraBold" panose="020B0600000101010101" pitchFamily="50" charset="-127"/>
+                <a:ea typeface="나눔스퀘어_ac ExtraBold" panose="020B0600000101010101" pitchFamily="50" charset="-127"/>
+              </a:rPr>
+              <a:t>문화생활 추천 서비스 </a:t>
+            </a:r>
+            <a:endParaRPr lang="ko-KR" altLang="en-US" sz="4000" dirty="0">
+              <a:solidFill>
+                <a:schemeClr val="bg1"/>
+              </a:solidFill>
+              <a:latin typeface="나눔스퀘어_ac ExtraBold" panose="020B0600000101010101" pitchFamily="50" charset="-127"/>
+              <a:ea typeface="나눔스퀘어_ac ExtraBold" panose="020B0600000101010101" pitchFamily="50" charset="-127"/>
+            </a:endParaRPr>
+          </a:p>
+        </p:txBody>
+      </p:sp>
+      <p:sp>
+        <p:nvSpPr>
+          <p:cNvPr id="5" name="직사각형 4"/>
+          <p:cNvSpPr/>
+          <p:nvPr/>
+        </p:nvSpPr>
+        <p:spPr>
+          <a:xfrm>
+            <a:off x="1068886" y="1338715"/>
+            <a:ext cx="10690965" cy="455894"/>
+          </a:xfrm>
+          <a:prstGeom prst="rect">
+            <a:avLst/>
+          </a:prstGeom>
+        </p:spPr>
+        <p:txBody>
+          <a:bodyPr wrap="square">
+            <a:spAutoFit/>
+          </a:bodyPr>
+          <a:lstStyle/>
+          <a:p>
+            <a:pPr algn="just">
+              <a:lnSpc>
+                <a:spcPct val="107000"/>
+              </a:lnSpc>
+              <a:spcAft>
+                <a:spcPts val="800"/>
+              </a:spcAft>
             </a:pPr>
             <a:r>
-              <a:rPr lang="ko-KR" altLang="en-US" sz="2000" dirty="0" smtClean="0"/>
-              <a:t>공연문화예술 시장의 확대에도 불구하고</a:t>
-            </a:r>
-            <a:r>
-              <a:rPr lang="en-US" altLang="ko-KR" sz="2000" dirty="0" smtClean="0"/>
-              <a:t>, </a:t>
-            </a:r>
-            <a:r>
-              <a:rPr lang="ko-KR" altLang="en-US" sz="2000" dirty="0" smtClean="0"/>
-              <a:t>마케팅 역량이 충분하지 않은 중소 규모의 공연장의 경우 오히려 판매실적이 악화되고 있는 실정이다</a:t>
-            </a:r>
-            <a:r>
-              <a:rPr lang="en-US" altLang="ko-KR" sz="2000" dirty="0" smtClean="0"/>
-              <a:t>.</a:t>
-            </a:r>
-          </a:p>
-          <a:p>
-            <a:pPr marL="0" indent="0">
-              <a:buNone/>
-            </a:pPr>
-            <a:endParaRPr lang="en-US" altLang="ko-KR" sz="2000" dirty="0"/>
-          </a:p>
-          <a:p>
-            <a:pPr marL="0" indent="0">
-              <a:buNone/>
-            </a:pPr>
-            <a:r>
-              <a:rPr lang="ko-KR" altLang="en-US" sz="2000" dirty="0" smtClean="0"/>
-              <a:t>소비자의 공연관람 성과를 높이고자 </a:t>
-            </a:r>
-            <a:r>
-              <a:rPr lang="ko-KR" altLang="en-US" sz="2000" dirty="0" err="1" smtClean="0"/>
-              <a:t>머신러닝</a:t>
-            </a:r>
-            <a:r>
-              <a:rPr lang="ko-KR" altLang="en-US" sz="2000" dirty="0" smtClean="0"/>
-              <a:t> 기반의 장르추천 시스템을 제시하고자 하였다</a:t>
-            </a:r>
-            <a:r>
-              <a:rPr lang="en-US" altLang="ko-KR" sz="2000" dirty="0" smtClean="0"/>
-              <a:t>.</a:t>
-            </a:r>
-            <a:endParaRPr lang="ko-KR" altLang="en-US" sz="2000" dirty="0"/>
+              <a:rPr lang="en-US" altLang="ko-KR" sz="2400" b="1" kern="100" dirty="0" smtClean="0">
+                <a:solidFill>
+                  <a:schemeClr val="bg1"/>
+                </a:solidFill>
+                <a:latin typeface="맑은 고딕" panose="020B0503020000020004" pitchFamily="50" charset="-127"/>
+                <a:cs typeface="Times New Roman" panose="02020603050405020304" pitchFamily="18" charset="0"/>
+              </a:rPr>
+              <a:t># </a:t>
+            </a:r>
+            <a:r>
+              <a:rPr lang="ko-KR" altLang="en-US" sz="2400" b="1" kern="100" dirty="0" smtClean="0">
+                <a:solidFill>
+                  <a:schemeClr val="bg1"/>
+                </a:solidFill>
+                <a:latin typeface="맑은 고딕" panose="020B0503020000020004" pitchFamily="50" charset="-127"/>
+                <a:cs typeface="Times New Roman" panose="02020603050405020304" pitchFamily="18" charset="0"/>
+              </a:rPr>
+              <a:t>취지</a:t>
+            </a:r>
+            <a:r>
+              <a:rPr lang="en-US" altLang="ko-KR" sz="2400" b="1" kern="100" dirty="0">
+                <a:solidFill>
+                  <a:schemeClr val="bg1"/>
+                </a:solidFill>
+                <a:latin typeface="맑은 고딕" panose="020B0503020000020004" pitchFamily="50" charset="-127"/>
+                <a:cs typeface="Times New Roman" panose="02020603050405020304" pitchFamily="18" charset="0"/>
+              </a:rPr>
+              <a:t> </a:t>
+            </a:r>
+            <a:r>
+              <a:rPr lang="en-US" altLang="ko-KR" sz="2400" b="1" kern="100" dirty="0" smtClean="0">
+                <a:solidFill>
+                  <a:schemeClr val="bg1"/>
+                </a:solidFill>
+                <a:latin typeface="맑은 고딕" panose="020B0503020000020004" pitchFamily="50" charset="-127"/>
+                <a:cs typeface="Times New Roman" panose="02020603050405020304" pitchFamily="18" charset="0"/>
+              </a:rPr>
+              <a:t>:</a:t>
+            </a:r>
+            <a:r>
+              <a:rPr lang="en-US" altLang="ko-KR" sz="2400" b="1" kern="100" dirty="0" smtClean="0">
+                <a:solidFill>
+                  <a:schemeClr val="bg1"/>
+                </a:solidFill>
+                <a:latin typeface="맑은 고딕" panose="020B0503020000020004" pitchFamily="50" charset="-127"/>
+                <a:cs typeface="Times New Roman" panose="02020603050405020304" pitchFamily="18" charset="0"/>
+              </a:rPr>
+              <a:t> </a:t>
+            </a:r>
+            <a:r>
+              <a:rPr lang="ko-KR" altLang="en-US" sz="2400" b="1" kern="100" dirty="0">
+                <a:solidFill>
+                  <a:schemeClr val="bg1"/>
+                </a:solidFill>
+                <a:latin typeface="맑은 고딕" panose="020B0503020000020004" pitchFamily="50" charset="-127"/>
+                <a:cs typeface="Times New Roman" panose="02020603050405020304" pitchFamily="18" charset="0"/>
+              </a:rPr>
+              <a:t>공연문화예술 시장의 </a:t>
+            </a:r>
+            <a:r>
+              <a:rPr lang="ko-KR" altLang="en-US" sz="2400" b="1" kern="100" dirty="0" smtClean="0">
+                <a:solidFill>
+                  <a:schemeClr val="bg1"/>
+                </a:solidFill>
+                <a:latin typeface="맑은 고딕" panose="020B0503020000020004" pitchFamily="50" charset="-127"/>
+                <a:cs typeface="Times New Roman" panose="02020603050405020304" pitchFamily="18" charset="0"/>
+              </a:rPr>
+              <a:t>확대</a:t>
+            </a:r>
+            <a:endParaRPr lang="en-US" altLang="ko-KR" sz="2400" b="1" kern="100" dirty="0" smtClean="0">
+              <a:solidFill>
+                <a:schemeClr val="bg1"/>
+              </a:solidFill>
+              <a:latin typeface="맑은 고딕" panose="020B0503020000020004" pitchFamily="50" charset="-127"/>
+              <a:cs typeface="Times New Roman" panose="02020603050405020304" pitchFamily="18" charset="0"/>
+            </a:endParaRPr>
+          </a:p>
+        </p:txBody>
+      </p:sp>
+      <p:pic>
+        <p:nvPicPr>
+          <p:cNvPr id="7" name="Picture 2" descr="그림1.png"/>
+          <p:cNvPicPr>
+            <a:picLocks noChangeAspect="1" noChangeArrowheads="1"/>
+          </p:cNvPicPr>
+          <p:nvPr/>
+        </p:nvPicPr>
+        <p:blipFill>
+          <a:blip r:embed="rId2" cstate="print">
+            <a:extLst>
+              <a:ext uri="{28A0092B-C50C-407E-A947-70E740481C1C}">
+                <a14:useLocalDpi xmlns:a14="http://schemas.microsoft.com/office/drawing/2010/main" val="0"/>
+              </a:ext>
+            </a:extLst>
+          </a:blip>
+          <a:srcRect/>
+          <a:stretch>
+            <a:fillRect/>
+          </a:stretch>
+        </p:blipFill>
+        <p:spPr bwMode="auto">
+          <a:xfrm>
+            <a:off x="940494" y="1928727"/>
+            <a:ext cx="4370542" cy="4180306"/>
+          </a:xfrm>
+          <a:prstGeom prst="roundRect">
+            <a:avLst>
+              <a:gd name="adj" fmla="val 8594"/>
+            </a:avLst>
+          </a:prstGeom>
+          <a:solidFill>
+            <a:srgbClr val="FFFFFF">
+              <a:shade val="85000"/>
+            </a:srgbClr>
+          </a:solidFill>
+          <a:ln>
+            <a:noFill/>
+          </a:ln>
+          <a:effectLst>
+            <a:reflection blurRad="12700" stA="38000" endPos="28000" dist="5000" dir="5400000" sy="-100000" algn="bl" rotWithShape="0"/>
+          </a:effectLst>
+          <a:extLst>
+            <a:ext uri="{909E8E84-426E-40DD-AFC4-6F175D3DCCD1}">
+              <a14:hiddenFill xmlns:a14="http://schemas.microsoft.com/office/drawing/2010/main">
+                <a:solidFill>
+                  <a:srgbClr val="FFFFFF"/>
+                </a:solidFill>
+              </a14:hiddenFill>
+            </a:ext>
+          </a:extLst>
+        </p:spPr>
+      </p:pic>
+      <p:cxnSp>
+        <p:nvCxnSpPr>
+          <p:cNvPr id="12" name="직선 연결선 11"/>
+          <p:cNvCxnSpPr/>
+          <p:nvPr/>
+        </p:nvCxnSpPr>
+        <p:spPr>
+          <a:xfrm>
+            <a:off x="5789113" y="2179247"/>
+            <a:ext cx="0" cy="3816000"/>
+          </a:xfrm>
+          <a:prstGeom prst="line">
+            <a:avLst/>
+          </a:prstGeom>
+          <a:ln>
+            <a:solidFill>
+              <a:schemeClr val="bg1"/>
+            </a:solidFill>
+          </a:ln>
+        </p:spPr>
+        <p:style>
+          <a:lnRef idx="1">
+            <a:schemeClr val="accent1"/>
+          </a:lnRef>
+          <a:fillRef idx="0">
+            <a:schemeClr val="accent1"/>
+          </a:fillRef>
+          <a:effectRef idx="0">
+            <a:schemeClr val="accent1"/>
+          </a:effectRef>
+          <a:fontRef idx="minor">
+            <a:schemeClr val="tx1"/>
+          </a:fontRef>
+        </p:style>
+      </p:cxnSp>
+      <p:sp>
+        <p:nvSpPr>
+          <p:cNvPr id="3" name="TextBox 2"/>
+          <p:cNvSpPr txBox="1"/>
+          <p:nvPr/>
+        </p:nvSpPr>
+        <p:spPr>
+          <a:xfrm>
+            <a:off x="6414368" y="2179247"/>
+            <a:ext cx="5345483" cy="3323987"/>
+          </a:xfrm>
+          <a:prstGeom prst="rect">
+            <a:avLst/>
+          </a:prstGeom>
+          <a:noFill/>
+        </p:spPr>
+        <p:txBody>
+          <a:bodyPr wrap="square" rtlCol="0">
+            <a:spAutoFit/>
+          </a:bodyPr>
+          <a:lstStyle/>
+          <a:p>
+            <a:r>
+              <a:rPr lang="ko-KR" altLang="en-US" sz="2400" dirty="0">
+                <a:solidFill>
+                  <a:schemeClr val="bg1"/>
+                </a:solidFill>
+                <a:latin typeface="나눔스퀘어_ac Bold" panose="020B0600000101010101" pitchFamily="50" charset="-127"/>
+                <a:ea typeface="나눔스퀘어_ac Bold" panose="020B0600000101010101" pitchFamily="50" charset="-127"/>
+              </a:rPr>
+              <a:t>공연예술실태조사가 시작된 </a:t>
+            </a:r>
+            <a:r>
+              <a:rPr lang="en-US" altLang="ko-KR" sz="2400" dirty="0">
+                <a:solidFill>
+                  <a:schemeClr val="bg1"/>
+                </a:solidFill>
+                <a:latin typeface="나눔스퀘어_ac Bold" panose="020B0600000101010101" pitchFamily="50" charset="-127"/>
+                <a:ea typeface="나눔스퀘어_ac Bold" panose="020B0600000101010101" pitchFamily="50" charset="-127"/>
+              </a:rPr>
+              <a:t>2007</a:t>
+            </a:r>
+            <a:r>
+              <a:rPr lang="ko-KR" altLang="en-US" sz="2400" dirty="0">
+                <a:solidFill>
+                  <a:schemeClr val="bg1"/>
+                </a:solidFill>
+                <a:latin typeface="나눔스퀘어_ac Bold" panose="020B0600000101010101" pitchFamily="50" charset="-127"/>
+                <a:ea typeface="나눔스퀘어_ac Bold" panose="020B0600000101010101" pitchFamily="50" charset="-127"/>
+              </a:rPr>
+              <a:t>년 이래로 가장 높은 기록을 </a:t>
+            </a:r>
+            <a:r>
+              <a:rPr lang="ko-KR" altLang="en-US" sz="2400" dirty="0" smtClean="0">
+                <a:solidFill>
+                  <a:schemeClr val="bg1"/>
+                </a:solidFill>
+                <a:latin typeface="나눔스퀘어_ac Bold" panose="020B0600000101010101" pitchFamily="50" charset="-127"/>
+                <a:ea typeface="나눔스퀘어_ac Bold" panose="020B0600000101010101" pitchFamily="50" charset="-127"/>
+              </a:rPr>
+              <a:t>달성</a:t>
+            </a:r>
+            <a:endParaRPr lang="en-US" altLang="ko-KR" sz="2400" dirty="0" smtClean="0">
+              <a:solidFill>
+                <a:schemeClr val="bg1"/>
+              </a:solidFill>
+              <a:latin typeface="나눔스퀘어_ac Bold" panose="020B0600000101010101" pitchFamily="50" charset="-127"/>
+              <a:ea typeface="나눔스퀘어_ac Bold" panose="020B0600000101010101" pitchFamily="50" charset="-127"/>
+            </a:endParaRPr>
+          </a:p>
+          <a:p>
+            <a:endParaRPr lang="en-US" altLang="ko-KR" sz="2400" dirty="0">
+              <a:solidFill>
+                <a:schemeClr val="bg1"/>
+              </a:solidFill>
+              <a:latin typeface="나눔스퀘어_ac Bold" panose="020B0600000101010101" pitchFamily="50" charset="-127"/>
+              <a:ea typeface="나눔스퀘어_ac Bold" panose="020B0600000101010101" pitchFamily="50" charset="-127"/>
+            </a:endParaRPr>
+          </a:p>
+          <a:p>
+            <a:r>
+              <a:rPr lang="en-US" altLang="ko-KR" sz="2400" dirty="0">
+                <a:solidFill>
+                  <a:schemeClr val="bg1"/>
+                </a:solidFill>
+                <a:latin typeface="나눔스퀘어_ac Bold" panose="020B0600000101010101" pitchFamily="50" charset="-127"/>
+                <a:ea typeface="나눔스퀘어_ac Bold" panose="020B0600000101010101" pitchFamily="50" charset="-127"/>
+              </a:rPr>
+              <a:t>2017</a:t>
+            </a:r>
+            <a:r>
+              <a:rPr lang="ko-KR" altLang="en-US" sz="2400" dirty="0">
+                <a:solidFill>
+                  <a:schemeClr val="bg1"/>
+                </a:solidFill>
+                <a:latin typeface="나눔스퀘어_ac Bold" panose="020B0600000101010101" pitchFamily="50" charset="-127"/>
+                <a:ea typeface="나눔스퀘어_ac Bold" panose="020B0600000101010101" pitchFamily="50" charset="-127"/>
+              </a:rPr>
+              <a:t>년을 기준으로 전년 대비 </a:t>
+            </a:r>
+            <a:r>
+              <a:rPr lang="en-US" altLang="ko-KR" sz="2400" dirty="0">
+                <a:solidFill>
+                  <a:schemeClr val="bg1"/>
+                </a:solidFill>
+                <a:latin typeface="나눔스퀘어_ac Bold" panose="020B0600000101010101" pitchFamily="50" charset="-127"/>
+                <a:ea typeface="나눔스퀘어_ac Bold" panose="020B0600000101010101" pitchFamily="50" charset="-127"/>
+              </a:rPr>
+              <a:t>8.7%</a:t>
+            </a:r>
+            <a:r>
+              <a:rPr lang="ko-KR" altLang="en-US" sz="2400" dirty="0" smtClean="0">
+                <a:solidFill>
+                  <a:schemeClr val="bg1"/>
+                </a:solidFill>
+                <a:latin typeface="나눔스퀘어_ac Bold" panose="020B0600000101010101" pitchFamily="50" charset="-127"/>
+                <a:ea typeface="나눔스퀘어_ac Bold" panose="020B0600000101010101" pitchFamily="50" charset="-127"/>
+              </a:rPr>
+              <a:t>증가</a:t>
+            </a:r>
+            <a:endParaRPr lang="en-US" altLang="ko-KR" sz="2400" dirty="0" smtClean="0">
+              <a:solidFill>
+                <a:schemeClr val="bg1"/>
+              </a:solidFill>
+              <a:latin typeface="나눔스퀘어_ac Bold" panose="020B0600000101010101" pitchFamily="50" charset="-127"/>
+              <a:ea typeface="나눔스퀘어_ac Bold" panose="020B0600000101010101" pitchFamily="50" charset="-127"/>
+            </a:endParaRPr>
+          </a:p>
+          <a:p>
+            <a:endParaRPr lang="en-US" altLang="ko-KR" sz="2400" dirty="0">
+              <a:solidFill>
+                <a:schemeClr val="bg1"/>
+              </a:solidFill>
+              <a:latin typeface="나눔스퀘어_ac Bold" panose="020B0600000101010101" pitchFamily="50" charset="-127"/>
+              <a:ea typeface="나눔스퀘어_ac Bold" panose="020B0600000101010101" pitchFamily="50" charset="-127"/>
+            </a:endParaRPr>
+          </a:p>
+          <a:p>
+            <a:r>
+              <a:rPr lang="ko-KR" altLang="en-US" sz="2400" dirty="0" smtClean="0">
+                <a:solidFill>
+                  <a:schemeClr val="bg1"/>
+                </a:solidFill>
+                <a:latin typeface="나눔스퀘어_ac Bold" panose="020B0600000101010101" pitchFamily="50" charset="-127"/>
+                <a:ea typeface="나눔스퀘어_ac Bold" panose="020B0600000101010101" pitchFamily="50" charset="-127"/>
+              </a:rPr>
+              <a:t>시장규모 </a:t>
+            </a:r>
+            <a:r>
+              <a:rPr lang="en-US" altLang="ko-KR" sz="2400" dirty="0">
+                <a:solidFill>
+                  <a:schemeClr val="bg1"/>
+                </a:solidFill>
+                <a:latin typeface="나눔스퀘어_ac Bold" panose="020B0600000101010101" pitchFamily="50" charset="-127"/>
+                <a:ea typeface="나눔스퀘어_ac Bold" panose="020B0600000101010101" pitchFamily="50" charset="-127"/>
+              </a:rPr>
+              <a:t>8132</a:t>
+            </a:r>
+            <a:r>
+              <a:rPr lang="ko-KR" altLang="en-US" sz="2400" dirty="0" err="1" smtClean="0">
+                <a:solidFill>
+                  <a:schemeClr val="bg1"/>
+                </a:solidFill>
+                <a:latin typeface="나눔스퀘어_ac Bold" panose="020B0600000101010101" pitchFamily="50" charset="-127"/>
+                <a:ea typeface="나눔스퀘어_ac Bold" panose="020B0600000101010101" pitchFamily="50" charset="-127"/>
+              </a:rPr>
+              <a:t>억원</a:t>
+            </a:r>
+            <a:r>
+              <a:rPr lang="ko-KR" altLang="en-US" sz="2400" dirty="0" smtClean="0">
+                <a:solidFill>
+                  <a:schemeClr val="bg1"/>
+                </a:solidFill>
+                <a:latin typeface="나눔스퀘어_ac Bold" panose="020B0600000101010101" pitchFamily="50" charset="-127"/>
+                <a:ea typeface="나눔스퀘어_ac Bold" panose="020B0600000101010101" pitchFamily="50" charset="-127"/>
+              </a:rPr>
+              <a:t> </a:t>
+            </a:r>
+            <a:r>
+              <a:rPr lang="en-US" altLang="ko-KR" sz="2400" dirty="0" smtClean="0">
+                <a:solidFill>
+                  <a:schemeClr val="bg1"/>
+                </a:solidFill>
+                <a:latin typeface="나눔스퀘어_ac Bold" panose="020B0600000101010101" pitchFamily="50" charset="-127"/>
+                <a:ea typeface="나눔스퀘어_ac Bold" panose="020B0600000101010101" pitchFamily="50" charset="-127"/>
+              </a:rPr>
+              <a:t>+</a:t>
+            </a:r>
+          </a:p>
+          <a:p>
+            <a:endParaRPr lang="en-US" altLang="ko-KR" sz="2400" dirty="0">
+              <a:solidFill>
+                <a:schemeClr val="bg1"/>
+              </a:solidFill>
+              <a:latin typeface="나눔스퀘어_ac Bold" panose="020B0600000101010101" pitchFamily="50" charset="-127"/>
+              <a:ea typeface="나눔스퀘어_ac Bold" panose="020B0600000101010101" pitchFamily="50" charset="-127"/>
+            </a:endParaRPr>
+          </a:p>
+          <a:p>
+            <a:r>
+              <a:rPr lang="ko-KR" altLang="en-US" sz="2400" dirty="0" smtClean="0">
+                <a:solidFill>
+                  <a:schemeClr val="bg1"/>
+                </a:solidFill>
+                <a:latin typeface="나눔스퀘어_ac Bold" panose="020B0600000101010101" pitchFamily="50" charset="-127"/>
+                <a:ea typeface="나눔스퀘어_ac Bold" panose="020B0600000101010101" pitchFamily="50" charset="-127"/>
+              </a:rPr>
+              <a:t>총 종사자수 </a:t>
+            </a:r>
+            <a:r>
+              <a:rPr lang="en-US" altLang="ko-KR" sz="2400" dirty="0" smtClean="0">
+                <a:solidFill>
+                  <a:schemeClr val="bg1"/>
+                </a:solidFill>
+                <a:latin typeface="나눔스퀘어_ac Bold" panose="020B0600000101010101" pitchFamily="50" charset="-127"/>
+                <a:ea typeface="나눔스퀘어_ac Bold" panose="020B0600000101010101" pitchFamily="50" charset="-127"/>
+              </a:rPr>
+              <a:t>6</a:t>
+            </a:r>
+            <a:r>
+              <a:rPr lang="ko-KR" altLang="en-US" sz="2400" dirty="0" smtClean="0">
+                <a:solidFill>
+                  <a:schemeClr val="bg1"/>
+                </a:solidFill>
+                <a:latin typeface="나눔스퀘어_ac Bold" panose="020B0600000101010101" pitchFamily="50" charset="-127"/>
+                <a:ea typeface="나눔스퀘어_ac Bold" panose="020B0600000101010101" pitchFamily="50" charset="-127"/>
+              </a:rPr>
+              <a:t>만 </a:t>
+            </a:r>
+            <a:r>
+              <a:rPr lang="en-US" altLang="ko-KR" sz="2400" dirty="0" smtClean="0">
+                <a:solidFill>
+                  <a:schemeClr val="bg1"/>
+                </a:solidFill>
+                <a:latin typeface="나눔스퀘어_ac Bold" panose="020B0600000101010101" pitchFamily="50" charset="-127"/>
+                <a:ea typeface="나눔스퀘어_ac Bold" panose="020B0600000101010101" pitchFamily="50" charset="-127"/>
+              </a:rPr>
+              <a:t>2702</a:t>
+            </a:r>
+            <a:r>
+              <a:rPr lang="ko-KR" altLang="en-US" sz="2400" dirty="0" smtClean="0">
+                <a:solidFill>
+                  <a:schemeClr val="bg1"/>
+                </a:solidFill>
+                <a:latin typeface="나눔스퀘어_ac Bold" panose="020B0600000101010101" pitchFamily="50" charset="-127"/>
+                <a:ea typeface="나눔스퀘어_ac Bold" panose="020B0600000101010101" pitchFamily="50" charset="-127"/>
+              </a:rPr>
+              <a:t>명 </a:t>
+            </a:r>
+            <a:r>
+              <a:rPr lang="ko-KR" altLang="en-US" dirty="0"/>
+              <a:t/>
+            </a:r>
+            <a:br>
+              <a:rPr lang="ko-KR" altLang="en-US" dirty="0"/>
+            </a:br>
+            <a:r>
+              <a:rPr lang="en-US" altLang="ko-KR" dirty="0" smtClean="0"/>
+              <a:t>)</a:t>
+            </a:r>
+            <a:endParaRPr lang="ko-KR" altLang="en-US" dirty="0"/>
           </a:p>
         </p:txBody>
       </p:sp>
     </p:spTree>
     <p:extLst>
       <p:ext uri="{BB962C8B-B14F-4D97-AF65-F5344CB8AC3E}">
-        <p14:creationId xmlns:p14="http://schemas.microsoft.com/office/powerpoint/2010/main" val="357710420"/>
+        <p14:creationId xmlns:p14="http://schemas.microsoft.com/office/powerpoint/2010/main" val="460359704"/>
       </p:ext>
     </p:extLst>
   </p:cSld>
@@ -6487,68 +8104,122 @@
       </p:grpSpPr>
       <p:sp>
         <p:nvSpPr>
-          <p:cNvPr id="2" name="제목 1"/>
-          <p:cNvSpPr>
-            <a:spLocks noGrp="1"/>
-          </p:cNvSpPr>
-          <p:nvPr>
-            <p:ph type="title"/>
-          </p:nvPr>
-        </p:nvSpPr>
-        <p:spPr>
-          <a:xfrm>
-            <a:off x="838200" y="327547"/>
-            <a:ext cx="10515600" cy="1325563"/>
-          </a:xfrm>
-        </p:spPr>
-        <p:txBody>
-          <a:bodyPr/>
-          <a:lstStyle/>
-          <a:p>
-            <a:r>
-              <a:rPr lang="ko-KR" altLang="en-US" dirty="0" smtClean="0"/>
-              <a:t>약국 추천 서비스</a:t>
-            </a:r>
-            <a:endParaRPr lang="ko-KR" altLang="en-US" dirty="0"/>
-          </a:p>
-        </p:txBody>
-      </p:sp>
-      <p:sp>
-        <p:nvSpPr>
-          <p:cNvPr id="3" name="내용 개체 틀 2"/>
-          <p:cNvSpPr>
-            <a:spLocks noGrp="1"/>
-          </p:cNvSpPr>
-          <p:nvPr>
-            <p:ph idx="1"/>
-          </p:nvPr>
-        </p:nvSpPr>
-        <p:spPr/>
-        <p:txBody>
-          <a:bodyPr/>
-          <a:lstStyle/>
-          <a:p>
-            <a:pPr marL="0" indent="0">
-              <a:buNone/>
-            </a:pPr>
-            <a:r>
-              <a:rPr lang="en-US" altLang="ko-KR" dirty="0" smtClean="0"/>
-              <a:t> </a:t>
-            </a:r>
-            <a:endParaRPr lang="ko-KR" altLang="en-US" dirty="0"/>
-          </a:p>
-        </p:txBody>
-      </p:sp>
-      <p:sp>
-        <p:nvSpPr>
           <p:cNvPr id="4" name="직사각형 3"/>
           <p:cNvSpPr/>
           <p:nvPr/>
         </p:nvSpPr>
         <p:spPr>
           <a:xfrm>
-            <a:off x="563671" y="1825625"/>
-            <a:ext cx="8580329" cy="1186607"/>
+            <a:off x="0" y="0"/>
+            <a:ext cx="12192000" cy="6858000"/>
+          </a:xfrm>
+          <a:prstGeom prst="rect">
+            <a:avLst/>
+          </a:prstGeom>
+          <a:solidFill>
+            <a:srgbClr val="00204F"/>
+          </a:solidFill>
+          <a:ln>
+            <a:noFill/>
+          </a:ln>
+        </p:spPr>
+        <p:style>
+          <a:lnRef idx="2">
+            <a:schemeClr val="accent1">
+              <a:shade val="50000"/>
+            </a:schemeClr>
+          </a:lnRef>
+          <a:fillRef idx="1">
+            <a:schemeClr val="accent1"/>
+          </a:fillRef>
+          <a:effectRef idx="0">
+            <a:schemeClr val="accent1"/>
+          </a:effectRef>
+          <a:fontRef idx="minor">
+            <a:schemeClr val="lt1"/>
+          </a:fontRef>
+        </p:style>
+        <p:txBody>
+          <a:bodyPr rtlCol="0" anchor="ctr"/>
+          <a:lstStyle/>
+          <a:p>
+            <a:pPr algn="ctr"/>
+            <a:endParaRPr lang="ko-KR" altLang="en-US" dirty="0"/>
+          </a:p>
+        </p:txBody>
+      </p:sp>
+      <p:sp>
+        <p:nvSpPr>
+          <p:cNvPr id="8" name="TextBox 7"/>
+          <p:cNvSpPr txBox="1"/>
+          <p:nvPr/>
+        </p:nvSpPr>
+        <p:spPr>
+          <a:xfrm>
+            <a:off x="657615" y="388307"/>
+            <a:ext cx="8724379" cy="707886"/>
+          </a:xfrm>
+          <a:prstGeom prst="rect">
+            <a:avLst/>
+          </a:prstGeom>
+          <a:noFill/>
+        </p:spPr>
+        <p:txBody>
+          <a:bodyPr wrap="square" rtlCol="0">
+            <a:spAutoFit/>
+          </a:bodyPr>
+          <a:lstStyle/>
+          <a:p>
+            <a:r>
+              <a:rPr lang="en-US" altLang="ko-KR" sz="4000" b="1" dirty="0">
+                <a:solidFill>
+                  <a:schemeClr val="bg1"/>
+                </a:solidFill>
+                <a:latin typeface="나눔스퀘어_ac ExtraBold" panose="020B0600000101010101" pitchFamily="50" charset="-127"/>
+                <a:ea typeface="나눔스퀘어_ac ExtraBold" panose="020B0600000101010101" pitchFamily="50" charset="-127"/>
+              </a:rPr>
+              <a:t>2</a:t>
+            </a:r>
+            <a:r>
+              <a:rPr lang="en-US" altLang="ko-KR" sz="4000" b="1" dirty="0" smtClean="0">
+                <a:solidFill>
+                  <a:schemeClr val="bg1"/>
+                </a:solidFill>
+                <a:latin typeface="나눔스퀘어_ac ExtraBold" panose="020B0600000101010101" pitchFamily="50" charset="-127"/>
+                <a:ea typeface="나눔스퀘어_ac ExtraBold" panose="020B0600000101010101" pitchFamily="50" charset="-127"/>
+              </a:rPr>
+              <a:t>. </a:t>
+            </a:r>
+            <a:r>
+              <a:rPr lang="ko-KR" altLang="en-US" sz="4000" b="1" dirty="0" smtClean="0">
+                <a:solidFill>
+                  <a:schemeClr val="bg1"/>
+                </a:solidFill>
+                <a:latin typeface="나눔스퀘어_ac ExtraBold" panose="020B0600000101010101" pitchFamily="50" charset="-127"/>
+                <a:ea typeface="나눔스퀘어_ac ExtraBold" panose="020B0600000101010101" pitchFamily="50" charset="-127"/>
+              </a:rPr>
+              <a:t>문화생활 추천 서비스 </a:t>
+            </a:r>
+            <a:endParaRPr lang="ko-KR" altLang="en-US" sz="4000" dirty="0">
+              <a:solidFill>
+                <a:schemeClr val="bg1"/>
+              </a:solidFill>
+              <a:latin typeface="나눔스퀘어_ac ExtraBold" panose="020B0600000101010101" pitchFamily="50" charset="-127"/>
+              <a:ea typeface="나눔스퀘어_ac ExtraBold" panose="020B0600000101010101" pitchFamily="50" charset="-127"/>
+            </a:endParaRPr>
+          </a:p>
+        </p:txBody>
+      </p:sp>
+      <p:sp>
+        <p:nvSpPr>
+          <p:cNvPr id="5" name="직사각형 4"/>
+          <p:cNvSpPr/>
+          <p:nvPr/>
+        </p:nvSpPr>
+        <p:spPr>
+          <a:xfrm>
+            <a:off x="1068886" y="1351241"/>
+            <a:ext cx="10690965" cy="455894"/>
           </a:xfrm>
           <a:prstGeom prst="rect">
             <a:avLst/>
@@ -6569,45 +8240,105 @@
               </a:spcAft>
             </a:pPr>
             <a:r>
-              <a:rPr lang="ko-KR" altLang="ko-KR" b="1" kern="100" dirty="0" smtClean="0">
-                <a:latin typeface="맑은 고딕" panose="020B0503020000020004" pitchFamily="50" charset="-127"/>
-                <a:cs typeface="Times New Roman" panose="02020603050405020304" pitchFamily="18" charset="0"/>
-              </a:rPr>
-              <a:t>서비스</a:t>
-            </a:r>
-            <a:r>
-              <a:rPr lang="en-US" altLang="ko-KR" b="1" kern="100" dirty="0" smtClean="0">
-                <a:latin typeface="맑은 고딕" panose="020B0503020000020004" pitchFamily="50" charset="-127"/>
-                <a:cs typeface="Times New Roman" panose="02020603050405020304" pitchFamily="18" charset="0"/>
-              </a:rPr>
-              <a:t>1. </a:t>
-            </a:r>
-            <a:r>
-              <a:rPr lang="ko-KR" altLang="en-US" b="1" kern="100" dirty="0" err="1" smtClean="0">
-                <a:latin typeface="맑은 고딕" panose="020B0503020000020004" pitchFamily="50" charset="-127"/>
-                <a:cs typeface="Times New Roman" panose="02020603050405020304" pitchFamily="18" charset="0"/>
-              </a:rPr>
-              <a:t>출생년도</a:t>
-            </a:r>
-            <a:r>
-              <a:rPr lang="en-US" altLang="ko-KR" b="1" kern="100" dirty="0" smtClean="0">
-                <a:latin typeface="맑은 고딕" panose="020B0503020000020004" pitchFamily="50" charset="-127"/>
-                <a:cs typeface="Times New Roman" panose="02020603050405020304" pitchFamily="18" charset="0"/>
-              </a:rPr>
-              <a:t>/</a:t>
-            </a:r>
-            <a:r>
-              <a:rPr lang="ko-KR" altLang="en-US" b="1" kern="100" dirty="0" smtClean="0">
-                <a:latin typeface="맑은 고딕" panose="020B0503020000020004" pitchFamily="50" charset="-127"/>
-                <a:cs typeface="Times New Roman" panose="02020603050405020304" pitchFamily="18" charset="0"/>
-              </a:rPr>
-              <a:t>위치에 따른 약국 추천</a:t>
-            </a:r>
-            <a:endParaRPr lang="ko-KR" altLang="ko-KR" b="1" kern="100" dirty="0" smtClean="0">
+              <a:rPr lang="en-US" altLang="ko-KR" sz="2400" b="1" kern="100" dirty="0" smtClean="0">
+                <a:solidFill>
+                  <a:schemeClr val="bg1"/>
+                </a:solidFill>
+                <a:latin typeface="맑은 고딕" panose="020B0503020000020004" pitchFamily="50" charset="-127"/>
+                <a:cs typeface="Times New Roman" panose="02020603050405020304" pitchFamily="18" charset="0"/>
+              </a:rPr>
+              <a:t># </a:t>
+            </a:r>
+            <a:r>
+              <a:rPr lang="ko-KR" altLang="en-US" sz="2400" b="1" kern="100" dirty="0" smtClean="0">
+                <a:solidFill>
+                  <a:schemeClr val="bg1"/>
+                </a:solidFill>
+                <a:latin typeface="맑은 고딕" panose="020B0503020000020004" pitchFamily="50" charset="-127"/>
+                <a:cs typeface="Times New Roman" panose="02020603050405020304" pitchFamily="18" charset="0"/>
+              </a:rPr>
+              <a:t>취지</a:t>
+            </a:r>
+            <a:r>
+              <a:rPr lang="en-US" altLang="ko-KR" sz="2400" b="1" kern="100" dirty="0">
+                <a:solidFill>
+                  <a:schemeClr val="bg1"/>
+                </a:solidFill>
+                <a:latin typeface="맑은 고딕" panose="020B0503020000020004" pitchFamily="50" charset="-127"/>
+                <a:cs typeface="Times New Roman" panose="02020603050405020304" pitchFamily="18" charset="0"/>
+              </a:rPr>
+              <a:t> </a:t>
+            </a:r>
+            <a:r>
+              <a:rPr lang="en-US" altLang="ko-KR" sz="2400" b="1" kern="100" dirty="0" smtClean="0">
+                <a:solidFill>
+                  <a:schemeClr val="bg1"/>
+                </a:solidFill>
+                <a:latin typeface="맑은 고딕" panose="020B0503020000020004" pitchFamily="50" charset="-127"/>
+                <a:cs typeface="Times New Roman" panose="02020603050405020304" pitchFamily="18" charset="0"/>
+              </a:rPr>
+              <a:t>:</a:t>
+            </a:r>
+            <a:r>
+              <a:rPr lang="en-US" altLang="ko-KR" sz="2400" b="1" kern="100" dirty="0" smtClean="0">
+                <a:solidFill>
+                  <a:schemeClr val="bg1"/>
+                </a:solidFill>
+                <a:latin typeface="맑은 고딕" panose="020B0503020000020004" pitchFamily="50" charset="-127"/>
+                <a:cs typeface="Times New Roman" panose="02020603050405020304" pitchFamily="18" charset="0"/>
+              </a:rPr>
+              <a:t> </a:t>
+            </a:r>
+            <a:r>
+              <a:rPr lang="ko-KR" altLang="en-US" sz="2400" b="1" kern="100" dirty="0">
+                <a:solidFill>
+                  <a:schemeClr val="bg1"/>
+                </a:solidFill>
+                <a:latin typeface="맑은 고딕" panose="020B0503020000020004" pitchFamily="50" charset="-127"/>
+                <a:cs typeface="Times New Roman" panose="02020603050405020304" pitchFamily="18" charset="0"/>
+              </a:rPr>
+              <a:t>공연문화예술 시장의 </a:t>
+            </a:r>
+            <a:r>
+              <a:rPr lang="ko-KR" altLang="en-US" sz="2400" b="1" kern="100" dirty="0" smtClean="0">
+                <a:solidFill>
+                  <a:schemeClr val="bg1"/>
+                </a:solidFill>
+                <a:latin typeface="맑은 고딕" panose="020B0503020000020004" pitchFamily="50" charset="-127"/>
+                <a:cs typeface="Times New Roman" panose="02020603050405020304" pitchFamily="18" charset="0"/>
+              </a:rPr>
+              <a:t>확대</a:t>
+            </a:r>
+            <a:endParaRPr lang="en-US" altLang="ko-KR" sz="2400" b="1" kern="100" dirty="0" smtClean="0">
+              <a:solidFill>
+                <a:schemeClr val="bg1"/>
+              </a:solidFill>
               <a:latin typeface="맑은 고딕" panose="020B0503020000020004" pitchFamily="50" charset="-127"/>
               <a:cs typeface="Times New Roman" panose="02020603050405020304" pitchFamily="18" charset="0"/>
             </a:endParaRPr>
           </a:p>
+        </p:txBody>
+      </p:sp>
+      <p:sp>
+        <p:nvSpPr>
+          <p:cNvPr id="9" name="직사각형 8"/>
+          <p:cNvSpPr/>
+          <p:nvPr/>
+        </p:nvSpPr>
+        <p:spPr>
+          <a:xfrm>
+            <a:off x="1144043" y="2014013"/>
+            <a:ext cx="10690965" cy="1980799"/>
+          </a:xfrm>
+          <a:prstGeom prst="rect">
+            <a:avLst/>
+          </a:prstGeom>
+        </p:spPr>
+        <p:txBody>
+          <a:bodyPr wrap="square">
+            <a:spAutoFit/>
+          </a:bodyPr>
+          <a:lstStyle/>
           <a:p>
             <a:pPr algn="just">
               <a:lnSpc>
@@ -6618,41 +8349,29 @@
               </a:spcAft>
             </a:pPr>
             <a:r>
-              <a:rPr lang="ko-KR" altLang="ko-KR" b="1" kern="100" dirty="0" smtClean="0">
-                <a:latin typeface="맑은 고딕" panose="020B0503020000020004" pitchFamily="50" charset="-127"/>
-                <a:cs typeface="Times New Roman" panose="02020603050405020304" pitchFamily="18" charset="0"/>
-              </a:rPr>
-              <a:t>방법</a:t>
-            </a:r>
-            <a:r>
-              <a:rPr lang="en-US" altLang="ko-KR" b="1" kern="100" dirty="0" smtClean="0">
-                <a:latin typeface="맑은 고딕" panose="020B0503020000020004" pitchFamily="50" charset="-127"/>
-                <a:cs typeface="Times New Roman" panose="02020603050405020304" pitchFamily="18" charset="0"/>
-              </a:rPr>
-              <a:t>1. </a:t>
-            </a:r>
-            <a:r>
-              <a:rPr lang="ko-KR" altLang="en-US" b="1" kern="100" dirty="0" smtClean="0">
-                <a:latin typeface="맑은 고딕" panose="020B0503020000020004" pitchFamily="50" charset="-127"/>
-                <a:cs typeface="Times New Roman" panose="02020603050405020304" pitchFamily="18" charset="0"/>
-              </a:rPr>
-              <a:t>요일 별 마스크 재고량이 </a:t>
-            </a:r>
-            <a:r>
-              <a:rPr lang="en-US" altLang="ko-KR" b="1" kern="100" dirty="0" smtClean="0">
-                <a:latin typeface="맑은 고딕" panose="020B0503020000020004" pitchFamily="50" charset="-127"/>
-                <a:cs typeface="Times New Roman" panose="02020603050405020304" pitchFamily="18" charset="0"/>
-              </a:rPr>
-              <a:t>0</a:t>
-            </a:r>
-            <a:r>
-              <a:rPr lang="ko-KR" altLang="en-US" b="1" kern="100" dirty="0" smtClean="0">
-                <a:latin typeface="맑은 고딕" panose="020B0503020000020004" pitchFamily="50" charset="-127"/>
-                <a:cs typeface="Times New Roman" panose="02020603050405020304" pitchFamily="18" charset="0"/>
-              </a:rPr>
-              <a:t>이 되는 시간 분석 및 예측</a:t>
-            </a:r>
-            <a:endParaRPr lang="ko-KR" altLang="ko-KR" b="1" kern="100" dirty="0" smtClean="0">
+              <a:rPr lang="en-US" altLang="ko-KR" sz="2400" b="1" kern="100" dirty="0" smtClean="0">
+                <a:solidFill>
+                  <a:schemeClr val="bg1"/>
+                </a:solidFill>
+                <a:latin typeface="맑은 고딕" panose="020B0503020000020004" pitchFamily="50" charset="-127"/>
+                <a:cs typeface="Times New Roman" panose="02020603050405020304" pitchFamily="18" charset="0"/>
+              </a:rPr>
+              <a:t># </a:t>
+            </a:r>
+            <a:r>
+              <a:rPr lang="ko-KR" altLang="en-US" sz="2400" b="1" kern="100" dirty="0" smtClean="0">
+                <a:solidFill>
+                  <a:schemeClr val="bg1"/>
+                </a:solidFill>
+                <a:latin typeface="맑은 고딕" panose="020B0503020000020004" pitchFamily="50" charset="-127"/>
+                <a:cs typeface="Times New Roman" panose="02020603050405020304" pitchFamily="18" charset="0"/>
+              </a:rPr>
+              <a:t>매출 성장의 배경 → 민간 기획사</a:t>
+            </a:r>
+            <a:endParaRPr lang="en-US" altLang="ko-KR" sz="2400" b="1" kern="100" dirty="0" smtClean="0">
+              <a:solidFill>
+                <a:schemeClr val="bg1"/>
+              </a:solidFill>
               <a:latin typeface="맑은 고딕" panose="020B0503020000020004" pitchFamily="50" charset="-127"/>
               <a:cs typeface="Times New Roman" panose="02020603050405020304" pitchFamily="18" charset="0"/>
             </a:endParaRPr>
@@ -6666,14 +8385,2256 @@
                 <a:spcPts val="800"/>
               </a:spcAft>
             </a:pPr>
-            <a:endParaRPr lang="ko-KR" altLang="en-US" b="1" dirty="0"/>
+            <a:endParaRPr lang="en-US" altLang="ko-KR" sz="2400" b="1" dirty="0" smtClean="0">
+              <a:solidFill>
+                <a:schemeClr val="bg1"/>
+              </a:solidFill>
+            </a:endParaRPr>
+          </a:p>
+          <a:p>
+            <a:pPr algn="just">
+              <a:lnSpc>
+                <a:spcPct val="107000"/>
+              </a:lnSpc>
+              <a:spcAft>
+                <a:spcPts val="800"/>
+              </a:spcAft>
+            </a:pPr>
+            <a:r>
+              <a:rPr lang="ko-KR" altLang="en-US" sz="2400" b="1" dirty="0" smtClean="0">
+                <a:solidFill>
+                  <a:schemeClr val="bg1"/>
+                </a:solidFill>
+              </a:rPr>
+              <a:t>민간기획사의 </a:t>
+            </a:r>
+            <a:r>
+              <a:rPr lang="ko-KR" altLang="en-US" sz="2400" b="1" dirty="0">
+                <a:solidFill>
+                  <a:schemeClr val="bg1"/>
+                </a:solidFill>
+              </a:rPr>
+              <a:t>수는 약 </a:t>
+            </a:r>
+            <a:r>
+              <a:rPr lang="en-US" altLang="ko-KR" sz="2400" b="1" dirty="0">
+                <a:solidFill>
+                  <a:schemeClr val="bg1"/>
+                </a:solidFill>
+              </a:rPr>
+              <a:t>280</a:t>
+            </a:r>
+            <a:r>
+              <a:rPr lang="ko-KR" altLang="en-US" sz="2400" b="1" dirty="0">
+                <a:solidFill>
+                  <a:schemeClr val="bg1"/>
+                </a:solidFill>
+              </a:rPr>
+              <a:t>개로 전체 공연시설</a:t>
+            </a:r>
+            <a:r>
+              <a:rPr lang="en-US" altLang="ko-KR" sz="2400" b="1" dirty="0">
+                <a:solidFill>
+                  <a:schemeClr val="bg1"/>
+                </a:solidFill>
+              </a:rPr>
+              <a:t>·</a:t>
+            </a:r>
+            <a:r>
+              <a:rPr lang="ko-KR" altLang="en-US" sz="2400" b="1" dirty="0">
+                <a:solidFill>
+                  <a:schemeClr val="bg1"/>
+                </a:solidFill>
+              </a:rPr>
+              <a:t>단체 중 </a:t>
+            </a:r>
+            <a:r>
+              <a:rPr lang="en-US" altLang="ko-KR" sz="2400" b="1" dirty="0">
+                <a:solidFill>
+                  <a:schemeClr val="bg1"/>
+                </a:solidFill>
+              </a:rPr>
+              <a:t>7.2%</a:t>
+            </a:r>
+          </a:p>
+          <a:p>
+            <a:pPr algn="just">
+              <a:lnSpc>
+                <a:spcPct val="107000"/>
+              </a:lnSpc>
+              <a:spcAft>
+                <a:spcPts val="800"/>
+              </a:spcAft>
+            </a:pPr>
+            <a:r>
+              <a:rPr lang="ko-KR" altLang="en-US" sz="2400" b="1" dirty="0" smtClean="0">
+                <a:solidFill>
+                  <a:schemeClr val="bg1"/>
+                </a:solidFill>
+              </a:rPr>
+              <a:t>매출 </a:t>
+            </a:r>
+            <a:r>
+              <a:rPr lang="ko-KR" altLang="en-US" sz="2400" b="1" dirty="0">
+                <a:solidFill>
+                  <a:schemeClr val="bg1"/>
+                </a:solidFill>
+              </a:rPr>
+              <a:t>부분에선 </a:t>
+            </a:r>
+            <a:r>
+              <a:rPr lang="en-US" altLang="ko-KR" sz="2400" b="1" dirty="0">
+                <a:solidFill>
+                  <a:schemeClr val="bg1"/>
+                </a:solidFill>
+              </a:rPr>
+              <a:t>2015</a:t>
+            </a:r>
+            <a:r>
+              <a:rPr lang="ko-KR" altLang="en-US" sz="2400" b="1" dirty="0">
+                <a:solidFill>
+                  <a:schemeClr val="bg1"/>
+                </a:solidFill>
+              </a:rPr>
+              <a:t>년 </a:t>
+            </a:r>
+            <a:r>
+              <a:rPr lang="en-US" altLang="ko-KR" sz="2400" b="1" dirty="0">
+                <a:solidFill>
+                  <a:schemeClr val="bg1"/>
+                </a:solidFill>
+                <a:effectLst>
+                  <a:outerShdw blurRad="38100" dist="38100" dir="2700000" algn="tl">
+                    <a:srgbClr val="000000">
+                      <a:alpha val="43137"/>
+                    </a:srgbClr>
+                  </a:outerShdw>
+                </a:effectLst>
+              </a:rPr>
+              <a:t>30.3</a:t>
+            </a:r>
+            <a:r>
+              <a:rPr lang="en-US" altLang="ko-KR" sz="2400" b="1" dirty="0" smtClean="0">
+                <a:solidFill>
+                  <a:schemeClr val="bg1"/>
+                </a:solidFill>
+                <a:effectLst>
+                  <a:outerShdw blurRad="38100" dist="38100" dir="2700000" algn="tl">
+                    <a:srgbClr val="000000">
+                      <a:alpha val="43137"/>
+                    </a:srgbClr>
+                  </a:outerShdw>
+                </a:effectLst>
+              </a:rPr>
+              <a:t>%</a:t>
+            </a:r>
+            <a:r>
+              <a:rPr lang="en-US" altLang="ko-KR" sz="2400" b="1" dirty="0" smtClean="0">
+                <a:solidFill>
+                  <a:schemeClr val="bg1"/>
+                </a:solidFill>
+              </a:rPr>
+              <a:t> </a:t>
+            </a:r>
+            <a:r>
+              <a:rPr lang="ko-KR" altLang="en-US" sz="2400" b="1" dirty="0" smtClean="0">
+                <a:solidFill>
+                  <a:schemeClr val="bg1"/>
+                </a:solidFill>
+              </a:rPr>
+              <a:t>→</a:t>
+            </a:r>
+            <a:r>
+              <a:rPr lang="en-US" altLang="ko-KR" sz="2400" b="1" dirty="0" smtClean="0">
+                <a:solidFill>
+                  <a:schemeClr val="bg1"/>
+                </a:solidFill>
+              </a:rPr>
+              <a:t>  </a:t>
+            </a:r>
+            <a:r>
+              <a:rPr lang="en-US" altLang="ko-KR" sz="2400" b="1" dirty="0">
+                <a:solidFill>
+                  <a:schemeClr val="bg1"/>
+                </a:solidFill>
+              </a:rPr>
+              <a:t>2016</a:t>
+            </a:r>
+            <a:r>
+              <a:rPr lang="ko-KR" altLang="en-US" sz="2400" b="1" dirty="0">
+                <a:solidFill>
+                  <a:schemeClr val="bg1"/>
+                </a:solidFill>
+              </a:rPr>
+              <a:t>년 </a:t>
+            </a:r>
+            <a:r>
+              <a:rPr lang="en-US" altLang="ko-KR" sz="2400" b="1" dirty="0">
+                <a:solidFill>
+                  <a:schemeClr val="bg1"/>
+                </a:solidFill>
+                <a:effectLst>
+                  <a:outerShdw blurRad="38100" dist="38100" dir="2700000" algn="tl">
+                    <a:srgbClr val="000000">
+                      <a:alpha val="43137"/>
+                    </a:srgbClr>
+                  </a:outerShdw>
+                </a:effectLst>
+              </a:rPr>
+              <a:t>33.3</a:t>
+            </a:r>
+            <a:r>
+              <a:rPr lang="en-US" altLang="ko-KR" sz="2400" b="1" dirty="0" smtClean="0">
+                <a:solidFill>
+                  <a:schemeClr val="bg1"/>
+                </a:solidFill>
+                <a:effectLst>
+                  <a:outerShdw blurRad="38100" dist="38100" dir="2700000" algn="tl">
+                    <a:srgbClr val="000000">
+                      <a:alpha val="43137"/>
+                    </a:srgbClr>
+                  </a:outerShdw>
+                </a:effectLst>
+              </a:rPr>
+              <a:t>%</a:t>
+            </a:r>
+            <a:r>
+              <a:rPr lang="ko-KR" altLang="en-US" sz="2400" b="1" dirty="0" smtClean="0">
+                <a:solidFill>
+                  <a:schemeClr val="bg1"/>
+                </a:solidFill>
+              </a:rPr>
+              <a:t> → </a:t>
+            </a:r>
+            <a:r>
+              <a:rPr lang="en-US" altLang="ko-KR" sz="2400" b="1" dirty="0" smtClean="0">
+                <a:solidFill>
+                  <a:schemeClr val="bg1"/>
+                </a:solidFill>
+              </a:rPr>
+              <a:t>2017</a:t>
+            </a:r>
+            <a:r>
+              <a:rPr lang="ko-KR" altLang="en-US" sz="2400" b="1" dirty="0">
+                <a:solidFill>
+                  <a:schemeClr val="bg1"/>
+                </a:solidFill>
+              </a:rPr>
+              <a:t>년 </a:t>
+            </a:r>
+            <a:r>
+              <a:rPr lang="en-US" altLang="ko-KR" sz="2400" b="1" dirty="0">
+                <a:solidFill>
+                  <a:schemeClr val="bg1"/>
+                </a:solidFill>
+                <a:effectLst>
+                  <a:outerShdw blurRad="38100" dist="38100" dir="2700000" algn="tl">
+                    <a:srgbClr val="000000">
+                      <a:alpha val="43137"/>
+                    </a:srgbClr>
+                  </a:outerShdw>
+                </a:effectLst>
+              </a:rPr>
+              <a:t>41.1</a:t>
+            </a:r>
+            <a:r>
+              <a:rPr lang="en-US" altLang="ko-KR" sz="2400" b="1" dirty="0" smtClean="0">
+                <a:solidFill>
+                  <a:schemeClr val="bg1"/>
+                </a:solidFill>
+                <a:effectLst>
+                  <a:outerShdw blurRad="38100" dist="38100" dir="2700000" algn="tl">
+                    <a:srgbClr val="000000">
+                      <a:alpha val="43137"/>
+                    </a:srgbClr>
+                  </a:outerShdw>
+                </a:effectLst>
+              </a:rPr>
+              <a:t>%</a:t>
+            </a:r>
+            <a:r>
+              <a:rPr lang="ko-KR" altLang="en-US" sz="2400" b="1" dirty="0" smtClean="0">
+                <a:solidFill>
+                  <a:schemeClr val="bg1"/>
+                </a:solidFill>
+              </a:rPr>
+              <a:t> 비중</a:t>
+            </a:r>
+            <a:endParaRPr lang="ko-KR" altLang="en-US" sz="2400" b="1" dirty="0">
+              <a:solidFill>
+                <a:schemeClr val="bg1"/>
+              </a:solidFill>
+            </a:endParaRPr>
+          </a:p>
+        </p:txBody>
+      </p:sp>
+      <p:grpSp>
+        <p:nvGrpSpPr>
+          <p:cNvPr id="10" name="그룹 9"/>
+          <p:cNvGrpSpPr/>
+          <p:nvPr/>
+        </p:nvGrpSpPr>
+        <p:grpSpPr>
+          <a:xfrm>
+            <a:off x="923801" y="3131805"/>
+            <a:ext cx="177453" cy="578383"/>
+            <a:chOff x="3594969" y="4822521"/>
+            <a:chExt cx="177453" cy="578383"/>
+          </a:xfrm>
+        </p:grpSpPr>
+        <p:sp>
+          <p:nvSpPr>
+            <p:cNvPr id="11" name="직사각형 10"/>
+            <p:cNvSpPr/>
+            <p:nvPr/>
+          </p:nvSpPr>
+          <p:spPr>
+            <a:xfrm>
+              <a:off x="3594969" y="4822521"/>
+              <a:ext cx="162839" cy="50104"/>
+            </a:xfrm>
+            <a:prstGeom prst="rect">
+              <a:avLst/>
+            </a:prstGeom>
+            <a:ln>
+              <a:noFill/>
+            </a:ln>
+          </p:spPr>
+          <p:style>
+            <a:lnRef idx="2">
+              <a:schemeClr val="accent1">
+                <a:shade val="50000"/>
+              </a:schemeClr>
+            </a:lnRef>
+            <a:fillRef idx="1">
+              <a:schemeClr val="accent1"/>
+            </a:fillRef>
+            <a:effectRef idx="0">
+              <a:schemeClr val="accent1"/>
+            </a:effectRef>
+            <a:fontRef idx="minor">
+              <a:schemeClr val="lt1"/>
+            </a:fontRef>
+          </p:style>
+          <p:txBody>
+            <a:bodyPr rtlCol="0" anchor="ctr"/>
+            <a:lstStyle/>
+            <a:p>
+              <a:pPr algn="ctr"/>
+              <a:endParaRPr lang="ko-KR" altLang="en-US"/>
+            </a:p>
+          </p:txBody>
+        </p:sp>
+        <p:sp>
+          <p:nvSpPr>
+            <p:cNvPr id="13" name="직사각형 12"/>
+            <p:cNvSpPr/>
+            <p:nvPr/>
+          </p:nvSpPr>
+          <p:spPr>
+            <a:xfrm>
+              <a:off x="3594969" y="4822521"/>
+              <a:ext cx="45719" cy="578383"/>
+            </a:xfrm>
+            <a:prstGeom prst="rect">
+              <a:avLst/>
+            </a:prstGeom>
+            <a:ln>
+              <a:noFill/>
+            </a:ln>
+          </p:spPr>
+          <p:style>
+            <a:lnRef idx="2">
+              <a:schemeClr val="accent1">
+                <a:shade val="50000"/>
+              </a:schemeClr>
+            </a:lnRef>
+            <a:fillRef idx="1">
+              <a:schemeClr val="accent1"/>
+            </a:fillRef>
+            <a:effectRef idx="0">
+              <a:schemeClr val="accent1"/>
+            </a:effectRef>
+            <a:fontRef idx="minor">
+              <a:schemeClr val="lt1"/>
+            </a:fontRef>
+          </p:style>
+          <p:txBody>
+            <a:bodyPr rtlCol="0" anchor="ctr"/>
+            <a:lstStyle/>
+            <a:p>
+              <a:pPr algn="ctr"/>
+              <a:endParaRPr lang="ko-KR" altLang="en-US"/>
+            </a:p>
+          </p:txBody>
+        </p:sp>
+        <p:sp>
+          <p:nvSpPr>
+            <p:cNvPr id="14" name="직사각형 13"/>
+            <p:cNvSpPr/>
+            <p:nvPr/>
+          </p:nvSpPr>
+          <p:spPr>
+            <a:xfrm>
+              <a:off x="3609583" y="5350701"/>
+              <a:ext cx="162839" cy="50104"/>
+            </a:xfrm>
+            <a:prstGeom prst="rect">
+              <a:avLst/>
+            </a:prstGeom>
+            <a:ln>
+              <a:noFill/>
+            </a:ln>
+          </p:spPr>
+          <p:style>
+            <a:lnRef idx="2">
+              <a:schemeClr val="accent1">
+                <a:shade val="50000"/>
+              </a:schemeClr>
+            </a:lnRef>
+            <a:fillRef idx="1">
+              <a:schemeClr val="accent1"/>
+            </a:fillRef>
+            <a:effectRef idx="0">
+              <a:schemeClr val="accent1"/>
+            </a:effectRef>
+            <a:fontRef idx="minor">
+              <a:schemeClr val="lt1"/>
+            </a:fontRef>
+          </p:style>
+          <p:txBody>
+            <a:bodyPr rtlCol="0" anchor="ctr"/>
+            <a:lstStyle/>
+            <a:p>
+              <a:pPr algn="ctr"/>
+              <a:endParaRPr lang="ko-KR" altLang="en-US"/>
+            </a:p>
+          </p:txBody>
+        </p:sp>
+      </p:grpSp>
+      <p:grpSp>
+        <p:nvGrpSpPr>
+          <p:cNvPr id="15" name="그룹 14"/>
+          <p:cNvGrpSpPr/>
+          <p:nvPr/>
+        </p:nvGrpSpPr>
+        <p:grpSpPr>
+          <a:xfrm flipH="1">
+            <a:off x="11294300" y="3131805"/>
+            <a:ext cx="177453" cy="578383"/>
+            <a:chOff x="3594969" y="4822521"/>
+            <a:chExt cx="177453" cy="578383"/>
+          </a:xfrm>
+        </p:grpSpPr>
+        <p:sp>
+          <p:nvSpPr>
+            <p:cNvPr id="16" name="직사각형 15"/>
+            <p:cNvSpPr/>
+            <p:nvPr/>
+          </p:nvSpPr>
+          <p:spPr>
+            <a:xfrm>
+              <a:off x="3594969" y="4822521"/>
+              <a:ext cx="162839" cy="50104"/>
+            </a:xfrm>
+            <a:prstGeom prst="rect">
+              <a:avLst/>
+            </a:prstGeom>
+            <a:ln>
+              <a:noFill/>
+            </a:ln>
+          </p:spPr>
+          <p:style>
+            <a:lnRef idx="2">
+              <a:schemeClr val="accent1">
+                <a:shade val="50000"/>
+              </a:schemeClr>
+            </a:lnRef>
+            <a:fillRef idx="1">
+              <a:schemeClr val="accent1"/>
+            </a:fillRef>
+            <a:effectRef idx="0">
+              <a:schemeClr val="accent1"/>
+            </a:effectRef>
+            <a:fontRef idx="minor">
+              <a:schemeClr val="lt1"/>
+            </a:fontRef>
+          </p:style>
+          <p:txBody>
+            <a:bodyPr rtlCol="0" anchor="ctr"/>
+            <a:lstStyle/>
+            <a:p>
+              <a:pPr algn="ctr"/>
+              <a:endParaRPr lang="ko-KR" altLang="en-US"/>
+            </a:p>
+          </p:txBody>
+        </p:sp>
+        <p:sp>
+          <p:nvSpPr>
+            <p:cNvPr id="17" name="직사각형 16"/>
+            <p:cNvSpPr/>
+            <p:nvPr/>
+          </p:nvSpPr>
+          <p:spPr>
+            <a:xfrm>
+              <a:off x="3594969" y="4822521"/>
+              <a:ext cx="45719" cy="578383"/>
+            </a:xfrm>
+            <a:prstGeom prst="rect">
+              <a:avLst/>
+            </a:prstGeom>
+            <a:ln>
+              <a:noFill/>
+            </a:ln>
+          </p:spPr>
+          <p:style>
+            <a:lnRef idx="2">
+              <a:schemeClr val="accent1">
+                <a:shade val="50000"/>
+              </a:schemeClr>
+            </a:lnRef>
+            <a:fillRef idx="1">
+              <a:schemeClr val="accent1"/>
+            </a:fillRef>
+            <a:effectRef idx="0">
+              <a:schemeClr val="accent1"/>
+            </a:effectRef>
+            <a:fontRef idx="minor">
+              <a:schemeClr val="lt1"/>
+            </a:fontRef>
+          </p:style>
+          <p:txBody>
+            <a:bodyPr rtlCol="0" anchor="ctr"/>
+            <a:lstStyle/>
+            <a:p>
+              <a:pPr algn="ctr"/>
+              <a:endParaRPr lang="ko-KR" altLang="en-US"/>
+            </a:p>
+          </p:txBody>
+        </p:sp>
+        <p:sp>
+          <p:nvSpPr>
+            <p:cNvPr id="18" name="직사각형 17"/>
+            <p:cNvSpPr/>
+            <p:nvPr/>
+          </p:nvSpPr>
+          <p:spPr>
+            <a:xfrm>
+              <a:off x="3609583" y="5350701"/>
+              <a:ext cx="162839" cy="50104"/>
+            </a:xfrm>
+            <a:prstGeom prst="rect">
+              <a:avLst/>
+            </a:prstGeom>
+            <a:ln>
+              <a:noFill/>
+            </a:ln>
+          </p:spPr>
+          <p:style>
+            <a:lnRef idx="2">
+              <a:schemeClr val="accent1">
+                <a:shade val="50000"/>
+              </a:schemeClr>
+            </a:lnRef>
+            <a:fillRef idx="1">
+              <a:schemeClr val="accent1"/>
+            </a:fillRef>
+            <a:effectRef idx="0">
+              <a:schemeClr val="accent1"/>
+            </a:effectRef>
+            <a:fontRef idx="minor">
+              <a:schemeClr val="lt1"/>
+            </a:fontRef>
+          </p:style>
+          <p:txBody>
+            <a:bodyPr rtlCol="0" anchor="ctr"/>
+            <a:lstStyle/>
+            <a:p>
+              <a:pPr algn="ctr"/>
+              <a:endParaRPr lang="ko-KR" altLang="en-US"/>
+            </a:p>
+          </p:txBody>
+        </p:sp>
+      </p:grpSp>
+      <p:sp>
+        <p:nvSpPr>
+          <p:cNvPr id="6" name="직사각형 5"/>
+          <p:cNvSpPr/>
+          <p:nvPr/>
+        </p:nvSpPr>
+        <p:spPr>
+          <a:xfrm>
+            <a:off x="3704571" y="4720395"/>
+            <a:ext cx="6096000" cy="1477328"/>
+          </a:xfrm>
+          <a:prstGeom prst="rect">
+            <a:avLst/>
+          </a:prstGeom>
+        </p:spPr>
+        <p:txBody>
+          <a:bodyPr>
+            <a:spAutoFit/>
+          </a:bodyPr>
+          <a:lstStyle/>
+          <a:p>
+            <a:r>
+              <a:rPr lang="ko-KR" altLang="en-US" sz="2400" dirty="0">
+                <a:solidFill>
+                  <a:schemeClr val="bg1"/>
+                </a:solidFill>
+                <a:latin typeface="나눔스퀘어_ac Bold" panose="020B0600000101010101" pitchFamily="50" charset="-127"/>
+                <a:ea typeface="나눔스퀘어_ac Bold" panose="020B0600000101010101" pitchFamily="50" charset="-127"/>
+              </a:rPr>
+              <a:t>대형기획사의 검증된 흥행작</a:t>
+            </a:r>
+            <a:r>
+              <a:rPr lang="en-US" altLang="ko-KR" sz="2400" dirty="0">
+                <a:solidFill>
+                  <a:schemeClr val="bg1"/>
+                </a:solidFill>
+                <a:latin typeface="나눔스퀘어_ac Bold" panose="020B0600000101010101" pitchFamily="50" charset="-127"/>
+                <a:ea typeface="나눔스퀘어_ac Bold" panose="020B0600000101010101" pitchFamily="50" charset="-127"/>
+              </a:rPr>
+              <a:t>, </a:t>
+            </a:r>
+            <a:endParaRPr lang="en-US" altLang="ko-KR" sz="2400" dirty="0" smtClean="0">
+              <a:solidFill>
+                <a:schemeClr val="bg1"/>
+              </a:solidFill>
+              <a:latin typeface="나눔스퀘어_ac Bold" panose="020B0600000101010101" pitchFamily="50" charset="-127"/>
+              <a:ea typeface="나눔스퀘어_ac Bold" panose="020B0600000101010101" pitchFamily="50" charset="-127"/>
+            </a:endParaRPr>
+          </a:p>
+          <a:p>
+            <a:r>
+              <a:rPr lang="ko-KR" altLang="en-US" sz="2400" dirty="0" smtClean="0">
+                <a:solidFill>
+                  <a:schemeClr val="bg1"/>
+                </a:solidFill>
+                <a:latin typeface="나눔스퀘어_ac Bold" panose="020B0600000101010101" pitchFamily="50" charset="-127"/>
+                <a:ea typeface="나눔스퀘어_ac Bold" panose="020B0600000101010101" pitchFamily="50" charset="-127"/>
+              </a:rPr>
+              <a:t>스타마케팅을 </a:t>
+            </a:r>
+            <a:r>
+              <a:rPr lang="ko-KR" altLang="en-US" sz="2400" dirty="0">
+                <a:solidFill>
+                  <a:schemeClr val="bg1"/>
+                </a:solidFill>
+                <a:latin typeface="나눔스퀘어_ac Bold" panose="020B0600000101010101" pitchFamily="50" charset="-127"/>
+                <a:ea typeface="나눔스퀘어_ac Bold" panose="020B0600000101010101" pitchFamily="50" charset="-127"/>
+              </a:rPr>
+              <a:t>중심으로 한 수익창출</a:t>
+            </a:r>
+            <a:r>
+              <a:rPr lang="en-US" altLang="ko-KR" sz="2400" dirty="0">
+                <a:solidFill>
+                  <a:schemeClr val="bg1"/>
+                </a:solidFill>
+                <a:latin typeface="나눔스퀘어_ac Bold" panose="020B0600000101010101" pitchFamily="50" charset="-127"/>
+                <a:ea typeface="나눔스퀘어_ac Bold" panose="020B0600000101010101" pitchFamily="50" charset="-127"/>
+              </a:rPr>
+              <a:t>, </a:t>
+            </a:r>
+            <a:endParaRPr lang="en-US" altLang="ko-KR" sz="2400" dirty="0" smtClean="0">
+              <a:solidFill>
+                <a:schemeClr val="bg1"/>
+              </a:solidFill>
+              <a:latin typeface="나눔스퀘어_ac Bold" panose="020B0600000101010101" pitchFamily="50" charset="-127"/>
+              <a:ea typeface="나눔스퀘어_ac Bold" panose="020B0600000101010101" pitchFamily="50" charset="-127"/>
+            </a:endParaRPr>
+          </a:p>
+          <a:p>
+            <a:r>
+              <a:rPr lang="ko-KR" altLang="en-US" sz="2400" dirty="0" smtClean="0">
+                <a:solidFill>
+                  <a:schemeClr val="bg1"/>
+                </a:solidFill>
+                <a:latin typeface="나눔스퀘어_ac Bold" panose="020B0600000101010101" pitchFamily="50" charset="-127"/>
+                <a:ea typeface="나눔스퀘어_ac Bold" panose="020B0600000101010101" pitchFamily="50" charset="-127"/>
+              </a:rPr>
+              <a:t> </a:t>
+            </a:r>
+            <a:r>
+              <a:rPr lang="ko-KR" altLang="en-US" sz="2400" dirty="0">
+                <a:solidFill>
+                  <a:schemeClr val="bg1"/>
+                </a:solidFill>
+                <a:latin typeface="나눔스퀘어_ac Bold" panose="020B0600000101010101" pitchFamily="50" charset="-127"/>
+                <a:ea typeface="나눔스퀘어_ac Bold" panose="020B0600000101010101" pitchFamily="50" charset="-127"/>
+              </a:rPr>
+              <a:t>벤처 투자 등이 영향</a:t>
+            </a:r>
+          </a:p>
+          <a:p>
+            <a:endParaRPr lang="ko-KR" altLang="en-US" dirty="0"/>
+          </a:p>
+        </p:txBody>
+      </p:sp>
+      <p:sp>
+        <p:nvSpPr>
+          <p:cNvPr id="19" name="아래쪽 화살표 18"/>
+          <p:cNvSpPr/>
+          <p:nvPr/>
+        </p:nvSpPr>
+        <p:spPr>
+          <a:xfrm>
+            <a:off x="5235879" y="4201690"/>
+            <a:ext cx="538620" cy="332732"/>
+          </a:xfrm>
+          <a:prstGeom prst="downArrow">
+            <a:avLst/>
+          </a:prstGeom>
+          <a:noFill/>
+          <a:ln>
+            <a:solidFill>
+              <a:schemeClr val="bg1"/>
+            </a:solidFill>
+          </a:ln>
+        </p:spPr>
+        <p:style>
+          <a:lnRef idx="2">
+            <a:schemeClr val="accent1">
+              <a:shade val="50000"/>
+            </a:schemeClr>
+          </a:lnRef>
+          <a:fillRef idx="1">
+            <a:schemeClr val="accent1"/>
+          </a:fillRef>
+          <a:effectRef idx="0">
+            <a:schemeClr val="accent1"/>
+          </a:effectRef>
+          <a:fontRef idx="minor">
+            <a:schemeClr val="lt1"/>
+          </a:fontRef>
+        </p:style>
+        <p:txBody>
+          <a:bodyPr rtlCol="0" anchor="ctr"/>
+          <a:lstStyle/>
+          <a:p>
+            <a:pPr algn="ctr"/>
+            <a:endParaRPr lang="ko-KR" altLang="en-US"/>
+          </a:p>
+        </p:txBody>
+      </p:sp>
+      <p:sp>
+        <p:nvSpPr>
+          <p:cNvPr id="20" name="TextBox 19"/>
+          <p:cNvSpPr txBox="1"/>
+          <p:nvPr/>
+        </p:nvSpPr>
+        <p:spPr>
+          <a:xfrm>
+            <a:off x="3344449" y="4534422"/>
+            <a:ext cx="5523978" cy="1938992"/>
+          </a:xfrm>
+          <a:prstGeom prst="rect">
+            <a:avLst/>
+          </a:prstGeom>
+          <a:noFill/>
+        </p:spPr>
+        <p:txBody>
+          <a:bodyPr wrap="square" rtlCol="0">
+            <a:spAutoFit/>
+          </a:bodyPr>
+          <a:lstStyle/>
+          <a:p>
+            <a:r>
+              <a:rPr lang="en-US" altLang="ko-KR" sz="4000" dirty="0" smtClean="0">
+                <a:solidFill>
+                  <a:schemeClr val="bg1"/>
+                </a:solidFill>
+                <a:latin typeface="DX방탄고딕" panose="02020600000000000000" pitchFamily="18" charset="-127"/>
+                <a:ea typeface="DX방탄고딕" panose="02020600000000000000" pitchFamily="18" charset="-127"/>
+              </a:rPr>
+              <a:t>“					</a:t>
+            </a:r>
+          </a:p>
+          <a:p>
+            <a:endParaRPr lang="en-US" altLang="ko-KR" sz="4000" dirty="0">
+              <a:solidFill>
+                <a:schemeClr val="bg1"/>
+              </a:solidFill>
+              <a:latin typeface="DX방탄고딕" panose="02020600000000000000" pitchFamily="18" charset="-127"/>
+              <a:ea typeface="DX방탄고딕" panose="02020600000000000000" pitchFamily="18" charset="-127"/>
+            </a:endParaRPr>
+          </a:p>
+          <a:p>
+            <a:r>
+              <a:rPr lang="en-US" altLang="ko-KR" sz="4000" dirty="0" smtClean="0">
+                <a:solidFill>
+                  <a:schemeClr val="bg1"/>
+                </a:solidFill>
+                <a:latin typeface="DX방탄고딕" panose="02020600000000000000" pitchFamily="18" charset="-127"/>
+                <a:ea typeface="DX방탄고딕" panose="02020600000000000000" pitchFamily="18" charset="-127"/>
+              </a:rPr>
+              <a:t>					”</a:t>
+            </a:r>
+            <a:endParaRPr lang="ko-KR" altLang="en-US" sz="4000" dirty="0">
+              <a:solidFill>
+                <a:schemeClr val="bg1"/>
+              </a:solidFill>
+              <a:latin typeface="DX방탄고딕" panose="02020600000000000000" pitchFamily="18" charset="-127"/>
+              <a:ea typeface="DX방탄고딕" panose="02020600000000000000" pitchFamily="18" charset="-127"/>
+            </a:endParaRPr>
           </a:p>
         </p:txBody>
       </p:sp>
     </p:spTree>
     <p:extLst>
       <p:ext uri="{BB962C8B-B14F-4D97-AF65-F5344CB8AC3E}">
-        <p14:creationId xmlns:p14="http://schemas.microsoft.com/office/powerpoint/2010/main" val="150005931"/>
+        <p14:creationId xmlns:p14="http://schemas.microsoft.com/office/powerpoint/2010/main" val="4008124367"/>
+      </p:ext>
+    </p:extLst>
+  </p:cSld>
+  <p:clrMapOvr>
+    <a:masterClrMapping/>
+  </p:clrMapOvr>
+  <p:timing>
+    <p:tnLst>
+      <p:par>
+        <p:cTn id="1" dur="indefinite" restart="never" nodeType="tmRoot"/>
+      </p:par>
+    </p:tnLst>
+  </p:timing>
+</p:sld>
+</file>
+
+<file path=ppt/slides/slide8.xml><?xml version="1.0" encoding="utf-8"?>
+<p:sld xmlns:a="http://schemas.openxmlformats.org/drawingml/2006/main" xmlns:r="http://schemas.openxmlformats.org/officeDocument/2006/relationships" xmlns:p="http://schemas.openxmlformats.org/presentationml/2006/main">
+  <p:cSld>
+    <p:spTree>
+      <p:nvGrpSpPr>
+        <p:cNvPr id="1" name=""/>
+        <p:cNvGrpSpPr/>
+        <p:nvPr/>
+      </p:nvGrpSpPr>
+      <p:grpSpPr>
+        <a:xfrm>
+          <a:off x="0" y="0"/>
+          <a:ext cx="0" cy="0"/>
+          <a:chOff x="0" y="0"/>
+          <a:chExt cx="0" cy="0"/>
+        </a:xfrm>
+      </p:grpSpPr>
+      <p:sp>
+        <p:nvSpPr>
+          <p:cNvPr id="4" name="직사각형 3"/>
+          <p:cNvSpPr/>
+          <p:nvPr/>
+        </p:nvSpPr>
+        <p:spPr>
+          <a:xfrm>
+            <a:off x="0" y="0"/>
+            <a:ext cx="12192000" cy="6858000"/>
+          </a:xfrm>
+          <a:prstGeom prst="rect">
+            <a:avLst/>
+          </a:prstGeom>
+          <a:solidFill>
+            <a:srgbClr val="00204F"/>
+          </a:solidFill>
+          <a:ln>
+            <a:noFill/>
+          </a:ln>
+        </p:spPr>
+        <p:style>
+          <a:lnRef idx="2">
+            <a:schemeClr val="accent1">
+              <a:shade val="50000"/>
+            </a:schemeClr>
+          </a:lnRef>
+          <a:fillRef idx="1">
+            <a:schemeClr val="accent1"/>
+          </a:fillRef>
+          <a:effectRef idx="0">
+            <a:schemeClr val="accent1"/>
+          </a:effectRef>
+          <a:fontRef idx="minor">
+            <a:schemeClr val="lt1"/>
+          </a:fontRef>
+        </p:style>
+        <p:txBody>
+          <a:bodyPr rtlCol="0" anchor="ctr"/>
+          <a:lstStyle/>
+          <a:p>
+            <a:pPr algn="ctr"/>
+            <a:endParaRPr lang="ko-KR" altLang="en-US" dirty="0"/>
+          </a:p>
+        </p:txBody>
+      </p:sp>
+      <p:sp>
+        <p:nvSpPr>
+          <p:cNvPr id="8" name="TextBox 7"/>
+          <p:cNvSpPr txBox="1"/>
+          <p:nvPr/>
+        </p:nvSpPr>
+        <p:spPr>
+          <a:xfrm>
+            <a:off x="657615" y="388307"/>
+            <a:ext cx="8724379" cy="707886"/>
+          </a:xfrm>
+          <a:prstGeom prst="rect">
+            <a:avLst/>
+          </a:prstGeom>
+          <a:noFill/>
+        </p:spPr>
+        <p:txBody>
+          <a:bodyPr wrap="square" rtlCol="0">
+            <a:spAutoFit/>
+          </a:bodyPr>
+          <a:lstStyle/>
+          <a:p>
+            <a:r>
+              <a:rPr lang="en-US" altLang="ko-KR" sz="4000" b="1" dirty="0">
+                <a:solidFill>
+                  <a:schemeClr val="bg1"/>
+                </a:solidFill>
+                <a:latin typeface="나눔스퀘어_ac ExtraBold" panose="020B0600000101010101" pitchFamily="50" charset="-127"/>
+                <a:ea typeface="나눔스퀘어_ac ExtraBold" panose="020B0600000101010101" pitchFamily="50" charset="-127"/>
+              </a:rPr>
+              <a:t>2</a:t>
+            </a:r>
+            <a:r>
+              <a:rPr lang="en-US" altLang="ko-KR" sz="4000" b="1" dirty="0" smtClean="0">
+                <a:solidFill>
+                  <a:schemeClr val="bg1"/>
+                </a:solidFill>
+                <a:latin typeface="나눔스퀘어_ac ExtraBold" panose="020B0600000101010101" pitchFamily="50" charset="-127"/>
+                <a:ea typeface="나눔스퀘어_ac ExtraBold" panose="020B0600000101010101" pitchFamily="50" charset="-127"/>
+              </a:rPr>
+              <a:t>. </a:t>
+            </a:r>
+            <a:r>
+              <a:rPr lang="ko-KR" altLang="en-US" sz="4000" b="1" dirty="0" smtClean="0">
+                <a:solidFill>
+                  <a:schemeClr val="bg1"/>
+                </a:solidFill>
+                <a:latin typeface="나눔스퀘어_ac ExtraBold" panose="020B0600000101010101" pitchFamily="50" charset="-127"/>
+                <a:ea typeface="나눔스퀘어_ac ExtraBold" panose="020B0600000101010101" pitchFamily="50" charset="-127"/>
+              </a:rPr>
+              <a:t>문화생활 추천 서비스 </a:t>
+            </a:r>
+            <a:endParaRPr lang="ko-KR" altLang="en-US" sz="4000" dirty="0">
+              <a:solidFill>
+                <a:schemeClr val="bg1"/>
+              </a:solidFill>
+              <a:latin typeface="나눔스퀘어_ac ExtraBold" panose="020B0600000101010101" pitchFamily="50" charset="-127"/>
+              <a:ea typeface="나눔스퀘어_ac ExtraBold" panose="020B0600000101010101" pitchFamily="50" charset="-127"/>
+            </a:endParaRPr>
+          </a:p>
+        </p:txBody>
+      </p:sp>
+      <p:sp>
+        <p:nvSpPr>
+          <p:cNvPr id="5" name="직사각형 4"/>
+          <p:cNvSpPr/>
+          <p:nvPr/>
+        </p:nvSpPr>
+        <p:spPr>
+          <a:xfrm>
+            <a:off x="1068886" y="1351241"/>
+            <a:ext cx="10690965" cy="455894"/>
+          </a:xfrm>
+          <a:prstGeom prst="rect">
+            <a:avLst/>
+          </a:prstGeom>
+        </p:spPr>
+        <p:txBody>
+          <a:bodyPr wrap="square">
+            <a:spAutoFit/>
+          </a:bodyPr>
+          <a:lstStyle/>
+          <a:p>
+            <a:pPr algn="just">
+              <a:lnSpc>
+                <a:spcPct val="107000"/>
+              </a:lnSpc>
+              <a:spcAft>
+                <a:spcPts val="800"/>
+              </a:spcAft>
+            </a:pPr>
+            <a:r>
+              <a:rPr lang="en-US" altLang="ko-KR" sz="2400" b="1" kern="100" dirty="0" smtClean="0">
+                <a:solidFill>
+                  <a:schemeClr val="bg1"/>
+                </a:solidFill>
+                <a:latin typeface="맑은 고딕" panose="020B0503020000020004" pitchFamily="50" charset="-127"/>
+                <a:cs typeface="Times New Roman" panose="02020603050405020304" pitchFamily="18" charset="0"/>
+              </a:rPr>
+              <a:t># </a:t>
+            </a:r>
+            <a:r>
+              <a:rPr lang="ko-KR" altLang="en-US" sz="2400" b="1" kern="100" dirty="0" smtClean="0">
+                <a:solidFill>
+                  <a:schemeClr val="bg1"/>
+                </a:solidFill>
+                <a:latin typeface="맑은 고딕" panose="020B0503020000020004" pitchFamily="50" charset="-127"/>
+                <a:cs typeface="Times New Roman" panose="02020603050405020304" pitchFamily="18" charset="0"/>
+              </a:rPr>
+              <a:t>취지</a:t>
+            </a:r>
+            <a:r>
+              <a:rPr lang="en-US" altLang="ko-KR" sz="2400" b="1" kern="100" dirty="0">
+                <a:solidFill>
+                  <a:schemeClr val="bg1"/>
+                </a:solidFill>
+                <a:latin typeface="맑은 고딕" panose="020B0503020000020004" pitchFamily="50" charset="-127"/>
+                <a:cs typeface="Times New Roman" panose="02020603050405020304" pitchFamily="18" charset="0"/>
+              </a:rPr>
+              <a:t> </a:t>
+            </a:r>
+            <a:r>
+              <a:rPr lang="en-US" altLang="ko-KR" sz="2400" b="1" kern="100" dirty="0" smtClean="0">
+                <a:solidFill>
+                  <a:schemeClr val="bg1"/>
+                </a:solidFill>
+                <a:latin typeface="맑은 고딕" panose="020B0503020000020004" pitchFamily="50" charset="-127"/>
+                <a:cs typeface="Times New Roman" panose="02020603050405020304" pitchFamily="18" charset="0"/>
+              </a:rPr>
+              <a:t>:</a:t>
+            </a:r>
+            <a:r>
+              <a:rPr lang="en-US" altLang="ko-KR" sz="2400" b="1" kern="100" dirty="0" smtClean="0">
+                <a:solidFill>
+                  <a:schemeClr val="bg1"/>
+                </a:solidFill>
+                <a:latin typeface="맑은 고딕" panose="020B0503020000020004" pitchFamily="50" charset="-127"/>
+                <a:cs typeface="Times New Roman" panose="02020603050405020304" pitchFamily="18" charset="0"/>
+              </a:rPr>
+              <a:t> </a:t>
+            </a:r>
+            <a:r>
+              <a:rPr lang="ko-KR" altLang="en-US" sz="2400" b="1" kern="100" dirty="0">
+                <a:solidFill>
+                  <a:schemeClr val="bg1"/>
+                </a:solidFill>
+                <a:latin typeface="맑은 고딕" panose="020B0503020000020004" pitchFamily="50" charset="-127"/>
+                <a:cs typeface="Times New Roman" panose="02020603050405020304" pitchFamily="18" charset="0"/>
+              </a:rPr>
+              <a:t>공연문화예술 시장의 </a:t>
+            </a:r>
+            <a:r>
+              <a:rPr lang="ko-KR" altLang="en-US" sz="2400" b="1" kern="100" dirty="0" smtClean="0">
+                <a:solidFill>
+                  <a:schemeClr val="bg1"/>
+                </a:solidFill>
+                <a:latin typeface="맑은 고딕" panose="020B0503020000020004" pitchFamily="50" charset="-127"/>
+                <a:cs typeface="Times New Roman" panose="02020603050405020304" pitchFamily="18" charset="0"/>
+              </a:rPr>
+              <a:t>확대</a:t>
+            </a:r>
+            <a:endParaRPr lang="en-US" altLang="ko-KR" sz="2400" b="1" kern="100" dirty="0" smtClean="0">
+              <a:solidFill>
+                <a:schemeClr val="bg1"/>
+              </a:solidFill>
+              <a:latin typeface="맑은 고딕" panose="020B0503020000020004" pitchFamily="50" charset="-127"/>
+              <a:cs typeface="Times New Roman" panose="02020603050405020304" pitchFamily="18" charset="0"/>
+            </a:endParaRPr>
+          </a:p>
+        </p:txBody>
+      </p:sp>
+      <p:pic>
+        <p:nvPicPr>
+          <p:cNvPr id="21" name="그림 20"/>
+          <p:cNvPicPr>
+            <a:picLocks noChangeAspect="1"/>
+          </p:cNvPicPr>
+          <p:nvPr/>
+        </p:nvPicPr>
+        <p:blipFill>
+          <a:blip r:embed="rId2"/>
+          <a:stretch>
+            <a:fillRect/>
+          </a:stretch>
+        </p:blipFill>
+        <p:spPr>
+          <a:xfrm>
+            <a:off x="2393580" y="2010613"/>
+            <a:ext cx="7229475" cy="2295525"/>
+          </a:xfrm>
+          <a:prstGeom prst="rect">
+            <a:avLst/>
+          </a:prstGeom>
+          <a:ln>
+            <a:noFill/>
+          </a:ln>
+          <a:effectLst>
+            <a:outerShdw blurRad="292100" dist="139700" dir="2700000" algn="tl" rotWithShape="0">
+              <a:srgbClr val="333333">
+                <a:alpha val="65000"/>
+              </a:srgbClr>
+            </a:outerShdw>
+          </a:effectLst>
+        </p:spPr>
+      </p:pic>
+      <p:sp>
+        <p:nvSpPr>
+          <p:cNvPr id="2" name="직사각형 1"/>
+          <p:cNvSpPr/>
+          <p:nvPr/>
+        </p:nvSpPr>
+        <p:spPr>
+          <a:xfrm>
+            <a:off x="3048000" y="4509616"/>
+            <a:ext cx="6096000" cy="2062103"/>
+          </a:xfrm>
+          <a:prstGeom prst="rect">
+            <a:avLst/>
+          </a:prstGeom>
+        </p:spPr>
+        <p:txBody>
+          <a:bodyPr>
+            <a:spAutoFit/>
+          </a:bodyPr>
+          <a:lstStyle/>
+          <a:p>
+            <a:r>
+              <a:rPr lang="ko-KR" altLang="en-US" sz="2000" dirty="0">
+                <a:solidFill>
+                  <a:schemeClr val="bg1"/>
+                </a:solidFill>
+                <a:latin typeface="나눔스퀘어_ac Bold" panose="020B0600000101010101" pitchFamily="50" charset="-127"/>
+                <a:ea typeface="나눔스퀘어_ac Bold" panose="020B0600000101010101" pitchFamily="50" charset="-127"/>
+              </a:rPr>
+              <a:t>공연문화예술 시장의 확대에도 불구하고</a:t>
+            </a:r>
+            <a:r>
+              <a:rPr lang="en-US" altLang="ko-KR" sz="2000" dirty="0">
+                <a:solidFill>
+                  <a:schemeClr val="bg1"/>
+                </a:solidFill>
+                <a:latin typeface="나눔스퀘어_ac Bold" panose="020B0600000101010101" pitchFamily="50" charset="-127"/>
+                <a:ea typeface="나눔스퀘어_ac Bold" panose="020B0600000101010101" pitchFamily="50" charset="-127"/>
+              </a:rPr>
+              <a:t>, </a:t>
+            </a:r>
+            <a:endParaRPr lang="en-US" altLang="ko-KR" sz="2000" dirty="0" smtClean="0">
+              <a:solidFill>
+                <a:schemeClr val="bg1"/>
+              </a:solidFill>
+              <a:latin typeface="나눔스퀘어_ac Bold" panose="020B0600000101010101" pitchFamily="50" charset="-127"/>
+              <a:ea typeface="나눔스퀘어_ac Bold" panose="020B0600000101010101" pitchFamily="50" charset="-127"/>
+            </a:endParaRPr>
+          </a:p>
+          <a:p>
+            <a:r>
+              <a:rPr lang="ko-KR" altLang="en-US" sz="2000" dirty="0" smtClean="0">
+                <a:solidFill>
+                  <a:schemeClr val="bg1"/>
+                </a:solidFill>
+                <a:latin typeface="나눔스퀘어_ac Bold" panose="020B0600000101010101" pitchFamily="50" charset="-127"/>
+                <a:ea typeface="나눔스퀘어_ac Bold" panose="020B0600000101010101" pitchFamily="50" charset="-127"/>
+              </a:rPr>
+              <a:t>마케팅 </a:t>
+            </a:r>
+            <a:r>
+              <a:rPr lang="ko-KR" altLang="en-US" sz="2000" dirty="0">
+                <a:solidFill>
+                  <a:schemeClr val="bg1"/>
+                </a:solidFill>
+                <a:latin typeface="나눔스퀘어_ac Bold" panose="020B0600000101010101" pitchFamily="50" charset="-127"/>
+                <a:ea typeface="나눔스퀘어_ac Bold" panose="020B0600000101010101" pitchFamily="50" charset="-127"/>
+              </a:rPr>
+              <a:t>역량이 충분하지 않은 중소 규모의 공연장의 경우 </a:t>
+            </a:r>
+            <a:endParaRPr lang="en-US" altLang="ko-KR" sz="2000" dirty="0" smtClean="0">
+              <a:solidFill>
+                <a:schemeClr val="bg1"/>
+              </a:solidFill>
+              <a:latin typeface="나눔스퀘어_ac Bold" panose="020B0600000101010101" pitchFamily="50" charset="-127"/>
+              <a:ea typeface="나눔스퀘어_ac Bold" panose="020B0600000101010101" pitchFamily="50" charset="-127"/>
+            </a:endParaRPr>
+          </a:p>
+          <a:p>
+            <a:r>
+              <a:rPr lang="ko-KR" altLang="en-US" sz="2000" dirty="0" smtClean="0">
+                <a:solidFill>
+                  <a:schemeClr val="bg1"/>
+                </a:solidFill>
+                <a:latin typeface="나눔스퀘어_ac Bold" panose="020B0600000101010101" pitchFamily="50" charset="-127"/>
+                <a:ea typeface="나눔스퀘어_ac Bold" panose="020B0600000101010101" pitchFamily="50" charset="-127"/>
+              </a:rPr>
+              <a:t>오히려 </a:t>
+            </a:r>
+            <a:r>
+              <a:rPr lang="ko-KR" altLang="en-US" sz="2000" dirty="0">
+                <a:solidFill>
+                  <a:schemeClr val="bg1"/>
+                </a:solidFill>
+                <a:latin typeface="나눔스퀘어_ac Bold" panose="020B0600000101010101" pitchFamily="50" charset="-127"/>
+                <a:ea typeface="나눔스퀘어_ac Bold" panose="020B0600000101010101" pitchFamily="50" charset="-127"/>
+              </a:rPr>
+              <a:t>판매실적이 악화되고 있는 </a:t>
+            </a:r>
+            <a:r>
+              <a:rPr lang="ko-KR" altLang="en-US" sz="2000" dirty="0" smtClean="0">
+                <a:solidFill>
+                  <a:schemeClr val="bg1"/>
+                </a:solidFill>
+                <a:latin typeface="나눔스퀘어_ac Bold" panose="020B0600000101010101" pitchFamily="50" charset="-127"/>
+                <a:ea typeface="나눔스퀘어_ac Bold" panose="020B0600000101010101" pitchFamily="50" charset="-127"/>
+              </a:rPr>
+              <a:t>실정</a:t>
+            </a:r>
+            <a:r>
+              <a:rPr lang="en-US" altLang="ko-KR" sz="2000" dirty="0" smtClean="0">
+                <a:solidFill>
+                  <a:schemeClr val="bg1"/>
+                </a:solidFill>
+                <a:latin typeface="나눔스퀘어_ac Bold" panose="020B0600000101010101" pitchFamily="50" charset="-127"/>
+                <a:ea typeface="나눔스퀘어_ac Bold" panose="020B0600000101010101" pitchFamily="50" charset="-127"/>
+              </a:rPr>
+              <a:t>.</a:t>
+            </a:r>
+            <a:endParaRPr lang="en-US" altLang="ko-KR" sz="2000" dirty="0">
+              <a:solidFill>
+                <a:schemeClr val="bg1"/>
+              </a:solidFill>
+              <a:latin typeface="나눔스퀘어_ac Bold" panose="020B0600000101010101" pitchFamily="50" charset="-127"/>
+              <a:ea typeface="나눔스퀘어_ac Bold" panose="020B0600000101010101" pitchFamily="50" charset="-127"/>
+            </a:endParaRPr>
+          </a:p>
+          <a:p>
+            <a:endParaRPr lang="en-US" altLang="ko-KR" sz="2000" dirty="0">
+              <a:solidFill>
+                <a:schemeClr val="bg1"/>
+              </a:solidFill>
+              <a:latin typeface="나눔스퀘어_ac Bold" panose="020B0600000101010101" pitchFamily="50" charset="-127"/>
+              <a:ea typeface="나눔스퀘어_ac Bold" panose="020B0600000101010101" pitchFamily="50" charset="-127"/>
+            </a:endParaRPr>
+          </a:p>
+          <a:p>
+            <a:r>
+              <a:rPr lang="ko-KR" altLang="en-US" sz="2000" dirty="0">
+                <a:solidFill>
+                  <a:schemeClr val="bg1"/>
+                </a:solidFill>
+                <a:latin typeface="나눔스퀘어_ac Bold" panose="020B0600000101010101" pitchFamily="50" charset="-127"/>
+                <a:ea typeface="나눔스퀘어_ac Bold" panose="020B0600000101010101" pitchFamily="50" charset="-127"/>
+              </a:rPr>
+              <a:t>소비자의 공연관람 성과를 높이고자 </a:t>
+            </a:r>
+            <a:r>
+              <a:rPr lang="ko-KR" altLang="en-US" sz="2000" dirty="0" err="1">
+                <a:solidFill>
+                  <a:schemeClr val="bg1"/>
+                </a:solidFill>
+                <a:latin typeface="나눔스퀘어_ac Bold" panose="020B0600000101010101" pitchFamily="50" charset="-127"/>
+                <a:ea typeface="나눔스퀘어_ac Bold" panose="020B0600000101010101" pitchFamily="50" charset="-127"/>
+              </a:rPr>
+              <a:t>머신러닝</a:t>
+            </a:r>
+            <a:r>
+              <a:rPr lang="ko-KR" altLang="en-US" sz="2000" dirty="0">
+                <a:solidFill>
+                  <a:schemeClr val="bg1"/>
+                </a:solidFill>
+                <a:latin typeface="나눔스퀘어_ac Bold" panose="020B0600000101010101" pitchFamily="50" charset="-127"/>
+                <a:ea typeface="나눔스퀘어_ac Bold" panose="020B0600000101010101" pitchFamily="50" charset="-127"/>
+              </a:rPr>
+              <a:t> 기반의 </a:t>
+            </a:r>
+            <a:endParaRPr lang="en-US" altLang="ko-KR" sz="2000" dirty="0" smtClean="0">
+              <a:solidFill>
+                <a:schemeClr val="bg1"/>
+              </a:solidFill>
+              <a:latin typeface="나눔스퀘어_ac Bold" panose="020B0600000101010101" pitchFamily="50" charset="-127"/>
+              <a:ea typeface="나눔스퀘어_ac Bold" panose="020B0600000101010101" pitchFamily="50" charset="-127"/>
+            </a:endParaRPr>
+          </a:p>
+          <a:p>
+            <a:r>
+              <a:rPr lang="ko-KR" altLang="en-US" sz="2800" dirty="0" smtClean="0">
+                <a:solidFill>
+                  <a:schemeClr val="bg1"/>
+                </a:solidFill>
+                <a:latin typeface="나눔스퀘어_ac Bold" panose="020B0600000101010101" pitchFamily="50" charset="-127"/>
+                <a:ea typeface="나눔스퀘어_ac Bold" panose="020B0600000101010101" pitchFamily="50" charset="-127"/>
+              </a:rPr>
+              <a:t>장르추천 </a:t>
+            </a:r>
+            <a:r>
+              <a:rPr lang="ko-KR" altLang="en-US" sz="2800" dirty="0">
+                <a:solidFill>
+                  <a:schemeClr val="bg1"/>
+                </a:solidFill>
+                <a:latin typeface="나눔스퀘어_ac Bold" panose="020B0600000101010101" pitchFamily="50" charset="-127"/>
+                <a:ea typeface="나눔스퀘어_ac Bold" panose="020B0600000101010101" pitchFamily="50" charset="-127"/>
+              </a:rPr>
+              <a:t>시스템</a:t>
+            </a:r>
+            <a:r>
+              <a:rPr lang="ko-KR" altLang="en-US" sz="2000" dirty="0">
+                <a:solidFill>
+                  <a:schemeClr val="bg1"/>
+                </a:solidFill>
+                <a:latin typeface="나눔스퀘어_ac Bold" panose="020B0600000101010101" pitchFamily="50" charset="-127"/>
+                <a:ea typeface="나눔스퀘어_ac Bold" panose="020B0600000101010101" pitchFamily="50" charset="-127"/>
+              </a:rPr>
+              <a:t>을 </a:t>
+            </a:r>
+            <a:r>
+              <a:rPr lang="ko-KR" altLang="en-US" sz="2000" dirty="0" smtClean="0">
+                <a:solidFill>
+                  <a:schemeClr val="bg1"/>
+                </a:solidFill>
+                <a:latin typeface="나눔스퀘어_ac Bold" panose="020B0600000101010101" pitchFamily="50" charset="-127"/>
+                <a:ea typeface="나눔스퀘어_ac Bold" panose="020B0600000101010101" pitchFamily="50" charset="-127"/>
+              </a:rPr>
+              <a:t>제시</a:t>
+            </a:r>
+            <a:endParaRPr lang="ko-KR" altLang="en-US" sz="2000" dirty="0">
+              <a:solidFill>
+                <a:schemeClr val="bg1"/>
+              </a:solidFill>
+              <a:latin typeface="나눔스퀘어_ac Bold" panose="020B0600000101010101" pitchFamily="50" charset="-127"/>
+              <a:ea typeface="나눔스퀘어_ac Bold" panose="020B0600000101010101" pitchFamily="50" charset="-127"/>
+            </a:endParaRPr>
+          </a:p>
+        </p:txBody>
+      </p:sp>
+      <p:grpSp>
+        <p:nvGrpSpPr>
+          <p:cNvPr id="22" name="그룹 21"/>
+          <p:cNvGrpSpPr/>
+          <p:nvPr/>
+        </p:nvGrpSpPr>
+        <p:grpSpPr>
+          <a:xfrm>
+            <a:off x="2463722" y="4835318"/>
+            <a:ext cx="253135" cy="1229789"/>
+            <a:chOff x="3594969" y="4822521"/>
+            <a:chExt cx="177453" cy="578383"/>
+          </a:xfrm>
+        </p:grpSpPr>
+        <p:sp>
+          <p:nvSpPr>
+            <p:cNvPr id="23" name="직사각형 22"/>
+            <p:cNvSpPr/>
+            <p:nvPr/>
+          </p:nvSpPr>
+          <p:spPr>
+            <a:xfrm>
+              <a:off x="3594969" y="4822521"/>
+              <a:ext cx="162839" cy="50104"/>
+            </a:xfrm>
+            <a:prstGeom prst="rect">
+              <a:avLst/>
+            </a:prstGeom>
+            <a:solidFill>
+              <a:schemeClr val="bg1"/>
+            </a:solidFill>
+            <a:ln>
+              <a:noFill/>
+            </a:ln>
+          </p:spPr>
+          <p:style>
+            <a:lnRef idx="2">
+              <a:schemeClr val="accent1">
+                <a:shade val="50000"/>
+              </a:schemeClr>
+            </a:lnRef>
+            <a:fillRef idx="1">
+              <a:schemeClr val="accent1"/>
+            </a:fillRef>
+            <a:effectRef idx="0">
+              <a:schemeClr val="accent1"/>
+            </a:effectRef>
+            <a:fontRef idx="minor">
+              <a:schemeClr val="lt1"/>
+            </a:fontRef>
+          </p:style>
+          <p:txBody>
+            <a:bodyPr rtlCol="0" anchor="ctr"/>
+            <a:lstStyle/>
+            <a:p>
+              <a:pPr algn="ctr"/>
+              <a:endParaRPr lang="ko-KR" altLang="en-US"/>
+            </a:p>
+          </p:txBody>
+        </p:sp>
+        <p:sp>
+          <p:nvSpPr>
+            <p:cNvPr id="24" name="직사각형 23"/>
+            <p:cNvSpPr/>
+            <p:nvPr/>
+          </p:nvSpPr>
+          <p:spPr>
+            <a:xfrm>
+              <a:off x="3594969" y="4822521"/>
+              <a:ext cx="45719" cy="578383"/>
+            </a:xfrm>
+            <a:prstGeom prst="rect">
+              <a:avLst/>
+            </a:prstGeom>
+            <a:solidFill>
+              <a:schemeClr val="bg1"/>
+            </a:solidFill>
+            <a:ln>
+              <a:noFill/>
+            </a:ln>
+          </p:spPr>
+          <p:style>
+            <a:lnRef idx="2">
+              <a:schemeClr val="accent1">
+                <a:shade val="50000"/>
+              </a:schemeClr>
+            </a:lnRef>
+            <a:fillRef idx="1">
+              <a:schemeClr val="accent1"/>
+            </a:fillRef>
+            <a:effectRef idx="0">
+              <a:schemeClr val="accent1"/>
+            </a:effectRef>
+            <a:fontRef idx="minor">
+              <a:schemeClr val="lt1"/>
+            </a:fontRef>
+          </p:style>
+          <p:txBody>
+            <a:bodyPr rtlCol="0" anchor="ctr"/>
+            <a:lstStyle/>
+            <a:p>
+              <a:pPr algn="ctr"/>
+              <a:endParaRPr lang="ko-KR" altLang="en-US"/>
+            </a:p>
+          </p:txBody>
+        </p:sp>
+        <p:sp>
+          <p:nvSpPr>
+            <p:cNvPr id="25" name="직사각형 24"/>
+            <p:cNvSpPr/>
+            <p:nvPr/>
+          </p:nvSpPr>
+          <p:spPr>
+            <a:xfrm>
+              <a:off x="3609583" y="5350701"/>
+              <a:ext cx="162839" cy="50104"/>
+            </a:xfrm>
+            <a:prstGeom prst="rect">
+              <a:avLst/>
+            </a:prstGeom>
+            <a:solidFill>
+              <a:schemeClr val="bg1"/>
+            </a:solidFill>
+            <a:ln>
+              <a:noFill/>
+            </a:ln>
+          </p:spPr>
+          <p:style>
+            <a:lnRef idx="2">
+              <a:schemeClr val="accent1">
+                <a:shade val="50000"/>
+              </a:schemeClr>
+            </a:lnRef>
+            <a:fillRef idx="1">
+              <a:schemeClr val="accent1"/>
+            </a:fillRef>
+            <a:effectRef idx="0">
+              <a:schemeClr val="accent1"/>
+            </a:effectRef>
+            <a:fontRef idx="minor">
+              <a:schemeClr val="lt1"/>
+            </a:fontRef>
+          </p:style>
+          <p:txBody>
+            <a:bodyPr rtlCol="0" anchor="ctr"/>
+            <a:lstStyle/>
+            <a:p>
+              <a:pPr algn="ctr"/>
+              <a:endParaRPr lang="ko-KR" altLang="en-US"/>
+            </a:p>
+          </p:txBody>
+        </p:sp>
+      </p:grpSp>
+      <p:grpSp>
+        <p:nvGrpSpPr>
+          <p:cNvPr id="30" name="그룹 29"/>
+          <p:cNvGrpSpPr/>
+          <p:nvPr/>
+        </p:nvGrpSpPr>
+        <p:grpSpPr>
+          <a:xfrm flipH="1">
+            <a:off x="9306782" y="4835108"/>
+            <a:ext cx="253135" cy="1229789"/>
+            <a:chOff x="3594969" y="4822521"/>
+            <a:chExt cx="177453" cy="578383"/>
+          </a:xfrm>
+          <a:solidFill>
+            <a:schemeClr val="bg1"/>
+          </a:solidFill>
+        </p:grpSpPr>
+        <p:sp>
+          <p:nvSpPr>
+            <p:cNvPr id="31" name="직사각형 30"/>
+            <p:cNvSpPr/>
+            <p:nvPr/>
+          </p:nvSpPr>
+          <p:spPr>
+            <a:xfrm>
+              <a:off x="3594969" y="4822521"/>
+              <a:ext cx="162839" cy="50104"/>
+            </a:xfrm>
+            <a:prstGeom prst="rect">
+              <a:avLst/>
+            </a:prstGeom>
+            <a:grpFill/>
+            <a:ln>
+              <a:noFill/>
+            </a:ln>
+          </p:spPr>
+          <p:style>
+            <a:lnRef idx="2">
+              <a:schemeClr val="accent1">
+                <a:shade val="50000"/>
+              </a:schemeClr>
+            </a:lnRef>
+            <a:fillRef idx="1">
+              <a:schemeClr val="accent1"/>
+            </a:fillRef>
+            <a:effectRef idx="0">
+              <a:schemeClr val="accent1"/>
+            </a:effectRef>
+            <a:fontRef idx="minor">
+              <a:schemeClr val="lt1"/>
+            </a:fontRef>
+          </p:style>
+          <p:txBody>
+            <a:bodyPr rtlCol="0" anchor="ctr"/>
+            <a:lstStyle/>
+            <a:p>
+              <a:pPr algn="ctr"/>
+              <a:endParaRPr lang="ko-KR" altLang="en-US"/>
+            </a:p>
+          </p:txBody>
+        </p:sp>
+        <p:sp>
+          <p:nvSpPr>
+            <p:cNvPr id="32" name="직사각형 31"/>
+            <p:cNvSpPr/>
+            <p:nvPr/>
+          </p:nvSpPr>
+          <p:spPr>
+            <a:xfrm>
+              <a:off x="3594969" y="4822521"/>
+              <a:ext cx="45719" cy="578383"/>
+            </a:xfrm>
+            <a:prstGeom prst="rect">
+              <a:avLst/>
+            </a:prstGeom>
+            <a:grpFill/>
+            <a:ln>
+              <a:noFill/>
+            </a:ln>
+          </p:spPr>
+          <p:style>
+            <a:lnRef idx="2">
+              <a:schemeClr val="accent1">
+                <a:shade val="50000"/>
+              </a:schemeClr>
+            </a:lnRef>
+            <a:fillRef idx="1">
+              <a:schemeClr val="accent1"/>
+            </a:fillRef>
+            <a:effectRef idx="0">
+              <a:schemeClr val="accent1"/>
+            </a:effectRef>
+            <a:fontRef idx="minor">
+              <a:schemeClr val="lt1"/>
+            </a:fontRef>
+          </p:style>
+          <p:txBody>
+            <a:bodyPr rtlCol="0" anchor="ctr"/>
+            <a:lstStyle/>
+            <a:p>
+              <a:pPr algn="ctr"/>
+              <a:endParaRPr lang="ko-KR" altLang="en-US"/>
+            </a:p>
+          </p:txBody>
+        </p:sp>
+        <p:sp>
+          <p:nvSpPr>
+            <p:cNvPr id="33" name="직사각형 32"/>
+            <p:cNvSpPr/>
+            <p:nvPr/>
+          </p:nvSpPr>
+          <p:spPr>
+            <a:xfrm>
+              <a:off x="3609583" y="5350701"/>
+              <a:ext cx="162839" cy="50104"/>
+            </a:xfrm>
+            <a:prstGeom prst="rect">
+              <a:avLst/>
+            </a:prstGeom>
+            <a:grpFill/>
+            <a:ln>
+              <a:noFill/>
+            </a:ln>
+          </p:spPr>
+          <p:style>
+            <a:lnRef idx="2">
+              <a:schemeClr val="accent1">
+                <a:shade val="50000"/>
+              </a:schemeClr>
+            </a:lnRef>
+            <a:fillRef idx="1">
+              <a:schemeClr val="accent1"/>
+            </a:fillRef>
+            <a:effectRef idx="0">
+              <a:schemeClr val="accent1"/>
+            </a:effectRef>
+            <a:fontRef idx="minor">
+              <a:schemeClr val="lt1"/>
+            </a:fontRef>
+          </p:style>
+          <p:txBody>
+            <a:bodyPr rtlCol="0" anchor="ctr"/>
+            <a:lstStyle/>
+            <a:p>
+              <a:pPr algn="ctr"/>
+              <a:endParaRPr lang="ko-KR" altLang="en-US"/>
+            </a:p>
+          </p:txBody>
+        </p:sp>
+      </p:grpSp>
+    </p:spTree>
+    <p:extLst>
+      <p:ext uri="{BB962C8B-B14F-4D97-AF65-F5344CB8AC3E}">
+        <p14:creationId xmlns:p14="http://schemas.microsoft.com/office/powerpoint/2010/main" val="2391370950"/>
+      </p:ext>
+    </p:extLst>
+  </p:cSld>
+  <p:clrMapOvr>
+    <a:masterClrMapping/>
+  </p:clrMapOvr>
+  <p:timing>
+    <p:tnLst>
+      <p:par>
+        <p:cTn id="1" dur="indefinite" restart="never" nodeType="tmRoot"/>
+      </p:par>
+    </p:tnLst>
+  </p:timing>
+</p:sld>
+</file>
+
+<file path=ppt/slides/slide9.xml><?xml version="1.0" encoding="utf-8"?>
+<p:sld xmlns:a="http://schemas.openxmlformats.org/drawingml/2006/main" xmlns:r="http://schemas.openxmlformats.org/officeDocument/2006/relationships" xmlns:p="http://schemas.openxmlformats.org/presentationml/2006/main">
+  <p:cSld>
+    <p:spTree>
+      <p:nvGrpSpPr>
+        <p:cNvPr id="1" name=""/>
+        <p:cNvGrpSpPr/>
+        <p:nvPr/>
+      </p:nvGrpSpPr>
+      <p:grpSpPr>
+        <a:xfrm>
+          <a:off x="0" y="0"/>
+          <a:ext cx="0" cy="0"/>
+          <a:chOff x="0" y="0"/>
+          <a:chExt cx="0" cy="0"/>
+        </a:xfrm>
+      </p:grpSpPr>
+      <p:sp>
+        <p:nvSpPr>
+          <p:cNvPr id="4" name="직사각형 3"/>
+          <p:cNvSpPr/>
+          <p:nvPr/>
+        </p:nvSpPr>
+        <p:spPr>
+          <a:xfrm>
+            <a:off x="0" y="0"/>
+            <a:ext cx="12192000" cy="6858000"/>
+          </a:xfrm>
+          <a:prstGeom prst="rect">
+            <a:avLst/>
+          </a:prstGeom>
+          <a:solidFill>
+            <a:srgbClr val="00204F"/>
+          </a:solidFill>
+          <a:ln>
+            <a:noFill/>
+          </a:ln>
+        </p:spPr>
+        <p:style>
+          <a:lnRef idx="2">
+            <a:schemeClr val="accent1">
+              <a:shade val="50000"/>
+            </a:schemeClr>
+          </a:lnRef>
+          <a:fillRef idx="1">
+            <a:schemeClr val="accent1"/>
+          </a:fillRef>
+          <a:effectRef idx="0">
+            <a:schemeClr val="accent1"/>
+          </a:effectRef>
+          <a:fontRef idx="minor">
+            <a:schemeClr val="lt1"/>
+          </a:fontRef>
+        </p:style>
+        <p:txBody>
+          <a:bodyPr rtlCol="0" anchor="ctr"/>
+          <a:lstStyle/>
+          <a:p>
+            <a:pPr algn="ctr"/>
+            <a:endParaRPr lang="ko-KR" altLang="en-US" dirty="0"/>
+          </a:p>
+        </p:txBody>
+      </p:sp>
+      <p:sp>
+        <p:nvSpPr>
+          <p:cNvPr id="8" name="TextBox 7"/>
+          <p:cNvSpPr txBox="1"/>
+          <p:nvPr/>
+        </p:nvSpPr>
+        <p:spPr>
+          <a:xfrm>
+            <a:off x="657615" y="388307"/>
+            <a:ext cx="8724379" cy="707886"/>
+          </a:xfrm>
+          <a:prstGeom prst="rect">
+            <a:avLst/>
+          </a:prstGeom>
+          <a:noFill/>
+        </p:spPr>
+        <p:txBody>
+          <a:bodyPr wrap="square" rtlCol="0">
+            <a:spAutoFit/>
+          </a:bodyPr>
+          <a:lstStyle/>
+          <a:p>
+            <a:r>
+              <a:rPr lang="en-US" altLang="ko-KR" sz="4000" b="1" dirty="0" smtClean="0">
+                <a:solidFill>
+                  <a:schemeClr val="bg1"/>
+                </a:solidFill>
+                <a:latin typeface="나눔스퀘어_ac ExtraBold" panose="020B0600000101010101" pitchFamily="50" charset="-127"/>
+                <a:ea typeface="나눔스퀘어_ac ExtraBold" panose="020B0600000101010101" pitchFamily="50" charset="-127"/>
+              </a:rPr>
+              <a:t>3</a:t>
+            </a:r>
+            <a:r>
+              <a:rPr lang="en-US" altLang="ko-KR" sz="4000" b="1" dirty="0" smtClean="0">
+                <a:solidFill>
+                  <a:schemeClr val="bg1"/>
+                </a:solidFill>
+                <a:latin typeface="나눔스퀘어_ac ExtraBold" panose="020B0600000101010101" pitchFamily="50" charset="-127"/>
+                <a:ea typeface="나눔스퀘어_ac ExtraBold" panose="020B0600000101010101" pitchFamily="50" charset="-127"/>
+              </a:rPr>
+              <a:t>. </a:t>
+            </a:r>
+            <a:r>
+              <a:rPr lang="ko-KR" altLang="en-US" sz="4000" b="1" dirty="0" smtClean="0">
+                <a:solidFill>
+                  <a:schemeClr val="bg1"/>
+                </a:solidFill>
+                <a:latin typeface="나눔스퀘어_ac ExtraBold" panose="020B0600000101010101" pitchFamily="50" charset="-127"/>
+                <a:ea typeface="나눔스퀘어_ac ExtraBold" panose="020B0600000101010101" pitchFamily="50" charset="-127"/>
+              </a:rPr>
+              <a:t>공적 마스크 구매 예측 </a:t>
+            </a:r>
+            <a:r>
+              <a:rPr lang="ko-KR" altLang="en-US" sz="4000" b="1" dirty="0" smtClean="0">
+                <a:solidFill>
+                  <a:schemeClr val="bg1"/>
+                </a:solidFill>
+                <a:latin typeface="나눔스퀘어_ac ExtraBold" panose="020B0600000101010101" pitchFamily="50" charset="-127"/>
+                <a:ea typeface="나눔스퀘어_ac ExtraBold" panose="020B0600000101010101" pitchFamily="50" charset="-127"/>
+              </a:rPr>
+              <a:t> </a:t>
+            </a:r>
+            <a:endParaRPr lang="ko-KR" altLang="en-US" sz="4000" dirty="0">
+              <a:solidFill>
+                <a:schemeClr val="bg1"/>
+              </a:solidFill>
+              <a:latin typeface="나눔스퀘어_ac ExtraBold" panose="020B0600000101010101" pitchFamily="50" charset="-127"/>
+              <a:ea typeface="나눔스퀘어_ac ExtraBold" panose="020B0600000101010101" pitchFamily="50" charset="-127"/>
+            </a:endParaRPr>
+          </a:p>
+        </p:txBody>
+      </p:sp>
+      <p:sp>
+        <p:nvSpPr>
+          <p:cNvPr id="17" name="직사각형 16"/>
+          <p:cNvSpPr/>
+          <p:nvPr/>
+        </p:nvSpPr>
+        <p:spPr>
+          <a:xfrm>
+            <a:off x="1144043" y="1625707"/>
+            <a:ext cx="10690965" cy="3637471"/>
+          </a:xfrm>
+          <a:prstGeom prst="rect">
+            <a:avLst/>
+          </a:prstGeom>
+        </p:spPr>
+        <p:txBody>
+          <a:bodyPr wrap="square">
+            <a:spAutoFit/>
+          </a:bodyPr>
+          <a:lstStyle/>
+          <a:p>
+            <a:pPr algn="just">
+              <a:lnSpc>
+                <a:spcPct val="107000"/>
+              </a:lnSpc>
+              <a:spcAft>
+                <a:spcPts val="800"/>
+              </a:spcAft>
+            </a:pPr>
+            <a:r>
+              <a:rPr lang="en-US" altLang="ko-KR" sz="2400" b="1" kern="100" dirty="0" smtClean="0">
+                <a:solidFill>
+                  <a:schemeClr val="bg1"/>
+                </a:solidFill>
+                <a:latin typeface="맑은 고딕" panose="020B0503020000020004" pitchFamily="50" charset="-127"/>
+                <a:cs typeface="Times New Roman" panose="02020603050405020304" pitchFamily="18" charset="0"/>
+              </a:rPr>
+              <a:t># </a:t>
+            </a:r>
+            <a:r>
+              <a:rPr lang="ko-KR" altLang="ko-KR" sz="2400" b="1" kern="100" dirty="0" smtClean="0">
+                <a:solidFill>
+                  <a:schemeClr val="bg1"/>
+                </a:solidFill>
+                <a:latin typeface="맑은 고딕" panose="020B0503020000020004" pitchFamily="50" charset="-127"/>
+                <a:cs typeface="Times New Roman" panose="02020603050405020304" pitchFamily="18" charset="0"/>
+              </a:rPr>
+              <a:t>서비스</a:t>
+            </a:r>
+            <a:r>
+              <a:rPr lang="en-US" altLang="ko-KR" sz="2400" b="1" kern="100" dirty="0" smtClean="0">
+                <a:solidFill>
+                  <a:schemeClr val="bg1"/>
+                </a:solidFill>
+                <a:latin typeface="맑은 고딕" panose="020B0503020000020004" pitchFamily="50" charset="-127"/>
+                <a:cs typeface="Times New Roman" panose="02020603050405020304" pitchFamily="18" charset="0"/>
+              </a:rPr>
+              <a:t>:  </a:t>
+            </a:r>
+            <a:r>
+              <a:rPr lang="ko-KR" altLang="en-US" sz="2400" b="1" kern="100" dirty="0" smtClean="0">
+                <a:solidFill>
+                  <a:schemeClr val="bg1"/>
+                </a:solidFill>
+                <a:latin typeface="맑은 고딕" panose="020B0503020000020004" pitchFamily="50" charset="-127"/>
+                <a:cs typeface="Times New Roman" panose="02020603050405020304" pitchFamily="18" charset="0"/>
+              </a:rPr>
+              <a:t>전세계적인 신종 코로나 바이러스 유행과 관련하여</a:t>
+            </a:r>
+            <a:endParaRPr lang="en-US" altLang="ko-KR" sz="2400" b="1" kern="100" dirty="0" smtClean="0">
+              <a:solidFill>
+                <a:schemeClr val="bg1"/>
+              </a:solidFill>
+              <a:latin typeface="맑은 고딕" panose="020B0503020000020004" pitchFamily="50" charset="-127"/>
+              <a:cs typeface="Times New Roman" panose="02020603050405020304" pitchFamily="18" charset="0"/>
+            </a:endParaRPr>
+          </a:p>
+          <a:p>
+            <a:pPr algn="just">
+              <a:lnSpc>
+                <a:spcPct val="107000"/>
+              </a:lnSpc>
+              <a:spcAft>
+                <a:spcPts val="800"/>
+              </a:spcAft>
+            </a:pPr>
+            <a:r>
+              <a:rPr lang="en-US" altLang="ko-KR" sz="2400" b="1" kern="100" dirty="0">
+                <a:solidFill>
+                  <a:schemeClr val="bg1"/>
+                </a:solidFill>
+                <a:latin typeface="맑은 고딕" panose="020B0503020000020004" pitchFamily="50" charset="-127"/>
+                <a:cs typeface="Times New Roman" panose="02020603050405020304" pitchFamily="18" charset="0"/>
+              </a:rPr>
+              <a:t>	 </a:t>
+            </a:r>
+            <a:r>
+              <a:rPr lang="en-US" altLang="ko-KR" sz="2400" b="1" kern="100" dirty="0" smtClean="0">
+                <a:solidFill>
+                  <a:schemeClr val="bg1"/>
+                </a:solidFill>
+                <a:latin typeface="맑은 고딕" panose="020B0503020000020004" pitchFamily="50" charset="-127"/>
+                <a:cs typeface="Times New Roman" panose="02020603050405020304" pitchFamily="18" charset="0"/>
+              </a:rPr>
+              <a:t>     </a:t>
+            </a:r>
+            <a:r>
+              <a:rPr lang="ko-KR" altLang="en-US" sz="2400" b="1" kern="100" dirty="0" err="1" smtClean="0">
+                <a:solidFill>
+                  <a:schemeClr val="bg1"/>
+                </a:solidFill>
+                <a:latin typeface="맑은 고딕" panose="020B0503020000020004" pitchFamily="50" charset="-127"/>
+                <a:cs typeface="Times New Roman" panose="02020603050405020304" pitchFamily="18" charset="0"/>
+              </a:rPr>
+              <a:t>공적마스크</a:t>
+            </a:r>
+            <a:r>
+              <a:rPr lang="ko-KR" altLang="en-US" sz="2400" b="1" kern="100" dirty="0" smtClean="0">
+                <a:solidFill>
+                  <a:schemeClr val="bg1"/>
+                </a:solidFill>
+                <a:latin typeface="맑은 고딕" panose="020B0503020000020004" pitchFamily="50" charset="-127"/>
+                <a:cs typeface="Times New Roman" panose="02020603050405020304" pitchFamily="18" charset="0"/>
+              </a:rPr>
+              <a:t> 수급 기회 상실 최소화를 위한 서비스 개발 </a:t>
+            </a:r>
+            <a:endParaRPr lang="en-US" altLang="ko-KR" sz="2400" b="1" kern="100" dirty="0" smtClean="0">
+              <a:solidFill>
+                <a:schemeClr val="bg1"/>
+              </a:solidFill>
+              <a:latin typeface="맑은 고딕" panose="020B0503020000020004" pitchFamily="50" charset="-127"/>
+              <a:cs typeface="Times New Roman" panose="02020603050405020304" pitchFamily="18" charset="0"/>
+            </a:endParaRPr>
+          </a:p>
+          <a:p>
+            <a:pPr algn="just">
+              <a:lnSpc>
+                <a:spcPct val="107000"/>
+              </a:lnSpc>
+              <a:spcAft>
+                <a:spcPts val="800"/>
+              </a:spcAft>
+            </a:pPr>
+            <a:r>
+              <a:rPr lang="en-US" altLang="ko-KR" sz="2400" b="1" kern="100" dirty="0">
+                <a:solidFill>
+                  <a:schemeClr val="bg1"/>
+                </a:solidFill>
+                <a:latin typeface="맑은 고딕" panose="020B0503020000020004" pitchFamily="50" charset="-127"/>
+                <a:cs typeface="Times New Roman" panose="02020603050405020304" pitchFamily="18" charset="0"/>
+              </a:rPr>
+              <a:t>	 </a:t>
+            </a:r>
+            <a:r>
+              <a:rPr lang="en-US" altLang="ko-KR" sz="2400" b="1" kern="100" dirty="0" smtClean="0">
+                <a:solidFill>
+                  <a:schemeClr val="bg1"/>
+                </a:solidFill>
+                <a:latin typeface="맑은 고딕" panose="020B0503020000020004" pitchFamily="50" charset="-127"/>
+                <a:cs typeface="Times New Roman" panose="02020603050405020304" pitchFamily="18" charset="0"/>
+              </a:rPr>
+              <a:t>      </a:t>
+            </a:r>
+            <a:r>
+              <a:rPr lang="ko-KR" altLang="en-US" sz="2400" b="1" kern="100" dirty="0" smtClean="0">
+                <a:solidFill>
+                  <a:schemeClr val="bg1"/>
+                </a:solidFill>
+                <a:latin typeface="맑은 고딕" panose="020B0503020000020004" pitchFamily="50" charset="-127"/>
+                <a:cs typeface="Times New Roman" panose="02020603050405020304" pitchFamily="18" charset="0"/>
+              </a:rPr>
+              <a:t> </a:t>
+            </a:r>
+            <a:endParaRPr lang="en-US" altLang="ko-KR" sz="2000" b="1" kern="100" dirty="0" smtClean="0">
+              <a:solidFill>
+                <a:schemeClr val="bg1"/>
+              </a:solidFill>
+              <a:latin typeface="맑은 고딕" panose="020B0503020000020004" pitchFamily="50" charset="-127"/>
+              <a:cs typeface="Times New Roman" panose="02020603050405020304" pitchFamily="18" charset="0"/>
+            </a:endParaRPr>
+          </a:p>
+          <a:p>
+            <a:pPr algn="just">
+              <a:lnSpc>
+                <a:spcPct val="200000"/>
+              </a:lnSpc>
+              <a:spcAft>
+                <a:spcPts val="800"/>
+              </a:spcAft>
+            </a:pPr>
+            <a:r>
+              <a:rPr lang="en-US" altLang="ko-KR" sz="2000" b="1" kern="100" dirty="0">
+                <a:solidFill>
+                  <a:schemeClr val="bg1"/>
+                </a:solidFill>
+                <a:latin typeface="맑은 고딕" panose="020B0503020000020004" pitchFamily="50" charset="-127"/>
+                <a:cs typeface="Times New Roman" panose="02020603050405020304" pitchFamily="18" charset="0"/>
+              </a:rPr>
+              <a:t>	 </a:t>
+            </a:r>
+            <a:r>
+              <a:rPr lang="en-US" altLang="ko-KR" sz="2000" b="1" kern="100" dirty="0" smtClean="0">
+                <a:solidFill>
+                  <a:schemeClr val="bg1"/>
+                </a:solidFill>
+                <a:latin typeface="맑은 고딕" panose="020B0503020000020004" pitchFamily="50" charset="-127"/>
+                <a:cs typeface="Times New Roman" panose="02020603050405020304" pitchFamily="18" charset="0"/>
+              </a:rPr>
+              <a:t>       </a:t>
+            </a:r>
+            <a:r>
+              <a:rPr lang="ko-KR" altLang="ko-KR" sz="2000" b="1" kern="100" dirty="0" smtClean="0">
+                <a:solidFill>
+                  <a:schemeClr val="bg1"/>
+                </a:solidFill>
+                <a:latin typeface="맑은 고딕" panose="020B0503020000020004" pitchFamily="50" charset="-127"/>
+                <a:cs typeface="Times New Roman" panose="02020603050405020304" pitchFamily="18" charset="0"/>
+              </a:rPr>
+              <a:t>방법</a:t>
+            </a:r>
+            <a:r>
+              <a:rPr lang="en-US" altLang="ko-KR" sz="2000" b="1" kern="100" dirty="0">
+                <a:solidFill>
+                  <a:schemeClr val="bg1"/>
+                </a:solidFill>
+                <a:latin typeface="맑은 고딕" panose="020B0503020000020004" pitchFamily="50" charset="-127"/>
+                <a:cs typeface="Times New Roman" panose="02020603050405020304" pitchFamily="18" charset="0"/>
+              </a:rPr>
+              <a:t>1. </a:t>
+            </a:r>
+            <a:r>
+              <a:rPr lang="ko-KR" altLang="en-US" sz="2000" b="1" kern="100" dirty="0">
+                <a:solidFill>
+                  <a:schemeClr val="bg1"/>
+                </a:solidFill>
+                <a:latin typeface="맑은 고딕" panose="020B0503020000020004" pitchFamily="50" charset="-127"/>
+                <a:cs typeface="Times New Roman" panose="02020603050405020304" pitchFamily="18" charset="0"/>
+              </a:rPr>
+              <a:t>건강보험심사평가원 공적 마스크 판매 </a:t>
+            </a:r>
+            <a:r>
+              <a:rPr lang="ko-KR" altLang="en-US" sz="2000" b="1" kern="100" dirty="0" smtClean="0">
+                <a:solidFill>
+                  <a:schemeClr val="bg1"/>
+                </a:solidFill>
+                <a:latin typeface="맑은 고딕" panose="020B0503020000020004" pitchFamily="50" charset="-127"/>
+                <a:cs typeface="Times New Roman" panose="02020603050405020304" pitchFamily="18" charset="0"/>
+              </a:rPr>
+              <a:t>정보 획득</a:t>
+            </a:r>
+            <a:endParaRPr lang="en-US" altLang="ko-KR" sz="2000" b="1" kern="100" dirty="0" smtClean="0">
+              <a:solidFill>
+                <a:schemeClr val="bg1"/>
+              </a:solidFill>
+              <a:latin typeface="맑은 고딕" panose="020B0503020000020004" pitchFamily="50" charset="-127"/>
+              <a:cs typeface="Times New Roman" panose="02020603050405020304" pitchFamily="18" charset="0"/>
+            </a:endParaRPr>
+          </a:p>
+          <a:p>
+            <a:pPr algn="just">
+              <a:lnSpc>
+                <a:spcPct val="200000"/>
+              </a:lnSpc>
+              <a:spcAft>
+                <a:spcPts val="800"/>
+              </a:spcAft>
+            </a:pPr>
+            <a:r>
+              <a:rPr lang="en-US" altLang="ko-KR" sz="2000" b="1" kern="100" dirty="0" smtClean="0">
+                <a:solidFill>
+                  <a:schemeClr val="bg1"/>
+                </a:solidFill>
+                <a:latin typeface="맑은 고딕" panose="020B0503020000020004" pitchFamily="50" charset="-127"/>
+                <a:cs typeface="Times New Roman" panose="02020603050405020304" pitchFamily="18" charset="0"/>
+              </a:rPr>
+              <a:t>	        </a:t>
+            </a:r>
+            <a:r>
+              <a:rPr lang="ko-KR" altLang="ko-KR" sz="2000" b="1" kern="100" dirty="0" smtClean="0">
+                <a:solidFill>
+                  <a:schemeClr val="bg1"/>
+                </a:solidFill>
+                <a:latin typeface="맑은 고딕" panose="020B0503020000020004" pitchFamily="50" charset="-127"/>
+                <a:cs typeface="Times New Roman" panose="02020603050405020304" pitchFamily="18" charset="0"/>
+              </a:rPr>
+              <a:t>방법</a:t>
+            </a:r>
+            <a:r>
+              <a:rPr lang="en-US" altLang="ko-KR" sz="2000" b="1" kern="100" dirty="0">
+                <a:solidFill>
+                  <a:schemeClr val="bg1"/>
+                </a:solidFill>
+                <a:latin typeface="맑은 고딕" panose="020B0503020000020004" pitchFamily="50" charset="-127"/>
+                <a:cs typeface="Times New Roman" panose="02020603050405020304" pitchFamily="18" charset="0"/>
+              </a:rPr>
+              <a:t>2. </a:t>
+            </a:r>
+            <a:r>
+              <a:rPr lang="ko-KR" altLang="en-US" sz="2000" b="1" kern="100" dirty="0" smtClean="0">
+                <a:solidFill>
+                  <a:schemeClr val="bg1"/>
+                </a:solidFill>
+                <a:latin typeface="맑은 고딕" panose="020B0503020000020004" pitchFamily="50" charset="-127"/>
+                <a:cs typeface="Times New Roman" panose="02020603050405020304" pitchFamily="18" charset="0"/>
+              </a:rPr>
+              <a:t>공급 시간</a:t>
+            </a:r>
+            <a:r>
+              <a:rPr lang="en-US" altLang="ko-KR" sz="2000" b="1" kern="100" dirty="0" smtClean="0">
+                <a:solidFill>
+                  <a:schemeClr val="bg1"/>
+                </a:solidFill>
+                <a:latin typeface="맑은 고딕" panose="020B0503020000020004" pitchFamily="50" charset="-127"/>
+                <a:cs typeface="Times New Roman" panose="02020603050405020304" pitchFamily="18" charset="0"/>
+              </a:rPr>
+              <a:t>, </a:t>
+            </a:r>
+            <a:r>
+              <a:rPr lang="ko-KR" altLang="en-US" sz="2000" b="1" kern="100" dirty="0" smtClean="0">
+                <a:solidFill>
+                  <a:schemeClr val="bg1"/>
+                </a:solidFill>
+                <a:latin typeface="맑은 고딕" panose="020B0503020000020004" pitchFamily="50" charset="-127"/>
+                <a:cs typeface="Times New Roman" panose="02020603050405020304" pitchFamily="18" charset="0"/>
+              </a:rPr>
+              <a:t>재고 소진시간</a:t>
+            </a:r>
+            <a:r>
+              <a:rPr lang="en-US" altLang="ko-KR" sz="2000" b="1" kern="100" dirty="0" smtClean="0">
+                <a:solidFill>
+                  <a:schemeClr val="bg1"/>
+                </a:solidFill>
+                <a:latin typeface="맑은 고딕" panose="020B0503020000020004" pitchFamily="50" charset="-127"/>
+                <a:cs typeface="Times New Roman" panose="02020603050405020304" pitchFamily="18" charset="0"/>
+              </a:rPr>
+              <a:t>, </a:t>
+            </a:r>
+            <a:r>
+              <a:rPr lang="ko-KR" altLang="en-US" sz="2000" b="1" kern="100" dirty="0" err="1" smtClean="0">
+                <a:solidFill>
+                  <a:schemeClr val="bg1"/>
+                </a:solidFill>
+                <a:latin typeface="맑은 고딕" panose="020B0503020000020004" pitchFamily="50" charset="-127"/>
+                <a:cs typeface="Times New Roman" panose="02020603050405020304" pitchFamily="18" charset="0"/>
+              </a:rPr>
+              <a:t>거리등의</a:t>
+            </a:r>
+            <a:r>
+              <a:rPr lang="ko-KR" altLang="en-US" sz="2000" b="1" kern="100" dirty="0" smtClean="0">
+                <a:solidFill>
+                  <a:schemeClr val="bg1"/>
+                </a:solidFill>
+                <a:latin typeface="맑은 고딕" panose="020B0503020000020004" pitchFamily="50" charset="-127"/>
+                <a:cs typeface="Times New Roman" panose="02020603050405020304" pitchFamily="18" charset="0"/>
+              </a:rPr>
+              <a:t> </a:t>
+            </a:r>
+            <a:r>
+              <a:rPr lang="en-US" altLang="ko-KR" sz="2000" b="1" kern="100" dirty="0" smtClean="0">
+                <a:solidFill>
+                  <a:schemeClr val="bg1"/>
+                </a:solidFill>
+                <a:latin typeface="맑은 고딕" panose="020B0503020000020004" pitchFamily="50" charset="-127"/>
+                <a:cs typeface="Times New Roman" panose="02020603050405020304" pitchFamily="18" charset="0"/>
+              </a:rPr>
+              <a:t>feature</a:t>
+            </a:r>
+            <a:r>
+              <a:rPr lang="ko-KR" altLang="en-US" sz="2000" b="1" kern="100" dirty="0" smtClean="0">
+                <a:solidFill>
+                  <a:schemeClr val="bg1"/>
+                </a:solidFill>
+                <a:latin typeface="맑은 고딕" panose="020B0503020000020004" pitchFamily="50" charset="-127"/>
+                <a:cs typeface="Times New Roman" panose="02020603050405020304" pitchFamily="18" charset="0"/>
+              </a:rPr>
+              <a:t>를 기반으로 학습</a:t>
+            </a:r>
+            <a:endParaRPr lang="ko-KR" altLang="ko-KR" sz="2000" b="1" kern="100" dirty="0">
+              <a:solidFill>
+                <a:schemeClr val="bg1"/>
+              </a:solidFill>
+              <a:latin typeface="맑은 고딕" panose="020B0503020000020004" pitchFamily="50" charset="-127"/>
+              <a:cs typeface="Times New Roman" panose="02020603050405020304" pitchFamily="18" charset="0"/>
+            </a:endParaRPr>
+          </a:p>
+          <a:p>
+            <a:pPr>
+              <a:lnSpc>
+                <a:spcPct val="200000"/>
+              </a:lnSpc>
+            </a:pPr>
+            <a:r>
+              <a:rPr lang="en-US" altLang="ko-KR" sz="2000" b="1" dirty="0" smtClean="0">
+                <a:solidFill>
+                  <a:schemeClr val="bg1"/>
+                </a:solidFill>
+                <a:cs typeface="Times New Roman" panose="02020603050405020304" pitchFamily="18" charset="0"/>
+              </a:rPr>
+              <a:t>	        </a:t>
+            </a:r>
+            <a:r>
+              <a:rPr lang="ko-KR" altLang="ko-KR" sz="2000" b="1" dirty="0" smtClean="0">
+                <a:solidFill>
+                  <a:schemeClr val="bg1"/>
+                </a:solidFill>
+                <a:cs typeface="Times New Roman" panose="02020603050405020304" pitchFamily="18" charset="0"/>
+              </a:rPr>
+              <a:t>방법</a:t>
+            </a:r>
+            <a:r>
+              <a:rPr lang="en-US" altLang="ko-KR" sz="2000" b="1" dirty="0">
+                <a:solidFill>
+                  <a:schemeClr val="bg1"/>
+                </a:solidFill>
+                <a:cs typeface="Times New Roman" panose="02020603050405020304" pitchFamily="18" charset="0"/>
+              </a:rPr>
+              <a:t>3. </a:t>
+            </a:r>
+            <a:r>
+              <a:rPr lang="ko-KR" altLang="en-US" sz="2000" b="1" dirty="0" smtClean="0">
+                <a:solidFill>
+                  <a:schemeClr val="bg1"/>
+                </a:solidFill>
+                <a:cs typeface="Times New Roman" panose="02020603050405020304" pitchFamily="18" charset="0"/>
+              </a:rPr>
+              <a:t>지정 약국에 들러 마스크를 구할 수 </a:t>
+            </a:r>
+            <a:r>
+              <a:rPr lang="ko-KR" altLang="en-US" sz="2000" b="1" dirty="0" smtClean="0">
+                <a:solidFill>
+                  <a:schemeClr val="bg1"/>
+                </a:solidFill>
+                <a:cs typeface="Times New Roman" panose="02020603050405020304" pitchFamily="18" charset="0"/>
+              </a:rPr>
+              <a:t>있을 확률을 표시 </a:t>
+            </a:r>
+            <a:endParaRPr lang="ko-KR" altLang="en-US" sz="2000" b="1" dirty="0">
+              <a:solidFill>
+                <a:schemeClr val="bg1"/>
+              </a:solidFill>
+            </a:endParaRPr>
+          </a:p>
+        </p:txBody>
+      </p:sp>
+      <p:cxnSp>
+        <p:nvCxnSpPr>
+          <p:cNvPr id="18" name="직선 연결선 17"/>
+          <p:cNvCxnSpPr/>
+          <p:nvPr/>
+        </p:nvCxnSpPr>
+        <p:spPr>
+          <a:xfrm>
+            <a:off x="2494767" y="3243962"/>
+            <a:ext cx="0" cy="1944000"/>
+          </a:xfrm>
+          <a:prstGeom prst="line">
+            <a:avLst/>
+          </a:prstGeom>
+          <a:ln>
+            <a:solidFill>
+              <a:schemeClr val="bg1"/>
+            </a:solidFill>
+          </a:ln>
+        </p:spPr>
+        <p:style>
+          <a:lnRef idx="1">
+            <a:schemeClr val="accent1"/>
+          </a:lnRef>
+          <a:fillRef idx="0">
+            <a:schemeClr val="accent1"/>
+          </a:fillRef>
+          <a:effectRef idx="0">
+            <a:schemeClr val="accent1"/>
+          </a:effectRef>
+          <a:fontRef idx="minor">
+            <a:schemeClr val="tx1"/>
+          </a:fontRef>
+        </p:style>
+      </p:cxnSp>
+    </p:spTree>
+    <p:extLst>
+      <p:ext uri="{BB962C8B-B14F-4D97-AF65-F5344CB8AC3E}">
+        <p14:creationId xmlns:p14="http://schemas.microsoft.com/office/powerpoint/2010/main" val="1400993895"/>
       </p:ext>
     </p:extLst>
   </p:cSld>
